--- a/courses/apcsp/processing_arcade/processing5.pptx
+++ b/courses/apcsp/processing_arcade/processing5.pptx
@@ -5,22 +5,23 @@
     <p:sldMasterId id="2147483791" r:id="rId1"/>
   </p:sldMasterIdLst>
   <p:notesMasterIdLst>
-    <p:notesMasterId r:id="rId15"/>
+    <p:notesMasterId r:id="rId16"/>
   </p:notesMasterIdLst>
   <p:sldIdLst>
     <p:sldId id="555" r:id="rId2"/>
     <p:sldId id="350" r:id="rId3"/>
-    <p:sldId id="565" r:id="rId4"/>
-    <p:sldId id="288" r:id="rId5"/>
-    <p:sldId id="338" r:id="rId6"/>
-    <p:sldId id="566" r:id="rId7"/>
-    <p:sldId id="569" r:id="rId8"/>
-    <p:sldId id="568" r:id="rId9"/>
-    <p:sldId id="570" r:id="rId10"/>
-    <p:sldId id="571" r:id="rId11"/>
-    <p:sldId id="572" r:id="rId12"/>
-    <p:sldId id="573" r:id="rId13"/>
-    <p:sldId id="574" r:id="rId14"/>
+    <p:sldId id="575" r:id="rId4"/>
+    <p:sldId id="565" r:id="rId5"/>
+    <p:sldId id="288" r:id="rId6"/>
+    <p:sldId id="338" r:id="rId7"/>
+    <p:sldId id="566" r:id="rId8"/>
+    <p:sldId id="569" r:id="rId9"/>
+    <p:sldId id="568" r:id="rId10"/>
+    <p:sldId id="570" r:id="rId11"/>
+    <p:sldId id="571" r:id="rId12"/>
+    <p:sldId id="572" r:id="rId13"/>
+    <p:sldId id="573" r:id="rId14"/>
+    <p:sldId id="574" r:id="rId15"/>
   </p:sldIdLst>
   <p:sldSz cx="9144000" cy="5715000" type="screen16x10"/>
   <p:notesSz cx="6858000" cy="9144000"/>
@@ -130,7 +131,7 @@
 <file path=ppt/revisionInfo.xml><?xml version="1.0" encoding="utf-8"?>
 <p1510:revInfo xmlns:a="http://schemas.openxmlformats.org/drawingml/2006/main" xmlns:r="http://schemas.openxmlformats.org/officeDocument/2006/relationships" xmlns:p1510="http://schemas.microsoft.com/office/powerpoint/2015/10/main">
   <p1510:revLst>
-    <p1510:client id="{78644ED0-A0E5-E54E-82B5-0B3476B9E10B}" v="359" dt="2024-01-07T16:28:53.115"/>
+    <p1510:client id="{78644ED0-A0E5-E54E-82B5-0B3476B9E10B}" v="361" dt="2024-01-08T13:23:17.633"/>
   </p1510:revLst>
 </p1510:revInfo>
 </file>
@@ -2194,7 +2195,7 @@
   <pc:docChgLst>
     <pc:chgData name="Long B Nguyen" userId="f59fb8f3-a021-417a-8bc1-65c8d471c621" providerId="ADAL" clId="{78644ED0-A0E5-E54E-82B5-0B3476B9E10B}"/>
     <pc:docChg chg="undo custSel addSld delSld modSld">
-      <pc:chgData name="Long B Nguyen" userId="f59fb8f3-a021-417a-8bc1-65c8d471c621" providerId="ADAL" clId="{78644ED0-A0E5-E54E-82B5-0B3476B9E10B}" dt="2024-01-07T16:30:48.127" v="1256" actId="20577"/>
+      <pc:chgData name="Long B Nguyen" userId="f59fb8f3-a021-417a-8bc1-65c8d471c621" providerId="ADAL" clId="{78644ED0-A0E5-E54E-82B5-0B3476B9E10B}" dt="2024-01-08T13:23:46.427" v="1278" actId="478"/>
       <pc:docMkLst>
         <pc:docMk/>
       </pc:docMkLst>
@@ -2442,8 +2443,8 @@
           </ac:picMkLst>
         </pc:picChg>
       </pc:sldChg>
-      <pc:sldChg chg="addSp delSp modSp mod modAnim">
-        <pc:chgData name="Long B Nguyen" userId="f59fb8f3-a021-417a-8bc1-65c8d471c621" providerId="ADAL" clId="{78644ED0-A0E5-E54E-82B5-0B3476B9E10B}" dt="2024-01-05T18:19:12.383" v="362" actId="20577"/>
+      <pc:sldChg chg="addSp delSp modSp mod delAnim modAnim">
+        <pc:chgData name="Long B Nguyen" userId="f59fb8f3-a021-417a-8bc1-65c8d471c621" providerId="ADAL" clId="{78644ED0-A0E5-E54E-82B5-0B3476B9E10B}" dt="2024-01-08T13:23:43.492" v="1277" actId="1076"/>
         <pc:sldMkLst>
           <pc:docMk/>
           <pc:sldMk cId="118089062" sldId="350"/>
@@ -2480,76 +2481,84 @@
             <ac:spMk id="18" creationId="{B1127922-D1FA-4296-5374-6EDF9EF0E40D}"/>
           </ac:spMkLst>
         </pc:spChg>
-        <pc:picChg chg="add mod">
-          <ac:chgData name="Long B Nguyen" userId="f59fb8f3-a021-417a-8bc1-65c8d471c621" providerId="ADAL" clId="{78644ED0-A0E5-E54E-82B5-0B3476B9E10B}" dt="2024-01-05T17:25:26.394" v="46" actId="1076"/>
+        <pc:picChg chg="add del mod">
+          <ac:chgData name="Long B Nguyen" userId="f59fb8f3-a021-417a-8bc1-65c8d471c621" providerId="ADAL" clId="{78644ED0-A0E5-E54E-82B5-0B3476B9E10B}" dt="2024-01-08T13:23:31.966" v="1268" actId="478"/>
           <ac:picMkLst>
             <pc:docMk/>
             <pc:sldMk cId="118089062" sldId="350"/>
             <ac:picMk id="4" creationId="{7D4BC2F2-4F68-0FEE-91AF-8C4864AF887D}"/>
           </ac:picMkLst>
         </pc:picChg>
-        <pc:picChg chg="mod">
-          <ac:chgData name="Long B Nguyen" userId="f59fb8f3-a021-417a-8bc1-65c8d471c621" providerId="ADAL" clId="{78644ED0-A0E5-E54E-82B5-0B3476B9E10B}" dt="2024-01-05T17:25:23.946" v="45" actId="1076"/>
+        <pc:picChg chg="del mod">
+          <ac:chgData name="Long B Nguyen" userId="f59fb8f3-a021-417a-8bc1-65c8d471c621" providerId="ADAL" clId="{78644ED0-A0E5-E54E-82B5-0B3476B9E10B}" dt="2024-01-08T13:23:30.323" v="1267" actId="478"/>
           <ac:picMkLst>
             <pc:docMk/>
             <pc:sldMk cId="118089062" sldId="350"/>
             <ac:picMk id="5" creationId="{DCE27A21-98CD-1D43-A4C8-E79F87B2941C}"/>
           </ac:picMkLst>
         </pc:picChg>
-        <pc:picChg chg="add mod">
-          <ac:chgData name="Long B Nguyen" userId="f59fb8f3-a021-417a-8bc1-65c8d471c621" providerId="ADAL" clId="{78644ED0-A0E5-E54E-82B5-0B3476B9E10B}" dt="2024-01-05T17:25:17.966" v="43" actId="1036"/>
+        <pc:picChg chg="add del mod">
+          <ac:chgData name="Long B Nguyen" userId="f59fb8f3-a021-417a-8bc1-65c8d471c621" providerId="ADAL" clId="{78644ED0-A0E5-E54E-82B5-0B3476B9E10B}" dt="2024-01-08T13:23:29.759" v="1266" actId="478"/>
           <ac:picMkLst>
             <pc:docMk/>
             <pc:sldMk cId="118089062" sldId="350"/>
             <ac:picMk id="6" creationId="{1FA52EC6-A2C5-4614-9EEA-24B8ABF64376}"/>
           </ac:picMkLst>
         </pc:picChg>
-        <pc:picChg chg="mod">
-          <ac:chgData name="Long B Nguyen" userId="f59fb8f3-a021-417a-8bc1-65c8d471c621" providerId="ADAL" clId="{78644ED0-A0E5-E54E-82B5-0B3476B9E10B}" dt="2024-01-05T17:25:40.443" v="48" actId="1076"/>
+        <pc:picChg chg="del mod">
+          <ac:chgData name="Long B Nguyen" userId="f59fb8f3-a021-417a-8bc1-65c8d471c621" providerId="ADAL" clId="{78644ED0-A0E5-E54E-82B5-0B3476B9E10B}" dt="2024-01-08T13:23:25.259" v="1260" actId="478"/>
           <ac:picMkLst>
             <pc:docMk/>
             <pc:sldMk cId="118089062" sldId="350"/>
             <ac:picMk id="7" creationId="{2C2737B9-DB83-C846-B719-01B5B146C3C4}"/>
           </ac:picMkLst>
         </pc:picChg>
-        <pc:picChg chg="add mod">
-          <ac:chgData name="Long B Nguyen" userId="f59fb8f3-a021-417a-8bc1-65c8d471c621" providerId="ADAL" clId="{78644ED0-A0E5-E54E-82B5-0B3476B9E10B}" dt="2024-01-05T17:25:13.542" v="40" actId="1076"/>
+        <pc:picChg chg="add del mod">
+          <ac:chgData name="Long B Nguyen" userId="f59fb8f3-a021-417a-8bc1-65c8d471c621" providerId="ADAL" clId="{78644ED0-A0E5-E54E-82B5-0B3476B9E10B}" dt="2024-01-08T13:23:29.206" v="1265" actId="478"/>
           <ac:picMkLst>
             <pc:docMk/>
             <pc:sldMk cId="118089062" sldId="350"/>
             <ac:picMk id="8" creationId="{E72E9E6A-A1B3-9EED-C158-AD759BF535B3}"/>
           </ac:picMkLst>
         </pc:picChg>
-        <pc:picChg chg="add mod">
-          <ac:chgData name="Long B Nguyen" userId="f59fb8f3-a021-417a-8bc1-65c8d471c621" providerId="ADAL" clId="{78644ED0-A0E5-E54E-82B5-0B3476B9E10B}" dt="2024-01-05T18:15:58.439" v="183" actId="1035"/>
+        <pc:picChg chg="add del mod">
+          <ac:chgData name="Long B Nguyen" userId="f59fb8f3-a021-417a-8bc1-65c8d471c621" providerId="ADAL" clId="{78644ED0-A0E5-E54E-82B5-0B3476B9E10B}" dt="2024-01-08T13:23:27.778" v="1263" actId="478"/>
           <ac:picMkLst>
             <pc:docMk/>
             <pc:sldMk cId="118089062" sldId="350"/>
             <ac:picMk id="10" creationId="{B82EA4E7-BAA0-D5E0-88DA-5FFF5C10AB45}"/>
           </ac:picMkLst>
         </pc:picChg>
-        <pc:picChg chg="add mod">
-          <ac:chgData name="Long B Nguyen" userId="f59fb8f3-a021-417a-8bc1-65c8d471c621" providerId="ADAL" clId="{78644ED0-A0E5-E54E-82B5-0B3476B9E10B}" dt="2024-01-05T17:25:07.913" v="38" actId="1076"/>
+        <pc:picChg chg="add del mod">
+          <ac:chgData name="Long B Nguyen" userId="f59fb8f3-a021-417a-8bc1-65c8d471c621" providerId="ADAL" clId="{78644ED0-A0E5-E54E-82B5-0B3476B9E10B}" dt="2024-01-08T13:23:28.754" v="1264" actId="478"/>
           <ac:picMkLst>
             <pc:docMk/>
             <pc:sldMk cId="118089062" sldId="350"/>
             <ac:picMk id="11" creationId="{6493E021-6BB6-9878-F788-A4B89FBA5A8C}"/>
           </ac:picMkLst>
         </pc:picChg>
-        <pc:picChg chg="add mod">
-          <ac:chgData name="Long B Nguyen" userId="f59fb8f3-a021-417a-8bc1-65c8d471c621" providerId="ADAL" clId="{78644ED0-A0E5-E54E-82B5-0B3476B9E10B}" dt="2024-01-05T18:15:58.439" v="183" actId="1035"/>
+        <pc:picChg chg="add del mod">
+          <ac:chgData name="Long B Nguyen" userId="f59fb8f3-a021-417a-8bc1-65c8d471c621" providerId="ADAL" clId="{78644ED0-A0E5-E54E-82B5-0B3476B9E10B}" dt="2024-01-08T13:23:26.387" v="1261" actId="478"/>
           <ac:picMkLst>
             <pc:docMk/>
             <pc:sldMk cId="118089062" sldId="350"/>
             <ac:picMk id="12" creationId="{ED06BEC8-5C6A-D566-1F6A-C860232648D6}"/>
           </ac:picMkLst>
         </pc:picChg>
-        <pc:picChg chg="add mod">
-          <ac:chgData name="Long B Nguyen" userId="f59fb8f3-a021-417a-8bc1-65c8d471c621" providerId="ADAL" clId="{78644ED0-A0E5-E54E-82B5-0B3476B9E10B}" dt="2024-01-05T18:15:58.439" v="183" actId="1035"/>
+        <pc:picChg chg="add del mod">
+          <ac:chgData name="Long B Nguyen" userId="f59fb8f3-a021-417a-8bc1-65c8d471c621" providerId="ADAL" clId="{78644ED0-A0E5-E54E-82B5-0B3476B9E10B}" dt="2024-01-08T13:23:27.040" v="1262" actId="478"/>
           <ac:picMkLst>
             <pc:docMk/>
             <pc:sldMk cId="118089062" sldId="350"/>
             <ac:picMk id="13" creationId="{DBE0A4A0-86C6-46A3-D3D9-94F24F2B1586}"/>
+          </ac:picMkLst>
+        </pc:picChg>
+        <pc:picChg chg="add mod">
+          <ac:chgData name="Long B Nguyen" userId="f59fb8f3-a021-417a-8bc1-65c8d471c621" providerId="ADAL" clId="{78644ED0-A0E5-E54E-82B5-0B3476B9E10B}" dt="2024-01-08T13:23:43.492" v="1277" actId="1076"/>
+          <ac:picMkLst>
+            <pc:docMk/>
+            <pc:sldMk cId="118089062" sldId="350"/>
+            <ac:picMk id="14" creationId="{98BFE717-7F26-E699-A791-F55D5AD82590}"/>
           </ac:picMkLst>
         </pc:picChg>
         <pc:picChg chg="add del mod">
@@ -2600,24 +2609,24 @@
             <ac:picMk id="21" creationId="{1B736D35-4B5D-6BFA-5233-03005FEC0E67}"/>
           </ac:picMkLst>
         </pc:picChg>
-        <pc:picChg chg="add mod">
-          <ac:chgData name="Long B Nguyen" userId="f59fb8f3-a021-417a-8bc1-65c8d471c621" providerId="ADAL" clId="{78644ED0-A0E5-E54E-82B5-0B3476B9E10B}" dt="2024-01-05T18:16:03.459" v="197" actId="1035"/>
+        <pc:picChg chg="add del mod">
+          <ac:chgData name="Long B Nguyen" userId="f59fb8f3-a021-417a-8bc1-65c8d471c621" providerId="ADAL" clId="{78644ED0-A0E5-E54E-82B5-0B3476B9E10B}" dt="2024-01-08T13:23:38.691" v="1274" actId="478"/>
           <ac:picMkLst>
             <pc:docMk/>
             <pc:sldMk cId="118089062" sldId="350"/>
             <ac:picMk id="22" creationId="{DCC3419F-ED3A-8687-DF42-1CEC2510C137}"/>
           </ac:picMkLst>
         </pc:picChg>
-        <pc:picChg chg="add mod">
-          <ac:chgData name="Long B Nguyen" userId="f59fb8f3-a021-417a-8bc1-65c8d471c621" providerId="ADAL" clId="{78644ED0-A0E5-E54E-82B5-0B3476B9E10B}" dt="2024-01-05T18:16:03.459" v="197" actId="1035"/>
+        <pc:picChg chg="add del mod">
+          <ac:chgData name="Long B Nguyen" userId="f59fb8f3-a021-417a-8bc1-65c8d471c621" providerId="ADAL" clId="{78644ED0-A0E5-E54E-82B5-0B3476B9E10B}" dt="2024-01-08T13:23:37.790" v="1272" actId="478"/>
           <ac:picMkLst>
             <pc:docMk/>
             <pc:sldMk cId="118089062" sldId="350"/>
             <ac:picMk id="23" creationId="{3AA5FB1B-DE4E-2D1D-C592-051A776B8F70}"/>
           </ac:picMkLst>
         </pc:picChg>
-        <pc:picChg chg="add mod">
-          <ac:chgData name="Long B Nguyen" userId="f59fb8f3-a021-417a-8bc1-65c8d471c621" providerId="ADAL" clId="{78644ED0-A0E5-E54E-82B5-0B3476B9E10B}" dt="2024-01-05T18:16:03.459" v="197" actId="1035"/>
+        <pc:picChg chg="add del mod">
+          <ac:chgData name="Long B Nguyen" userId="f59fb8f3-a021-417a-8bc1-65c8d471c621" providerId="ADAL" clId="{78644ED0-A0E5-E54E-82B5-0B3476B9E10B}" dt="2024-01-08T13:23:38.273" v="1273" actId="478"/>
           <ac:picMkLst>
             <pc:docMk/>
             <pc:sldMk cId="118089062" sldId="350"/>
@@ -3689,6 +3698,21 @@
             <ac:cxnSpMk id="12" creationId="{27D76A3C-A725-53DE-33C1-875483D130E4}"/>
           </ac:cxnSpMkLst>
         </pc:cxnChg>
+      </pc:sldChg>
+      <pc:sldChg chg="delSp add mod">
+        <pc:chgData name="Long B Nguyen" userId="f59fb8f3-a021-417a-8bc1-65c8d471c621" providerId="ADAL" clId="{78644ED0-A0E5-E54E-82B5-0B3476B9E10B}" dt="2024-01-08T13:23:46.427" v="1278" actId="478"/>
+        <pc:sldMkLst>
+          <pc:docMk/>
+          <pc:sldMk cId="1602802398" sldId="575"/>
+        </pc:sldMkLst>
+        <pc:picChg chg="del">
+          <ac:chgData name="Long B Nguyen" userId="f59fb8f3-a021-417a-8bc1-65c8d471c621" providerId="ADAL" clId="{78644ED0-A0E5-E54E-82B5-0B3476B9E10B}" dt="2024-01-08T13:23:46.427" v="1278" actId="478"/>
+          <ac:picMkLst>
+            <pc:docMk/>
+            <pc:sldMk cId="1602802398" sldId="575"/>
+            <ac:picMk id="14" creationId="{98BFE717-7F26-E699-A791-F55D5AD82590}"/>
+          </ac:picMkLst>
+        </pc:picChg>
       </pc:sldChg>
     </pc:docChg>
   </pc:docChgLst>
@@ -6007,7 +6031,7 @@
           <a:p>
             <a:fld id="{29FB45CD-1365-4F4B-B580-C19222E1A371}" type="datetimeFigureOut">
               <a:rPr lang="en-US" smtClean="0"/>
-              <a:t>1/7/24</a:t>
+              <a:t>1/8/24</a:t>
             </a:fld>
             <a:endParaRPr lang="en-US"/>
           </a:p>
@@ -6339,7 +6363,7 @@
           <a:p>
             <a:fld id="{B8FF1548-1F50-8049-A5B3-6549A1D01BC5}" type="slidenum">
               <a:rPr lang="en-US" smtClean="0"/>
-              <a:t>3</a:t>
+              <a:t>4</a:t>
             </a:fld>
             <a:endParaRPr lang="en-US"/>
           </a:p>
@@ -6489,7 +6513,7 @@
           <a:p>
             <a:fld id="{4AAD347D-5ACD-4C99-B74B-A9C85AD731AF}" type="datetimeFigureOut">
               <a:rPr lang="en-US" smtClean="0"/>
-              <a:t>1/7/24</a:t>
+              <a:t>1/8/24</a:t>
             </a:fld>
             <a:endParaRPr lang="en-US" dirty="0"/>
           </a:p>
@@ -6659,7 +6683,7 @@
           <a:p>
             <a:fld id="{4509A250-FF31-4206-8172-F9D3106AACB1}" type="datetimeFigureOut">
               <a:rPr lang="en-US" smtClean="0"/>
-              <a:t>1/7/24</a:t>
+              <a:t>1/8/24</a:t>
             </a:fld>
             <a:endParaRPr lang="en-US" dirty="0"/>
           </a:p>
@@ -6839,7 +6863,7 @@
           <a:p>
             <a:fld id="{4509A250-FF31-4206-8172-F9D3106AACB1}" type="datetimeFigureOut">
               <a:rPr lang="en-US" smtClean="0"/>
-              <a:t>1/7/24</a:t>
+              <a:t>1/8/24</a:t>
             </a:fld>
             <a:endParaRPr lang="en-US" dirty="0"/>
           </a:p>
@@ -7009,7 +7033,7 @@
           <a:p>
             <a:fld id="{4509A250-FF31-4206-8172-F9D3106AACB1}" type="datetimeFigureOut">
               <a:rPr lang="en-US" smtClean="0"/>
-              <a:t>1/7/24</a:t>
+              <a:t>1/8/24</a:t>
             </a:fld>
             <a:endParaRPr lang="en-US" dirty="0"/>
           </a:p>
@@ -7255,7 +7279,7 @@
           <a:p>
             <a:fld id="{9796027F-7875-4030-9381-8BD8C4F21935}" type="datetimeFigureOut">
               <a:rPr lang="en-US" smtClean="0"/>
-              <a:t>1/7/24</a:t>
+              <a:t>1/8/24</a:t>
             </a:fld>
             <a:endParaRPr lang="en-US" dirty="0"/>
           </a:p>
@@ -7487,7 +7511,7 @@
           <a:p>
             <a:fld id="{9796027F-7875-4030-9381-8BD8C4F21935}" type="datetimeFigureOut">
               <a:rPr lang="en-US" smtClean="0"/>
-              <a:t>1/7/24</a:t>
+              <a:t>1/8/24</a:t>
             </a:fld>
             <a:endParaRPr lang="en-US" dirty="0"/>
           </a:p>
@@ -7854,7 +7878,7 @@
           <a:p>
             <a:fld id="{9796027F-7875-4030-9381-8BD8C4F21935}" type="datetimeFigureOut">
               <a:rPr lang="en-US" smtClean="0"/>
-              <a:t>1/7/24</a:t>
+              <a:t>1/8/24</a:t>
             </a:fld>
             <a:endParaRPr lang="en-US" dirty="0"/>
           </a:p>
@@ -7972,7 +7996,7 @@
           <a:p>
             <a:fld id="{4509A250-FF31-4206-8172-F9D3106AACB1}" type="datetimeFigureOut">
               <a:rPr lang="en-US" smtClean="0"/>
-              <a:t>1/7/24</a:t>
+              <a:t>1/8/24</a:t>
             </a:fld>
             <a:endParaRPr lang="en-US" dirty="0"/>
           </a:p>
@@ -8067,7 +8091,7 @@
           <a:p>
             <a:fld id="{4509A250-FF31-4206-8172-F9D3106AACB1}" type="datetimeFigureOut">
               <a:rPr lang="en-US" smtClean="0"/>
-              <a:t>1/7/24</a:t>
+              <a:t>1/8/24</a:t>
             </a:fld>
             <a:endParaRPr lang="en-US" dirty="0"/>
           </a:p>
@@ -8344,7 +8368,7 @@
           <a:p>
             <a:fld id="{4509A250-FF31-4206-8172-F9D3106AACB1}" type="datetimeFigureOut">
               <a:rPr lang="en-US" smtClean="0"/>
-              <a:t>1/7/24</a:t>
+              <a:t>1/8/24</a:t>
             </a:fld>
             <a:endParaRPr lang="en-US" dirty="0"/>
           </a:p>
@@ -8601,7 +8625,7 @@
           <a:p>
             <a:fld id="{4509A250-FF31-4206-8172-F9D3106AACB1}" type="datetimeFigureOut">
               <a:rPr lang="en-US" smtClean="0"/>
-              <a:t>1/7/24</a:t>
+              <a:t>1/8/24</a:t>
             </a:fld>
             <a:endParaRPr lang="en-US" dirty="0"/>
           </a:p>
@@ -8814,7 +8838,7 @@
           <a:p>
             <a:fld id="{4AAD347D-5ACD-4C99-B74B-A9C85AD731AF}" type="datetimeFigureOut">
               <a:rPr lang="en-US" smtClean="0"/>
-              <a:t>1/7/24</a:t>
+              <a:t>1/8/24</a:t>
             </a:fld>
             <a:endParaRPr lang="en-US" dirty="0"/>
           </a:p>
@@ -9437,7 +9461,7 @@
         <p:spPr>
           <a:xfrm>
             <a:off x="4186924" y="872451"/>
-            <a:ext cx="5332796" cy="2308324"/>
+            <a:ext cx="5332796" cy="2031325"/>
           </a:xfrm>
           <a:prstGeom prst="rect">
             <a:avLst/>
@@ -9482,26 +9506,84 @@
           <a:p>
             <a:r>
               <a:rPr lang="en-US" sz="1800" dirty="0"/>
-              <a:t>								collided platform</a:t>
-            </a:r>
-          </a:p>
-          <a:p>
-            <a:r>
-              <a:rPr lang="en-US" sz="1800" dirty="0"/>
-              <a:t>  if player is moving left:</a:t>
+              <a:t>								collided platform </a:t>
             </a:r>
           </a:p>
           <a:p>
             <a:endParaRPr lang="en-US" sz="1800" dirty="0"/>
+          </a:p>
+        </p:txBody>
+      </p:sp>
+      <p:sp>
+        <p:nvSpPr>
+          <p:cNvPr id="9" name="TextBox 8">
+            <a:extLst>
+              <a:ext uri="{FF2B5EF4-FFF2-40B4-BE49-F238E27FC236}">
+                <a16:creationId xmlns:a16="http://schemas.microsoft.com/office/drawing/2014/main" id="{E1513AD7-DD4F-4844-A45C-15B893C5402D}"/>
+              </a:ext>
+            </a:extLst>
+          </p:cNvPr>
+          <p:cNvSpPr txBox="1"/>
+          <p:nvPr/>
+        </p:nvSpPr>
+        <p:spPr>
+          <a:xfrm>
+            <a:off x="269379" y="1803769"/>
+            <a:ext cx="184731" cy="415498"/>
+          </a:xfrm>
+          <a:prstGeom prst="rect">
+            <a:avLst/>
+          </a:prstGeom>
+          <a:noFill/>
+        </p:spPr>
+        <p:txBody>
+          <a:bodyPr wrap="none" rtlCol="0">
+            <a:spAutoFit/>
+          </a:bodyPr>
+          <a:lstStyle/>
+          <a:p>
+            <a:endParaRPr lang="en-US" sz="2100" dirty="0"/>
+          </a:p>
+        </p:txBody>
+      </p:sp>
+      <p:sp>
+        <p:nvSpPr>
+          <p:cNvPr id="25" name="TextBox 24">
+            <a:extLst>
+              <a:ext uri="{FF2B5EF4-FFF2-40B4-BE49-F238E27FC236}">
+                <a16:creationId xmlns:a16="http://schemas.microsoft.com/office/drawing/2014/main" id="{86AC38CF-2092-6F43-8B35-4D18887AC663}"/>
+              </a:ext>
+            </a:extLst>
+          </p:cNvPr>
+          <p:cNvSpPr txBox="1"/>
+          <p:nvPr/>
+        </p:nvSpPr>
+        <p:spPr>
+          <a:xfrm>
+            <a:off x="269379" y="511444"/>
+            <a:ext cx="184731" cy="308418"/>
+          </a:xfrm>
+          <a:prstGeom prst="rect">
+            <a:avLst/>
+          </a:prstGeom>
+          <a:noFill/>
+        </p:spPr>
+        <p:txBody>
+          <a:bodyPr wrap="none" rtlCol="0">
+            <a:spAutoFit/>
+          </a:bodyPr>
+          <a:lstStyle/>
+          <a:p>
+            <a:endParaRPr lang="en-US" dirty="0"/>
           </a:p>
         </p:txBody>
       </p:sp>
       <p:pic>
         <p:nvPicPr>
-          <p:cNvPr id="8" name="Picture 7" descr="Chart&#10;&#10;Description automatically generated with low confidence">
+          <p:cNvPr id="3" name="Picture 2" descr="Icon&#10;&#10;Description automatically generated">
             <a:extLst>
               <a:ext uri="{FF2B5EF4-FFF2-40B4-BE49-F238E27FC236}">
-                <a16:creationId xmlns:a16="http://schemas.microsoft.com/office/drawing/2014/main" id="{B122AC4E-667D-0FC6-9D09-B5CE887CBB9A}"/>
+                <a16:creationId xmlns:a16="http://schemas.microsoft.com/office/drawing/2014/main" id="{9D854B95-B0A1-0013-8660-47C3570B8FFA}"/>
               </a:ext>
             </a:extLst>
           </p:cNvPr>
@@ -9518,8 +9600,8 @@
         </p:blipFill>
         <p:spPr>
           <a:xfrm>
-            <a:off x="1531100" y="2810862"/>
-            <a:ext cx="596028" cy="596028"/>
+            <a:off x="837972" y="2449346"/>
+            <a:ext cx="652793" cy="596028"/>
           </a:xfrm>
           <a:prstGeom prst="rect">
             <a:avLst/>
@@ -9533,10 +9615,10 @@
       </p:pic>
       <p:pic>
         <p:nvPicPr>
-          <p:cNvPr id="10" name="Picture 9" descr="Chart&#10;&#10;Description automatically generated with low confidence">
+          <p:cNvPr id="7" name="Picture 6" descr="Chart&#10;&#10;Description automatically generated with low confidence">
             <a:extLst>
               <a:ext uri="{FF2B5EF4-FFF2-40B4-BE49-F238E27FC236}">
-                <a16:creationId xmlns:a16="http://schemas.microsoft.com/office/drawing/2014/main" id="{B0D9EBE2-DD29-72F1-4477-9092A176E442}"/>
+                <a16:creationId xmlns:a16="http://schemas.microsoft.com/office/drawing/2014/main" id="{1B908CAE-CFB5-3D47-036E-01230F9F5B2F}"/>
               </a:ext>
             </a:extLst>
           </p:cNvPr>
@@ -9546,14 +9628,14 @@
           <p:nvPr/>
         </p:nvPicPr>
         <p:blipFill>
-          <a:blip r:embed="rId2"/>
+          <a:blip r:embed="rId3"/>
           <a:stretch>
             <a:fillRect/>
           </a:stretch>
         </p:blipFill>
         <p:spPr>
           <a:xfrm>
-            <a:off x="2166268" y="2169354"/>
+            <a:off x="1531100" y="2810862"/>
             <a:ext cx="596028" cy="596028"/>
           </a:xfrm>
           <a:prstGeom prst="rect">
@@ -9568,10 +9650,10 @@
       </p:pic>
       <p:pic>
         <p:nvPicPr>
-          <p:cNvPr id="11" name="Picture 10" descr="Chart&#10;&#10;Description automatically generated with low confidence">
+          <p:cNvPr id="8" name="Picture 7" descr="Chart&#10;&#10;Description automatically generated with low confidence">
             <a:extLst>
               <a:ext uri="{FF2B5EF4-FFF2-40B4-BE49-F238E27FC236}">
-                <a16:creationId xmlns:a16="http://schemas.microsoft.com/office/drawing/2014/main" id="{486996D0-ADB4-5D1A-078A-3224709048CB}"/>
+                <a16:creationId xmlns:a16="http://schemas.microsoft.com/office/drawing/2014/main" id="{0E6CDD35-0702-0675-4B8D-525ABAD3969F}"/>
               </a:ext>
             </a:extLst>
           </p:cNvPr>
@@ -9581,14 +9663,14 @@
           <p:nvPr/>
         </p:nvPicPr>
         <p:blipFill>
-          <a:blip r:embed="rId2"/>
+          <a:blip r:embed="rId3"/>
           <a:stretch>
             <a:fillRect/>
           </a:stretch>
         </p:blipFill>
         <p:spPr>
           <a:xfrm>
-            <a:off x="1532019" y="2178550"/>
+            <a:off x="2166268" y="2169354"/>
             <a:ext cx="596028" cy="596028"/>
           </a:xfrm>
           <a:prstGeom prst="rect">
@@ -9601,12 +9683,47 @@
           </a:ln>
         </p:spPr>
       </p:pic>
+      <p:pic>
+        <p:nvPicPr>
+          <p:cNvPr id="10" name="Picture 9" descr="Chart&#10;&#10;Description automatically generated with low confidence">
+            <a:extLst>
+              <a:ext uri="{FF2B5EF4-FFF2-40B4-BE49-F238E27FC236}">
+                <a16:creationId xmlns:a16="http://schemas.microsoft.com/office/drawing/2014/main" id="{45CADF34-EC2E-2BDA-2039-9DE6282074F8}"/>
+              </a:ext>
+            </a:extLst>
+          </p:cNvPr>
+          <p:cNvPicPr>
+            <a:picLocks noChangeAspect="1"/>
+          </p:cNvPicPr>
+          <p:nvPr/>
+        </p:nvPicPr>
+        <p:blipFill>
+          <a:blip r:embed="rId3"/>
+          <a:stretch>
+            <a:fillRect/>
+          </a:stretch>
+        </p:blipFill>
+        <p:spPr>
+          <a:xfrm>
+            <a:off x="1532019" y="2178550"/>
+            <a:ext cx="596028" cy="596028"/>
+          </a:xfrm>
+          <a:prstGeom prst="rect">
+            <a:avLst/>
+          </a:prstGeom>
+          <a:ln w="25400">
+            <a:solidFill>
+              <a:schemeClr val="tx1"/>
+            </a:solidFill>
+          </a:ln>
+        </p:spPr>
+      </p:pic>
       <p:cxnSp>
         <p:nvCxnSpPr>
-          <p:cNvPr id="12" name="Straight Arrow Connector 11">
+          <p:cNvPr id="11" name="Straight Arrow Connector 10">
             <a:extLst>
               <a:ext uri="{FF2B5EF4-FFF2-40B4-BE49-F238E27FC236}">
-                <a16:creationId xmlns:a16="http://schemas.microsoft.com/office/drawing/2014/main" id="{27D76A3C-A725-53DE-33C1-875483D130E4}"/>
+                <a16:creationId xmlns:a16="http://schemas.microsoft.com/office/drawing/2014/main" id="{D3F8285C-4842-EDD4-C98A-48CF642107C1}"/>
               </a:ext>
             </a:extLst>
           </p:cNvPr>
@@ -9616,9 +9733,9 @@
           <p:nvPr/>
         </p:nvCxnSpPr>
         <p:spPr>
-          <a:xfrm flipH="1">
-            <a:off x="2973902" y="3400298"/>
-            <a:ext cx="755645" cy="6592"/>
+          <a:xfrm flipV="1">
+            <a:off x="511084" y="3201557"/>
+            <a:ext cx="674905" cy="1"/>
           </a:xfrm>
           <a:prstGeom prst="straightConnector1">
             <a:avLst/>
@@ -9642,77 +9759,10 @@
           </a:fontRef>
         </p:style>
       </p:cxnSp>
-      <p:pic>
-        <p:nvPicPr>
-          <p:cNvPr id="7" name="Picture 6" descr="Icon&#10;&#10;Description automatically generated">
-            <a:extLst>
-              <a:ext uri="{FF2B5EF4-FFF2-40B4-BE49-F238E27FC236}">
-                <a16:creationId xmlns:a16="http://schemas.microsoft.com/office/drawing/2014/main" id="{35C27AA7-83D3-FD3F-F256-DFAA5700CD13}"/>
-              </a:ext>
-            </a:extLst>
-          </p:cNvPr>
-          <p:cNvPicPr>
-            <a:picLocks noChangeAspect="1"/>
-          </p:cNvPicPr>
-          <p:nvPr/>
-        </p:nvPicPr>
-        <p:blipFill>
-          <a:blip r:embed="rId3"/>
-          <a:stretch>
-            <a:fillRect/>
-          </a:stretch>
-        </p:blipFill>
-        <p:spPr>
-          <a:xfrm>
-            <a:off x="3018010" y="2467368"/>
-            <a:ext cx="652793" cy="596028"/>
-          </a:xfrm>
-          <a:prstGeom prst="rect">
-            <a:avLst/>
-          </a:prstGeom>
-          <a:ln w="25400">
-            <a:solidFill>
-              <a:schemeClr val="tx1"/>
-            </a:solidFill>
-          </a:ln>
-        </p:spPr>
-      </p:pic>
-      <p:sp>
-        <p:nvSpPr>
-          <p:cNvPr id="25" name="TextBox 24">
-            <a:extLst>
-              <a:ext uri="{FF2B5EF4-FFF2-40B4-BE49-F238E27FC236}">
-                <a16:creationId xmlns:a16="http://schemas.microsoft.com/office/drawing/2014/main" id="{86AC38CF-2092-6F43-8B35-4D18887AC663}"/>
-              </a:ext>
-            </a:extLst>
-          </p:cNvPr>
-          <p:cNvSpPr txBox="1"/>
-          <p:nvPr/>
-        </p:nvSpPr>
-        <p:spPr>
-          <a:xfrm>
-            <a:off x="269379" y="511444"/>
-            <a:ext cx="184731" cy="308418"/>
-          </a:xfrm>
-          <a:prstGeom prst="rect">
-            <a:avLst/>
-          </a:prstGeom>
-          <a:noFill/>
-        </p:spPr>
-        <p:txBody>
-          <a:bodyPr wrap="none" rtlCol="0">
-            <a:spAutoFit/>
-          </a:bodyPr>
-          <a:lstStyle/>
-          <a:p>
-            <a:endParaRPr lang="en-US" dirty="0"/>
-          </a:p>
-        </p:txBody>
-      </p:sp>
     </p:spTree>
     <p:extLst>
       <p:ext uri="{BB962C8B-B14F-4D97-AF65-F5344CB8AC3E}">
-        <p14:creationId xmlns:p14="http://schemas.microsoft.com/office/powerpoint/2010/main" val="2752258577"/>
+        <p14:creationId xmlns:p14="http://schemas.microsoft.com/office/powerpoint/2010/main" val="1041039027"/>
       </p:ext>
     </p:extLst>
   </p:cSld>
@@ -9910,10 +9960,7 @@
             </a:r>
           </a:p>
           <a:p>
-            <a:r>
-              <a:rPr lang="en-US" sz="1800" dirty="0"/>
-              <a:t>      	</a:t>
-            </a:r>
+            <a:endParaRPr lang="en-US" sz="1800" dirty="0"/>
           </a:p>
         </p:txBody>
       </p:sp>
@@ -10085,7 +10132,7 @@
         </p:blipFill>
         <p:spPr>
           <a:xfrm>
-            <a:off x="2576223" y="2467368"/>
+            <a:off x="3018010" y="2467368"/>
             <a:ext cx="652793" cy="596028"/>
           </a:xfrm>
           <a:prstGeom prst="rect">
@@ -10133,7 +10180,7 @@
     </p:spTree>
     <p:extLst>
       <p:ext uri="{BB962C8B-B14F-4D97-AF65-F5344CB8AC3E}">
-        <p14:creationId xmlns:p14="http://schemas.microsoft.com/office/powerpoint/2010/main" val="1583125529"/>
+        <p14:creationId xmlns:p14="http://schemas.microsoft.com/office/powerpoint/2010/main" val="2752258577"/>
       </p:ext>
     </p:extLst>
   </p:cSld>
@@ -10276,7 +10323,7 @@
         <p:spPr>
           <a:xfrm>
             <a:off x="4186924" y="872451"/>
-            <a:ext cx="5332796" cy="3139321"/>
+            <a:ext cx="5332796" cy="2308324"/>
           </a:xfrm>
           <a:prstGeom prst="rect">
             <a:avLst/>
@@ -10329,21 +10376,6 @@
               <a:rPr lang="en-US" sz="1800" dirty="0"/>
               <a:t>  if player is moving left:</a:t>
             </a:r>
-          </a:p>
-          <a:p>
-            <a:r>
-              <a:rPr lang="en-US" sz="1800" dirty="0"/>
-              <a:t>           set left side of player = right side of a </a:t>
-            </a:r>
-          </a:p>
-          <a:p>
-            <a:r>
-              <a:rPr lang="en-US" sz="1800" dirty="0"/>
-              <a:t>								collided platform</a:t>
-            </a:r>
-          </a:p>
-          <a:p>
-            <a:endParaRPr lang="en-US" sz="1800" dirty="0"/>
           </a:p>
           <a:p>
             <a:r>
@@ -10521,6 +10553,442 @@
         </p:blipFill>
         <p:spPr>
           <a:xfrm>
+            <a:off x="2576223" y="2467368"/>
+            <a:ext cx="652793" cy="596028"/>
+          </a:xfrm>
+          <a:prstGeom prst="rect">
+            <a:avLst/>
+          </a:prstGeom>
+          <a:ln w="25400">
+            <a:solidFill>
+              <a:schemeClr val="tx1"/>
+            </a:solidFill>
+          </a:ln>
+        </p:spPr>
+      </p:pic>
+      <p:sp>
+        <p:nvSpPr>
+          <p:cNvPr id="25" name="TextBox 24">
+            <a:extLst>
+              <a:ext uri="{FF2B5EF4-FFF2-40B4-BE49-F238E27FC236}">
+                <a16:creationId xmlns:a16="http://schemas.microsoft.com/office/drawing/2014/main" id="{86AC38CF-2092-6F43-8B35-4D18887AC663}"/>
+              </a:ext>
+            </a:extLst>
+          </p:cNvPr>
+          <p:cNvSpPr txBox="1"/>
+          <p:nvPr/>
+        </p:nvSpPr>
+        <p:spPr>
+          <a:xfrm>
+            <a:off x="269379" y="511444"/>
+            <a:ext cx="184731" cy="308418"/>
+          </a:xfrm>
+          <a:prstGeom prst="rect">
+            <a:avLst/>
+          </a:prstGeom>
+          <a:noFill/>
+        </p:spPr>
+        <p:txBody>
+          <a:bodyPr wrap="none" rtlCol="0">
+            <a:spAutoFit/>
+          </a:bodyPr>
+          <a:lstStyle/>
+          <a:p>
+            <a:endParaRPr lang="en-US" dirty="0"/>
+          </a:p>
+        </p:txBody>
+      </p:sp>
+    </p:spTree>
+    <p:extLst>
+      <p:ext uri="{BB962C8B-B14F-4D97-AF65-F5344CB8AC3E}">
+        <p14:creationId xmlns:p14="http://schemas.microsoft.com/office/powerpoint/2010/main" val="1583125529"/>
+      </p:ext>
+    </p:extLst>
+  </p:cSld>
+  <p:clrMapOvr>
+    <a:masterClrMapping/>
+  </p:clrMapOvr>
+</p:sld>
+</file>
+
+<file path=ppt/slides/slide13.xml><?xml version="1.0" encoding="utf-8"?>
+<p:sld xmlns:a="http://schemas.openxmlformats.org/drawingml/2006/main" xmlns:r="http://schemas.openxmlformats.org/officeDocument/2006/relationships" xmlns:p="http://schemas.openxmlformats.org/presentationml/2006/main">
+  <p:cSld>
+    <p:spTree>
+      <p:nvGrpSpPr>
+        <p:cNvPr id="1" name=""/>
+        <p:cNvGrpSpPr/>
+        <p:nvPr/>
+      </p:nvGrpSpPr>
+      <p:grpSpPr>
+        <a:xfrm>
+          <a:off x="0" y="0"/>
+          <a:ext cx="0" cy="0"/>
+          <a:chOff x="0" y="0"/>
+          <a:chExt cx="0" cy="0"/>
+        </a:xfrm>
+      </p:grpSpPr>
+      <p:sp>
+        <p:nvSpPr>
+          <p:cNvPr id="2" name="Title 1">
+            <a:extLst>
+              <a:ext uri="{FF2B5EF4-FFF2-40B4-BE49-F238E27FC236}">
+                <a16:creationId xmlns:a16="http://schemas.microsoft.com/office/drawing/2014/main" id="{870AC1F3-79C1-D54D-9F4F-7CDE7D29D43B}"/>
+              </a:ext>
+            </a:extLst>
+          </p:cNvPr>
+          <p:cNvSpPr>
+            <a:spLocks noGrp="1"/>
+          </p:cNvSpPr>
+          <p:nvPr>
+            <p:ph type="title"/>
+          </p:nvPr>
+        </p:nvSpPr>
+        <p:spPr>
+          <a:xfrm>
+            <a:off x="628650" y="304271"/>
+            <a:ext cx="7886700" cy="671774"/>
+          </a:xfrm>
+        </p:spPr>
+        <p:txBody>
+          <a:bodyPr/>
+          <a:lstStyle/>
+          <a:p>
+            <a:r>
+              <a:rPr lang="en-US" dirty="0"/>
+              <a:t>Horizontal Direction</a:t>
+            </a:r>
+          </a:p>
+        </p:txBody>
+      </p:sp>
+      <p:sp>
+        <p:nvSpPr>
+          <p:cNvPr id="4" name="Content Placeholder 3">
+            <a:extLst>
+              <a:ext uri="{FF2B5EF4-FFF2-40B4-BE49-F238E27FC236}">
+                <a16:creationId xmlns:a16="http://schemas.microsoft.com/office/drawing/2014/main" id="{DCAA5EB8-B85C-0147-9DC5-1620B61CF5C9}"/>
+              </a:ext>
+            </a:extLst>
+          </p:cNvPr>
+          <p:cNvSpPr>
+            <a:spLocks noGrp="1"/>
+          </p:cNvSpPr>
+          <p:nvPr>
+            <p:ph idx="1"/>
+          </p:nvPr>
+        </p:nvSpPr>
+        <p:spPr>
+          <a:xfrm>
+            <a:off x="454109" y="976045"/>
+            <a:ext cx="8420511" cy="4434684"/>
+          </a:xfrm>
+        </p:spPr>
+        <p:txBody>
+          <a:bodyPr/>
+          <a:lstStyle/>
+          <a:p>
+            <a:pPr marL="0" indent="0">
+              <a:buNone/>
+            </a:pPr>
+            <a:endParaRPr lang="en-US" dirty="0"/>
+          </a:p>
+          <a:p>
+            <a:endParaRPr lang="en-US" dirty="0"/>
+          </a:p>
+        </p:txBody>
+      </p:sp>
+      <p:sp>
+        <p:nvSpPr>
+          <p:cNvPr id="24" name="TextBox 23">
+            <a:extLst>
+              <a:ext uri="{FF2B5EF4-FFF2-40B4-BE49-F238E27FC236}">
+                <a16:creationId xmlns:a16="http://schemas.microsoft.com/office/drawing/2014/main" id="{034392D3-5466-4141-97EA-1485D78D40AB}"/>
+              </a:ext>
+            </a:extLst>
+          </p:cNvPr>
+          <p:cNvSpPr txBox="1"/>
+          <p:nvPr/>
+        </p:nvSpPr>
+        <p:spPr>
+          <a:xfrm>
+            <a:off x="1348353" y="1131376"/>
+            <a:ext cx="184731" cy="308418"/>
+          </a:xfrm>
+          <a:prstGeom prst="rect">
+            <a:avLst/>
+          </a:prstGeom>
+          <a:noFill/>
+        </p:spPr>
+        <p:txBody>
+          <a:bodyPr wrap="none" rtlCol="0">
+            <a:spAutoFit/>
+          </a:bodyPr>
+          <a:lstStyle/>
+          <a:p>
+            <a:endParaRPr lang="en-US" dirty="0"/>
+          </a:p>
+        </p:txBody>
+      </p:sp>
+      <p:sp>
+        <p:nvSpPr>
+          <p:cNvPr id="6" name="TextBox 5">
+            <a:extLst>
+              <a:ext uri="{FF2B5EF4-FFF2-40B4-BE49-F238E27FC236}">
+                <a16:creationId xmlns:a16="http://schemas.microsoft.com/office/drawing/2014/main" id="{1C692FAF-D519-8052-F9E3-FC962B05DA45}"/>
+              </a:ext>
+            </a:extLst>
+          </p:cNvPr>
+          <p:cNvSpPr txBox="1"/>
+          <p:nvPr/>
+        </p:nvSpPr>
+        <p:spPr>
+          <a:xfrm>
+            <a:off x="4186924" y="872451"/>
+            <a:ext cx="5332796" cy="3139321"/>
+          </a:xfrm>
+          <a:prstGeom prst="rect">
+            <a:avLst/>
+          </a:prstGeom>
+          <a:noFill/>
+        </p:spPr>
+        <p:txBody>
+          <a:bodyPr wrap="square" rtlCol="0">
+            <a:spAutoFit/>
+          </a:bodyPr>
+          <a:lstStyle/>
+          <a:p>
+            <a:r>
+              <a:rPr lang="en-US" sz="1800" dirty="0"/>
+              <a:t>move in horizontal direction</a:t>
+            </a:r>
+          </a:p>
+          <a:p>
+            <a:r>
+              <a:rPr lang="en-US" sz="1800" dirty="0"/>
+              <a:t>compute list of all platforms which collide with player </a:t>
+            </a:r>
+          </a:p>
+          <a:p>
+            <a:r>
+              <a:rPr lang="en-US" sz="1800" dirty="0"/>
+              <a:t>if list not empty:</a:t>
+            </a:r>
+          </a:p>
+          <a:p>
+            <a:r>
+              <a:rPr lang="en-US" sz="1800" dirty="0"/>
+              <a:t>   if player is moving right:</a:t>
+            </a:r>
+          </a:p>
+          <a:p>
+            <a:r>
+              <a:rPr lang="en-US" sz="1800" dirty="0"/>
+              <a:t>      	set right side of player = left side of a </a:t>
+            </a:r>
+          </a:p>
+          <a:p>
+            <a:r>
+              <a:rPr lang="en-US" sz="1800" dirty="0"/>
+              <a:t>								collided platform</a:t>
+            </a:r>
+          </a:p>
+          <a:p>
+            <a:r>
+              <a:rPr lang="en-US" sz="1800" dirty="0"/>
+              <a:t>  if player is moving left:</a:t>
+            </a:r>
+          </a:p>
+          <a:p>
+            <a:r>
+              <a:rPr lang="en-US" sz="1800" dirty="0"/>
+              <a:t>           set left side of player = right side of a </a:t>
+            </a:r>
+          </a:p>
+          <a:p>
+            <a:r>
+              <a:rPr lang="en-US" sz="1800" dirty="0"/>
+              <a:t>								collided platform</a:t>
+            </a:r>
+          </a:p>
+          <a:p>
+            <a:endParaRPr lang="en-US" sz="1800" dirty="0"/>
+          </a:p>
+          <a:p>
+            <a:r>
+              <a:rPr lang="en-US" sz="1800" dirty="0"/>
+              <a:t>      	</a:t>
+            </a:r>
+          </a:p>
+        </p:txBody>
+      </p:sp>
+      <p:pic>
+        <p:nvPicPr>
+          <p:cNvPr id="8" name="Picture 7" descr="Chart&#10;&#10;Description automatically generated with low confidence">
+            <a:extLst>
+              <a:ext uri="{FF2B5EF4-FFF2-40B4-BE49-F238E27FC236}">
+                <a16:creationId xmlns:a16="http://schemas.microsoft.com/office/drawing/2014/main" id="{B122AC4E-667D-0FC6-9D09-B5CE887CBB9A}"/>
+              </a:ext>
+            </a:extLst>
+          </p:cNvPr>
+          <p:cNvPicPr>
+            <a:picLocks noChangeAspect="1"/>
+          </p:cNvPicPr>
+          <p:nvPr/>
+        </p:nvPicPr>
+        <p:blipFill>
+          <a:blip r:embed="rId2"/>
+          <a:stretch>
+            <a:fillRect/>
+          </a:stretch>
+        </p:blipFill>
+        <p:spPr>
+          <a:xfrm>
+            <a:off x="1531100" y="2810862"/>
+            <a:ext cx="596028" cy="596028"/>
+          </a:xfrm>
+          <a:prstGeom prst="rect">
+            <a:avLst/>
+          </a:prstGeom>
+          <a:ln w="25400">
+            <a:solidFill>
+              <a:schemeClr val="tx1"/>
+            </a:solidFill>
+          </a:ln>
+        </p:spPr>
+      </p:pic>
+      <p:pic>
+        <p:nvPicPr>
+          <p:cNvPr id="10" name="Picture 9" descr="Chart&#10;&#10;Description automatically generated with low confidence">
+            <a:extLst>
+              <a:ext uri="{FF2B5EF4-FFF2-40B4-BE49-F238E27FC236}">
+                <a16:creationId xmlns:a16="http://schemas.microsoft.com/office/drawing/2014/main" id="{B0D9EBE2-DD29-72F1-4477-9092A176E442}"/>
+              </a:ext>
+            </a:extLst>
+          </p:cNvPr>
+          <p:cNvPicPr>
+            <a:picLocks noChangeAspect="1"/>
+          </p:cNvPicPr>
+          <p:nvPr/>
+        </p:nvPicPr>
+        <p:blipFill>
+          <a:blip r:embed="rId2"/>
+          <a:stretch>
+            <a:fillRect/>
+          </a:stretch>
+        </p:blipFill>
+        <p:spPr>
+          <a:xfrm>
+            <a:off x="2166268" y="2169354"/>
+            <a:ext cx="596028" cy="596028"/>
+          </a:xfrm>
+          <a:prstGeom prst="rect">
+            <a:avLst/>
+          </a:prstGeom>
+          <a:ln w="25400">
+            <a:solidFill>
+              <a:schemeClr val="tx1"/>
+            </a:solidFill>
+          </a:ln>
+        </p:spPr>
+      </p:pic>
+      <p:pic>
+        <p:nvPicPr>
+          <p:cNvPr id="11" name="Picture 10" descr="Chart&#10;&#10;Description automatically generated with low confidence">
+            <a:extLst>
+              <a:ext uri="{FF2B5EF4-FFF2-40B4-BE49-F238E27FC236}">
+                <a16:creationId xmlns:a16="http://schemas.microsoft.com/office/drawing/2014/main" id="{486996D0-ADB4-5D1A-078A-3224709048CB}"/>
+              </a:ext>
+            </a:extLst>
+          </p:cNvPr>
+          <p:cNvPicPr>
+            <a:picLocks noChangeAspect="1"/>
+          </p:cNvPicPr>
+          <p:nvPr/>
+        </p:nvPicPr>
+        <p:blipFill>
+          <a:blip r:embed="rId2"/>
+          <a:stretch>
+            <a:fillRect/>
+          </a:stretch>
+        </p:blipFill>
+        <p:spPr>
+          <a:xfrm>
+            <a:off x="1532019" y="2178550"/>
+            <a:ext cx="596028" cy="596028"/>
+          </a:xfrm>
+          <a:prstGeom prst="rect">
+            <a:avLst/>
+          </a:prstGeom>
+          <a:ln w="25400">
+            <a:solidFill>
+              <a:schemeClr val="tx1"/>
+            </a:solidFill>
+          </a:ln>
+        </p:spPr>
+      </p:pic>
+      <p:cxnSp>
+        <p:nvCxnSpPr>
+          <p:cNvPr id="12" name="Straight Arrow Connector 11">
+            <a:extLst>
+              <a:ext uri="{FF2B5EF4-FFF2-40B4-BE49-F238E27FC236}">
+                <a16:creationId xmlns:a16="http://schemas.microsoft.com/office/drawing/2014/main" id="{27D76A3C-A725-53DE-33C1-875483D130E4}"/>
+              </a:ext>
+            </a:extLst>
+          </p:cNvPr>
+          <p:cNvCxnSpPr>
+            <a:cxnSpLocks/>
+          </p:cNvCxnSpPr>
+          <p:nvPr/>
+        </p:nvCxnSpPr>
+        <p:spPr>
+          <a:xfrm flipH="1">
+            <a:off x="2973902" y="3400298"/>
+            <a:ext cx="755645" cy="6592"/>
+          </a:xfrm>
+          <a:prstGeom prst="straightConnector1">
+            <a:avLst/>
+          </a:prstGeom>
+          <a:ln w="38100">
+            <a:tailEnd type="triangle"/>
+          </a:ln>
+        </p:spPr>
+        <p:style>
+          <a:lnRef idx="1">
+            <a:schemeClr val="dk1"/>
+          </a:lnRef>
+          <a:fillRef idx="0">
+            <a:schemeClr val="dk1"/>
+          </a:fillRef>
+          <a:effectRef idx="0">
+            <a:schemeClr val="dk1"/>
+          </a:effectRef>
+          <a:fontRef idx="minor">
+            <a:schemeClr val="tx1"/>
+          </a:fontRef>
+        </p:style>
+      </p:cxnSp>
+      <p:pic>
+        <p:nvPicPr>
+          <p:cNvPr id="7" name="Picture 6" descr="Icon&#10;&#10;Description automatically generated">
+            <a:extLst>
+              <a:ext uri="{FF2B5EF4-FFF2-40B4-BE49-F238E27FC236}">
+                <a16:creationId xmlns:a16="http://schemas.microsoft.com/office/drawing/2014/main" id="{35C27AA7-83D3-FD3F-F256-DFAA5700CD13}"/>
+              </a:ext>
+            </a:extLst>
+          </p:cNvPr>
+          <p:cNvPicPr>
+            <a:picLocks noChangeAspect="1"/>
+          </p:cNvPicPr>
+          <p:nvPr/>
+        </p:nvPicPr>
+        <p:blipFill>
+          <a:blip r:embed="rId3"/>
+          <a:stretch>
+            <a:fillRect/>
+          </a:stretch>
+        </p:blipFill>
+        <p:spPr>
+          <a:xfrm>
             <a:off x="2812526" y="2467368"/>
             <a:ext cx="652793" cy="596028"/>
           </a:xfrm>
@@ -10579,7 +11047,7 @@
 </p:sld>
 </file>
 
-<file path=ppt/slides/slide13.xml><?xml version="1.0" encoding="utf-8"?>
+<file path=ppt/slides/slide14.xml><?xml version="1.0" encoding="utf-8"?>
 <p:sld xmlns:a="http://schemas.openxmlformats.org/drawingml/2006/main" xmlns:r="http://schemas.openxmlformats.org/officeDocument/2006/relationships" xmlns:p="http://schemas.openxmlformats.org/presentationml/2006/main">
   <p:cSld>
     <p:spTree>
@@ -11171,6 +11639,276 @@
       </p:sp>
       <p:pic>
         <p:nvPicPr>
+          <p:cNvPr id="14" name="Picture 13">
+            <a:extLst>
+              <a:ext uri="{FF2B5EF4-FFF2-40B4-BE49-F238E27FC236}">
+                <a16:creationId xmlns:a16="http://schemas.microsoft.com/office/drawing/2014/main" id="{98BFE717-7F26-E699-A791-F55D5AD82590}"/>
+              </a:ext>
+            </a:extLst>
+          </p:cNvPr>
+          <p:cNvPicPr>
+            <a:picLocks noChangeAspect="1"/>
+          </p:cNvPicPr>
+          <p:nvPr/>
+        </p:nvPicPr>
+        <p:blipFill>
+          <a:blip r:embed="rId2"/>
+          <a:stretch>
+            <a:fillRect/>
+          </a:stretch>
+        </p:blipFill>
+        <p:spPr>
+          <a:xfrm>
+            <a:off x="1324044" y="1954186"/>
+            <a:ext cx="5063078" cy="3312786"/>
+          </a:xfrm>
+          <a:prstGeom prst="rect">
+            <a:avLst/>
+          </a:prstGeom>
+        </p:spPr>
+      </p:pic>
+    </p:spTree>
+    <p:extLst>
+      <p:ext uri="{BB962C8B-B14F-4D97-AF65-F5344CB8AC3E}">
+        <p14:creationId xmlns:p14="http://schemas.microsoft.com/office/powerpoint/2010/main" val="118089062"/>
+      </p:ext>
+    </p:extLst>
+  </p:cSld>
+  <p:clrMapOvr>
+    <a:masterClrMapping/>
+  </p:clrMapOvr>
+  <p:timing>
+    <p:tnLst>
+      <p:par>
+        <p:cTn id="1" dur="indefinite" restart="never" nodeType="tmRoot">
+          <p:childTnLst>
+            <p:seq concurrent="1" nextAc="seek">
+              <p:cTn id="2" dur="indefinite" nodeType="mainSeq">
+                <p:childTnLst>
+                  <p:par>
+                    <p:cTn id="3" fill="hold">
+                      <p:stCondLst>
+                        <p:cond delay="indefinite"/>
+                        <p:cond evt="onBegin" delay="0">
+                          <p:tn val="2"/>
+                        </p:cond>
+                      </p:stCondLst>
+                      <p:childTnLst>
+                        <p:par>
+                          <p:cTn id="4" fill="hold">
+                            <p:stCondLst>
+                              <p:cond delay="0"/>
+                            </p:stCondLst>
+                            <p:childTnLst>
+                              <p:par>
+                                <p:cTn id="5" presetID="1" presetClass="entr" presetSubtype="0" fill="hold" nodeType="withEffect">
+                                  <p:stCondLst>
+                                    <p:cond delay="0"/>
+                                  </p:stCondLst>
+                                  <p:childTnLst>
+                                    <p:set>
+                                      <p:cBhvr>
+                                        <p:cTn id="6" dur="1" fill="hold">
+                                          <p:stCondLst>
+                                            <p:cond delay="0"/>
+                                          </p:stCondLst>
+                                        </p:cTn>
+                                        <p:tgtEl>
+                                          <p:spTgt spid="9">
+                                            <p:txEl>
+                                              <p:pRg st="0" end="0"/>
+                                            </p:txEl>
+                                          </p:spTgt>
+                                        </p:tgtEl>
+                                        <p:attrNameLst>
+                                          <p:attrName>style.visibility</p:attrName>
+                                        </p:attrNameLst>
+                                      </p:cBhvr>
+                                      <p:to>
+                                        <p:strVal val="visible"/>
+                                      </p:to>
+                                    </p:set>
+                                  </p:childTnLst>
+                                </p:cTn>
+                              </p:par>
+                            </p:childTnLst>
+                          </p:cTn>
+                        </p:par>
+                      </p:childTnLst>
+                    </p:cTn>
+                  </p:par>
+                </p:childTnLst>
+              </p:cTn>
+              <p:prevCondLst>
+                <p:cond evt="onPrev" delay="0">
+                  <p:tgtEl>
+                    <p:sldTgt/>
+                  </p:tgtEl>
+                </p:cond>
+              </p:prevCondLst>
+              <p:nextCondLst>
+                <p:cond evt="onNext" delay="0">
+                  <p:tgtEl>
+                    <p:sldTgt/>
+                  </p:tgtEl>
+                </p:cond>
+              </p:nextCondLst>
+            </p:seq>
+          </p:childTnLst>
+        </p:cTn>
+      </p:par>
+    </p:tnLst>
+  </p:timing>
+</p:sld>
+</file>
+
+<file path=ppt/slides/slide3.xml><?xml version="1.0" encoding="utf-8"?>
+<p:sld xmlns:a="http://schemas.openxmlformats.org/drawingml/2006/main" xmlns:r="http://schemas.openxmlformats.org/officeDocument/2006/relationships" xmlns:p="http://schemas.openxmlformats.org/presentationml/2006/main">
+  <p:cSld>
+    <p:spTree>
+      <p:nvGrpSpPr>
+        <p:cNvPr id="1" name=""/>
+        <p:cNvGrpSpPr/>
+        <p:nvPr/>
+      </p:nvGrpSpPr>
+      <p:grpSpPr>
+        <a:xfrm>
+          <a:off x="0" y="0"/>
+          <a:ext cx="0" cy="0"/>
+          <a:chOff x="0" y="0"/>
+          <a:chExt cx="0" cy="0"/>
+        </a:xfrm>
+      </p:grpSpPr>
+      <p:sp>
+        <p:nvSpPr>
+          <p:cNvPr id="2" name="Title 1">
+            <a:extLst>
+              <a:ext uri="{FF2B5EF4-FFF2-40B4-BE49-F238E27FC236}">
+                <a16:creationId xmlns:a16="http://schemas.microsoft.com/office/drawing/2014/main" id="{AA3A228F-61D0-D949-A5E7-F83756230BF8}"/>
+              </a:ext>
+            </a:extLst>
+          </p:cNvPr>
+          <p:cNvSpPr>
+            <a:spLocks noGrp="1"/>
+          </p:cNvSpPr>
+          <p:nvPr>
+            <p:ph type="title"/>
+          </p:nvPr>
+        </p:nvSpPr>
+        <p:spPr>
+          <a:xfrm>
+            <a:off x="144081" y="139610"/>
+            <a:ext cx="7053542" cy="683886"/>
+          </a:xfrm>
+        </p:spPr>
+        <p:txBody>
+          <a:bodyPr/>
+          <a:lstStyle/>
+          <a:p>
+            <a:r>
+              <a:rPr lang="en-US" dirty="0"/>
+              <a:t>Top-Down Games</a:t>
+            </a:r>
+          </a:p>
+        </p:txBody>
+      </p:sp>
+      <p:sp>
+        <p:nvSpPr>
+          <p:cNvPr id="9" name="Content Placeholder 8">
+            <a:extLst>
+              <a:ext uri="{FF2B5EF4-FFF2-40B4-BE49-F238E27FC236}">
+                <a16:creationId xmlns:a16="http://schemas.microsoft.com/office/drawing/2014/main" id="{E3B2E017-30B2-884B-A113-B419A2ED51AD}"/>
+              </a:ext>
+            </a:extLst>
+          </p:cNvPr>
+          <p:cNvSpPr>
+            <a:spLocks noGrp="1"/>
+          </p:cNvSpPr>
+          <p:nvPr>
+            <p:ph idx="1"/>
+          </p:nvPr>
+        </p:nvSpPr>
+        <p:spPr>
+          <a:xfrm>
+            <a:off x="144082" y="914401"/>
+            <a:ext cx="8391492" cy="4774354"/>
+          </a:xfrm>
+        </p:spPr>
+        <p:txBody>
+          <a:bodyPr>
+            <a:noAutofit/>
+          </a:bodyPr>
+          <a:lstStyle/>
+          <a:p>
+            <a:pPr marL="0" indent="0">
+              <a:buNone/>
+            </a:pPr>
+            <a:r>
+              <a:rPr lang="en-US" b="1"/>
+              <a:t>Top-down games</a:t>
+            </a:r>
+            <a:r>
+              <a:rPr lang="en-US"/>
+              <a:t>, also sometimes referred to as </a:t>
+            </a:r>
+            <a:r>
+              <a:rPr lang="en-US" b="1"/>
+              <a:t>bird's-eye view games</a:t>
+            </a:r>
+            <a:r>
+              <a:rPr lang="en-US"/>
+              <a:t>, refers to games where the camera angle that shows players and the areas around them is directly above.</a:t>
+            </a:r>
+            <a:endParaRPr lang="en-US" dirty="0"/>
+          </a:p>
+          <a:p>
+            <a:pPr marL="0" indent="0">
+              <a:buNone/>
+            </a:pPr>
+            <a:endParaRPr lang="en-US" dirty="0"/>
+          </a:p>
+          <a:p>
+            <a:pPr marL="0" indent="0">
+              <a:buNone/>
+            </a:pPr>
+            <a:endParaRPr lang="en-US" dirty="0"/>
+          </a:p>
+        </p:txBody>
+      </p:sp>
+      <p:sp>
+        <p:nvSpPr>
+          <p:cNvPr id="3" name="TextBox 2">
+            <a:extLst>
+              <a:ext uri="{FF2B5EF4-FFF2-40B4-BE49-F238E27FC236}">
+                <a16:creationId xmlns:a16="http://schemas.microsoft.com/office/drawing/2014/main" id="{8BB97AF7-6488-BE43-8363-9BFD815B4E7A}"/>
+              </a:ext>
+            </a:extLst>
+          </p:cNvPr>
+          <p:cNvSpPr txBox="1"/>
+          <p:nvPr/>
+        </p:nvSpPr>
+        <p:spPr>
+          <a:xfrm>
+            <a:off x="3670852" y="728870"/>
+            <a:ext cx="184731" cy="308418"/>
+          </a:xfrm>
+          <a:prstGeom prst="rect">
+            <a:avLst/>
+          </a:prstGeom>
+          <a:noFill/>
+        </p:spPr>
+        <p:txBody>
+          <a:bodyPr wrap="none" rtlCol="0">
+            <a:spAutoFit/>
+          </a:bodyPr>
+          <a:lstStyle/>
+          <a:p>
+            <a:endParaRPr lang="en-US" dirty="0"/>
+          </a:p>
+        </p:txBody>
+      </p:sp>
+      <p:pic>
+        <p:nvPicPr>
           <p:cNvPr id="5" name="Picture 4" descr="Chart&#10;&#10;Description automatically generated with low confidence">
             <a:extLst>
               <a:ext uri="{FF2B5EF4-FFF2-40B4-BE49-F238E27FC236}">
@@ -11592,7 +12330,7 @@
     </p:spTree>
     <p:extLst>
       <p:ext uri="{BB962C8B-B14F-4D97-AF65-F5344CB8AC3E}">
-        <p14:creationId xmlns:p14="http://schemas.microsoft.com/office/powerpoint/2010/main" val="118089062"/>
+        <p14:creationId xmlns:p14="http://schemas.microsoft.com/office/powerpoint/2010/main" val="1602802398"/>
       </p:ext>
     </p:extLst>
   </p:cSld>
@@ -12026,7 +12764,7 @@
 </p:sld>
 </file>
 
-<file path=ppt/slides/slide3.xml><?xml version="1.0" encoding="utf-8"?>
+<file path=ppt/slides/slide4.xml><?xml version="1.0" encoding="utf-8"?>
 <p:sld xmlns:a="http://schemas.openxmlformats.org/drawingml/2006/main" xmlns:r="http://schemas.openxmlformats.org/officeDocument/2006/relationships" xmlns:p="http://schemas.openxmlformats.org/presentationml/2006/main">
   <p:cSld>
     <p:spTree>
@@ -12559,7 +13297,7 @@
 </p:sld>
 </file>
 
-<file path=ppt/slides/slide4.xml><?xml version="1.0" encoding="utf-8"?>
+<file path=ppt/slides/slide5.xml><?xml version="1.0" encoding="utf-8"?>
 <p:sld xmlns:a="http://schemas.openxmlformats.org/drawingml/2006/main" xmlns:r="http://schemas.openxmlformats.org/officeDocument/2006/relationships" xmlns:p="http://schemas.openxmlformats.org/presentationml/2006/main">
   <p:cSld>
     <p:spTree>
@@ -13643,765 +14381,6 @@
 </p:sld>
 </file>
 
-<file path=ppt/slides/slide5.xml><?xml version="1.0" encoding="utf-8"?>
-<p:sld xmlns:a="http://schemas.openxmlformats.org/drawingml/2006/main" xmlns:r="http://schemas.openxmlformats.org/officeDocument/2006/relationships" xmlns:p="http://schemas.openxmlformats.org/presentationml/2006/main">
-  <p:cSld>
-    <p:spTree>
-      <p:nvGrpSpPr>
-        <p:cNvPr id="1" name=""/>
-        <p:cNvGrpSpPr/>
-        <p:nvPr/>
-      </p:nvGrpSpPr>
-      <p:grpSpPr>
-        <a:xfrm>
-          <a:off x="0" y="0"/>
-          <a:ext cx="0" cy="0"/>
-          <a:chOff x="0" y="0"/>
-          <a:chExt cx="0" cy="0"/>
-        </a:xfrm>
-      </p:grpSpPr>
-      <p:sp>
-        <p:nvSpPr>
-          <p:cNvPr id="2" name="Title 1">
-            <a:extLst>
-              <a:ext uri="{FF2B5EF4-FFF2-40B4-BE49-F238E27FC236}">
-                <a16:creationId xmlns:a16="http://schemas.microsoft.com/office/drawing/2014/main" id="{870AC1F3-79C1-D54D-9F4F-7CDE7D29D43B}"/>
-              </a:ext>
-            </a:extLst>
-          </p:cNvPr>
-          <p:cNvSpPr>
-            <a:spLocks noGrp="1"/>
-          </p:cNvSpPr>
-          <p:nvPr>
-            <p:ph type="title"/>
-          </p:nvPr>
-        </p:nvSpPr>
-        <p:spPr>
-          <a:xfrm>
-            <a:off x="628650" y="304271"/>
-            <a:ext cx="7886700" cy="671774"/>
-          </a:xfrm>
-        </p:spPr>
-        <p:txBody>
-          <a:bodyPr/>
-          <a:lstStyle/>
-          <a:p>
-            <a:r>
-              <a:rPr lang="en-US" dirty="0"/>
-              <a:t>Resolving Top-Down Collisions</a:t>
-            </a:r>
-          </a:p>
-        </p:txBody>
-      </p:sp>
-      <p:sp>
-        <p:nvSpPr>
-          <p:cNvPr id="9" name="TextBox 8">
-            <a:extLst>
-              <a:ext uri="{FF2B5EF4-FFF2-40B4-BE49-F238E27FC236}">
-                <a16:creationId xmlns:a16="http://schemas.microsoft.com/office/drawing/2014/main" id="{E1513AD7-DD4F-4844-A45C-15B893C5402D}"/>
-              </a:ext>
-            </a:extLst>
-          </p:cNvPr>
-          <p:cNvSpPr txBox="1"/>
-          <p:nvPr/>
-        </p:nvSpPr>
-        <p:spPr>
-          <a:xfrm>
-            <a:off x="269379" y="1803769"/>
-            <a:ext cx="184731" cy="415498"/>
-          </a:xfrm>
-          <a:prstGeom prst="rect">
-            <a:avLst/>
-          </a:prstGeom>
-          <a:noFill/>
-        </p:spPr>
-        <p:txBody>
-          <a:bodyPr wrap="none" rtlCol="0">
-            <a:spAutoFit/>
-          </a:bodyPr>
-          <a:lstStyle/>
-          <a:p>
-            <a:endParaRPr lang="en-US" sz="2100" dirty="0"/>
-          </a:p>
-        </p:txBody>
-      </p:sp>
-      <p:sp>
-        <p:nvSpPr>
-          <p:cNvPr id="4" name="Content Placeholder 3">
-            <a:extLst>
-              <a:ext uri="{FF2B5EF4-FFF2-40B4-BE49-F238E27FC236}">
-                <a16:creationId xmlns:a16="http://schemas.microsoft.com/office/drawing/2014/main" id="{DCAA5EB8-B85C-0147-9DC5-1620B61CF5C9}"/>
-              </a:ext>
-            </a:extLst>
-          </p:cNvPr>
-          <p:cNvSpPr>
-            <a:spLocks noGrp="1"/>
-          </p:cNvSpPr>
-          <p:nvPr>
-            <p:ph idx="1"/>
-          </p:nvPr>
-        </p:nvSpPr>
-        <p:spPr>
-          <a:xfrm>
-            <a:off x="454109" y="976045"/>
-            <a:ext cx="8420511" cy="4434684"/>
-          </a:xfrm>
-        </p:spPr>
-        <p:txBody>
-          <a:bodyPr/>
-          <a:lstStyle/>
-          <a:p>
-            <a:pPr marL="0" indent="0">
-              <a:buNone/>
-            </a:pPr>
-            <a:endParaRPr lang="en-US" dirty="0"/>
-          </a:p>
-          <a:p>
-            <a:endParaRPr lang="en-US" dirty="0"/>
-          </a:p>
-        </p:txBody>
-      </p:sp>
-      <p:sp>
-        <p:nvSpPr>
-          <p:cNvPr id="3" name="TextBox 2">
-            <a:extLst>
-              <a:ext uri="{FF2B5EF4-FFF2-40B4-BE49-F238E27FC236}">
-                <a16:creationId xmlns:a16="http://schemas.microsoft.com/office/drawing/2014/main" id="{7C585519-C7CE-D848-8783-C057C1CB97B2}"/>
-              </a:ext>
-            </a:extLst>
-          </p:cNvPr>
-          <p:cNvSpPr txBox="1"/>
-          <p:nvPr/>
-        </p:nvSpPr>
-        <p:spPr>
-          <a:xfrm>
-            <a:off x="4819536" y="976046"/>
-            <a:ext cx="3534049" cy="2862322"/>
-          </a:xfrm>
-          <a:prstGeom prst="rect">
-            <a:avLst/>
-          </a:prstGeom>
-          <a:noFill/>
-        </p:spPr>
-        <p:txBody>
-          <a:bodyPr wrap="square" rtlCol="0">
-            <a:spAutoFit/>
-          </a:bodyPr>
-          <a:lstStyle/>
-          <a:p>
-            <a:r>
-              <a:rPr lang="en-US" sz="2000" dirty="0"/>
-              <a:t>Instead of moving in both the x and y directions and then try to resolve collisions, it is easier to </a:t>
-            </a:r>
-          </a:p>
-          <a:p>
-            <a:endParaRPr lang="en-US" sz="2000" dirty="0"/>
-          </a:p>
-          <a:p>
-            <a:r>
-              <a:rPr lang="en-US" sz="2000" dirty="0"/>
-              <a:t>1) move in x direction, check for and resolve collision </a:t>
-            </a:r>
-          </a:p>
-          <a:p>
-            <a:r>
-              <a:rPr lang="en-US" sz="2000" dirty="0"/>
-              <a:t>2) then move in </a:t>
-            </a:r>
-            <a:r>
-              <a:rPr lang="en-US" sz="2000"/>
-              <a:t>the y </a:t>
-            </a:r>
-            <a:r>
-              <a:rPr lang="en-US" sz="2000" dirty="0"/>
-              <a:t>direction and then check for and resolve collision again.</a:t>
-            </a:r>
-          </a:p>
-        </p:txBody>
-      </p:sp>
-      <p:sp>
-        <p:nvSpPr>
-          <p:cNvPr id="24" name="TextBox 23">
-            <a:extLst>
-              <a:ext uri="{FF2B5EF4-FFF2-40B4-BE49-F238E27FC236}">
-                <a16:creationId xmlns:a16="http://schemas.microsoft.com/office/drawing/2014/main" id="{034392D3-5466-4141-97EA-1485D78D40AB}"/>
-              </a:ext>
-            </a:extLst>
-          </p:cNvPr>
-          <p:cNvSpPr txBox="1"/>
-          <p:nvPr/>
-        </p:nvSpPr>
-        <p:spPr>
-          <a:xfrm>
-            <a:off x="1348353" y="1131376"/>
-            <a:ext cx="184731" cy="308418"/>
-          </a:xfrm>
-          <a:prstGeom prst="rect">
-            <a:avLst/>
-          </a:prstGeom>
-          <a:noFill/>
-        </p:spPr>
-        <p:txBody>
-          <a:bodyPr wrap="none" rtlCol="0">
-            <a:spAutoFit/>
-          </a:bodyPr>
-          <a:lstStyle/>
-          <a:p>
-            <a:endParaRPr lang="en-US" dirty="0"/>
-          </a:p>
-        </p:txBody>
-      </p:sp>
-      <p:sp>
-        <p:nvSpPr>
-          <p:cNvPr id="25" name="TextBox 24">
-            <a:extLst>
-              <a:ext uri="{FF2B5EF4-FFF2-40B4-BE49-F238E27FC236}">
-                <a16:creationId xmlns:a16="http://schemas.microsoft.com/office/drawing/2014/main" id="{86AC38CF-2092-6F43-8B35-4D18887AC663}"/>
-              </a:ext>
-            </a:extLst>
-          </p:cNvPr>
-          <p:cNvSpPr txBox="1"/>
-          <p:nvPr/>
-        </p:nvSpPr>
-        <p:spPr>
-          <a:xfrm>
-            <a:off x="269379" y="511444"/>
-            <a:ext cx="184731" cy="308418"/>
-          </a:xfrm>
-          <a:prstGeom prst="rect">
-            <a:avLst/>
-          </a:prstGeom>
-          <a:noFill/>
-        </p:spPr>
-        <p:txBody>
-          <a:bodyPr wrap="none" rtlCol="0">
-            <a:spAutoFit/>
-          </a:bodyPr>
-          <a:lstStyle/>
-          <a:p>
-            <a:endParaRPr lang="en-US" dirty="0"/>
-          </a:p>
-        </p:txBody>
-      </p:sp>
-      <p:sp>
-        <p:nvSpPr>
-          <p:cNvPr id="26" name="TextBox 25">
-            <a:extLst>
-              <a:ext uri="{FF2B5EF4-FFF2-40B4-BE49-F238E27FC236}">
-                <a16:creationId xmlns:a16="http://schemas.microsoft.com/office/drawing/2014/main" id="{E98C8C1F-BB33-6D4A-B708-CDCD73D16D95}"/>
-              </a:ext>
-            </a:extLst>
-          </p:cNvPr>
-          <p:cNvSpPr txBox="1"/>
-          <p:nvPr/>
-        </p:nvSpPr>
-        <p:spPr>
-          <a:xfrm>
-            <a:off x="454108" y="1160212"/>
-            <a:ext cx="3534049" cy="707886"/>
-          </a:xfrm>
-          <a:prstGeom prst="rect">
-            <a:avLst/>
-          </a:prstGeom>
-          <a:noFill/>
-        </p:spPr>
-        <p:txBody>
-          <a:bodyPr wrap="square" rtlCol="0">
-            <a:spAutoFit/>
-          </a:bodyPr>
-          <a:lstStyle/>
-          <a:p>
-            <a:r>
-              <a:rPr lang="en-US" sz="2000" dirty="0" err="1">
-                <a:solidFill>
-                  <a:srgbClr val="FF0000"/>
-                </a:solidFill>
-              </a:rPr>
-              <a:t>center_x</a:t>
-            </a:r>
-            <a:r>
-              <a:rPr lang="en-US" sz="2000" dirty="0">
-                <a:solidFill>
-                  <a:srgbClr val="FF0000"/>
-                </a:solidFill>
-              </a:rPr>
-              <a:t> += </a:t>
-            </a:r>
-            <a:r>
-              <a:rPr lang="en-US" sz="2000" dirty="0" err="1">
-                <a:solidFill>
-                  <a:srgbClr val="FF0000"/>
-                </a:solidFill>
-              </a:rPr>
-              <a:t>change_x</a:t>
-            </a:r>
-          </a:p>
-          <a:p>
-            <a:r>
-              <a:rPr lang="en-US" sz="2000" dirty="0" err="1">
-                <a:solidFill>
-                  <a:srgbClr val="FF0000"/>
-                </a:solidFill>
-              </a:rPr>
-              <a:t>center_y</a:t>
-            </a:r>
-            <a:r>
-              <a:rPr lang="en-US" sz="2000" dirty="0">
-                <a:solidFill>
-                  <a:srgbClr val="FF0000"/>
-                </a:solidFill>
-              </a:rPr>
-              <a:t> += </a:t>
-            </a:r>
-            <a:r>
-              <a:rPr lang="en-US" sz="2000" dirty="0" err="1">
-                <a:solidFill>
-                  <a:srgbClr val="FF0000"/>
-                </a:solidFill>
-              </a:rPr>
-              <a:t>change_y</a:t>
-            </a:r>
-            <a:endParaRPr lang="en-US" sz="2000" dirty="0">
-              <a:solidFill>
-                <a:srgbClr val="FF0000"/>
-              </a:solidFill>
-            </a:endParaRPr>
-          </a:p>
-        </p:txBody>
-      </p:sp>
-      <p:pic>
-        <p:nvPicPr>
-          <p:cNvPr id="17" name="Picture 16" descr="Icon&#10;&#10;Description automatically generated">
-            <a:extLst>
-              <a:ext uri="{FF2B5EF4-FFF2-40B4-BE49-F238E27FC236}">
-                <a16:creationId xmlns:a16="http://schemas.microsoft.com/office/drawing/2014/main" id="{1A644215-2140-7283-D202-AFEDC3D893D5}"/>
-              </a:ext>
-            </a:extLst>
-          </p:cNvPr>
-          <p:cNvPicPr>
-            <a:picLocks noChangeAspect="1"/>
-          </p:cNvPicPr>
-          <p:nvPr/>
-        </p:nvPicPr>
-        <p:blipFill>
-          <a:blip r:embed="rId2"/>
-          <a:stretch>
-            <a:fillRect/>
-          </a:stretch>
-        </p:blipFill>
-        <p:spPr>
-          <a:xfrm>
-            <a:off x="2241225" y="2449346"/>
-            <a:ext cx="652793" cy="596028"/>
-          </a:xfrm>
-          <a:prstGeom prst="rect">
-            <a:avLst/>
-          </a:prstGeom>
-          <a:ln w="25400">
-            <a:solidFill>
-              <a:schemeClr val="tx1"/>
-            </a:solidFill>
-          </a:ln>
-        </p:spPr>
-      </p:pic>
-      <p:pic>
-        <p:nvPicPr>
-          <p:cNvPr id="27" name="Picture 26" descr="Chart&#10;&#10;Description automatically generated with low confidence">
-            <a:extLst>
-              <a:ext uri="{FF2B5EF4-FFF2-40B4-BE49-F238E27FC236}">
-                <a16:creationId xmlns:a16="http://schemas.microsoft.com/office/drawing/2014/main" id="{2C2DAB2E-2055-713B-9A38-64EB01A9C0BD}"/>
-              </a:ext>
-            </a:extLst>
-          </p:cNvPr>
-          <p:cNvPicPr>
-            <a:picLocks noChangeAspect="1"/>
-          </p:cNvPicPr>
-          <p:nvPr/>
-        </p:nvPicPr>
-        <p:blipFill>
-          <a:blip r:embed="rId3"/>
-          <a:stretch>
-            <a:fillRect/>
-          </a:stretch>
-        </p:blipFill>
-        <p:spPr>
-          <a:xfrm>
-            <a:off x="1173821" y="4042919"/>
-            <a:ext cx="596028" cy="596028"/>
-          </a:xfrm>
-          <a:prstGeom prst="rect">
-            <a:avLst/>
-          </a:prstGeom>
-          <a:ln w="25400">
-            <a:solidFill>
-              <a:schemeClr val="tx1"/>
-            </a:solidFill>
-          </a:ln>
-        </p:spPr>
-      </p:pic>
-      <p:pic>
-        <p:nvPicPr>
-          <p:cNvPr id="28" name="Picture 27" descr="Chart&#10;&#10;Description automatically generated with low confidence">
-            <a:extLst>
-              <a:ext uri="{FF2B5EF4-FFF2-40B4-BE49-F238E27FC236}">
-                <a16:creationId xmlns:a16="http://schemas.microsoft.com/office/drawing/2014/main" id="{0E2B01E6-B1DB-0C0D-C30A-A865D1C0ED5B}"/>
-              </a:ext>
-            </a:extLst>
-          </p:cNvPr>
-          <p:cNvPicPr>
-            <a:picLocks noChangeAspect="1"/>
-          </p:cNvPicPr>
-          <p:nvPr/>
-        </p:nvPicPr>
-        <p:blipFill>
-          <a:blip r:embed="rId3"/>
-          <a:stretch>
-            <a:fillRect/>
-          </a:stretch>
-        </p:blipFill>
-        <p:spPr>
-          <a:xfrm>
-            <a:off x="544379" y="4051133"/>
-            <a:ext cx="596028" cy="596028"/>
-          </a:xfrm>
-          <a:prstGeom prst="rect">
-            <a:avLst/>
-          </a:prstGeom>
-          <a:ln w="25400">
-            <a:solidFill>
-              <a:schemeClr val="tx1"/>
-            </a:solidFill>
-          </a:ln>
-        </p:spPr>
-      </p:pic>
-      <p:pic>
-        <p:nvPicPr>
-          <p:cNvPr id="30" name="Picture 29" descr="Chart&#10;&#10;Description automatically generated with low confidence">
-            <a:extLst>
-              <a:ext uri="{FF2B5EF4-FFF2-40B4-BE49-F238E27FC236}">
-                <a16:creationId xmlns:a16="http://schemas.microsoft.com/office/drawing/2014/main" id="{C3734589-3FB5-49B0-3878-8F507719DE29}"/>
-              </a:ext>
-            </a:extLst>
-          </p:cNvPr>
-          <p:cNvPicPr>
-            <a:picLocks noChangeAspect="1"/>
-          </p:cNvPicPr>
-          <p:nvPr/>
-        </p:nvPicPr>
-        <p:blipFill>
-          <a:blip r:embed="rId3"/>
-          <a:stretch>
-            <a:fillRect/>
-          </a:stretch>
-        </p:blipFill>
-        <p:spPr>
-          <a:xfrm>
-            <a:off x="1781764" y="4676382"/>
-            <a:ext cx="596028" cy="596028"/>
-          </a:xfrm>
-          <a:prstGeom prst="rect">
-            <a:avLst/>
-          </a:prstGeom>
-          <a:ln w="25400">
-            <a:solidFill>
-              <a:schemeClr val="tx1"/>
-            </a:solidFill>
-          </a:ln>
-        </p:spPr>
-      </p:pic>
-      <p:pic>
-        <p:nvPicPr>
-          <p:cNvPr id="31" name="Picture 30" descr="Chart&#10;&#10;Description automatically generated with low confidence">
-            <a:extLst>
-              <a:ext uri="{FF2B5EF4-FFF2-40B4-BE49-F238E27FC236}">
-                <a16:creationId xmlns:a16="http://schemas.microsoft.com/office/drawing/2014/main" id="{9A8E5010-CB20-493C-9682-0983565F5EF3}"/>
-              </a:ext>
-            </a:extLst>
-          </p:cNvPr>
-          <p:cNvPicPr>
-            <a:picLocks noChangeAspect="1"/>
-          </p:cNvPicPr>
-          <p:nvPr/>
-        </p:nvPicPr>
-        <p:blipFill>
-          <a:blip r:embed="rId3"/>
-          <a:stretch>
-            <a:fillRect/>
-          </a:stretch>
-        </p:blipFill>
-        <p:spPr>
-          <a:xfrm>
-            <a:off x="1781764" y="4049556"/>
-            <a:ext cx="596028" cy="596028"/>
-          </a:xfrm>
-          <a:prstGeom prst="rect">
-            <a:avLst/>
-          </a:prstGeom>
-          <a:ln w="25400">
-            <a:solidFill>
-              <a:schemeClr val="tx1"/>
-            </a:solidFill>
-          </a:ln>
-        </p:spPr>
-      </p:pic>
-      <p:pic>
-        <p:nvPicPr>
-          <p:cNvPr id="32" name="Picture 31" descr="Chart&#10;&#10;Description automatically generated with low confidence">
-            <a:extLst>
-              <a:ext uri="{FF2B5EF4-FFF2-40B4-BE49-F238E27FC236}">
-                <a16:creationId xmlns:a16="http://schemas.microsoft.com/office/drawing/2014/main" id="{3FCC39C9-2B02-E596-34C9-32B00E97A44E}"/>
-              </a:ext>
-            </a:extLst>
-          </p:cNvPr>
-          <p:cNvPicPr>
-            <a:picLocks noChangeAspect="1"/>
-          </p:cNvPicPr>
-          <p:nvPr/>
-        </p:nvPicPr>
-        <p:blipFill>
-          <a:blip r:embed="rId3"/>
-          <a:stretch>
-            <a:fillRect/>
-          </a:stretch>
-        </p:blipFill>
-        <p:spPr>
-          <a:xfrm>
-            <a:off x="3220415" y="2810862"/>
-            <a:ext cx="596028" cy="596028"/>
-          </a:xfrm>
-          <a:prstGeom prst="rect">
-            <a:avLst/>
-          </a:prstGeom>
-          <a:ln w="25400">
-            <a:solidFill>
-              <a:schemeClr val="tx1"/>
-            </a:solidFill>
-          </a:ln>
-        </p:spPr>
-      </p:pic>
-      <p:pic>
-        <p:nvPicPr>
-          <p:cNvPr id="33" name="Picture 32" descr="Chart&#10;&#10;Description automatically generated with low confidence">
-            <a:extLst>
-              <a:ext uri="{FF2B5EF4-FFF2-40B4-BE49-F238E27FC236}">
-                <a16:creationId xmlns:a16="http://schemas.microsoft.com/office/drawing/2014/main" id="{9F13699F-1567-5A6A-C4A1-01A556269AFA}"/>
-              </a:ext>
-            </a:extLst>
-          </p:cNvPr>
-          <p:cNvPicPr>
-            <a:picLocks noChangeAspect="1"/>
-          </p:cNvPicPr>
-          <p:nvPr/>
-        </p:nvPicPr>
-        <p:blipFill>
-          <a:blip r:embed="rId3"/>
-          <a:stretch>
-            <a:fillRect/>
-          </a:stretch>
-        </p:blipFill>
-        <p:spPr>
-          <a:xfrm>
-            <a:off x="1781764" y="3453528"/>
-            <a:ext cx="596028" cy="596028"/>
-          </a:xfrm>
-          <a:prstGeom prst="rect">
-            <a:avLst/>
-          </a:prstGeom>
-          <a:ln w="25400">
-            <a:solidFill>
-              <a:schemeClr val="tx1"/>
-            </a:solidFill>
-          </a:ln>
-        </p:spPr>
-      </p:pic>
-      <p:pic>
-        <p:nvPicPr>
-          <p:cNvPr id="34" name="Picture 33" descr="Chart&#10;&#10;Description automatically generated with low confidence">
-            <a:extLst>
-              <a:ext uri="{FF2B5EF4-FFF2-40B4-BE49-F238E27FC236}">
-                <a16:creationId xmlns:a16="http://schemas.microsoft.com/office/drawing/2014/main" id="{1E98B97C-748F-69CE-E6E2-D51A24328A2A}"/>
-              </a:ext>
-            </a:extLst>
-          </p:cNvPr>
-          <p:cNvPicPr>
-            <a:picLocks noChangeAspect="1"/>
-          </p:cNvPicPr>
-          <p:nvPr/>
-        </p:nvPicPr>
-        <p:blipFill>
-          <a:blip r:embed="rId3"/>
-          <a:stretch>
-            <a:fillRect/>
-          </a:stretch>
-        </p:blipFill>
-        <p:spPr>
-          <a:xfrm>
-            <a:off x="3855583" y="2169354"/>
-            <a:ext cx="596028" cy="596028"/>
-          </a:xfrm>
-          <a:prstGeom prst="rect">
-            <a:avLst/>
-          </a:prstGeom>
-          <a:ln w="25400">
-            <a:solidFill>
-              <a:schemeClr val="tx1"/>
-            </a:solidFill>
-          </a:ln>
-        </p:spPr>
-      </p:pic>
-      <p:pic>
-        <p:nvPicPr>
-          <p:cNvPr id="35" name="Picture 34" descr="Chart&#10;&#10;Description automatically generated with low confidence">
-            <a:extLst>
-              <a:ext uri="{FF2B5EF4-FFF2-40B4-BE49-F238E27FC236}">
-                <a16:creationId xmlns:a16="http://schemas.microsoft.com/office/drawing/2014/main" id="{7224E4B4-27E4-5B94-0A69-458F1E192386}"/>
-              </a:ext>
-            </a:extLst>
-          </p:cNvPr>
-          <p:cNvPicPr>
-            <a:picLocks noChangeAspect="1"/>
-          </p:cNvPicPr>
-          <p:nvPr/>
-        </p:nvPicPr>
-        <p:blipFill>
-          <a:blip r:embed="rId3"/>
-          <a:stretch>
-            <a:fillRect/>
-          </a:stretch>
-        </p:blipFill>
-        <p:spPr>
-          <a:xfrm>
-            <a:off x="3221334" y="2178550"/>
-            <a:ext cx="596028" cy="596028"/>
-          </a:xfrm>
-          <a:prstGeom prst="rect">
-            <a:avLst/>
-          </a:prstGeom>
-          <a:ln w="25400">
-            <a:solidFill>
-              <a:schemeClr val="tx1"/>
-            </a:solidFill>
-          </a:ln>
-        </p:spPr>
-      </p:pic>
-      <p:pic>
-        <p:nvPicPr>
-          <p:cNvPr id="36" name="Picture 35" descr="Chart&#10;&#10;Description automatically generated with low confidence">
-            <a:extLst>
-              <a:ext uri="{FF2B5EF4-FFF2-40B4-BE49-F238E27FC236}">
-                <a16:creationId xmlns:a16="http://schemas.microsoft.com/office/drawing/2014/main" id="{3A734EE6-CDE4-70CA-E08E-D734B255C1F1}"/>
-              </a:ext>
-            </a:extLst>
-          </p:cNvPr>
-          <p:cNvPicPr>
-            <a:picLocks noChangeAspect="1"/>
-          </p:cNvPicPr>
-          <p:nvPr/>
-        </p:nvPicPr>
-        <p:blipFill>
-          <a:blip r:embed="rId3"/>
-          <a:stretch>
-            <a:fillRect/>
-          </a:stretch>
-        </p:blipFill>
-        <p:spPr>
-          <a:xfrm>
-            <a:off x="3823286" y="4665977"/>
-            <a:ext cx="596028" cy="596028"/>
-          </a:xfrm>
-          <a:prstGeom prst="rect">
-            <a:avLst/>
-          </a:prstGeom>
-          <a:ln w="25400">
-            <a:solidFill>
-              <a:schemeClr val="tx1"/>
-            </a:solidFill>
-          </a:ln>
-        </p:spPr>
-      </p:pic>
-      <p:pic>
-        <p:nvPicPr>
-          <p:cNvPr id="37" name="Picture 36" descr="Chart&#10;&#10;Description automatically generated with low confidence">
-            <a:extLst>
-              <a:ext uri="{FF2B5EF4-FFF2-40B4-BE49-F238E27FC236}">
-                <a16:creationId xmlns:a16="http://schemas.microsoft.com/office/drawing/2014/main" id="{7EC94172-3D86-3A9B-AE01-4B8E2ACDD38B}"/>
-              </a:ext>
-            </a:extLst>
-          </p:cNvPr>
-          <p:cNvPicPr>
-            <a:picLocks noChangeAspect="1"/>
-          </p:cNvPicPr>
-          <p:nvPr/>
-        </p:nvPicPr>
-        <p:blipFill>
-          <a:blip r:embed="rId3"/>
-          <a:stretch>
-            <a:fillRect/>
-          </a:stretch>
-        </p:blipFill>
-        <p:spPr>
-          <a:xfrm>
-            <a:off x="5086779" y="4665977"/>
-            <a:ext cx="596028" cy="596028"/>
-          </a:xfrm>
-          <a:prstGeom prst="rect">
-            <a:avLst/>
-          </a:prstGeom>
-          <a:ln w="25400">
-            <a:solidFill>
-              <a:schemeClr val="tx1"/>
-            </a:solidFill>
-          </a:ln>
-        </p:spPr>
-      </p:pic>
-      <p:pic>
-        <p:nvPicPr>
-          <p:cNvPr id="38" name="Picture 37" descr="Chart&#10;&#10;Description automatically generated with low confidence">
-            <a:extLst>
-              <a:ext uri="{FF2B5EF4-FFF2-40B4-BE49-F238E27FC236}">
-                <a16:creationId xmlns:a16="http://schemas.microsoft.com/office/drawing/2014/main" id="{747C366B-EAAF-252C-9E6E-76E06BA8FF08}"/>
-              </a:ext>
-            </a:extLst>
-          </p:cNvPr>
-          <p:cNvPicPr>
-            <a:picLocks noChangeAspect="1"/>
-          </p:cNvPicPr>
-          <p:nvPr/>
-        </p:nvPicPr>
-        <p:blipFill>
-          <a:blip r:embed="rId3"/>
-          <a:stretch>
-            <a:fillRect/>
-          </a:stretch>
-        </p:blipFill>
-        <p:spPr>
-          <a:xfrm>
-            <a:off x="4452530" y="4675173"/>
-            <a:ext cx="596028" cy="596028"/>
-          </a:xfrm>
-          <a:prstGeom prst="rect">
-            <a:avLst/>
-          </a:prstGeom>
-          <a:ln w="25400">
-            <a:solidFill>
-              <a:schemeClr val="tx1"/>
-            </a:solidFill>
-          </a:ln>
-        </p:spPr>
-      </p:pic>
-    </p:spTree>
-    <p:extLst>
-      <p:ext uri="{BB962C8B-B14F-4D97-AF65-F5344CB8AC3E}">
-        <p14:creationId xmlns:p14="http://schemas.microsoft.com/office/powerpoint/2010/main" val="4157304260"/>
-      </p:ext>
-    </p:extLst>
-  </p:cSld>
-  <p:clrMapOvr>
-    <a:masterClrMapping/>
-  </p:clrMapOvr>
-</p:sld>
-</file>
-
 <file path=ppt/slides/slide6.xml><?xml version="1.0" encoding="utf-8"?>
 <p:sld xmlns:a="http://schemas.openxmlformats.org/drawingml/2006/main" xmlns:r="http://schemas.openxmlformats.org/officeDocument/2006/relationships" xmlns:p="http://schemas.openxmlformats.org/presentationml/2006/main">
   <p:cSld>
@@ -14535,7 +14514,7 @@
         <p:spPr>
           <a:xfrm>
             <a:off x="4819536" y="976046"/>
-            <a:ext cx="3534049" cy="2554545"/>
+            <a:ext cx="3534049" cy="2862322"/>
           </a:xfrm>
           <a:prstGeom prst="rect">
             <a:avLst/>
@@ -14550,62 +14529,31 @@
           <a:p>
             <a:r>
               <a:rPr lang="en-US" sz="2000" dirty="0"/>
-              <a:t># move in horizontal direction</a:t>
-            </a:r>
-          </a:p>
-          <a:p>
-            <a:r>
-              <a:rPr lang="en-US" sz="2000" dirty="0" err="1"/>
-              <a:t>center_x</a:t>
-            </a:r>
+              <a:t>Instead of moving in both the x and y directions and then try to resolve collisions, it is easier to </a:t>
+            </a:r>
+          </a:p>
+          <a:p>
+            <a:endParaRPr lang="en-US" sz="2000" dirty="0"/>
+          </a:p>
+          <a:p>
             <a:r>
               <a:rPr lang="en-US" sz="2000" dirty="0"/>
-              <a:t> += </a:t>
-            </a:r>
-            <a:r>
-              <a:rPr lang="en-US" sz="2000" dirty="0" err="1"/>
-              <a:t>change_x</a:t>
-            </a:r>
-            <a:endParaRPr lang="en-US" sz="2000" dirty="0"/>
+              <a:t>1) move in x direction, check for and resolve collision </a:t>
+            </a:r>
           </a:p>
           <a:p>
             <a:r>
               <a:rPr lang="en-US" sz="2000" dirty="0"/>
-              <a:t># resolve collisions</a:t>
-            </a:r>
-          </a:p>
-          <a:p>
-            <a:endParaRPr lang="en-US" sz="2000" dirty="0"/>
-          </a:p>
-          <a:p>
+              <a:t>2) then move in </a:t>
+            </a:r>
+            <a:r>
+              <a:rPr lang="en-US" sz="2000"/>
+              <a:t>the y </a:t>
+            </a:r>
             <a:r>
               <a:rPr lang="en-US" sz="2000" dirty="0"/>
-              <a:t># move in vertical direction</a:t>
-            </a:r>
-          </a:p>
-          <a:p>
-            <a:r>
-              <a:rPr lang="en-US" sz="2000" dirty="0" err="1"/>
-              <a:t>center_y</a:t>
-            </a:r>
-            <a:r>
-              <a:rPr lang="en-US" sz="2000" dirty="0"/>
-              <a:t> += </a:t>
-            </a:r>
-            <a:r>
-              <a:rPr lang="en-US" sz="2000" dirty="0" err="1"/>
-              <a:t>change_y</a:t>
-            </a:r>
-            <a:endParaRPr lang="en-US" sz="2000" dirty="0"/>
-          </a:p>
-          <a:p>
-            <a:r>
-              <a:rPr lang="en-US" sz="2000" dirty="0"/>
-              <a:t># resolve collisions</a:t>
-            </a:r>
-          </a:p>
-          <a:p>
-            <a:endParaRPr lang="en-US" sz="2000" dirty="0"/>
+              <a:t>direction and then check for and resolve collision again.</a:t>
+            </a:r>
           </a:p>
         </p:txBody>
       </p:sp>
@@ -14670,6 +14618,92 @@
           <a:lstStyle/>
           <a:p>
             <a:endParaRPr lang="en-US" dirty="0"/>
+          </a:p>
+        </p:txBody>
+      </p:sp>
+      <p:sp>
+        <p:nvSpPr>
+          <p:cNvPr id="26" name="TextBox 25">
+            <a:extLst>
+              <a:ext uri="{FF2B5EF4-FFF2-40B4-BE49-F238E27FC236}">
+                <a16:creationId xmlns:a16="http://schemas.microsoft.com/office/drawing/2014/main" id="{E98C8C1F-BB33-6D4A-B708-CDCD73D16D95}"/>
+              </a:ext>
+            </a:extLst>
+          </p:cNvPr>
+          <p:cNvSpPr txBox="1"/>
+          <p:nvPr/>
+        </p:nvSpPr>
+        <p:spPr>
+          <a:xfrm>
+            <a:off x="454108" y="1160212"/>
+            <a:ext cx="3534049" cy="707886"/>
+          </a:xfrm>
+          <a:prstGeom prst="rect">
+            <a:avLst/>
+          </a:prstGeom>
+          <a:noFill/>
+        </p:spPr>
+        <p:txBody>
+          <a:bodyPr wrap="square" rtlCol="0">
+            <a:spAutoFit/>
+          </a:bodyPr>
+          <a:lstStyle/>
+          <a:p>
+            <a:r>
+              <a:rPr lang="en-US" sz="2000" dirty="0" err="1">
+                <a:solidFill>
+                  <a:srgbClr val="FF0000"/>
+                </a:solidFill>
+              </a:rPr>
+              <a:t>center_x</a:t>
+            </a:r>
+            <a:r>
+              <a:rPr lang="en-US" sz="2000" dirty="0">
+                <a:solidFill>
+                  <a:srgbClr val="FF0000"/>
+                </a:solidFill>
+              </a:rPr>
+              <a:t> += </a:t>
+            </a:r>
+            <a:r>
+              <a:rPr lang="en-US" sz="2000" dirty="0" err="1">
+                <a:solidFill>
+                  <a:srgbClr val="FF0000"/>
+                </a:solidFill>
+              </a:rPr>
+              <a:t>change_x</a:t>
+            </a:r>
+          </a:p>
+          <a:p>
+            <a:r>
+              <a:rPr lang="en-US" sz="2000" dirty="0" err="1">
+                <a:solidFill>
+                  <a:srgbClr val="FF0000"/>
+                </a:solidFill>
+              </a:rPr>
+              <a:t>center_y</a:t>
+            </a:r>
+            <a:r>
+              <a:rPr lang="en-US" sz="2000" dirty="0">
+                <a:solidFill>
+                  <a:srgbClr val="FF0000"/>
+                </a:solidFill>
+              </a:rPr>
+              <a:t> += </a:t>
+            </a:r>
+            <a:r>
+              <a:rPr lang="en-US" sz="2000" dirty="0" err="1">
+                <a:solidFill>
+                  <a:srgbClr val="FF0000"/>
+                </a:solidFill>
+              </a:rPr>
+              <a:t>change_y</a:t>
+            </a:r>
+            <a:endParaRPr lang="en-US" sz="2000" dirty="0">
+              <a:solidFill>
+                <a:srgbClr val="FF0000"/>
+              </a:solidFill>
+            </a:endParaRPr>
           </a:p>
         </p:txBody>
       </p:sp>
@@ -14695,7 +14729,7 @@
         </p:blipFill>
         <p:spPr>
           <a:xfrm>
-            <a:off x="2217322" y="2449346"/>
+            <a:off x="2241225" y="2449346"/>
             <a:ext cx="652793" cy="596028"/>
           </a:xfrm>
           <a:prstGeom prst="rect">
@@ -15096,7 +15130,7 @@
     </p:spTree>
     <p:extLst>
       <p:ext uri="{BB962C8B-B14F-4D97-AF65-F5344CB8AC3E}">
-        <p14:creationId xmlns:p14="http://schemas.microsoft.com/office/powerpoint/2010/main" val="817354367"/>
+        <p14:creationId xmlns:p14="http://schemas.microsoft.com/office/powerpoint/2010/main" val="4157304260"/>
       </p:ext>
     </p:extLst>
   </p:cSld>
@@ -15151,7 +15185,7 @@
           <a:p>
             <a:r>
               <a:rPr lang="en-US" dirty="0"/>
-              <a:t>Horizontal Direction</a:t>
+              <a:t>Resolving Top-Down Collisions</a:t>
             </a:r>
           </a:p>
         </p:txBody>
@@ -15170,7 +15204,7 @@
         </p:nvSpPr>
         <p:spPr>
           <a:xfrm>
-            <a:off x="-1419936" y="1803769"/>
+            <a:off x="269379" y="1803769"/>
             <a:ext cx="184731" cy="415498"/>
           </a:xfrm>
           <a:prstGeom prst="rect">
@@ -15221,6 +15255,95 @@
           </a:p>
           <a:p>
             <a:endParaRPr lang="en-US" dirty="0"/>
+          </a:p>
+        </p:txBody>
+      </p:sp>
+      <p:sp>
+        <p:nvSpPr>
+          <p:cNvPr id="3" name="TextBox 2">
+            <a:extLst>
+              <a:ext uri="{FF2B5EF4-FFF2-40B4-BE49-F238E27FC236}">
+                <a16:creationId xmlns:a16="http://schemas.microsoft.com/office/drawing/2014/main" id="{7C585519-C7CE-D848-8783-C057C1CB97B2}"/>
+              </a:ext>
+            </a:extLst>
+          </p:cNvPr>
+          <p:cNvSpPr txBox="1"/>
+          <p:nvPr/>
+        </p:nvSpPr>
+        <p:spPr>
+          <a:xfrm>
+            <a:off x="4819536" y="976046"/>
+            <a:ext cx="3534049" cy="2554545"/>
+          </a:xfrm>
+          <a:prstGeom prst="rect">
+            <a:avLst/>
+          </a:prstGeom>
+          <a:noFill/>
+        </p:spPr>
+        <p:txBody>
+          <a:bodyPr wrap="square" rtlCol="0">
+            <a:spAutoFit/>
+          </a:bodyPr>
+          <a:lstStyle/>
+          <a:p>
+            <a:r>
+              <a:rPr lang="en-US" sz="2000" dirty="0"/>
+              <a:t># move in horizontal direction</a:t>
+            </a:r>
+          </a:p>
+          <a:p>
+            <a:r>
+              <a:rPr lang="en-US" sz="2000" dirty="0" err="1"/>
+              <a:t>center_x</a:t>
+            </a:r>
+            <a:r>
+              <a:rPr lang="en-US" sz="2000" dirty="0"/>
+              <a:t> += </a:t>
+            </a:r>
+            <a:r>
+              <a:rPr lang="en-US" sz="2000" dirty="0" err="1"/>
+              <a:t>change_x</a:t>
+            </a:r>
+            <a:endParaRPr lang="en-US" sz="2000" dirty="0"/>
+          </a:p>
+          <a:p>
+            <a:r>
+              <a:rPr lang="en-US" sz="2000" dirty="0"/>
+              <a:t># resolve collisions</a:t>
+            </a:r>
+          </a:p>
+          <a:p>
+            <a:endParaRPr lang="en-US" sz="2000" dirty="0"/>
+          </a:p>
+          <a:p>
+            <a:r>
+              <a:rPr lang="en-US" sz="2000" dirty="0"/>
+              <a:t># move in vertical direction</a:t>
+            </a:r>
+          </a:p>
+          <a:p>
+            <a:r>
+              <a:rPr lang="en-US" sz="2000" dirty="0" err="1"/>
+              <a:t>center_y</a:t>
+            </a:r>
+            <a:r>
+              <a:rPr lang="en-US" sz="2000" dirty="0"/>
+              <a:t> += </a:t>
+            </a:r>
+            <a:r>
+              <a:rPr lang="en-US" sz="2000" dirty="0" err="1"/>
+              <a:t>change_y</a:t>
+            </a:r>
+            <a:endParaRPr lang="en-US" sz="2000" dirty="0"/>
+          </a:p>
+          <a:p>
+            <a:r>
+              <a:rPr lang="en-US" sz="2000" dirty="0"/>
+              <a:t># resolve collisions</a:t>
+            </a:r>
+          </a:p>
+          <a:p>
+            <a:endParaRPr lang="en-US" sz="2000" dirty="0"/>
           </a:p>
         </p:txBody>
       </p:sp>
@@ -15310,8 +15433,148 @@
         </p:blipFill>
         <p:spPr>
           <a:xfrm>
-            <a:off x="528007" y="2449346"/>
+            <a:off x="2217322" y="2449346"/>
             <a:ext cx="652793" cy="596028"/>
+          </a:xfrm>
+          <a:prstGeom prst="rect">
+            <a:avLst/>
+          </a:prstGeom>
+          <a:ln w="25400">
+            <a:solidFill>
+              <a:schemeClr val="tx1"/>
+            </a:solidFill>
+          </a:ln>
+        </p:spPr>
+      </p:pic>
+      <p:pic>
+        <p:nvPicPr>
+          <p:cNvPr id="27" name="Picture 26" descr="Chart&#10;&#10;Description automatically generated with low confidence">
+            <a:extLst>
+              <a:ext uri="{FF2B5EF4-FFF2-40B4-BE49-F238E27FC236}">
+                <a16:creationId xmlns:a16="http://schemas.microsoft.com/office/drawing/2014/main" id="{2C2DAB2E-2055-713B-9A38-64EB01A9C0BD}"/>
+              </a:ext>
+            </a:extLst>
+          </p:cNvPr>
+          <p:cNvPicPr>
+            <a:picLocks noChangeAspect="1"/>
+          </p:cNvPicPr>
+          <p:nvPr/>
+        </p:nvPicPr>
+        <p:blipFill>
+          <a:blip r:embed="rId3"/>
+          <a:stretch>
+            <a:fillRect/>
+          </a:stretch>
+        </p:blipFill>
+        <p:spPr>
+          <a:xfrm>
+            <a:off x="1173821" y="4042919"/>
+            <a:ext cx="596028" cy="596028"/>
+          </a:xfrm>
+          <a:prstGeom prst="rect">
+            <a:avLst/>
+          </a:prstGeom>
+          <a:ln w="25400">
+            <a:solidFill>
+              <a:schemeClr val="tx1"/>
+            </a:solidFill>
+          </a:ln>
+        </p:spPr>
+      </p:pic>
+      <p:pic>
+        <p:nvPicPr>
+          <p:cNvPr id="28" name="Picture 27" descr="Chart&#10;&#10;Description automatically generated with low confidence">
+            <a:extLst>
+              <a:ext uri="{FF2B5EF4-FFF2-40B4-BE49-F238E27FC236}">
+                <a16:creationId xmlns:a16="http://schemas.microsoft.com/office/drawing/2014/main" id="{0E2B01E6-B1DB-0C0D-C30A-A865D1C0ED5B}"/>
+              </a:ext>
+            </a:extLst>
+          </p:cNvPr>
+          <p:cNvPicPr>
+            <a:picLocks noChangeAspect="1"/>
+          </p:cNvPicPr>
+          <p:nvPr/>
+        </p:nvPicPr>
+        <p:blipFill>
+          <a:blip r:embed="rId3"/>
+          <a:stretch>
+            <a:fillRect/>
+          </a:stretch>
+        </p:blipFill>
+        <p:spPr>
+          <a:xfrm>
+            <a:off x="544379" y="4051133"/>
+            <a:ext cx="596028" cy="596028"/>
+          </a:xfrm>
+          <a:prstGeom prst="rect">
+            <a:avLst/>
+          </a:prstGeom>
+          <a:ln w="25400">
+            <a:solidFill>
+              <a:schemeClr val="tx1"/>
+            </a:solidFill>
+          </a:ln>
+        </p:spPr>
+      </p:pic>
+      <p:pic>
+        <p:nvPicPr>
+          <p:cNvPr id="30" name="Picture 29" descr="Chart&#10;&#10;Description automatically generated with low confidence">
+            <a:extLst>
+              <a:ext uri="{FF2B5EF4-FFF2-40B4-BE49-F238E27FC236}">
+                <a16:creationId xmlns:a16="http://schemas.microsoft.com/office/drawing/2014/main" id="{C3734589-3FB5-49B0-3878-8F507719DE29}"/>
+              </a:ext>
+            </a:extLst>
+          </p:cNvPr>
+          <p:cNvPicPr>
+            <a:picLocks noChangeAspect="1"/>
+          </p:cNvPicPr>
+          <p:nvPr/>
+        </p:nvPicPr>
+        <p:blipFill>
+          <a:blip r:embed="rId3"/>
+          <a:stretch>
+            <a:fillRect/>
+          </a:stretch>
+        </p:blipFill>
+        <p:spPr>
+          <a:xfrm>
+            <a:off x="1781764" y="4676382"/>
+            <a:ext cx="596028" cy="596028"/>
+          </a:xfrm>
+          <a:prstGeom prst="rect">
+            <a:avLst/>
+          </a:prstGeom>
+          <a:ln w="25400">
+            <a:solidFill>
+              <a:schemeClr val="tx1"/>
+            </a:solidFill>
+          </a:ln>
+        </p:spPr>
+      </p:pic>
+      <p:pic>
+        <p:nvPicPr>
+          <p:cNvPr id="31" name="Picture 30" descr="Chart&#10;&#10;Description automatically generated with low confidence">
+            <a:extLst>
+              <a:ext uri="{FF2B5EF4-FFF2-40B4-BE49-F238E27FC236}">
+                <a16:creationId xmlns:a16="http://schemas.microsoft.com/office/drawing/2014/main" id="{9A8E5010-CB20-493C-9682-0983565F5EF3}"/>
+              </a:ext>
+            </a:extLst>
+          </p:cNvPr>
+          <p:cNvPicPr>
+            <a:picLocks noChangeAspect="1"/>
+          </p:cNvPicPr>
+          <p:nvPr/>
+        </p:nvPicPr>
+        <p:blipFill>
+          <a:blip r:embed="rId3"/>
+          <a:stretch>
+            <a:fillRect/>
+          </a:stretch>
+        </p:blipFill>
+        <p:spPr>
+          <a:xfrm>
+            <a:off x="1781764" y="4049556"/>
+            <a:ext cx="596028" cy="596028"/>
           </a:xfrm>
           <a:prstGeom prst="rect">
             <a:avLst/>
@@ -15345,7 +15608,42 @@
         </p:blipFill>
         <p:spPr>
           <a:xfrm>
-            <a:off x="1531100" y="2810862"/>
+            <a:off x="3220415" y="2810862"/>
+            <a:ext cx="596028" cy="596028"/>
+          </a:xfrm>
+          <a:prstGeom prst="rect">
+            <a:avLst/>
+          </a:prstGeom>
+          <a:ln w="25400">
+            <a:solidFill>
+              <a:schemeClr val="tx1"/>
+            </a:solidFill>
+          </a:ln>
+        </p:spPr>
+      </p:pic>
+      <p:pic>
+        <p:nvPicPr>
+          <p:cNvPr id="33" name="Picture 32" descr="Chart&#10;&#10;Description automatically generated with low confidence">
+            <a:extLst>
+              <a:ext uri="{FF2B5EF4-FFF2-40B4-BE49-F238E27FC236}">
+                <a16:creationId xmlns:a16="http://schemas.microsoft.com/office/drawing/2014/main" id="{9F13699F-1567-5A6A-C4A1-01A556269AFA}"/>
+              </a:ext>
+            </a:extLst>
+          </p:cNvPr>
+          <p:cNvPicPr>
+            <a:picLocks noChangeAspect="1"/>
+          </p:cNvPicPr>
+          <p:nvPr/>
+        </p:nvPicPr>
+        <p:blipFill>
+          <a:blip r:embed="rId3"/>
+          <a:stretch>
+            <a:fillRect/>
+          </a:stretch>
+        </p:blipFill>
+        <p:spPr>
+          <a:xfrm>
+            <a:off x="1781764" y="3453528"/>
             <a:ext cx="596028" cy="596028"/>
           </a:xfrm>
           <a:prstGeom prst="rect">
@@ -15380,7 +15678,7 @@
         </p:blipFill>
         <p:spPr>
           <a:xfrm>
-            <a:off x="2166268" y="2169354"/>
+            <a:off x="3855583" y="2169354"/>
             <a:ext cx="596028" cy="596028"/>
           </a:xfrm>
           <a:prstGeom prst="rect">
@@ -15415,7 +15713,7 @@
         </p:blipFill>
         <p:spPr>
           <a:xfrm>
-            <a:off x="1532019" y="2178550"/>
+            <a:off x="3221334" y="2178550"/>
             <a:ext cx="596028" cy="596028"/>
           </a:xfrm>
           <a:prstGeom prst="rect">
@@ -15428,86 +15726,115 @@
           </a:ln>
         </p:spPr>
       </p:pic>
-      <p:cxnSp>
-        <p:nvCxnSpPr>
-          <p:cNvPr id="5" name="Straight Arrow Connector 4">
+      <p:pic>
+        <p:nvPicPr>
+          <p:cNvPr id="36" name="Picture 35" descr="Chart&#10;&#10;Description automatically generated with low confidence">
             <a:extLst>
               <a:ext uri="{FF2B5EF4-FFF2-40B4-BE49-F238E27FC236}">
-                <a16:creationId xmlns:a16="http://schemas.microsoft.com/office/drawing/2014/main" id="{9A063FFF-43E1-CBBA-EA08-7D7E897684B8}"/>
+                <a16:creationId xmlns:a16="http://schemas.microsoft.com/office/drawing/2014/main" id="{3A734EE6-CDE4-70CA-E08E-D734B255C1F1}"/>
               </a:ext>
             </a:extLst>
           </p:cNvPr>
-          <p:cNvCxnSpPr>
-            <a:cxnSpLocks/>
-          </p:cNvCxnSpPr>
+          <p:cNvPicPr>
+            <a:picLocks noChangeAspect="1"/>
+          </p:cNvPicPr>
           <p:nvPr/>
-        </p:nvCxnSpPr>
-        <p:spPr>
-          <a:xfrm flipV="1">
-            <a:off x="511084" y="3201557"/>
-            <a:ext cx="674905" cy="1"/>
-          </a:xfrm>
-          <a:prstGeom prst="straightConnector1">
+        </p:nvPicPr>
+        <p:blipFill>
+          <a:blip r:embed="rId3"/>
+          <a:stretch>
+            <a:fillRect/>
+          </a:stretch>
+        </p:blipFill>
+        <p:spPr>
+          <a:xfrm>
+            <a:off x="3823286" y="4665977"/>
+            <a:ext cx="596028" cy="596028"/>
+          </a:xfrm>
+          <a:prstGeom prst="rect">
             <a:avLst/>
           </a:prstGeom>
-          <a:ln w="38100">
-            <a:tailEnd type="triangle"/>
+          <a:ln w="25400">
+            <a:solidFill>
+              <a:schemeClr val="tx1"/>
+            </a:solidFill>
           </a:ln>
         </p:spPr>
-        <p:style>
-          <a:lnRef idx="1">
-            <a:schemeClr val="dk1"/>
-          </a:lnRef>
-          <a:fillRef idx="0">
-            <a:schemeClr val="dk1"/>
-          </a:fillRef>
-          <a:effectRef idx="0">
-            <a:schemeClr val="dk1"/>
-          </a:effectRef>
-          <a:fontRef idx="minor">
-            <a:schemeClr val="tx1"/>
-          </a:fontRef>
-        </p:style>
-      </p:cxnSp>
-      <p:sp>
-        <p:nvSpPr>
-          <p:cNvPr id="6" name="TextBox 5">
+      </p:pic>
+      <p:pic>
+        <p:nvPicPr>
+          <p:cNvPr id="37" name="Picture 36" descr="Chart&#10;&#10;Description automatically generated with low confidence">
             <a:extLst>
               <a:ext uri="{FF2B5EF4-FFF2-40B4-BE49-F238E27FC236}">
-                <a16:creationId xmlns:a16="http://schemas.microsoft.com/office/drawing/2014/main" id="{1C692FAF-D519-8052-F9E3-FC962B05DA45}"/>
+                <a16:creationId xmlns:a16="http://schemas.microsoft.com/office/drawing/2014/main" id="{7EC94172-3D86-3A9B-AE01-4B8E2ACDD38B}"/>
               </a:ext>
             </a:extLst>
           </p:cNvPr>
-          <p:cNvSpPr txBox="1"/>
+          <p:cNvPicPr>
+            <a:picLocks noChangeAspect="1"/>
+          </p:cNvPicPr>
           <p:nvPr/>
-        </p:nvSpPr>
+        </p:nvPicPr>
+        <p:blipFill>
+          <a:blip r:embed="rId3"/>
+          <a:stretch>
+            <a:fillRect/>
+          </a:stretch>
+        </p:blipFill>
         <p:spPr>
           <a:xfrm>
-            <a:off x="4186924" y="872451"/>
-            <a:ext cx="5332796" cy="369332"/>
+            <a:off x="5086779" y="4665977"/>
+            <a:ext cx="596028" cy="596028"/>
           </a:xfrm>
           <a:prstGeom prst="rect">
             <a:avLst/>
           </a:prstGeom>
-          <a:noFill/>
-        </p:spPr>
-        <p:txBody>
-          <a:bodyPr wrap="square" rtlCol="0">
-            <a:spAutoFit/>
-          </a:bodyPr>
-          <a:lstStyle/>
-          <a:p>
-            <a:r>
-              <a:rPr lang="en-US" sz="1800" dirty="0"/>
-              <a:t>move in horizontal direction</a:t>
-            </a:r>
-          </a:p>
-        </p:txBody>
-      </p:sp>
+          <a:ln w="25400">
+            <a:solidFill>
+              <a:schemeClr val="tx1"/>
+            </a:solidFill>
+          </a:ln>
+        </p:spPr>
+      </p:pic>
+      <p:pic>
+        <p:nvPicPr>
+          <p:cNvPr id="38" name="Picture 37" descr="Chart&#10;&#10;Description automatically generated with low confidence">
+            <a:extLst>
+              <a:ext uri="{FF2B5EF4-FFF2-40B4-BE49-F238E27FC236}">
+                <a16:creationId xmlns:a16="http://schemas.microsoft.com/office/drawing/2014/main" id="{747C366B-EAAF-252C-9E6E-76E06BA8FF08}"/>
+              </a:ext>
+            </a:extLst>
+          </p:cNvPr>
+          <p:cNvPicPr>
+            <a:picLocks noChangeAspect="1"/>
+          </p:cNvPicPr>
+          <p:nvPr/>
+        </p:nvPicPr>
+        <p:blipFill>
+          <a:blip r:embed="rId3"/>
+          <a:stretch>
+            <a:fillRect/>
+          </a:stretch>
+        </p:blipFill>
+        <p:spPr>
+          <a:xfrm>
+            <a:off x="4452530" y="4675173"/>
+            <a:ext cx="596028" cy="596028"/>
+          </a:xfrm>
+          <a:prstGeom prst="rect">
+            <a:avLst/>
+          </a:prstGeom>
+          <a:ln w="25400">
+            <a:solidFill>
+              <a:schemeClr val="tx1"/>
+            </a:solidFill>
+          </a:ln>
+        </p:spPr>
+      </p:pic>
     </p:spTree>
     <p:extLst>
       <p:ext uri="{BB962C8B-B14F-4D97-AF65-F5344CB8AC3E}">
-        <p14:creationId xmlns:p14="http://schemas.microsoft.com/office/powerpoint/2010/main" val="2057791507"/>
+        <p14:creationId xmlns:p14="http://schemas.microsoft.com/office/powerpoint/2010/main" val="817354367"/>
       </p:ext>
     </p:extLst>
   </p:cSld>
@@ -15569,6 +15896,38 @@
       </p:sp>
       <p:sp>
         <p:nvSpPr>
+          <p:cNvPr id="9" name="TextBox 8">
+            <a:extLst>
+              <a:ext uri="{FF2B5EF4-FFF2-40B4-BE49-F238E27FC236}">
+                <a16:creationId xmlns:a16="http://schemas.microsoft.com/office/drawing/2014/main" id="{E1513AD7-DD4F-4844-A45C-15B893C5402D}"/>
+              </a:ext>
+            </a:extLst>
+          </p:cNvPr>
+          <p:cNvSpPr txBox="1"/>
+          <p:nvPr/>
+        </p:nvSpPr>
+        <p:spPr>
+          <a:xfrm>
+            <a:off x="-1419936" y="1803769"/>
+            <a:ext cx="184731" cy="415498"/>
+          </a:xfrm>
+          <a:prstGeom prst="rect">
+            <a:avLst/>
+          </a:prstGeom>
+          <a:noFill/>
+        </p:spPr>
+        <p:txBody>
+          <a:bodyPr wrap="none" rtlCol="0">
+            <a:spAutoFit/>
+          </a:bodyPr>
+          <a:lstStyle/>
+          <a:p>
+            <a:endParaRPr lang="en-US" sz="2100" dirty="0"/>
+          </a:p>
+        </p:txBody>
+      </p:sp>
+      <p:sp>
+        <p:nvSpPr>
           <p:cNvPr id="4" name="Content Placeholder 3">
             <a:extLst>
               <a:ext uri="{FF2B5EF4-FFF2-40B4-BE49-F238E27FC236}">
@@ -15637,10 +15996,10 @@
       </p:sp>
       <p:sp>
         <p:nvSpPr>
-          <p:cNvPr id="6" name="TextBox 5">
+          <p:cNvPr id="25" name="TextBox 24">
             <a:extLst>
               <a:ext uri="{FF2B5EF4-FFF2-40B4-BE49-F238E27FC236}">
-                <a16:creationId xmlns:a16="http://schemas.microsoft.com/office/drawing/2014/main" id="{1C692FAF-D519-8052-F9E3-FC962B05DA45}"/>
+                <a16:creationId xmlns:a16="http://schemas.microsoft.com/office/drawing/2014/main" id="{86AC38CF-2092-6F43-8B35-4D18887AC663}"/>
               </a:ext>
             </a:extLst>
           </p:cNvPr>
@@ -15649,61 +16008,8 @@
         </p:nvSpPr>
         <p:spPr>
           <a:xfrm>
-            <a:off x="4186924" y="872451"/>
-            <a:ext cx="5332796" cy="1200329"/>
-          </a:xfrm>
-          <a:prstGeom prst="rect">
-            <a:avLst/>
-          </a:prstGeom>
-          <a:noFill/>
-        </p:spPr>
-        <p:txBody>
-          <a:bodyPr wrap="square" rtlCol="0">
-            <a:spAutoFit/>
-          </a:bodyPr>
-          <a:lstStyle/>
-          <a:p>
-            <a:r>
-              <a:rPr lang="en-US" sz="1800" dirty="0"/>
-              <a:t>move in horizontal direction</a:t>
-            </a:r>
-          </a:p>
-          <a:p>
-            <a:r>
-              <a:rPr lang="en-US" sz="1800" dirty="0"/>
-              <a:t>compute list of all platforms which collide with player </a:t>
-            </a:r>
-          </a:p>
-          <a:p>
-            <a:r>
-              <a:rPr lang="en-US" sz="1800" dirty="0"/>
-              <a:t>if list not empty:</a:t>
-            </a:r>
-          </a:p>
-          <a:p>
-            <a:r>
-              <a:rPr lang="en-US" sz="1800" dirty="0"/>
-              <a:t>   if player is moving right:</a:t>
-            </a:r>
-          </a:p>
-        </p:txBody>
-      </p:sp>
-      <p:sp>
-        <p:nvSpPr>
-          <p:cNvPr id="9" name="TextBox 8">
-            <a:extLst>
-              <a:ext uri="{FF2B5EF4-FFF2-40B4-BE49-F238E27FC236}">
-                <a16:creationId xmlns:a16="http://schemas.microsoft.com/office/drawing/2014/main" id="{E1513AD7-DD4F-4844-A45C-15B893C5402D}"/>
-              </a:ext>
-            </a:extLst>
-          </p:cNvPr>
-          <p:cNvSpPr txBox="1"/>
-          <p:nvPr/>
-        </p:nvSpPr>
-        <p:spPr>
-          <a:xfrm>
-            <a:off x="269379" y="1803769"/>
-            <a:ext cx="184731" cy="415498"/>
+            <a:off x="269379" y="511444"/>
+            <a:ext cx="184731" cy="308418"/>
           </a:xfrm>
           <a:prstGeom prst="rect">
             <a:avLst/>
@@ -15716,16 +16022,16 @@
           </a:bodyPr>
           <a:lstStyle/>
           <a:p>
-            <a:endParaRPr lang="en-US" sz="2100" dirty="0"/>
+            <a:endParaRPr lang="en-US" dirty="0"/>
           </a:p>
         </p:txBody>
       </p:sp>
       <p:pic>
         <p:nvPicPr>
-          <p:cNvPr id="7" name="Picture 6" descr="Chart&#10;&#10;Description automatically generated with low confidence">
+          <p:cNvPr id="17" name="Picture 16" descr="Icon&#10;&#10;Description automatically generated">
             <a:extLst>
               <a:ext uri="{FF2B5EF4-FFF2-40B4-BE49-F238E27FC236}">
-                <a16:creationId xmlns:a16="http://schemas.microsoft.com/office/drawing/2014/main" id="{A0D23272-9B45-A86D-DB9A-7D6E46E42387}"/>
+                <a16:creationId xmlns:a16="http://schemas.microsoft.com/office/drawing/2014/main" id="{1A644215-2140-7283-D202-AFEDC3D893D5}"/>
               </a:ext>
             </a:extLst>
           </p:cNvPr>
@@ -15742,8 +16048,8 @@
         </p:blipFill>
         <p:spPr>
           <a:xfrm>
-            <a:off x="1531100" y="2810862"/>
-            <a:ext cx="596028" cy="596028"/>
+            <a:off x="528007" y="2449346"/>
+            <a:ext cx="652793" cy="596028"/>
           </a:xfrm>
           <a:prstGeom prst="rect">
             <a:avLst/>
@@ -15757,10 +16063,10 @@
       </p:pic>
       <p:pic>
         <p:nvPicPr>
-          <p:cNvPr id="8" name="Picture 7" descr="Chart&#10;&#10;Description automatically generated with low confidence">
+          <p:cNvPr id="32" name="Picture 31" descr="Chart&#10;&#10;Description automatically generated with low confidence">
             <a:extLst>
               <a:ext uri="{FF2B5EF4-FFF2-40B4-BE49-F238E27FC236}">
-                <a16:creationId xmlns:a16="http://schemas.microsoft.com/office/drawing/2014/main" id="{47BFC2F5-DA4E-0C8F-01D5-A90ACF69A5FB}"/>
+                <a16:creationId xmlns:a16="http://schemas.microsoft.com/office/drawing/2014/main" id="{3FCC39C9-2B02-E596-34C9-32B00E97A44E}"/>
               </a:ext>
             </a:extLst>
           </p:cNvPr>
@@ -15770,14 +16076,14 @@
           <p:nvPr/>
         </p:nvPicPr>
         <p:blipFill>
-          <a:blip r:embed="rId2"/>
+          <a:blip r:embed="rId3"/>
           <a:stretch>
             <a:fillRect/>
           </a:stretch>
         </p:blipFill>
         <p:spPr>
           <a:xfrm>
-            <a:off x="2166268" y="2169354"/>
+            <a:off x="1531100" y="2810862"/>
             <a:ext cx="596028" cy="596028"/>
           </a:xfrm>
           <a:prstGeom prst="rect">
@@ -15792,10 +16098,10 @@
       </p:pic>
       <p:pic>
         <p:nvPicPr>
-          <p:cNvPr id="10" name="Picture 9" descr="Chart&#10;&#10;Description automatically generated with low confidence">
+          <p:cNvPr id="34" name="Picture 33" descr="Chart&#10;&#10;Description automatically generated with low confidence">
             <a:extLst>
               <a:ext uri="{FF2B5EF4-FFF2-40B4-BE49-F238E27FC236}">
-                <a16:creationId xmlns:a16="http://schemas.microsoft.com/office/drawing/2014/main" id="{2BD75169-2647-055A-A5B5-311D5FAB4EF5}"/>
+                <a16:creationId xmlns:a16="http://schemas.microsoft.com/office/drawing/2014/main" id="{1E98B97C-748F-69CE-E6E2-D51A24328A2A}"/>
               </a:ext>
             </a:extLst>
           </p:cNvPr>
@@ -15805,14 +16111,14 @@
           <p:nvPr/>
         </p:nvPicPr>
         <p:blipFill>
-          <a:blip r:embed="rId2"/>
+          <a:blip r:embed="rId3"/>
           <a:stretch>
             <a:fillRect/>
           </a:stretch>
         </p:blipFill>
         <p:spPr>
           <a:xfrm>
-            <a:off x="1532019" y="2178550"/>
+            <a:off x="2166268" y="2169354"/>
             <a:ext cx="596028" cy="596028"/>
           </a:xfrm>
           <a:prstGeom prst="rect">
@@ -15825,12 +16131,47 @@
           </a:ln>
         </p:spPr>
       </p:pic>
+      <p:pic>
+        <p:nvPicPr>
+          <p:cNvPr id="35" name="Picture 34" descr="Chart&#10;&#10;Description automatically generated with low confidence">
+            <a:extLst>
+              <a:ext uri="{FF2B5EF4-FFF2-40B4-BE49-F238E27FC236}">
+                <a16:creationId xmlns:a16="http://schemas.microsoft.com/office/drawing/2014/main" id="{7224E4B4-27E4-5B94-0A69-458F1E192386}"/>
+              </a:ext>
+            </a:extLst>
+          </p:cNvPr>
+          <p:cNvPicPr>
+            <a:picLocks noChangeAspect="1"/>
+          </p:cNvPicPr>
+          <p:nvPr/>
+        </p:nvPicPr>
+        <p:blipFill>
+          <a:blip r:embed="rId3"/>
+          <a:stretch>
+            <a:fillRect/>
+          </a:stretch>
+        </p:blipFill>
+        <p:spPr>
+          <a:xfrm>
+            <a:off x="1532019" y="2178550"/>
+            <a:ext cx="596028" cy="596028"/>
+          </a:xfrm>
+          <a:prstGeom prst="rect">
+            <a:avLst/>
+          </a:prstGeom>
+          <a:ln w="25400">
+            <a:solidFill>
+              <a:schemeClr val="tx1"/>
+            </a:solidFill>
+          </a:ln>
+        </p:spPr>
+      </p:pic>
       <p:cxnSp>
         <p:nvCxnSpPr>
-          <p:cNvPr id="11" name="Straight Arrow Connector 10">
+          <p:cNvPr id="5" name="Straight Arrow Connector 4">
             <a:extLst>
               <a:ext uri="{FF2B5EF4-FFF2-40B4-BE49-F238E27FC236}">
-                <a16:creationId xmlns:a16="http://schemas.microsoft.com/office/drawing/2014/main" id="{D9A448CF-3932-02F2-C4E0-8AD14CDF85C2}"/>
+                <a16:creationId xmlns:a16="http://schemas.microsoft.com/office/drawing/2014/main" id="{9A063FFF-43E1-CBBA-EA08-7D7E897684B8}"/>
               </a:ext>
             </a:extLst>
           </p:cNvPr>
@@ -15866,47 +16207,12 @@
           </a:fontRef>
         </p:style>
       </p:cxnSp>
-      <p:pic>
-        <p:nvPicPr>
-          <p:cNvPr id="3" name="Picture 2" descr="Icon&#10;&#10;Description automatically generated">
+      <p:sp>
+        <p:nvSpPr>
+          <p:cNvPr id="6" name="TextBox 5">
             <a:extLst>
               <a:ext uri="{FF2B5EF4-FFF2-40B4-BE49-F238E27FC236}">
-                <a16:creationId xmlns:a16="http://schemas.microsoft.com/office/drawing/2014/main" id="{2A5CC9F2-5BFB-BD96-AF66-C02B15EF7CBA}"/>
-              </a:ext>
-            </a:extLst>
-          </p:cNvPr>
-          <p:cNvPicPr>
-            <a:picLocks noChangeAspect="1"/>
-          </p:cNvPicPr>
-          <p:nvPr/>
-        </p:nvPicPr>
-        <p:blipFill>
-          <a:blip r:embed="rId3"/>
-          <a:stretch>
-            <a:fillRect/>
-          </a:stretch>
-        </p:blipFill>
-        <p:spPr>
-          <a:xfrm>
-            <a:off x="1194434" y="2449346"/>
-            <a:ext cx="652793" cy="596028"/>
-          </a:xfrm>
-          <a:prstGeom prst="rect">
-            <a:avLst/>
-          </a:prstGeom>
-          <a:ln w="25400">
-            <a:solidFill>
-              <a:schemeClr val="tx1"/>
-            </a:solidFill>
-          </a:ln>
-        </p:spPr>
-      </p:pic>
-      <p:sp>
-        <p:nvSpPr>
-          <p:cNvPr id="25" name="TextBox 24">
-            <a:extLst>
-              <a:ext uri="{FF2B5EF4-FFF2-40B4-BE49-F238E27FC236}">
-                <a16:creationId xmlns:a16="http://schemas.microsoft.com/office/drawing/2014/main" id="{86AC38CF-2092-6F43-8B35-4D18887AC663}"/>
+                <a16:creationId xmlns:a16="http://schemas.microsoft.com/office/drawing/2014/main" id="{1C692FAF-D519-8052-F9E3-FC962B05DA45}"/>
               </a:ext>
             </a:extLst>
           </p:cNvPr>
@@ -15915,8 +16221,8 @@
         </p:nvSpPr>
         <p:spPr>
           <a:xfrm>
-            <a:off x="269379" y="511444"/>
-            <a:ext cx="184731" cy="308418"/>
+            <a:off x="4186924" y="872451"/>
+            <a:ext cx="5332796" cy="369332"/>
           </a:xfrm>
           <a:prstGeom prst="rect">
             <a:avLst/>
@@ -15924,19 +16230,22 @@
           <a:noFill/>
         </p:spPr>
         <p:txBody>
-          <a:bodyPr wrap="none" rtlCol="0">
+          <a:bodyPr wrap="square" rtlCol="0">
             <a:spAutoFit/>
           </a:bodyPr>
           <a:lstStyle/>
           <a:p>
-            <a:endParaRPr lang="en-US" dirty="0"/>
+            <a:r>
+              <a:rPr lang="en-US" sz="1800" dirty="0"/>
+              <a:t>move in horizontal direction</a:t>
+            </a:r>
           </a:p>
         </p:txBody>
       </p:sp>
     </p:spTree>
     <p:extLst>
       <p:ext uri="{BB962C8B-B14F-4D97-AF65-F5344CB8AC3E}">
-        <p14:creationId xmlns:p14="http://schemas.microsoft.com/office/powerpoint/2010/main" val="674449138"/>
+        <p14:creationId xmlns:p14="http://schemas.microsoft.com/office/powerpoint/2010/main" val="2057791507"/>
       </p:ext>
     </p:extLst>
   </p:cSld>
@@ -16079,7 +16388,7 @@
         <p:spPr>
           <a:xfrm>
             <a:off x="4186924" y="872451"/>
-            <a:ext cx="5332796" cy="2031325"/>
+            <a:ext cx="5332796" cy="1200329"/>
           </a:xfrm>
           <a:prstGeom prst="rect">
             <a:avLst/>
@@ -16114,21 +16423,6 @@
               <a:rPr lang="en-US" sz="1800" dirty="0"/>
               <a:t>   if player is moving right:</a:t>
             </a:r>
-          </a:p>
-          <a:p>
-            <a:r>
-              <a:rPr lang="en-US" sz="1800" dirty="0"/>
-              <a:t>      	set right side of player = left side of a </a:t>
-            </a:r>
-          </a:p>
-          <a:p>
-            <a:r>
-              <a:rPr lang="en-US" sz="1800" dirty="0"/>
-              <a:t>								collided platform </a:t>
-            </a:r>
-          </a:p>
-          <a:p>
-            <a:endParaRPr lang="en-US" sz="1800" dirty="0"/>
           </a:p>
         </p:txBody>
       </p:sp>
@@ -16164,44 +16458,12 @@
           </a:p>
         </p:txBody>
       </p:sp>
-      <p:sp>
-        <p:nvSpPr>
-          <p:cNvPr id="25" name="TextBox 24">
+      <p:pic>
+        <p:nvPicPr>
+          <p:cNvPr id="7" name="Picture 6" descr="Chart&#10;&#10;Description automatically generated with low confidence">
             <a:extLst>
               <a:ext uri="{FF2B5EF4-FFF2-40B4-BE49-F238E27FC236}">
-                <a16:creationId xmlns:a16="http://schemas.microsoft.com/office/drawing/2014/main" id="{86AC38CF-2092-6F43-8B35-4D18887AC663}"/>
-              </a:ext>
-            </a:extLst>
-          </p:cNvPr>
-          <p:cNvSpPr txBox="1"/>
-          <p:nvPr/>
-        </p:nvSpPr>
-        <p:spPr>
-          <a:xfrm>
-            <a:off x="269379" y="511444"/>
-            <a:ext cx="184731" cy="308418"/>
-          </a:xfrm>
-          <a:prstGeom prst="rect">
-            <a:avLst/>
-          </a:prstGeom>
-          <a:noFill/>
-        </p:spPr>
-        <p:txBody>
-          <a:bodyPr wrap="none" rtlCol="0">
-            <a:spAutoFit/>
-          </a:bodyPr>
-          <a:lstStyle/>
-          <a:p>
-            <a:endParaRPr lang="en-US" dirty="0"/>
-          </a:p>
-        </p:txBody>
-      </p:sp>
-      <p:pic>
-        <p:nvPicPr>
-          <p:cNvPr id="3" name="Picture 2" descr="Icon&#10;&#10;Description automatically generated">
-            <a:extLst>
-              <a:ext uri="{FF2B5EF4-FFF2-40B4-BE49-F238E27FC236}">
-                <a16:creationId xmlns:a16="http://schemas.microsoft.com/office/drawing/2014/main" id="{9D854B95-B0A1-0013-8660-47C3570B8FFA}"/>
+                <a16:creationId xmlns:a16="http://schemas.microsoft.com/office/drawing/2014/main" id="{A0D23272-9B45-A86D-DB9A-7D6E46E42387}"/>
               </a:ext>
             </a:extLst>
           </p:cNvPr>
@@ -16218,8 +16480,8 @@
         </p:blipFill>
         <p:spPr>
           <a:xfrm>
-            <a:off x="837972" y="2449346"/>
-            <a:ext cx="652793" cy="596028"/>
+            <a:off x="1531100" y="2810862"/>
+            <a:ext cx="596028" cy="596028"/>
           </a:xfrm>
           <a:prstGeom prst="rect">
             <a:avLst/>
@@ -16233,10 +16495,10 @@
       </p:pic>
       <p:pic>
         <p:nvPicPr>
-          <p:cNvPr id="7" name="Picture 6" descr="Chart&#10;&#10;Description automatically generated with low confidence">
+          <p:cNvPr id="8" name="Picture 7" descr="Chart&#10;&#10;Description automatically generated with low confidence">
             <a:extLst>
               <a:ext uri="{FF2B5EF4-FFF2-40B4-BE49-F238E27FC236}">
-                <a16:creationId xmlns:a16="http://schemas.microsoft.com/office/drawing/2014/main" id="{1B908CAE-CFB5-3D47-036E-01230F9F5B2F}"/>
+                <a16:creationId xmlns:a16="http://schemas.microsoft.com/office/drawing/2014/main" id="{47BFC2F5-DA4E-0C8F-01D5-A90ACF69A5FB}"/>
               </a:ext>
             </a:extLst>
           </p:cNvPr>
@@ -16246,14 +16508,14 @@
           <p:nvPr/>
         </p:nvPicPr>
         <p:blipFill>
-          <a:blip r:embed="rId3"/>
+          <a:blip r:embed="rId2"/>
           <a:stretch>
             <a:fillRect/>
           </a:stretch>
         </p:blipFill>
         <p:spPr>
           <a:xfrm>
-            <a:off x="1531100" y="2810862"/>
+            <a:off x="2166268" y="2169354"/>
             <a:ext cx="596028" cy="596028"/>
           </a:xfrm>
           <a:prstGeom prst="rect">
@@ -16268,10 +16530,10 @@
       </p:pic>
       <p:pic>
         <p:nvPicPr>
-          <p:cNvPr id="8" name="Picture 7" descr="Chart&#10;&#10;Description automatically generated with low confidence">
+          <p:cNvPr id="10" name="Picture 9" descr="Chart&#10;&#10;Description automatically generated with low confidence">
             <a:extLst>
               <a:ext uri="{FF2B5EF4-FFF2-40B4-BE49-F238E27FC236}">
-                <a16:creationId xmlns:a16="http://schemas.microsoft.com/office/drawing/2014/main" id="{0E6CDD35-0702-0675-4B8D-525ABAD3969F}"/>
+                <a16:creationId xmlns:a16="http://schemas.microsoft.com/office/drawing/2014/main" id="{2BD75169-2647-055A-A5B5-311D5FAB4EF5}"/>
               </a:ext>
             </a:extLst>
           </p:cNvPr>
@@ -16281,14 +16543,14 @@
           <p:nvPr/>
         </p:nvPicPr>
         <p:blipFill>
-          <a:blip r:embed="rId3"/>
+          <a:blip r:embed="rId2"/>
           <a:stretch>
             <a:fillRect/>
           </a:stretch>
         </p:blipFill>
         <p:spPr>
           <a:xfrm>
-            <a:off x="2166268" y="2169354"/>
+            <a:off x="1532019" y="2178550"/>
             <a:ext cx="596028" cy="596028"/>
           </a:xfrm>
           <a:prstGeom prst="rect">
@@ -16301,47 +16563,12 @@
           </a:ln>
         </p:spPr>
       </p:pic>
-      <p:pic>
-        <p:nvPicPr>
-          <p:cNvPr id="10" name="Picture 9" descr="Chart&#10;&#10;Description automatically generated with low confidence">
-            <a:extLst>
-              <a:ext uri="{FF2B5EF4-FFF2-40B4-BE49-F238E27FC236}">
-                <a16:creationId xmlns:a16="http://schemas.microsoft.com/office/drawing/2014/main" id="{45CADF34-EC2E-2BDA-2039-9DE6282074F8}"/>
-              </a:ext>
-            </a:extLst>
-          </p:cNvPr>
-          <p:cNvPicPr>
-            <a:picLocks noChangeAspect="1"/>
-          </p:cNvPicPr>
-          <p:nvPr/>
-        </p:nvPicPr>
-        <p:blipFill>
-          <a:blip r:embed="rId3"/>
-          <a:stretch>
-            <a:fillRect/>
-          </a:stretch>
-        </p:blipFill>
-        <p:spPr>
-          <a:xfrm>
-            <a:off x="1532019" y="2178550"/>
-            <a:ext cx="596028" cy="596028"/>
-          </a:xfrm>
-          <a:prstGeom prst="rect">
-            <a:avLst/>
-          </a:prstGeom>
-          <a:ln w="25400">
-            <a:solidFill>
-              <a:schemeClr val="tx1"/>
-            </a:solidFill>
-          </a:ln>
-        </p:spPr>
-      </p:pic>
       <p:cxnSp>
         <p:nvCxnSpPr>
           <p:cNvPr id="11" name="Straight Arrow Connector 10">
             <a:extLst>
               <a:ext uri="{FF2B5EF4-FFF2-40B4-BE49-F238E27FC236}">
-                <a16:creationId xmlns:a16="http://schemas.microsoft.com/office/drawing/2014/main" id="{D3F8285C-4842-EDD4-C98A-48CF642107C1}"/>
+                <a16:creationId xmlns:a16="http://schemas.microsoft.com/office/drawing/2014/main" id="{D9A448CF-3932-02F2-C4E0-8AD14CDF85C2}"/>
               </a:ext>
             </a:extLst>
           </p:cNvPr>
@@ -16377,10 +16604,77 @@
           </a:fontRef>
         </p:style>
       </p:cxnSp>
+      <p:pic>
+        <p:nvPicPr>
+          <p:cNvPr id="3" name="Picture 2" descr="Icon&#10;&#10;Description automatically generated">
+            <a:extLst>
+              <a:ext uri="{FF2B5EF4-FFF2-40B4-BE49-F238E27FC236}">
+                <a16:creationId xmlns:a16="http://schemas.microsoft.com/office/drawing/2014/main" id="{2A5CC9F2-5BFB-BD96-AF66-C02B15EF7CBA}"/>
+              </a:ext>
+            </a:extLst>
+          </p:cNvPr>
+          <p:cNvPicPr>
+            <a:picLocks noChangeAspect="1"/>
+          </p:cNvPicPr>
+          <p:nvPr/>
+        </p:nvPicPr>
+        <p:blipFill>
+          <a:blip r:embed="rId3"/>
+          <a:stretch>
+            <a:fillRect/>
+          </a:stretch>
+        </p:blipFill>
+        <p:spPr>
+          <a:xfrm>
+            <a:off x="1194434" y="2449346"/>
+            <a:ext cx="652793" cy="596028"/>
+          </a:xfrm>
+          <a:prstGeom prst="rect">
+            <a:avLst/>
+          </a:prstGeom>
+          <a:ln w="25400">
+            <a:solidFill>
+              <a:schemeClr val="tx1"/>
+            </a:solidFill>
+          </a:ln>
+        </p:spPr>
+      </p:pic>
+      <p:sp>
+        <p:nvSpPr>
+          <p:cNvPr id="25" name="TextBox 24">
+            <a:extLst>
+              <a:ext uri="{FF2B5EF4-FFF2-40B4-BE49-F238E27FC236}">
+                <a16:creationId xmlns:a16="http://schemas.microsoft.com/office/drawing/2014/main" id="{86AC38CF-2092-6F43-8B35-4D18887AC663}"/>
+              </a:ext>
+            </a:extLst>
+          </p:cNvPr>
+          <p:cNvSpPr txBox="1"/>
+          <p:nvPr/>
+        </p:nvSpPr>
+        <p:spPr>
+          <a:xfrm>
+            <a:off x="269379" y="511444"/>
+            <a:ext cx="184731" cy="308418"/>
+          </a:xfrm>
+          <a:prstGeom prst="rect">
+            <a:avLst/>
+          </a:prstGeom>
+          <a:noFill/>
+        </p:spPr>
+        <p:txBody>
+          <a:bodyPr wrap="none" rtlCol="0">
+            <a:spAutoFit/>
+          </a:bodyPr>
+          <a:lstStyle/>
+          <a:p>
+            <a:endParaRPr lang="en-US" dirty="0"/>
+          </a:p>
+        </p:txBody>
+      </p:sp>
     </p:spTree>
     <p:extLst>
       <p:ext uri="{BB962C8B-B14F-4D97-AF65-F5344CB8AC3E}">
-        <p14:creationId xmlns:p14="http://schemas.microsoft.com/office/powerpoint/2010/main" val="1041039027"/>
+        <p14:creationId xmlns:p14="http://schemas.microsoft.com/office/powerpoint/2010/main" val="674449138"/>
       </p:ext>
     </p:extLst>
   </p:cSld>

--- a/courses/apcsp/processing_arcade/processing5.pptx
+++ b/courses/apcsp/processing_arcade/processing5.pptx
@@ -5,23 +5,26 @@
     <p:sldMasterId id="2147483791" r:id="rId1"/>
   </p:sldMasterIdLst>
   <p:notesMasterIdLst>
-    <p:notesMasterId r:id="rId16"/>
+    <p:notesMasterId r:id="rId19"/>
   </p:notesMasterIdLst>
   <p:sldIdLst>
     <p:sldId id="555" r:id="rId2"/>
     <p:sldId id="350" r:id="rId3"/>
     <p:sldId id="575" r:id="rId4"/>
     <p:sldId id="565" r:id="rId5"/>
-    <p:sldId id="288" r:id="rId6"/>
-    <p:sldId id="338" r:id="rId7"/>
-    <p:sldId id="566" r:id="rId8"/>
-    <p:sldId id="569" r:id="rId9"/>
-    <p:sldId id="568" r:id="rId10"/>
-    <p:sldId id="570" r:id="rId11"/>
-    <p:sldId id="571" r:id="rId12"/>
-    <p:sldId id="572" r:id="rId13"/>
-    <p:sldId id="573" r:id="rId14"/>
-    <p:sldId id="574" r:id="rId15"/>
+    <p:sldId id="577" r:id="rId6"/>
+    <p:sldId id="576" r:id="rId7"/>
+    <p:sldId id="578" r:id="rId8"/>
+    <p:sldId id="288" r:id="rId9"/>
+    <p:sldId id="338" r:id="rId10"/>
+    <p:sldId id="566" r:id="rId11"/>
+    <p:sldId id="569" r:id="rId12"/>
+    <p:sldId id="568" r:id="rId13"/>
+    <p:sldId id="570" r:id="rId14"/>
+    <p:sldId id="571" r:id="rId15"/>
+    <p:sldId id="572" r:id="rId16"/>
+    <p:sldId id="573" r:id="rId17"/>
+    <p:sldId id="574" r:id="rId18"/>
   </p:sldIdLst>
   <p:sldSz cx="9144000" cy="5715000" type="screen16x10"/>
   <p:notesSz cx="6858000" cy="9144000"/>
@@ -131,7 +134,7 @@
 <file path=ppt/revisionInfo.xml><?xml version="1.0" encoding="utf-8"?>
 <p1510:revInfo xmlns:a="http://schemas.openxmlformats.org/drawingml/2006/main" xmlns:r="http://schemas.openxmlformats.org/officeDocument/2006/relationships" xmlns:p1510="http://schemas.microsoft.com/office/powerpoint/2015/10/main">
   <p1510:revLst>
-    <p1510:client id="{78644ED0-A0E5-E54E-82B5-0B3476B9E10B}" v="361" dt="2024-01-08T13:23:17.633"/>
+    <p1510:client id="{78644ED0-A0E5-E54E-82B5-0B3476B9E10B}" v="403" dt="2024-01-08T18:11:11.396"/>
   </p1510:revLst>
 </p1510:revInfo>
 </file>
@@ -2195,7 +2198,7 @@
   <pc:docChgLst>
     <pc:chgData name="Long B Nguyen" userId="f59fb8f3-a021-417a-8bc1-65c8d471c621" providerId="ADAL" clId="{78644ED0-A0E5-E54E-82B5-0B3476B9E10B}"/>
     <pc:docChg chg="undo custSel addSld delSld modSld">
-      <pc:chgData name="Long B Nguyen" userId="f59fb8f3-a021-417a-8bc1-65c8d471c621" providerId="ADAL" clId="{78644ED0-A0E5-E54E-82B5-0B3476B9E10B}" dt="2024-01-08T13:23:46.427" v="1278" actId="478"/>
+      <pc:chgData name="Long B Nguyen" userId="f59fb8f3-a021-417a-8bc1-65c8d471c621" providerId="ADAL" clId="{78644ED0-A0E5-E54E-82B5-0B3476B9E10B}" dt="2024-01-08T18:11:14.233" v="1536" actId="14100"/>
       <pc:docMkLst>
         <pc:docMk/>
       </pc:docMkLst>
@@ -3713,6 +3716,385 @@
             <ac:picMk id="14" creationId="{98BFE717-7F26-E699-A791-F55D5AD82590}"/>
           </ac:picMkLst>
         </pc:picChg>
+      </pc:sldChg>
+      <pc:sldChg chg="add del">
+        <pc:chgData name="Long B Nguyen" userId="f59fb8f3-a021-417a-8bc1-65c8d471c621" providerId="ADAL" clId="{78644ED0-A0E5-E54E-82B5-0B3476B9E10B}" dt="2024-01-08T17:20:53.876" v="1280" actId="2696"/>
+        <pc:sldMkLst>
+          <pc:docMk/>
+          <pc:sldMk cId="711641365" sldId="576"/>
+        </pc:sldMkLst>
+      </pc:sldChg>
+      <pc:sldChg chg="addSp delSp modSp add mod modAnim">
+        <pc:chgData name="Long B Nguyen" userId="f59fb8f3-a021-417a-8bc1-65c8d471c621" providerId="ADAL" clId="{78644ED0-A0E5-E54E-82B5-0B3476B9E10B}" dt="2024-01-08T17:23:53.181" v="1403" actId="20577"/>
+        <pc:sldMkLst>
+          <pc:docMk/>
+          <pc:sldMk cId="742870876" sldId="576"/>
+        </pc:sldMkLst>
+        <pc:spChg chg="mod">
+          <ac:chgData name="Long B Nguyen" userId="f59fb8f3-a021-417a-8bc1-65c8d471c621" providerId="ADAL" clId="{78644ED0-A0E5-E54E-82B5-0B3476B9E10B}" dt="2024-01-08T17:21:18.177" v="1311" actId="1035"/>
+          <ac:spMkLst>
+            <pc:docMk/>
+            <pc:sldMk cId="742870876" sldId="576"/>
+            <ac:spMk id="2" creationId="{CB2F6E96-4CD2-C44A-AB81-75ABF044CDB7}"/>
+          </ac:spMkLst>
+        </pc:spChg>
+        <pc:spChg chg="mod">
+          <ac:chgData name="Long B Nguyen" userId="f59fb8f3-a021-417a-8bc1-65c8d471c621" providerId="ADAL" clId="{78644ED0-A0E5-E54E-82B5-0B3476B9E10B}" dt="2024-01-08T17:21:18.177" v="1311" actId="1035"/>
+          <ac:spMkLst>
+            <pc:docMk/>
+            <pc:sldMk cId="742870876" sldId="576"/>
+            <ac:spMk id="9" creationId="{058FED70-7412-F84A-8609-574E29D8E195}"/>
+          </ac:spMkLst>
+        </pc:spChg>
+        <pc:spChg chg="mod">
+          <ac:chgData name="Long B Nguyen" userId="f59fb8f3-a021-417a-8bc1-65c8d471c621" providerId="ADAL" clId="{78644ED0-A0E5-E54E-82B5-0B3476B9E10B}" dt="2024-01-08T17:21:18.177" v="1311" actId="1035"/>
+          <ac:spMkLst>
+            <pc:docMk/>
+            <pc:sldMk cId="742870876" sldId="576"/>
+            <ac:spMk id="11" creationId="{249C4CBE-DD3F-6440-920B-019D5BE504E1}"/>
+          </ac:spMkLst>
+        </pc:spChg>
+        <pc:spChg chg="mod">
+          <ac:chgData name="Long B Nguyen" userId="f59fb8f3-a021-417a-8bc1-65c8d471c621" providerId="ADAL" clId="{78644ED0-A0E5-E54E-82B5-0B3476B9E10B}" dt="2024-01-08T17:21:18.177" v="1311" actId="1035"/>
+          <ac:spMkLst>
+            <pc:docMk/>
+            <pc:sldMk cId="742870876" sldId="576"/>
+            <ac:spMk id="14" creationId="{8BD62064-C7B5-EC44-92AD-010306CCA16B}"/>
+          </ac:spMkLst>
+        </pc:spChg>
+        <pc:spChg chg="mod">
+          <ac:chgData name="Long B Nguyen" userId="f59fb8f3-a021-417a-8bc1-65c8d471c621" providerId="ADAL" clId="{78644ED0-A0E5-E54E-82B5-0B3476B9E10B}" dt="2024-01-08T17:23:53.181" v="1403" actId="20577"/>
+          <ac:spMkLst>
+            <pc:docMk/>
+            <pc:sldMk cId="742870876" sldId="576"/>
+            <ac:spMk id="35841" creationId="{09D8876C-8F7A-C748-966B-672B36C17545}"/>
+          </ac:spMkLst>
+        </pc:spChg>
+        <pc:spChg chg="mod">
+          <ac:chgData name="Long B Nguyen" userId="f59fb8f3-a021-417a-8bc1-65c8d471c621" providerId="ADAL" clId="{78644ED0-A0E5-E54E-82B5-0B3476B9E10B}" dt="2024-01-08T17:21:07.668" v="1282" actId="20577"/>
+          <ac:spMkLst>
+            <pc:docMk/>
+            <pc:sldMk cId="742870876" sldId="576"/>
+            <ac:spMk id="35842" creationId="{C94BCA01-D831-ED4D-84FD-C30E8117F872}"/>
+          </ac:spMkLst>
+        </pc:spChg>
+        <pc:picChg chg="add del">
+          <ac:chgData name="Long B Nguyen" userId="f59fb8f3-a021-417a-8bc1-65c8d471c621" providerId="ADAL" clId="{78644ED0-A0E5-E54E-82B5-0B3476B9E10B}" dt="2024-01-08T17:22:36.912" v="1361" actId="478"/>
+          <ac:picMkLst>
+            <pc:docMk/>
+            <pc:sldMk cId="742870876" sldId="576"/>
+            <ac:picMk id="3" creationId="{8348794A-C125-4123-2F4D-9E28B084B0CA}"/>
+          </ac:picMkLst>
+        </pc:picChg>
+        <pc:picChg chg="mod">
+          <ac:chgData name="Long B Nguyen" userId="f59fb8f3-a021-417a-8bc1-65c8d471c621" providerId="ADAL" clId="{78644ED0-A0E5-E54E-82B5-0B3476B9E10B}" dt="2024-01-08T17:21:18.177" v="1311" actId="1035"/>
+          <ac:picMkLst>
+            <pc:docMk/>
+            <pc:sldMk cId="742870876" sldId="576"/>
+            <ac:picMk id="4" creationId="{3F466FBC-7AC0-E240-9D98-B9E14B5407F4}"/>
+          </ac:picMkLst>
+        </pc:picChg>
+        <pc:cxnChg chg="mod">
+          <ac:chgData name="Long B Nguyen" userId="f59fb8f3-a021-417a-8bc1-65c8d471c621" providerId="ADAL" clId="{78644ED0-A0E5-E54E-82B5-0B3476B9E10B}" dt="2024-01-08T17:21:18.177" v="1311" actId="1035"/>
+          <ac:cxnSpMkLst>
+            <pc:docMk/>
+            <pc:sldMk cId="742870876" sldId="576"/>
+            <ac:cxnSpMk id="5" creationId="{62260D48-5B03-B44E-9F0D-B2CFC2945D90}"/>
+          </ac:cxnSpMkLst>
+        </pc:cxnChg>
+        <pc:cxnChg chg="mod">
+          <ac:chgData name="Long B Nguyen" userId="f59fb8f3-a021-417a-8bc1-65c8d471c621" providerId="ADAL" clId="{78644ED0-A0E5-E54E-82B5-0B3476B9E10B}" dt="2024-01-08T17:21:18.177" v="1311" actId="1035"/>
+          <ac:cxnSpMkLst>
+            <pc:docMk/>
+            <pc:sldMk cId="742870876" sldId="576"/>
+            <ac:cxnSpMk id="10" creationId="{46DDA9E1-C022-B94F-A177-DF50BAC24F55}"/>
+          </ac:cxnSpMkLst>
+        </pc:cxnChg>
+        <pc:cxnChg chg="mod">
+          <ac:chgData name="Long B Nguyen" userId="f59fb8f3-a021-417a-8bc1-65c8d471c621" providerId="ADAL" clId="{78644ED0-A0E5-E54E-82B5-0B3476B9E10B}" dt="2024-01-08T17:21:18.177" v="1311" actId="1035"/>
+          <ac:cxnSpMkLst>
+            <pc:docMk/>
+            <pc:sldMk cId="742870876" sldId="576"/>
+            <ac:cxnSpMk id="12" creationId="{F6B9E24D-C17D-8847-8395-7E6C2A5AAB9B}"/>
+          </ac:cxnSpMkLst>
+        </pc:cxnChg>
+        <pc:cxnChg chg="mod">
+          <ac:chgData name="Long B Nguyen" userId="f59fb8f3-a021-417a-8bc1-65c8d471c621" providerId="ADAL" clId="{78644ED0-A0E5-E54E-82B5-0B3476B9E10B}" dt="2024-01-08T17:21:18.177" v="1311" actId="1035"/>
+          <ac:cxnSpMkLst>
+            <pc:docMk/>
+            <pc:sldMk cId="742870876" sldId="576"/>
+            <ac:cxnSpMk id="15" creationId="{1546FFA2-F9F4-FA40-972C-CAFFC09B6054}"/>
+          </ac:cxnSpMkLst>
+        </pc:cxnChg>
+      </pc:sldChg>
+      <pc:sldChg chg="addSp delSp modSp add del mod delAnim modAnim">
+        <pc:chgData name="Long B Nguyen" userId="f59fb8f3-a021-417a-8bc1-65c8d471c621" providerId="ADAL" clId="{78644ED0-A0E5-E54E-82B5-0B3476B9E10B}" dt="2024-01-08T17:22:39.530" v="1362" actId="2696"/>
+        <pc:sldMkLst>
+          <pc:docMk/>
+          <pc:sldMk cId="974440426" sldId="577"/>
+        </pc:sldMkLst>
+        <pc:spChg chg="del">
+          <ac:chgData name="Long B Nguyen" userId="f59fb8f3-a021-417a-8bc1-65c8d471c621" providerId="ADAL" clId="{78644ED0-A0E5-E54E-82B5-0B3476B9E10B}" dt="2024-01-08T17:22:19.370" v="1354" actId="478"/>
+          <ac:spMkLst>
+            <pc:docMk/>
+            <pc:sldMk cId="974440426" sldId="577"/>
+            <ac:spMk id="2" creationId="{CB2F6E96-4CD2-C44A-AB81-75ABF044CDB7}"/>
+          </ac:spMkLst>
+        </pc:spChg>
+        <pc:spChg chg="add del mod">
+          <ac:chgData name="Long B Nguyen" userId="f59fb8f3-a021-417a-8bc1-65c8d471c621" providerId="ADAL" clId="{78644ED0-A0E5-E54E-82B5-0B3476B9E10B}" dt="2024-01-08T17:22:23.572" v="1357" actId="478"/>
+          <ac:spMkLst>
+            <pc:docMk/>
+            <pc:sldMk cId="974440426" sldId="577"/>
+            <ac:spMk id="7" creationId="{BC948E3D-A67D-C085-9FFC-5A103F469A38}"/>
+          </ac:spMkLst>
+        </pc:spChg>
+        <pc:spChg chg="del">
+          <ac:chgData name="Long B Nguyen" userId="f59fb8f3-a021-417a-8bc1-65c8d471c621" providerId="ADAL" clId="{78644ED0-A0E5-E54E-82B5-0B3476B9E10B}" dt="2024-01-08T17:22:19.370" v="1354" actId="478"/>
+          <ac:spMkLst>
+            <pc:docMk/>
+            <pc:sldMk cId="974440426" sldId="577"/>
+            <ac:spMk id="9" creationId="{058FED70-7412-F84A-8609-574E29D8E195}"/>
+          </ac:spMkLst>
+        </pc:spChg>
+        <pc:spChg chg="del">
+          <ac:chgData name="Long B Nguyen" userId="f59fb8f3-a021-417a-8bc1-65c8d471c621" providerId="ADAL" clId="{78644ED0-A0E5-E54E-82B5-0B3476B9E10B}" dt="2024-01-08T17:22:19.370" v="1354" actId="478"/>
+          <ac:spMkLst>
+            <pc:docMk/>
+            <pc:sldMk cId="974440426" sldId="577"/>
+            <ac:spMk id="11" creationId="{249C4CBE-DD3F-6440-920B-019D5BE504E1}"/>
+          </ac:spMkLst>
+        </pc:spChg>
+        <pc:spChg chg="del">
+          <ac:chgData name="Long B Nguyen" userId="f59fb8f3-a021-417a-8bc1-65c8d471c621" providerId="ADAL" clId="{78644ED0-A0E5-E54E-82B5-0B3476B9E10B}" dt="2024-01-08T17:22:19.370" v="1354" actId="478"/>
+          <ac:spMkLst>
+            <pc:docMk/>
+            <pc:sldMk cId="974440426" sldId="577"/>
+            <ac:spMk id="14" creationId="{8BD62064-C7B5-EC44-92AD-010306CCA16B}"/>
+          </ac:spMkLst>
+        </pc:spChg>
+        <pc:spChg chg="del mod">
+          <ac:chgData name="Long B Nguyen" userId="f59fb8f3-a021-417a-8bc1-65c8d471c621" providerId="ADAL" clId="{78644ED0-A0E5-E54E-82B5-0B3476B9E10B}" dt="2024-01-08T17:22:15.143" v="1353" actId="478"/>
+          <ac:spMkLst>
+            <pc:docMk/>
+            <pc:sldMk cId="974440426" sldId="577"/>
+            <ac:spMk id="35842" creationId="{C94BCA01-D831-ED4D-84FD-C30E8117F872}"/>
+          </ac:spMkLst>
+        </pc:spChg>
+        <pc:picChg chg="mod">
+          <ac:chgData name="Long B Nguyen" userId="f59fb8f3-a021-417a-8bc1-65c8d471c621" providerId="ADAL" clId="{78644ED0-A0E5-E54E-82B5-0B3476B9E10B}" dt="2024-01-08T17:22:28.779" v="1360" actId="1076"/>
+          <ac:picMkLst>
+            <pc:docMk/>
+            <pc:sldMk cId="974440426" sldId="577"/>
+            <ac:picMk id="3" creationId="{8348794A-C125-4123-2F4D-9E28B084B0CA}"/>
+          </ac:picMkLst>
+        </pc:picChg>
+        <pc:picChg chg="del">
+          <ac:chgData name="Long B Nguyen" userId="f59fb8f3-a021-417a-8bc1-65c8d471c621" providerId="ADAL" clId="{78644ED0-A0E5-E54E-82B5-0B3476B9E10B}" dt="2024-01-08T17:22:19.370" v="1354" actId="478"/>
+          <ac:picMkLst>
+            <pc:docMk/>
+            <pc:sldMk cId="974440426" sldId="577"/>
+            <ac:picMk id="4" creationId="{3F466FBC-7AC0-E240-9D98-B9E14B5407F4}"/>
+          </ac:picMkLst>
+        </pc:picChg>
+        <pc:cxnChg chg="del">
+          <ac:chgData name="Long B Nguyen" userId="f59fb8f3-a021-417a-8bc1-65c8d471c621" providerId="ADAL" clId="{78644ED0-A0E5-E54E-82B5-0B3476B9E10B}" dt="2024-01-08T17:22:19.370" v="1354" actId="478"/>
+          <ac:cxnSpMkLst>
+            <pc:docMk/>
+            <pc:sldMk cId="974440426" sldId="577"/>
+            <ac:cxnSpMk id="5" creationId="{62260D48-5B03-B44E-9F0D-B2CFC2945D90}"/>
+          </ac:cxnSpMkLst>
+        </pc:cxnChg>
+        <pc:cxnChg chg="del">
+          <ac:chgData name="Long B Nguyen" userId="f59fb8f3-a021-417a-8bc1-65c8d471c621" providerId="ADAL" clId="{78644ED0-A0E5-E54E-82B5-0B3476B9E10B}" dt="2024-01-08T17:22:19.370" v="1354" actId="478"/>
+          <ac:cxnSpMkLst>
+            <pc:docMk/>
+            <pc:sldMk cId="974440426" sldId="577"/>
+            <ac:cxnSpMk id="10" creationId="{46DDA9E1-C022-B94F-A177-DF50BAC24F55}"/>
+          </ac:cxnSpMkLst>
+        </pc:cxnChg>
+        <pc:cxnChg chg="del">
+          <ac:chgData name="Long B Nguyen" userId="f59fb8f3-a021-417a-8bc1-65c8d471c621" providerId="ADAL" clId="{78644ED0-A0E5-E54E-82B5-0B3476B9E10B}" dt="2024-01-08T17:22:19.370" v="1354" actId="478"/>
+          <ac:cxnSpMkLst>
+            <pc:docMk/>
+            <pc:sldMk cId="974440426" sldId="577"/>
+            <ac:cxnSpMk id="12" creationId="{F6B9E24D-C17D-8847-8395-7E6C2A5AAB9B}"/>
+          </ac:cxnSpMkLst>
+        </pc:cxnChg>
+        <pc:cxnChg chg="del">
+          <ac:chgData name="Long B Nguyen" userId="f59fb8f3-a021-417a-8bc1-65c8d471c621" providerId="ADAL" clId="{78644ED0-A0E5-E54E-82B5-0B3476B9E10B}" dt="2024-01-08T17:22:19.370" v="1354" actId="478"/>
+          <ac:cxnSpMkLst>
+            <pc:docMk/>
+            <pc:sldMk cId="974440426" sldId="577"/>
+            <ac:cxnSpMk id="15" creationId="{1546FFA2-F9F4-FA40-972C-CAFFC09B6054}"/>
+          </ac:cxnSpMkLst>
+        </pc:cxnChg>
+      </pc:sldChg>
+      <pc:sldChg chg="add">
+        <pc:chgData name="Long B Nguyen" userId="f59fb8f3-a021-417a-8bc1-65c8d471c621" providerId="ADAL" clId="{78644ED0-A0E5-E54E-82B5-0B3476B9E10B}" dt="2024-01-08T17:22:41.348" v="1363"/>
+        <pc:sldMkLst>
+          <pc:docMk/>
+          <pc:sldMk cId="3658579940" sldId="577"/>
+        </pc:sldMkLst>
+      </pc:sldChg>
+      <pc:sldChg chg="addSp delSp modSp add mod delAnim modAnim">
+        <pc:chgData name="Long B Nguyen" userId="f59fb8f3-a021-417a-8bc1-65c8d471c621" providerId="ADAL" clId="{78644ED0-A0E5-E54E-82B5-0B3476B9E10B}" dt="2024-01-08T18:11:14.233" v="1536" actId="14100"/>
+        <pc:sldMkLst>
+          <pc:docMk/>
+          <pc:sldMk cId="999248342" sldId="578"/>
+        </pc:sldMkLst>
+        <pc:spChg chg="del">
+          <ac:chgData name="Long B Nguyen" userId="f59fb8f3-a021-417a-8bc1-65c8d471c621" providerId="ADAL" clId="{78644ED0-A0E5-E54E-82B5-0B3476B9E10B}" dt="2024-01-08T17:23:00.099" v="1369" actId="478"/>
+          <ac:spMkLst>
+            <pc:docMk/>
+            <pc:sldMk cId="999248342" sldId="578"/>
+            <ac:spMk id="2" creationId="{CB2F6E96-4CD2-C44A-AB81-75ABF044CDB7}"/>
+          </ac:spMkLst>
+        </pc:spChg>
+        <pc:spChg chg="add mod">
+          <ac:chgData name="Long B Nguyen" userId="f59fb8f3-a021-417a-8bc1-65c8d471c621" providerId="ADAL" clId="{78644ED0-A0E5-E54E-82B5-0B3476B9E10B}" dt="2024-01-08T18:11:05.073" v="1531" actId="1076"/>
+          <ac:spMkLst>
+            <pc:docMk/>
+            <pc:sldMk cId="999248342" sldId="578"/>
+            <ac:spMk id="2" creationId="{F3DBFD5E-916F-C06C-F705-CF674F00B838}"/>
+          </ac:spMkLst>
+        </pc:spChg>
+        <pc:spChg chg="add mod">
+          <ac:chgData name="Long B Nguyen" userId="f59fb8f3-a021-417a-8bc1-65c8d471c621" providerId="ADAL" clId="{78644ED0-A0E5-E54E-82B5-0B3476B9E10B}" dt="2024-01-08T18:10:40.549" v="1518" actId="255"/>
+          <ac:spMkLst>
+            <pc:docMk/>
+            <pc:sldMk cId="999248342" sldId="578"/>
+            <ac:spMk id="8" creationId="{F8BFA3AF-EB75-EDD9-4E1F-F57B353D650A}"/>
+          </ac:spMkLst>
+        </pc:spChg>
+        <pc:spChg chg="del">
+          <ac:chgData name="Long B Nguyen" userId="f59fb8f3-a021-417a-8bc1-65c8d471c621" providerId="ADAL" clId="{78644ED0-A0E5-E54E-82B5-0B3476B9E10B}" dt="2024-01-08T17:23:01.664" v="1370" actId="478"/>
+          <ac:spMkLst>
+            <pc:docMk/>
+            <pc:sldMk cId="999248342" sldId="578"/>
+            <ac:spMk id="9" creationId="{058FED70-7412-F84A-8609-574E29D8E195}"/>
+          </ac:spMkLst>
+        </pc:spChg>
+        <pc:spChg chg="add mod">
+          <ac:chgData name="Long B Nguyen" userId="f59fb8f3-a021-417a-8bc1-65c8d471c621" providerId="ADAL" clId="{78644ED0-A0E5-E54E-82B5-0B3476B9E10B}" dt="2024-01-08T18:11:11.396" v="1535" actId="20577"/>
+          <ac:spMkLst>
+            <pc:docMk/>
+            <pc:sldMk cId="999248342" sldId="578"/>
+            <ac:spMk id="11" creationId="{0FB54A05-72ED-58AD-5D98-623E9063FB29}"/>
+          </ac:spMkLst>
+        </pc:spChg>
+        <pc:spChg chg="del">
+          <ac:chgData name="Long B Nguyen" userId="f59fb8f3-a021-417a-8bc1-65c8d471c621" providerId="ADAL" clId="{78644ED0-A0E5-E54E-82B5-0B3476B9E10B}" dt="2024-01-08T17:22:54.186" v="1365" actId="478"/>
+          <ac:spMkLst>
+            <pc:docMk/>
+            <pc:sldMk cId="999248342" sldId="578"/>
+            <ac:spMk id="11" creationId="{249C4CBE-DD3F-6440-920B-019D5BE504E1}"/>
+          </ac:spMkLst>
+        </pc:spChg>
+        <pc:spChg chg="del">
+          <ac:chgData name="Long B Nguyen" userId="f59fb8f3-a021-417a-8bc1-65c8d471c621" providerId="ADAL" clId="{78644ED0-A0E5-E54E-82B5-0B3476B9E10B}" dt="2024-01-08T17:22:56.721" v="1367" actId="478"/>
+          <ac:spMkLst>
+            <pc:docMk/>
+            <pc:sldMk cId="999248342" sldId="578"/>
+            <ac:spMk id="14" creationId="{8BD62064-C7B5-EC44-92AD-010306CCA16B}"/>
+          </ac:spMkLst>
+        </pc:spChg>
+        <pc:spChg chg="mod">
+          <ac:chgData name="Long B Nguyen" userId="f59fb8f3-a021-417a-8bc1-65c8d471c621" providerId="ADAL" clId="{78644ED0-A0E5-E54E-82B5-0B3476B9E10B}" dt="2024-01-08T17:24:02.873" v="1406" actId="20577"/>
+          <ac:spMkLst>
+            <pc:docMk/>
+            <pc:sldMk cId="999248342" sldId="578"/>
+            <ac:spMk id="35841" creationId="{09D8876C-8F7A-C748-966B-672B36C17545}"/>
+          </ac:spMkLst>
+        </pc:spChg>
+        <pc:spChg chg="mod">
+          <ac:chgData name="Long B Nguyen" userId="f59fb8f3-a021-417a-8bc1-65c8d471c621" providerId="ADAL" clId="{78644ED0-A0E5-E54E-82B5-0B3476B9E10B}" dt="2024-01-08T17:23:37.980" v="1379" actId="20577"/>
+          <ac:spMkLst>
+            <pc:docMk/>
+            <pc:sldMk cId="999248342" sldId="578"/>
+            <ac:spMk id="35842" creationId="{C94BCA01-D831-ED4D-84FD-C30E8117F872}"/>
+          </ac:spMkLst>
+        </pc:spChg>
+        <pc:picChg chg="add mod">
+          <ac:chgData name="Long B Nguyen" userId="f59fb8f3-a021-417a-8bc1-65c8d471c621" providerId="ADAL" clId="{78644ED0-A0E5-E54E-82B5-0B3476B9E10B}" dt="2024-01-08T17:24:26.211" v="1412" actId="1076"/>
+          <ac:picMkLst>
+            <pc:docMk/>
+            <pc:sldMk cId="999248342" sldId="578"/>
+            <ac:picMk id="3" creationId="{56E99B4F-B30F-B637-14DC-07F2F42CD295}"/>
+          </ac:picMkLst>
+        </pc:picChg>
+        <pc:picChg chg="mod">
+          <ac:chgData name="Long B Nguyen" userId="f59fb8f3-a021-417a-8bc1-65c8d471c621" providerId="ADAL" clId="{78644ED0-A0E5-E54E-82B5-0B3476B9E10B}" dt="2024-01-08T17:24:26.211" v="1412" actId="1076"/>
+          <ac:picMkLst>
+            <pc:docMk/>
+            <pc:sldMk cId="999248342" sldId="578"/>
+            <ac:picMk id="4" creationId="{3F466FBC-7AC0-E240-9D98-B9E14B5407F4}"/>
+          </ac:picMkLst>
+        </pc:picChg>
+        <pc:picChg chg="add mod">
+          <ac:chgData name="Long B Nguyen" userId="f59fb8f3-a021-417a-8bc1-65c8d471c621" providerId="ADAL" clId="{78644ED0-A0E5-E54E-82B5-0B3476B9E10B}" dt="2024-01-08T17:24:12.982" v="1408" actId="1076"/>
+          <ac:picMkLst>
+            <pc:docMk/>
+            <pc:sldMk cId="999248342" sldId="578"/>
+            <ac:picMk id="6" creationId="{A0528957-C982-07F6-1D3B-9795D6C1E06D}"/>
+          </ac:picMkLst>
+        </pc:picChg>
+        <pc:picChg chg="add mod">
+          <ac:chgData name="Long B Nguyen" userId="f59fb8f3-a021-417a-8bc1-65c8d471c621" providerId="ADAL" clId="{78644ED0-A0E5-E54E-82B5-0B3476B9E10B}" dt="2024-01-08T17:25:09.836" v="1500" actId="1038"/>
+          <ac:picMkLst>
+            <pc:docMk/>
+            <pc:sldMk cId="999248342" sldId="578"/>
+            <ac:picMk id="7" creationId="{C11AC560-00C4-CC6D-67BC-3DA165B1E18C}"/>
+          </ac:picMkLst>
+        </pc:picChg>
+        <pc:cxnChg chg="add mod">
+          <ac:chgData name="Long B Nguyen" userId="f59fb8f3-a021-417a-8bc1-65c8d471c621" providerId="ADAL" clId="{78644ED0-A0E5-E54E-82B5-0B3476B9E10B}" dt="2024-01-08T18:11:02.768" v="1530" actId="14100"/>
+          <ac:cxnSpMkLst>
+            <pc:docMk/>
+            <pc:sldMk cId="999248342" sldId="578"/>
+            <ac:cxnSpMk id="5" creationId="{5831761A-1C32-043C-F041-828667CB4C70}"/>
+          </ac:cxnSpMkLst>
+        </pc:cxnChg>
+        <pc:cxnChg chg="del">
+          <ac:chgData name="Long B Nguyen" userId="f59fb8f3-a021-417a-8bc1-65c8d471c621" providerId="ADAL" clId="{78644ED0-A0E5-E54E-82B5-0B3476B9E10B}" dt="2024-01-08T17:23:02.952" v="1371" actId="478"/>
+          <ac:cxnSpMkLst>
+            <pc:docMk/>
+            <pc:sldMk cId="999248342" sldId="578"/>
+            <ac:cxnSpMk id="5" creationId="{62260D48-5B03-B44E-9F0D-B2CFC2945D90}"/>
+          </ac:cxnSpMkLst>
+        </pc:cxnChg>
+        <pc:cxnChg chg="del">
+          <ac:chgData name="Long B Nguyen" userId="f59fb8f3-a021-417a-8bc1-65c8d471c621" providerId="ADAL" clId="{78644ED0-A0E5-E54E-82B5-0B3476B9E10B}" dt="2024-01-08T17:23:05.176" v="1372" actId="478"/>
+          <ac:cxnSpMkLst>
+            <pc:docMk/>
+            <pc:sldMk cId="999248342" sldId="578"/>
+            <ac:cxnSpMk id="10" creationId="{46DDA9E1-C022-B94F-A177-DF50BAC24F55}"/>
+          </ac:cxnSpMkLst>
+        </pc:cxnChg>
+        <pc:cxnChg chg="add mod">
+          <ac:chgData name="Long B Nguyen" userId="f59fb8f3-a021-417a-8bc1-65c8d471c621" providerId="ADAL" clId="{78644ED0-A0E5-E54E-82B5-0B3476B9E10B}" dt="2024-01-08T18:11:14.233" v="1536" actId="14100"/>
+          <ac:cxnSpMkLst>
+            <pc:docMk/>
+            <pc:sldMk cId="999248342" sldId="578"/>
+            <ac:cxnSpMk id="12" creationId="{0F273AFC-10F9-CED5-B57A-45F0E1BA9152}"/>
+          </ac:cxnSpMkLst>
+        </pc:cxnChg>
+        <pc:cxnChg chg="del">
+          <ac:chgData name="Long B Nguyen" userId="f59fb8f3-a021-417a-8bc1-65c8d471c621" providerId="ADAL" clId="{78644ED0-A0E5-E54E-82B5-0B3476B9E10B}" dt="2024-01-08T17:22:55.243" v="1366" actId="478"/>
+          <ac:cxnSpMkLst>
+            <pc:docMk/>
+            <pc:sldMk cId="999248342" sldId="578"/>
+            <ac:cxnSpMk id="12" creationId="{F6B9E24D-C17D-8847-8395-7E6C2A5AAB9B}"/>
+          </ac:cxnSpMkLst>
+        </pc:cxnChg>
+        <pc:cxnChg chg="del">
+          <ac:chgData name="Long B Nguyen" userId="f59fb8f3-a021-417a-8bc1-65c8d471c621" providerId="ADAL" clId="{78644ED0-A0E5-E54E-82B5-0B3476B9E10B}" dt="2024-01-08T17:23:06.200" v="1373" actId="478"/>
+          <ac:cxnSpMkLst>
+            <pc:docMk/>
+            <pc:sldMk cId="999248342" sldId="578"/>
+            <ac:cxnSpMk id="15" creationId="{1546FFA2-F9F4-FA40-972C-CAFFC09B6054}"/>
+          </ac:cxnSpMkLst>
+        </pc:cxnChg>
       </pc:sldChg>
     </pc:docChg>
   </pc:docChgLst>
@@ -6373,6 +6755,258 @@
     <p:extLst>
       <p:ext uri="{BB962C8B-B14F-4D97-AF65-F5344CB8AC3E}">
         <p14:creationId xmlns:p14="http://schemas.microsoft.com/office/powerpoint/2010/main" val="3882679618"/>
+      </p:ext>
+    </p:extLst>
+  </p:cSld>
+  <p:clrMapOvr>
+    <a:masterClrMapping/>
+  </p:clrMapOvr>
+</p:notes>
+</file>
+
+<file path=ppt/notesSlides/notesSlide2.xml><?xml version="1.0" encoding="utf-8"?>
+<p:notes xmlns:a="http://schemas.openxmlformats.org/drawingml/2006/main" xmlns:r="http://schemas.openxmlformats.org/officeDocument/2006/relationships" xmlns:p="http://schemas.openxmlformats.org/presentationml/2006/main">
+  <p:cSld>
+    <p:spTree>
+      <p:nvGrpSpPr>
+        <p:cNvPr id="1" name=""/>
+        <p:cNvGrpSpPr/>
+        <p:nvPr/>
+      </p:nvGrpSpPr>
+      <p:grpSpPr>
+        <a:xfrm>
+          <a:off x="0" y="0"/>
+          <a:ext cx="0" cy="0"/>
+          <a:chOff x="0" y="0"/>
+          <a:chExt cx="0" cy="0"/>
+        </a:xfrm>
+      </p:grpSpPr>
+      <p:sp>
+        <p:nvSpPr>
+          <p:cNvPr id="2" name="Slide Image Placeholder 1"/>
+          <p:cNvSpPr>
+            <a:spLocks noGrp="1" noRot="1" noChangeAspect="1"/>
+          </p:cNvSpPr>
+          <p:nvPr>
+            <p:ph type="sldImg"/>
+          </p:nvPr>
+        </p:nvSpPr>
+        <p:spPr/>
+      </p:sp>
+      <p:sp>
+        <p:nvSpPr>
+          <p:cNvPr id="3" name="Notes Placeholder 2"/>
+          <p:cNvSpPr>
+            <a:spLocks noGrp="1"/>
+          </p:cNvSpPr>
+          <p:nvPr>
+            <p:ph type="body" idx="1"/>
+          </p:nvPr>
+        </p:nvSpPr>
+        <p:spPr/>
+        <p:txBody>
+          <a:bodyPr/>
+          <a:lstStyle/>
+          <a:p>
+            <a:endParaRPr lang="en-US" dirty="0"/>
+          </a:p>
+        </p:txBody>
+      </p:sp>
+      <p:sp>
+        <p:nvSpPr>
+          <p:cNvPr id="4" name="Slide Number Placeholder 3"/>
+          <p:cNvSpPr>
+            <a:spLocks noGrp="1"/>
+          </p:cNvSpPr>
+          <p:nvPr>
+            <p:ph type="sldNum" sz="quarter" idx="5"/>
+          </p:nvPr>
+        </p:nvSpPr>
+        <p:spPr/>
+        <p:txBody>
+          <a:bodyPr/>
+          <a:lstStyle/>
+          <a:p>
+            <a:fld id="{B8FF1548-1F50-8049-A5B3-6549A1D01BC5}" type="slidenum">
+              <a:rPr lang="en-US" smtClean="0"/>
+              <a:t>5</a:t>
+            </a:fld>
+            <a:endParaRPr lang="en-US"/>
+          </a:p>
+        </p:txBody>
+      </p:sp>
+    </p:spTree>
+    <p:extLst>
+      <p:ext uri="{BB962C8B-B14F-4D97-AF65-F5344CB8AC3E}">
+        <p14:creationId xmlns:p14="http://schemas.microsoft.com/office/powerpoint/2010/main" val="602636786"/>
+      </p:ext>
+    </p:extLst>
+  </p:cSld>
+  <p:clrMapOvr>
+    <a:masterClrMapping/>
+  </p:clrMapOvr>
+</p:notes>
+</file>
+
+<file path=ppt/notesSlides/notesSlide3.xml><?xml version="1.0" encoding="utf-8"?>
+<p:notes xmlns:a="http://schemas.openxmlformats.org/drawingml/2006/main" xmlns:r="http://schemas.openxmlformats.org/officeDocument/2006/relationships" xmlns:p="http://schemas.openxmlformats.org/presentationml/2006/main">
+  <p:cSld>
+    <p:spTree>
+      <p:nvGrpSpPr>
+        <p:cNvPr id="1" name=""/>
+        <p:cNvGrpSpPr/>
+        <p:nvPr/>
+      </p:nvGrpSpPr>
+      <p:grpSpPr>
+        <a:xfrm>
+          <a:off x="0" y="0"/>
+          <a:ext cx="0" cy="0"/>
+          <a:chOff x="0" y="0"/>
+          <a:chExt cx="0" cy="0"/>
+        </a:xfrm>
+      </p:grpSpPr>
+      <p:sp>
+        <p:nvSpPr>
+          <p:cNvPr id="2" name="Slide Image Placeholder 1"/>
+          <p:cNvSpPr>
+            <a:spLocks noGrp="1" noRot="1" noChangeAspect="1"/>
+          </p:cNvSpPr>
+          <p:nvPr>
+            <p:ph type="sldImg"/>
+          </p:nvPr>
+        </p:nvSpPr>
+        <p:spPr/>
+      </p:sp>
+      <p:sp>
+        <p:nvSpPr>
+          <p:cNvPr id="3" name="Notes Placeholder 2"/>
+          <p:cNvSpPr>
+            <a:spLocks noGrp="1"/>
+          </p:cNvSpPr>
+          <p:nvPr>
+            <p:ph type="body" idx="1"/>
+          </p:nvPr>
+        </p:nvSpPr>
+        <p:spPr/>
+        <p:txBody>
+          <a:bodyPr/>
+          <a:lstStyle/>
+          <a:p>
+            <a:endParaRPr lang="en-US" dirty="0"/>
+          </a:p>
+        </p:txBody>
+      </p:sp>
+      <p:sp>
+        <p:nvSpPr>
+          <p:cNvPr id="4" name="Slide Number Placeholder 3"/>
+          <p:cNvSpPr>
+            <a:spLocks noGrp="1"/>
+          </p:cNvSpPr>
+          <p:nvPr>
+            <p:ph type="sldNum" sz="quarter" idx="5"/>
+          </p:nvPr>
+        </p:nvSpPr>
+        <p:spPr/>
+        <p:txBody>
+          <a:bodyPr/>
+          <a:lstStyle/>
+          <a:p>
+            <a:fld id="{B8FF1548-1F50-8049-A5B3-6549A1D01BC5}" type="slidenum">
+              <a:rPr lang="en-US" smtClean="0"/>
+              <a:t>6</a:t>
+            </a:fld>
+            <a:endParaRPr lang="en-US"/>
+          </a:p>
+        </p:txBody>
+      </p:sp>
+    </p:spTree>
+    <p:extLst>
+      <p:ext uri="{BB962C8B-B14F-4D97-AF65-F5344CB8AC3E}">
+        <p14:creationId xmlns:p14="http://schemas.microsoft.com/office/powerpoint/2010/main" val="2715832316"/>
+      </p:ext>
+    </p:extLst>
+  </p:cSld>
+  <p:clrMapOvr>
+    <a:masterClrMapping/>
+  </p:clrMapOvr>
+</p:notes>
+</file>
+
+<file path=ppt/notesSlides/notesSlide4.xml><?xml version="1.0" encoding="utf-8"?>
+<p:notes xmlns:a="http://schemas.openxmlformats.org/drawingml/2006/main" xmlns:r="http://schemas.openxmlformats.org/officeDocument/2006/relationships" xmlns:p="http://schemas.openxmlformats.org/presentationml/2006/main">
+  <p:cSld>
+    <p:spTree>
+      <p:nvGrpSpPr>
+        <p:cNvPr id="1" name=""/>
+        <p:cNvGrpSpPr/>
+        <p:nvPr/>
+      </p:nvGrpSpPr>
+      <p:grpSpPr>
+        <a:xfrm>
+          <a:off x="0" y="0"/>
+          <a:ext cx="0" cy="0"/>
+          <a:chOff x="0" y="0"/>
+          <a:chExt cx="0" cy="0"/>
+        </a:xfrm>
+      </p:grpSpPr>
+      <p:sp>
+        <p:nvSpPr>
+          <p:cNvPr id="2" name="Slide Image Placeholder 1"/>
+          <p:cNvSpPr>
+            <a:spLocks noGrp="1" noRot="1" noChangeAspect="1"/>
+          </p:cNvSpPr>
+          <p:nvPr>
+            <p:ph type="sldImg"/>
+          </p:nvPr>
+        </p:nvSpPr>
+        <p:spPr/>
+      </p:sp>
+      <p:sp>
+        <p:nvSpPr>
+          <p:cNvPr id="3" name="Notes Placeholder 2"/>
+          <p:cNvSpPr>
+            <a:spLocks noGrp="1"/>
+          </p:cNvSpPr>
+          <p:nvPr>
+            <p:ph type="body" idx="1"/>
+          </p:nvPr>
+        </p:nvSpPr>
+        <p:spPr/>
+        <p:txBody>
+          <a:bodyPr/>
+          <a:lstStyle/>
+          <a:p>
+            <a:endParaRPr lang="en-US" dirty="0"/>
+          </a:p>
+        </p:txBody>
+      </p:sp>
+      <p:sp>
+        <p:nvSpPr>
+          <p:cNvPr id="4" name="Slide Number Placeholder 3"/>
+          <p:cNvSpPr>
+            <a:spLocks noGrp="1"/>
+          </p:cNvSpPr>
+          <p:nvPr>
+            <p:ph type="sldNum" sz="quarter" idx="5"/>
+          </p:nvPr>
+        </p:nvSpPr>
+        <p:spPr/>
+        <p:txBody>
+          <a:bodyPr/>
+          <a:lstStyle/>
+          <a:p>
+            <a:fld id="{B8FF1548-1F50-8049-A5B3-6549A1D01BC5}" type="slidenum">
+              <a:rPr lang="en-US" smtClean="0"/>
+              <a:t>7</a:t>
+            </a:fld>
+            <a:endParaRPr lang="en-US"/>
+          </a:p>
+        </p:txBody>
+      </p:sp>
+    </p:spTree>
+    <p:extLst>
+      <p:ext uri="{BB962C8B-B14F-4D97-AF65-F5344CB8AC3E}">
+        <p14:creationId xmlns:p14="http://schemas.microsoft.com/office/powerpoint/2010/main" val="2925738077"/>
       </p:ext>
     </p:extLst>
   </p:cSld>
@@ -9373,8 +10007,40 @@
           <a:p>
             <a:r>
               <a:rPr lang="en-US" dirty="0"/>
-              <a:t>Horizontal Direction</a:t>
-            </a:r>
+              <a:t>Resolving Top-Down Collisions</a:t>
+            </a:r>
+          </a:p>
+        </p:txBody>
+      </p:sp>
+      <p:sp>
+        <p:nvSpPr>
+          <p:cNvPr id="9" name="TextBox 8">
+            <a:extLst>
+              <a:ext uri="{FF2B5EF4-FFF2-40B4-BE49-F238E27FC236}">
+                <a16:creationId xmlns:a16="http://schemas.microsoft.com/office/drawing/2014/main" id="{E1513AD7-DD4F-4844-A45C-15B893C5402D}"/>
+              </a:ext>
+            </a:extLst>
+          </p:cNvPr>
+          <p:cNvSpPr txBox="1"/>
+          <p:nvPr/>
+        </p:nvSpPr>
+        <p:spPr>
+          <a:xfrm>
+            <a:off x="269379" y="1803769"/>
+            <a:ext cx="184731" cy="415498"/>
+          </a:xfrm>
+          <a:prstGeom prst="rect">
+            <a:avLst/>
+          </a:prstGeom>
+          <a:noFill/>
+        </p:spPr>
+        <p:txBody>
+          <a:bodyPr wrap="none" rtlCol="0">
+            <a:spAutoFit/>
+          </a:bodyPr>
+          <a:lstStyle/>
+          <a:p>
+            <a:endParaRPr lang="en-US" sz="2100" dirty="0"/>
           </a:p>
         </p:txBody>
       </p:sp>
@@ -9416,6 +10082,95 @@
       </p:sp>
       <p:sp>
         <p:nvSpPr>
+          <p:cNvPr id="3" name="TextBox 2">
+            <a:extLst>
+              <a:ext uri="{FF2B5EF4-FFF2-40B4-BE49-F238E27FC236}">
+                <a16:creationId xmlns:a16="http://schemas.microsoft.com/office/drawing/2014/main" id="{7C585519-C7CE-D848-8783-C057C1CB97B2}"/>
+              </a:ext>
+            </a:extLst>
+          </p:cNvPr>
+          <p:cNvSpPr txBox="1"/>
+          <p:nvPr/>
+        </p:nvSpPr>
+        <p:spPr>
+          <a:xfrm>
+            <a:off x="4819536" y="976046"/>
+            <a:ext cx="3534049" cy="2554545"/>
+          </a:xfrm>
+          <a:prstGeom prst="rect">
+            <a:avLst/>
+          </a:prstGeom>
+          <a:noFill/>
+        </p:spPr>
+        <p:txBody>
+          <a:bodyPr wrap="square" rtlCol="0">
+            <a:spAutoFit/>
+          </a:bodyPr>
+          <a:lstStyle/>
+          <a:p>
+            <a:r>
+              <a:rPr lang="en-US" sz="2000" dirty="0"/>
+              <a:t># move in horizontal direction</a:t>
+            </a:r>
+          </a:p>
+          <a:p>
+            <a:r>
+              <a:rPr lang="en-US" sz="2000" dirty="0" err="1"/>
+              <a:t>center_x</a:t>
+            </a:r>
+            <a:r>
+              <a:rPr lang="en-US" sz="2000" dirty="0"/>
+              <a:t> += </a:t>
+            </a:r>
+            <a:r>
+              <a:rPr lang="en-US" sz="2000" dirty="0" err="1"/>
+              <a:t>change_x</a:t>
+            </a:r>
+            <a:endParaRPr lang="en-US" sz="2000" dirty="0"/>
+          </a:p>
+          <a:p>
+            <a:r>
+              <a:rPr lang="en-US" sz="2000" dirty="0"/>
+              <a:t># resolve collisions</a:t>
+            </a:r>
+          </a:p>
+          <a:p>
+            <a:endParaRPr lang="en-US" sz="2000" dirty="0"/>
+          </a:p>
+          <a:p>
+            <a:r>
+              <a:rPr lang="en-US" sz="2000" dirty="0"/>
+              <a:t># move in vertical direction</a:t>
+            </a:r>
+          </a:p>
+          <a:p>
+            <a:r>
+              <a:rPr lang="en-US" sz="2000" dirty="0" err="1"/>
+              <a:t>center_y</a:t>
+            </a:r>
+            <a:r>
+              <a:rPr lang="en-US" sz="2000" dirty="0"/>
+              <a:t> += </a:t>
+            </a:r>
+            <a:r>
+              <a:rPr lang="en-US" sz="2000" dirty="0" err="1"/>
+              <a:t>change_y</a:t>
+            </a:r>
+            <a:endParaRPr lang="en-US" sz="2000" dirty="0"/>
+          </a:p>
+          <a:p>
+            <a:r>
+              <a:rPr lang="en-US" sz="2000" dirty="0"/>
+              <a:t># resolve collisions</a:t>
+            </a:r>
+          </a:p>
+          <a:p>
+            <a:endParaRPr lang="en-US" sz="2000" dirty="0"/>
+          </a:p>
+        </p:txBody>
+      </p:sp>
+      <p:sp>
+        <p:nvSpPr>
           <p:cNvPr id="24" name="TextBox 23">
             <a:extLst>
               <a:ext uri="{FF2B5EF4-FFF2-40B4-BE49-F238E27FC236}">
@@ -9443,106 +10198,6 @@
           <a:lstStyle/>
           <a:p>
             <a:endParaRPr lang="en-US" dirty="0"/>
-          </a:p>
-        </p:txBody>
-      </p:sp>
-      <p:sp>
-        <p:nvSpPr>
-          <p:cNvPr id="6" name="TextBox 5">
-            <a:extLst>
-              <a:ext uri="{FF2B5EF4-FFF2-40B4-BE49-F238E27FC236}">
-                <a16:creationId xmlns:a16="http://schemas.microsoft.com/office/drawing/2014/main" id="{1C692FAF-D519-8052-F9E3-FC962B05DA45}"/>
-              </a:ext>
-            </a:extLst>
-          </p:cNvPr>
-          <p:cNvSpPr txBox="1"/>
-          <p:nvPr/>
-        </p:nvSpPr>
-        <p:spPr>
-          <a:xfrm>
-            <a:off x="4186924" y="872451"/>
-            <a:ext cx="5332796" cy="2031325"/>
-          </a:xfrm>
-          <a:prstGeom prst="rect">
-            <a:avLst/>
-          </a:prstGeom>
-          <a:noFill/>
-        </p:spPr>
-        <p:txBody>
-          <a:bodyPr wrap="square" rtlCol="0">
-            <a:spAutoFit/>
-          </a:bodyPr>
-          <a:lstStyle/>
-          <a:p>
-            <a:r>
-              <a:rPr lang="en-US" sz="1800" dirty="0"/>
-              <a:t>move in horizontal direction</a:t>
-            </a:r>
-          </a:p>
-          <a:p>
-            <a:r>
-              <a:rPr lang="en-US" sz="1800" dirty="0"/>
-              <a:t>compute list of all platforms which collide with player </a:t>
-            </a:r>
-          </a:p>
-          <a:p>
-            <a:r>
-              <a:rPr lang="en-US" sz="1800" dirty="0"/>
-              <a:t>if list not empty:</a:t>
-            </a:r>
-          </a:p>
-          <a:p>
-            <a:r>
-              <a:rPr lang="en-US" sz="1800" dirty="0"/>
-              <a:t>   if player is moving right:</a:t>
-            </a:r>
-          </a:p>
-          <a:p>
-            <a:r>
-              <a:rPr lang="en-US" sz="1800" dirty="0"/>
-              <a:t>      	set right side of player = left side of a </a:t>
-            </a:r>
-          </a:p>
-          <a:p>
-            <a:r>
-              <a:rPr lang="en-US" sz="1800" dirty="0"/>
-              <a:t>								collided platform </a:t>
-            </a:r>
-          </a:p>
-          <a:p>
-            <a:endParaRPr lang="en-US" sz="1800" dirty="0"/>
-          </a:p>
-        </p:txBody>
-      </p:sp>
-      <p:sp>
-        <p:nvSpPr>
-          <p:cNvPr id="9" name="TextBox 8">
-            <a:extLst>
-              <a:ext uri="{FF2B5EF4-FFF2-40B4-BE49-F238E27FC236}">
-                <a16:creationId xmlns:a16="http://schemas.microsoft.com/office/drawing/2014/main" id="{E1513AD7-DD4F-4844-A45C-15B893C5402D}"/>
-              </a:ext>
-            </a:extLst>
-          </p:cNvPr>
-          <p:cNvSpPr txBox="1"/>
-          <p:nvPr/>
-        </p:nvSpPr>
-        <p:spPr>
-          <a:xfrm>
-            <a:off x="269379" y="1803769"/>
-            <a:ext cx="184731" cy="415498"/>
-          </a:xfrm>
-          <a:prstGeom prst="rect">
-            <a:avLst/>
-          </a:prstGeom>
-          <a:noFill/>
-        </p:spPr>
-        <p:txBody>
-          <a:bodyPr wrap="none" rtlCol="0">
-            <a:spAutoFit/>
-          </a:bodyPr>
-          <a:lstStyle/>
-          <a:p>
-            <a:endParaRPr lang="en-US" sz="2100" dirty="0"/>
           </a:p>
         </p:txBody>
       </p:sp>
@@ -9580,10 +10235,10 @@
       </p:sp>
       <p:pic>
         <p:nvPicPr>
-          <p:cNvPr id="3" name="Picture 2" descr="Icon&#10;&#10;Description automatically generated">
+          <p:cNvPr id="17" name="Picture 16" descr="Icon&#10;&#10;Description automatically generated">
             <a:extLst>
               <a:ext uri="{FF2B5EF4-FFF2-40B4-BE49-F238E27FC236}">
-                <a16:creationId xmlns:a16="http://schemas.microsoft.com/office/drawing/2014/main" id="{9D854B95-B0A1-0013-8660-47C3570B8FFA}"/>
+                <a16:creationId xmlns:a16="http://schemas.microsoft.com/office/drawing/2014/main" id="{1A644215-2140-7283-D202-AFEDC3D893D5}"/>
               </a:ext>
             </a:extLst>
           </p:cNvPr>
@@ -9600,7 +10255,7 @@
         </p:blipFill>
         <p:spPr>
           <a:xfrm>
-            <a:off x="837972" y="2449346"/>
+            <a:off x="2217322" y="2449346"/>
             <a:ext cx="652793" cy="596028"/>
           </a:xfrm>
           <a:prstGeom prst="rect">
@@ -9615,10 +10270,10 @@
       </p:pic>
       <p:pic>
         <p:nvPicPr>
-          <p:cNvPr id="7" name="Picture 6" descr="Chart&#10;&#10;Description automatically generated with low confidence">
+          <p:cNvPr id="27" name="Picture 26" descr="Chart&#10;&#10;Description automatically generated with low confidence">
             <a:extLst>
               <a:ext uri="{FF2B5EF4-FFF2-40B4-BE49-F238E27FC236}">
-                <a16:creationId xmlns:a16="http://schemas.microsoft.com/office/drawing/2014/main" id="{1B908CAE-CFB5-3D47-036E-01230F9F5B2F}"/>
+                <a16:creationId xmlns:a16="http://schemas.microsoft.com/office/drawing/2014/main" id="{2C2DAB2E-2055-713B-9A38-64EB01A9C0BD}"/>
               </a:ext>
             </a:extLst>
           </p:cNvPr>
@@ -9635,7 +10290,7 @@
         </p:blipFill>
         <p:spPr>
           <a:xfrm>
-            <a:off x="1531100" y="2810862"/>
+            <a:off x="1173821" y="4042919"/>
             <a:ext cx="596028" cy="596028"/>
           </a:xfrm>
           <a:prstGeom prst="rect">
@@ -9650,10 +10305,10 @@
       </p:pic>
       <p:pic>
         <p:nvPicPr>
-          <p:cNvPr id="8" name="Picture 7" descr="Chart&#10;&#10;Description automatically generated with low confidence">
+          <p:cNvPr id="28" name="Picture 27" descr="Chart&#10;&#10;Description automatically generated with low confidence">
             <a:extLst>
               <a:ext uri="{FF2B5EF4-FFF2-40B4-BE49-F238E27FC236}">
-                <a16:creationId xmlns:a16="http://schemas.microsoft.com/office/drawing/2014/main" id="{0E6CDD35-0702-0675-4B8D-525ABAD3969F}"/>
+                <a16:creationId xmlns:a16="http://schemas.microsoft.com/office/drawing/2014/main" id="{0E2B01E6-B1DB-0C0D-C30A-A865D1C0ED5B}"/>
               </a:ext>
             </a:extLst>
           </p:cNvPr>
@@ -9670,7 +10325,7 @@
         </p:blipFill>
         <p:spPr>
           <a:xfrm>
-            <a:off x="2166268" y="2169354"/>
+            <a:off x="544379" y="4051133"/>
             <a:ext cx="596028" cy="596028"/>
           </a:xfrm>
           <a:prstGeom prst="rect">
@@ -9685,10 +10340,10 @@
       </p:pic>
       <p:pic>
         <p:nvPicPr>
-          <p:cNvPr id="10" name="Picture 9" descr="Chart&#10;&#10;Description automatically generated with low confidence">
+          <p:cNvPr id="30" name="Picture 29" descr="Chart&#10;&#10;Description automatically generated with low confidence">
             <a:extLst>
               <a:ext uri="{FF2B5EF4-FFF2-40B4-BE49-F238E27FC236}">
-                <a16:creationId xmlns:a16="http://schemas.microsoft.com/office/drawing/2014/main" id="{45CADF34-EC2E-2BDA-2039-9DE6282074F8}"/>
+                <a16:creationId xmlns:a16="http://schemas.microsoft.com/office/drawing/2014/main" id="{C3734589-3FB5-49B0-3878-8F507719DE29}"/>
               </a:ext>
             </a:extLst>
           </p:cNvPr>
@@ -9705,7 +10360,7 @@
         </p:blipFill>
         <p:spPr>
           <a:xfrm>
-            <a:off x="1532019" y="2178550"/>
+            <a:off x="1781764" y="4676382"/>
             <a:ext cx="596028" cy="596028"/>
           </a:xfrm>
           <a:prstGeom prst="rect">
@@ -9718,51 +10373,290 @@
           </a:ln>
         </p:spPr>
       </p:pic>
-      <p:cxnSp>
-        <p:nvCxnSpPr>
-          <p:cNvPr id="11" name="Straight Arrow Connector 10">
+      <p:pic>
+        <p:nvPicPr>
+          <p:cNvPr id="31" name="Picture 30" descr="Chart&#10;&#10;Description automatically generated with low confidence">
             <a:extLst>
               <a:ext uri="{FF2B5EF4-FFF2-40B4-BE49-F238E27FC236}">
-                <a16:creationId xmlns:a16="http://schemas.microsoft.com/office/drawing/2014/main" id="{D3F8285C-4842-EDD4-C98A-48CF642107C1}"/>
+                <a16:creationId xmlns:a16="http://schemas.microsoft.com/office/drawing/2014/main" id="{9A8E5010-CB20-493C-9682-0983565F5EF3}"/>
               </a:ext>
             </a:extLst>
           </p:cNvPr>
-          <p:cNvCxnSpPr>
-            <a:cxnSpLocks/>
-          </p:cNvCxnSpPr>
+          <p:cNvPicPr>
+            <a:picLocks noChangeAspect="1"/>
+          </p:cNvPicPr>
           <p:nvPr/>
-        </p:nvCxnSpPr>
-        <p:spPr>
-          <a:xfrm flipV="1">
-            <a:off x="511084" y="3201557"/>
-            <a:ext cx="674905" cy="1"/>
-          </a:xfrm>
-          <a:prstGeom prst="straightConnector1">
+        </p:nvPicPr>
+        <p:blipFill>
+          <a:blip r:embed="rId3"/>
+          <a:stretch>
+            <a:fillRect/>
+          </a:stretch>
+        </p:blipFill>
+        <p:spPr>
+          <a:xfrm>
+            <a:off x="1781764" y="4049556"/>
+            <a:ext cx="596028" cy="596028"/>
+          </a:xfrm>
+          <a:prstGeom prst="rect">
             <a:avLst/>
           </a:prstGeom>
-          <a:ln w="38100">
-            <a:tailEnd type="triangle"/>
+          <a:ln w="25400">
+            <a:solidFill>
+              <a:schemeClr val="tx1"/>
+            </a:solidFill>
           </a:ln>
         </p:spPr>
-        <p:style>
-          <a:lnRef idx="1">
-            <a:schemeClr val="dk1"/>
-          </a:lnRef>
-          <a:fillRef idx="0">
-            <a:schemeClr val="dk1"/>
-          </a:fillRef>
-          <a:effectRef idx="0">
-            <a:schemeClr val="dk1"/>
-          </a:effectRef>
-          <a:fontRef idx="minor">
-            <a:schemeClr val="tx1"/>
-          </a:fontRef>
-        </p:style>
-      </p:cxnSp>
+      </p:pic>
+      <p:pic>
+        <p:nvPicPr>
+          <p:cNvPr id="32" name="Picture 31" descr="Chart&#10;&#10;Description automatically generated with low confidence">
+            <a:extLst>
+              <a:ext uri="{FF2B5EF4-FFF2-40B4-BE49-F238E27FC236}">
+                <a16:creationId xmlns:a16="http://schemas.microsoft.com/office/drawing/2014/main" id="{3FCC39C9-2B02-E596-34C9-32B00E97A44E}"/>
+              </a:ext>
+            </a:extLst>
+          </p:cNvPr>
+          <p:cNvPicPr>
+            <a:picLocks noChangeAspect="1"/>
+          </p:cNvPicPr>
+          <p:nvPr/>
+        </p:nvPicPr>
+        <p:blipFill>
+          <a:blip r:embed="rId3"/>
+          <a:stretch>
+            <a:fillRect/>
+          </a:stretch>
+        </p:blipFill>
+        <p:spPr>
+          <a:xfrm>
+            <a:off x="3220415" y="2810862"/>
+            <a:ext cx="596028" cy="596028"/>
+          </a:xfrm>
+          <a:prstGeom prst="rect">
+            <a:avLst/>
+          </a:prstGeom>
+          <a:ln w="25400">
+            <a:solidFill>
+              <a:schemeClr val="tx1"/>
+            </a:solidFill>
+          </a:ln>
+        </p:spPr>
+      </p:pic>
+      <p:pic>
+        <p:nvPicPr>
+          <p:cNvPr id="33" name="Picture 32" descr="Chart&#10;&#10;Description automatically generated with low confidence">
+            <a:extLst>
+              <a:ext uri="{FF2B5EF4-FFF2-40B4-BE49-F238E27FC236}">
+                <a16:creationId xmlns:a16="http://schemas.microsoft.com/office/drawing/2014/main" id="{9F13699F-1567-5A6A-C4A1-01A556269AFA}"/>
+              </a:ext>
+            </a:extLst>
+          </p:cNvPr>
+          <p:cNvPicPr>
+            <a:picLocks noChangeAspect="1"/>
+          </p:cNvPicPr>
+          <p:nvPr/>
+        </p:nvPicPr>
+        <p:blipFill>
+          <a:blip r:embed="rId3"/>
+          <a:stretch>
+            <a:fillRect/>
+          </a:stretch>
+        </p:blipFill>
+        <p:spPr>
+          <a:xfrm>
+            <a:off x="1781764" y="3453528"/>
+            <a:ext cx="596028" cy="596028"/>
+          </a:xfrm>
+          <a:prstGeom prst="rect">
+            <a:avLst/>
+          </a:prstGeom>
+          <a:ln w="25400">
+            <a:solidFill>
+              <a:schemeClr val="tx1"/>
+            </a:solidFill>
+          </a:ln>
+        </p:spPr>
+      </p:pic>
+      <p:pic>
+        <p:nvPicPr>
+          <p:cNvPr id="34" name="Picture 33" descr="Chart&#10;&#10;Description automatically generated with low confidence">
+            <a:extLst>
+              <a:ext uri="{FF2B5EF4-FFF2-40B4-BE49-F238E27FC236}">
+                <a16:creationId xmlns:a16="http://schemas.microsoft.com/office/drawing/2014/main" id="{1E98B97C-748F-69CE-E6E2-D51A24328A2A}"/>
+              </a:ext>
+            </a:extLst>
+          </p:cNvPr>
+          <p:cNvPicPr>
+            <a:picLocks noChangeAspect="1"/>
+          </p:cNvPicPr>
+          <p:nvPr/>
+        </p:nvPicPr>
+        <p:blipFill>
+          <a:blip r:embed="rId3"/>
+          <a:stretch>
+            <a:fillRect/>
+          </a:stretch>
+        </p:blipFill>
+        <p:spPr>
+          <a:xfrm>
+            <a:off x="3855583" y="2169354"/>
+            <a:ext cx="596028" cy="596028"/>
+          </a:xfrm>
+          <a:prstGeom prst="rect">
+            <a:avLst/>
+          </a:prstGeom>
+          <a:ln w="25400">
+            <a:solidFill>
+              <a:schemeClr val="tx1"/>
+            </a:solidFill>
+          </a:ln>
+        </p:spPr>
+      </p:pic>
+      <p:pic>
+        <p:nvPicPr>
+          <p:cNvPr id="35" name="Picture 34" descr="Chart&#10;&#10;Description automatically generated with low confidence">
+            <a:extLst>
+              <a:ext uri="{FF2B5EF4-FFF2-40B4-BE49-F238E27FC236}">
+                <a16:creationId xmlns:a16="http://schemas.microsoft.com/office/drawing/2014/main" id="{7224E4B4-27E4-5B94-0A69-458F1E192386}"/>
+              </a:ext>
+            </a:extLst>
+          </p:cNvPr>
+          <p:cNvPicPr>
+            <a:picLocks noChangeAspect="1"/>
+          </p:cNvPicPr>
+          <p:nvPr/>
+        </p:nvPicPr>
+        <p:blipFill>
+          <a:blip r:embed="rId3"/>
+          <a:stretch>
+            <a:fillRect/>
+          </a:stretch>
+        </p:blipFill>
+        <p:spPr>
+          <a:xfrm>
+            <a:off x="3221334" y="2178550"/>
+            <a:ext cx="596028" cy="596028"/>
+          </a:xfrm>
+          <a:prstGeom prst="rect">
+            <a:avLst/>
+          </a:prstGeom>
+          <a:ln w="25400">
+            <a:solidFill>
+              <a:schemeClr val="tx1"/>
+            </a:solidFill>
+          </a:ln>
+        </p:spPr>
+      </p:pic>
+      <p:pic>
+        <p:nvPicPr>
+          <p:cNvPr id="36" name="Picture 35" descr="Chart&#10;&#10;Description automatically generated with low confidence">
+            <a:extLst>
+              <a:ext uri="{FF2B5EF4-FFF2-40B4-BE49-F238E27FC236}">
+                <a16:creationId xmlns:a16="http://schemas.microsoft.com/office/drawing/2014/main" id="{3A734EE6-CDE4-70CA-E08E-D734B255C1F1}"/>
+              </a:ext>
+            </a:extLst>
+          </p:cNvPr>
+          <p:cNvPicPr>
+            <a:picLocks noChangeAspect="1"/>
+          </p:cNvPicPr>
+          <p:nvPr/>
+        </p:nvPicPr>
+        <p:blipFill>
+          <a:blip r:embed="rId3"/>
+          <a:stretch>
+            <a:fillRect/>
+          </a:stretch>
+        </p:blipFill>
+        <p:spPr>
+          <a:xfrm>
+            <a:off x="3823286" y="4665977"/>
+            <a:ext cx="596028" cy="596028"/>
+          </a:xfrm>
+          <a:prstGeom prst="rect">
+            <a:avLst/>
+          </a:prstGeom>
+          <a:ln w="25400">
+            <a:solidFill>
+              <a:schemeClr val="tx1"/>
+            </a:solidFill>
+          </a:ln>
+        </p:spPr>
+      </p:pic>
+      <p:pic>
+        <p:nvPicPr>
+          <p:cNvPr id="37" name="Picture 36" descr="Chart&#10;&#10;Description automatically generated with low confidence">
+            <a:extLst>
+              <a:ext uri="{FF2B5EF4-FFF2-40B4-BE49-F238E27FC236}">
+                <a16:creationId xmlns:a16="http://schemas.microsoft.com/office/drawing/2014/main" id="{7EC94172-3D86-3A9B-AE01-4B8E2ACDD38B}"/>
+              </a:ext>
+            </a:extLst>
+          </p:cNvPr>
+          <p:cNvPicPr>
+            <a:picLocks noChangeAspect="1"/>
+          </p:cNvPicPr>
+          <p:nvPr/>
+        </p:nvPicPr>
+        <p:blipFill>
+          <a:blip r:embed="rId3"/>
+          <a:stretch>
+            <a:fillRect/>
+          </a:stretch>
+        </p:blipFill>
+        <p:spPr>
+          <a:xfrm>
+            <a:off x="5086779" y="4665977"/>
+            <a:ext cx="596028" cy="596028"/>
+          </a:xfrm>
+          <a:prstGeom prst="rect">
+            <a:avLst/>
+          </a:prstGeom>
+          <a:ln w="25400">
+            <a:solidFill>
+              <a:schemeClr val="tx1"/>
+            </a:solidFill>
+          </a:ln>
+        </p:spPr>
+      </p:pic>
+      <p:pic>
+        <p:nvPicPr>
+          <p:cNvPr id="38" name="Picture 37" descr="Chart&#10;&#10;Description automatically generated with low confidence">
+            <a:extLst>
+              <a:ext uri="{FF2B5EF4-FFF2-40B4-BE49-F238E27FC236}">
+                <a16:creationId xmlns:a16="http://schemas.microsoft.com/office/drawing/2014/main" id="{747C366B-EAAF-252C-9E6E-76E06BA8FF08}"/>
+              </a:ext>
+            </a:extLst>
+          </p:cNvPr>
+          <p:cNvPicPr>
+            <a:picLocks noChangeAspect="1"/>
+          </p:cNvPicPr>
+          <p:nvPr/>
+        </p:nvPicPr>
+        <p:blipFill>
+          <a:blip r:embed="rId3"/>
+          <a:stretch>
+            <a:fillRect/>
+          </a:stretch>
+        </p:blipFill>
+        <p:spPr>
+          <a:xfrm>
+            <a:off x="4452530" y="4675173"/>
+            <a:ext cx="596028" cy="596028"/>
+          </a:xfrm>
+          <a:prstGeom prst="rect">
+            <a:avLst/>
+          </a:prstGeom>
+          <a:ln w="25400">
+            <a:solidFill>
+              <a:schemeClr val="tx1"/>
+            </a:solidFill>
+          </a:ln>
+        </p:spPr>
+      </p:pic>
     </p:spTree>
     <p:extLst>
       <p:ext uri="{BB962C8B-B14F-4D97-AF65-F5344CB8AC3E}">
-        <p14:creationId xmlns:p14="http://schemas.microsoft.com/office/powerpoint/2010/main" val="1041039027"/>
+        <p14:creationId xmlns:p14="http://schemas.microsoft.com/office/powerpoint/2010/main" val="817354367"/>
       </p:ext>
     </p:extLst>
   </p:cSld>
@@ -9824,6 +10718,38 @@
       </p:sp>
       <p:sp>
         <p:nvSpPr>
+          <p:cNvPr id="9" name="TextBox 8">
+            <a:extLst>
+              <a:ext uri="{FF2B5EF4-FFF2-40B4-BE49-F238E27FC236}">
+                <a16:creationId xmlns:a16="http://schemas.microsoft.com/office/drawing/2014/main" id="{E1513AD7-DD4F-4844-A45C-15B893C5402D}"/>
+              </a:ext>
+            </a:extLst>
+          </p:cNvPr>
+          <p:cNvSpPr txBox="1"/>
+          <p:nvPr/>
+        </p:nvSpPr>
+        <p:spPr>
+          <a:xfrm>
+            <a:off x="-1419936" y="1803769"/>
+            <a:ext cx="184731" cy="415498"/>
+          </a:xfrm>
+          <a:prstGeom prst="rect">
+            <a:avLst/>
+          </a:prstGeom>
+          <a:noFill/>
+        </p:spPr>
+        <p:txBody>
+          <a:bodyPr wrap="none" rtlCol="0">
+            <a:spAutoFit/>
+          </a:bodyPr>
+          <a:lstStyle/>
+          <a:p>
+            <a:endParaRPr lang="en-US" sz="2100" dirty="0"/>
+          </a:p>
+        </p:txBody>
+      </p:sp>
+      <p:sp>
+        <p:nvSpPr>
           <p:cNvPr id="4" name="Content Placeholder 3">
             <a:extLst>
               <a:ext uri="{FF2B5EF4-FFF2-40B4-BE49-F238E27FC236}">
@@ -9892,10 +10818,10 @@
       </p:sp>
       <p:sp>
         <p:nvSpPr>
-          <p:cNvPr id="6" name="TextBox 5">
+          <p:cNvPr id="25" name="TextBox 24">
             <a:extLst>
               <a:ext uri="{FF2B5EF4-FFF2-40B4-BE49-F238E27FC236}">
-                <a16:creationId xmlns:a16="http://schemas.microsoft.com/office/drawing/2014/main" id="{1C692FAF-D519-8052-F9E3-FC962B05DA45}"/>
+                <a16:creationId xmlns:a16="http://schemas.microsoft.com/office/drawing/2014/main" id="{86AC38CF-2092-6F43-8B35-4D18887AC663}"/>
               </a:ext>
             </a:extLst>
           </p:cNvPr>
@@ -9904,8 +10830,8 @@
         </p:nvSpPr>
         <p:spPr>
           <a:xfrm>
-            <a:off x="4186924" y="872451"/>
-            <a:ext cx="5332796" cy="2308324"/>
+            <a:off x="269379" y="511444"/>
+            <a:ext cx="184731" cy="308418"/>
           </a:xfrm>
           <a:prstGeom prst="rect">
             <a:avLst/>
@@ -9913,63 +10839,21 @@
           <a:noFill/>
         </p:spPr>
         <p:txBody>
-          <a:bodyPr wrap="square" rtlCol="0">
+          <a:bodyPr wrap="none" rtlCol="0">
             <a:spAutoFit/>
           </a:bodyPr>
           <a:lstStyle/>
           <a:p>
-            <a:r>
-              <a:rPr lang="en-US" sz="1800" dirty="0"/>
-              <a:t>move in horizontal direction</a:t>
-            </a:r>
-          </a:p>
-          <a:p>
-            <a:r>
-              <a:rPr lang="en-US" sz="1800" dirty="0"/>
-              <a:t>compute list of all platforms which collide with player </a:t>
-            </a:r>
-          </a:p>
-          <a:p>
-            <a:r>
-              <a:rPr lang="en-US" sz="1800" dirty="0"/>
-              <a:t>if list not empty:</a:t>
-            </a:r>
-          </a:p>
-          <a:p>
-            <a:r>
-              <a:rPr lang="en-US" sz="1800" dirty="0"/>
-              <a:t>   if player is moving right:</a:t>
-            </a:r>
-          </a:p>
-          <a:p>
-            <a:r>
-              <a:rPr lang="en-US" sz="1800" dirty="0"/>
-              <a:t>      	set right side of player = left side of a </a:t>
-            </a:r>
-          </a:p>
-          <a:p>
-            <a:r>
-              <a:rPr lang="en-US" sz="1800" dirty="0"/>
-              <a:t>								collided platform</a:t>
-            </a:r>
-          </a:p>
-          <a:p>
-            <a:r>
-              <a:rPr lang="en-US" sz="1800" dirty="0"/>
-              <a:t>  if player is moving left:</a:t>
-            </a:r>
-          </a:p>
-          <a:p>
-            <a:endParaRPr lang="en-US" sz="1800" dirty="0"/>
+            <a:endParaRPr lang="en-US" dirty="0"/>
           </a:p>
         </p:txBody>
       </p:sp>
       <p:pic>
         <p:nvPicPr>
-          <p:cNvPr id="8" name="Picture 7" descr="Chart&#10;&#10;Description automatically generated with low confidence">
+          <p:cNvPr id="17" name="Picture 16" descr="Icon&#10;&#10;Description automatically generated">
             <a:extLst>
               <a:ext uri="{FF2B5EF4-FFF2-40B4-BE49-F238E27FC236}">
-                <a16:creationId xmlns:a16="http://schemas.microsoft.com/office/drawing/2014/main" id="{B122AC4E-667D-0FC6-9D09-B5CE887CBB9A}"/>
+                <a16:creationId xmlns:a16="http://schemas.microsoft.com/office/drawing/2014/main" id="{1A644215-2140-7283-D202-AFEDC3D893D5}"/>
               </a:ext>
             </a:extLst>
           </p:cNvPr>
@@ -9986,8 +10870,8 @@
         </p:blipFill>
         <p:spPr>
           <a:xfrm>
-            <a:off x="1531100" y="2810862"/>
-            <a:ext cx="596028" cy="596028"/>
+            <a:off x="528007" y="2449346"/>
+            <a:ext cx="652793" cy="596028"/>
           </a:xfrm>
           <a:prstGeom prst="rect">
             <a:avLst/>
@@ -10001,10 +10885,10 @@
       </p:pic>
       <p:pic>
         <p:nvPicPr>
-          <p:cNvPr id="10" name="Picture 9" descr="Chart&#10;&#10;Description automatically generated with low confidence">
+          <p:cNvPr id="32" name="Picture 31" descr="Chart&#10;&#10;Description automatically generated with low confidence">
             <a:extLst>
               <a:ext uri="{FF2B5EF4-FFF2-40B4-BE49-F238E27FC236}">
-                <a16:creationId xmlns:a16="http://schemas.microsoft.com/office/drawing/2014/main" id="{B0D9EBE2-DD29-72F1-4477-9092A176E442}"/>
+                <a16:creationId xmlns:a16="http://schemas.microsoft.com/office/drawing/2014/main" id="{3FCC39C9-2B02-E596-34C9-32B00E97A44E}"/>
               </a:ext>
             </a:extLst>
           </p:cNvPr>
@@ -10014,14 +10898,14 @@
           <p:nvPr/>
         </p:nvPicPr>
         <p:blipFill>
-          <a:blip r:embed="rId2"/>
+          <a:blip r:embed="rId3"/>
           <a:stretch>
             <a:fillRect/>
           </a:stretch>
         </p:blipFill>
         <p:spPr>
           <a:xfrm>
-            <a:off x="2166268" y="2169354"/>
+            <a:off x="1531100" y="2810862"/>
             <a:ext cx="596028" cy="596028"/>
           </a:xfrm>
           <a:prstGeom prst="rect">
@@ -10036,10 +10920,10 @@
       </p:pic>
       <p:pic>
         <p:nvPicPr>
-          <p:cNvPr id="11" name="Picture 10" descr="Chart&#10;&#10;Description automatically generated with low confidence">
+          <p:cNvPr id="34" name="Picture 33" descr="Chart&#10;&#10;Description automatically generated with low confidence">
             <a:extLst>
               <a:ext uri="{FF2B5EF4-FFF2-40B4-BE49-F238E27FC236}">
-                <a16:creationId xmlns:a16="http://schemas.microsoft.com/office/drawing/2014/main" id="{486996D0-ADB4-5D1A-078A-3224709048CB}"/>
+                <a16:creationId xmlns:a16="http://schemas.microsoft.com/office/drawing/2014/main" id="{1E98B97C-748F-69CE-E6E2-D51A24328A2A}"/>
               </a:ext>
             </a:extLst>
           </p:cNvPr>
@@ -10049,14 +10933,14 @@
           <p:nvPr/>
         </p:nvPicPr>
         <p:blipFill>
-          <a:blip r:embed="rId2"/>
+          <a:blip r:embed="rId3"/>
           <a:stretch>
             <a:fillRect/>
           </a:stretch>
         </p:blipFill>
         <p:spPr>
           <a:xfrm>
-            <a:off x="1532019" y="2178550"/>
+            <a:off x="2166268" y="2169354"/>
             <a:ext cx="596028" cy="596028"/>
           </a:xfrm>
           <a:prstGeom prst="rect">
@@ -10069,12 +10953,47 @@
           </a:ln>
         </p:spPr>
       </p:pic>
+      <p:pic>
+        <p:nvPicPr>
+          <p:cNvPr id="35" name="Picture 34" descr="Chart&#10;&#10;Description automatically generated with low confidence">
+            <a:extLst>
+              <a:ext uri="{FF2B5EF4-FFF2-40B4-BE49-F238E27FC236}">
+                <a16:creationId xmlns:a16="http://schemas.microsoft.com/office/drawing/2014/main" id="{7224E4B4-27E4-5B94-0A69-458F1E192386}"/>
+              </a:ext>
+            </a:extLst>
+          </p:cNvPr>
+          <p:cNvPicPr>
+            <a:picLocks noChangeAspect="1"/>
+          </p:cNvPicPr>
+          <p:nvPr/>
+        </p:nvPicPr>
+        <p:blipFill>
+          <a:blip r:embed="rId3"/>
+          <a:stretch>
+            <a:fillRect/>
+          </a:stretch>
+        </p:blipFill>
+        <p:spPr>
+          <a:xfrm>
+            <a:off x="1532019" y="2178550"/>
+            <a:ext cx="596028" cy="596028"/>
+          </a:xfrm>
+          <a:prstGeom prst="rect">
+            <a:avLst/>
+          </a:prstGeom>
+          <a:ln w="25400">
+            <a:solidFill>
+              <a:schemeClr val="tx1"/>
+            </a:solidFill>
+          </a:ln>
+        </p:spPr>
+      </p:pic>
       <p:cxnSp>
         <p:nvCxnSpPr>
-          <p:cNvPr id="12" name="Straight Arrow Connector 11">
+          <p:cNvPr id="5" name="Straight Arrow Connector 4">
             <a:extLst>
               <a:ext uri="{FF2B5EF4-FFF2-40B4-BE49-F238E27FC236}">
-                <a16:creationId xmlns:a16="http://schemas.microsoft.com/office/drawing/2014/main" id="{27D76A3C-A725-53DE-33C1-875483D130E4}"/>
+                <a16:creationId xmlns:a16="http://schemas.microsoft.com/office/drawing/2014/main" id="{9A063FFF-43E1-CBBA-EA08-7D7E897684B8}"/>
               </a:ext>
             </a:extLst>
           </p:cNvPr>
@@ -10084,9 +11003,9 @@
           <p:nvPr/>
         </p:nvCxnSpPr>
         <p:spPr>
-          <a:xfrm flipH="1">
-            <a:off x="2973902" y="3400298"/>
-            <a:ext cx="755645" cy="6592"/>
+          <a:xfrm flipV="1">
+            <a:off x="511084" y="3201557"/>
+            <a:ext cx="674905" cy="1"/>
           </a:xfrm>
           <a:prstGeom prst="straightConnector1">
             <a:avLst/>
@@ -10110,47 +11029,12 @@
           </a:fontRef>
         </p:style>
       </p:cxnSp>
-      <p:pic>
-        <p:nvPicPr>
-          <p:cNvPr id="7" name="Picture 6" descr="Icon&#10;&#10;Description automatically generated">
+      <p:sp>
+        <p:nvSpPr>
+          <p:cNvPr id="6" name="TextBox 5">
             <a:extLst>
               <a:ext uri="{FF2B5EF4-FFF2-40B4-BE49-F238E27FC236}">
-                <a16:creationId xmlns:a16="http://schemas.microsoft.com/office/drawing/2014/main" id="{35C27AA7-83D3-FD3F-F256-DFAA5700CD13}"/>
-              </a:ext>
-            </a:extLst>
-          </p:cNvPr>
-          <p:cNvPicPr>
-            <a:picLocks noChangeAspect="1"/>
-          </p:cNvPicPr>
-          <p:nvPr/>
-        </p:nvPicPr>
-        <p:blipFill>
-          <a:blip r:embed="rId3"/>
-          <a:stretch>
-            <a:fillRect/>
-          </a:stretch>
-        </p:blipFill>
-        <p:spPr>
-          <a:xfrm>
-            <a:off x="3018010" y="2467368"/>
-            <a:ext cx="652793" cy="596028"/>
-          </a:xfrm>
-          <a:prstGeom prst="rect">
-            <a:avLst/>
-          </a:prstGeom>
-          <a:ln w="25400">
-            <a:solidFill>
-              <a:schemeClr val="tx1"/>
-            </a:solidFill>
-          </a:ln>
-        </p:spPr>
-      </p:pic>
-      <p:sp>
-        <p:nvSpPr>
-          <p:cNvPr id="25" name="TextBox 24">
-            <a:extLst>
-              <a:ext uri="{FF2B5EF4-FFF2-40B4-BE49-F238E27FC236}">
-                <a16:creationId xmlns:a16="http://schemas.microsoft.com/office/drawing/2014/main" id="{86AC38CF-2092-6F43-8B35-4D18887AC663}"/>
+                <a16:creationId xmlns:a16="http://schemas.microsoft.com/office/drawing/2014/main" id="{1C692FAF-D519-8052-F9E3-FC962B05DA45}"/>
               </a:ext>
             </a:extLst>
           </p:cNvPr>
@@ -10159,8 +11043,8 @@
         </p:nvSpPr>
         <p:spPr>
           <a:xfrm>
-            <a:off x="269379" y="511444"/>
-            <a:ext cx="184731" cy="308418"/>
+            <a:off x="4186924" y="872451"/>
+            <a:ext cx="5332796" cy="369332"/>
           </a:xfrm>
           <a:prstGeom prst="rect">
             <a:avLst/>
@@ -10168,19 +11052,22 @@
           <a:noFill/>
         </p:spPr>
         <p:txBody>
-          <a:bodyPr wrap="none" rtlCol="0">
+          <a:bodyPr wrap="square" rtlCol="0">
             <a:spAutoFit/>
           </a:bodyPr>
           <a:lstStyle/>
           <a:p>
-            <a:endParaRPr lang="en-US" dirty="0"/>
+            <a:r>
+              <a:rPr lang="en-US" sz="1800" dirty="0"/>
+              <a:t>move in horizontal direction</a:t>
+            </a:r>
           </a:p>
         </p:txBody>
       </p:sp>
     </p:spTree>
     <p:extLst>
       <p:ext uri="{BB962C8B-B14F-4D97-AF65-F5344CB8AC3E}">
-        <p14:creationId xmlns:p14="http://schemas.microsoft.com/office/powerpoint/2010/main" val="2752258577"/>
+        <p14:creationId xmlns:p14="http://schemas.microsoft.com/office/powerpoint/2010/main" val="2057791507"/>
       </p:ext>
     </p:extLst>
   </p:cSld>
@@ -10323,7 +11210,7 @@
         <p:spPr>
           <a:xfrm>
             <a:off x="4186924" y="872451"/>
-            <a:ext cx="5332796" cy="2308324"/>
+            <a:ext cx="5332796" cy="1200329"/>
           </a:xfrm>
           <a:prstGeom prst="rect">
             <a:avLst/>
@@ -10359,38 +11246,46 @@
               <a:t>   if player is moving right:</a:t>
             </a:r>
           </a:p>
-          <a:p>
-            <a:r>
-              <a:rPr lang="en-US" sz="1800" dirty="0"/>
-              <a:t>      	set right side of player = left side of a </a:t>
-            </a:r>
-          </a:p>
-          <a:p>
-            <a:r>
-              <a:rPr lang="en-US" sz="1800" dirty="0"/>
-              <a:t>								collided platform</a:t>
-            </a:r>
-          </a:p>
-          <a:p>
-            <a:r>
-              <a:rPr lang="en-US" sz="1800" dirty="0"/>
-              <a:t>  if player is moving left:</a:t>
-            </a:r>
-          </a:p>
-          <a:p>
-            <a:r>
-              <a:rPr lang="en-US" sz="1800" dirty="0"/>
-              <a:t>      	</a:t>
-            </a:r>
+        </p:txBody>
+      </p:sp>
+      <p:sp>
+        <p:nvSpPr>
+          <p:cNvPr id="9" name="TextBox 8">
+            <a:extLst>
+              <a:ext uri="{FF2B5EF4-FFF2-40B4-BE49-F238E27FC236}">
+                <a16:creationId xmlns:a16="http://schemas.microsoft.com/office/drawing/2014/main" id="{E1513AD7-DD4F-4844-A45C-15B893C5402D}"/>
+              </a:ext>
+            </a:extLst>
+          </p:cNvPr>
+          <p:cNvSpPr txBox="1"/>
+          <p:nvPr/>
+        </p:nvSpPr>
+        <p:spPr>
+          <a:xfrm>
+            <a:off x="269379" y="1803769"/>
+            <a:ext cx="184731" cy="415498"/>
+          </a:xfrm>
+          <a:prstGeom prst="rect">
+            <a:avLst/>
+          </a:prstGeom>
+          <a:noFill/>
+        </p:spPr>
+        <p:txBody>
+          <a:bodyPr wrap="none" rtlCol="0">
+            <a:spAutoFit/>
+          </a:bodyPr>
+          <a:lstStyle/>
+          <a:p>
+            <a:endParaRPr lang="en-US" sz="2100" dirty="0"/>
           </a:p>
         </p:txBody>
       </p:sp>
       <p:pic>
         <p:nvPicPr>
-          <p:cNvPr id="8" name="Picture 7" descr="Chart&#10;&#10;Description automatically generated with low confidence">
+          <p:cNvPr id="7" name="Picture 6" descr="Chart&#10;&#10;Description automatically generated with low confidence">
             <a:extLst>
               <a:ext uri="{FF2B5EF4-FFF2-40B4-BE49-F238E27FC236}">
-                <a16:creationId xmlns:a16="http://schemas.microsoft.com/office/drawing/2014/main" id="{B122AC4E-667D-0FC6-9D09-B5CE887CBB9A}"/>
+                <a16:creationId xmlns:a16="http://schemas.microsoft.com/office/drawing/2014/main" id="{A0D23272-9B45-A86D-DB9A-7D6E46E42387}"/>
               </a:ext>
             </a:extLst>
           </p:cNvPr>
@@ -10422,10 +11317,10 @@
       </p:pic>
       <p:pic>
         <p:nvPicPr>
-          <p:cNvPr id="10" name="Picture 9" descr="Chart&#10;&#10;Description automatically generated with low confidence">
+          <p:cNvPr id="8" name="Picture 7" descr="Chart&#10;&#10;Description automatically generated with low confidence">
             <a:extLst>
               <a:ext uri="{FF2B5EF4-FFF2-40B4-BE49-F238E27FC236}">
-                <a16:creationId xmlns:a16="http://schemas.microsoft.com/office/drawing/2014/main" id="{B0D9EBE2-DD29-72F1-4477-9092A176E442}"/>
+                <a16:creationId xmlns:a16="http://schemas.microsoft.com/office/drawing/2014/main" id="{47BFC2F5-DA4E-0C8F-01D5-A90ACF69A5FB}"/>
               </a:ext>
             </a:extLst>
           </p:cNvPr>
@@ -10457,10 +11352,10 @@
       </p:pic>
       <p:pic>
         <p:nvPicPr>
-          <p:cNvPr id="11" name="Picture 10" descr="Chart&#10;&#10;Description automatically generated with low confidence">
+          <p:cNvPr id="10" name="Picture 9" descr="Chart&#10;&#10;Description automatically generated with low confidence">
             <a:extLst>
               <a:ext uri="{FF2B5EF4-FFF2-40B4-BE49-F238E27FC236}">
-                <a16:creationId xmlns:a16="http://schemas.microsoft.com/office/drawing/2014/main" id="{486996D0-ADB4-5D1A-078A-3224709048CB}"/>
+                <a16:creationId xmlns:a16="http://schemas.microsoft.com/office/drawing/2014/main" id="{2BD75169-2647-055A-A5B5-311D5FAB4EF5}"/>
               </a:ext>
             </a:extLst>
           </p:cNvPr>
@@ -10492,10 +11387,10 @@
       </p:pic>
       <p:cxnSp>
         <p:nvCxnSpPr>
-          <p:cNvPr id="12" name="Straight Arrow Connector 11">
+          <p:cNvPr id="11" name="Straight Arrow Connector 10">
             <a:extLst>
               <a:ext uri="{FF2B5EF4-FFF2-40B4-BE49-F238E27FC236}">
-                <a16:creationId xmlns:a16="http://schemas.microsoft.com/office/drawing/2014/main" id="{27D76A3C-A725-53DE-33C1-875483D130E4}"/>
+                <a16:creationId xmlns:a16="http://schemas.microsoft.com/office/drawing/2014/main" id="{D9A448CF-3932-02F2-C4E0-8AD14CDF85C2}"/>
               </a:ext>
             </a:extLst>
           </p:cNvPr>
@@ -10505,9 +11400,9 @@
           <p:nvPr/>
         </p:nvCxnSpPr>
         <p:spPr>
-          <a:xfrm flipH="1">
-            <a:off x="2973902" y="3400298"/>
-            <a:ext cx="755645" cy="6592"/>
+          <a:xfrm flipV="1">
+            <a:off x="511084" y="3201557"/>
+            <a:ext cx="674905" cy="1"/>
           </a:xfrm>
           <a:prstGeom prst="straightConnector1">
             <a:avLst/>
@@ -10533,10 +11428,10 @@
       </p:cxnSp>
       <p:pic>
         <p:nvPicPr>
-          <p:cNvPr id="7" name="Picture 6" descr="Icon&#10;&#10;Description automatically generated">
+          <p:cNvPr id="3" name="Picture 2" descr="Icon&#10;&#10;Description automatically generated">
             <a:extLst>
               <a:ext uri="{FF2B5EF4-FFF2-40B4-BE49-F238E27FC236}">
-                <a16:creationId xmlns:a16="http://schemas.microsoft.com/office/drawing/2014/main" id="{35C27AA7-83D3-FD3F-F256-DFAA5700CD13}"/>
+                <a16:creationId xmlns:a16="http://schemas.microsoft.com/office/drawing/2014/main" id="{2A5CC9F2-5BFB-BD96-AF66-C02B15EF7CBA}"/>
               </a:ext>
             </a:extLst>
           </p:cNvPr>
@@ -10553,7 +11448,7 @@
         </p:blipFill>
         <p:spPr>
           <a:xfrm>
-            <a:off x="2576223" y="2467368"/>
+            <a:off x="1194434" y="2449346"/>
             <a:ext cx="652793" cy="596028"/>
           </a:xfrm>
           <a:prstGeom prst="rect">
@@ -10601,7 +11496,7 @@
     </p:spTree>
     <p:extLst>
       <p:ext uri="{BB962C8B-B14F-4D97-AF65-F5344CB8AC3E}">
-        <p14:creationId xmlns:p14="http://schemas.microsoft.com/office/powerpoint/2010/main" val="1583125529"/>
+        <p14:creationId xmlns:p14="http://schemas.microsoft.com/office/powerpoint/2010/main" val="674449138"/>
       </p:ext>
     </p:extLst>
   </p:cSld>
@@ -10744,7 +11639,7 @@
         <p:spPr>
           <a:xfrm>
             <a:off x="4186924" y="872451"/>
-            <a:ext cx="5332796" cy="3139321"/>
+            <a:ext cx="5332796" cy="2031325"/>
           </a:xfrm>
           <a:prstGeom prst="rect">
             <a:avLst/>
@@ -10789,6 +11684,450 @@
           <a:p>
             <a:r>
               <a:rPr lang="en-US" sz="1800" dirty="0"/>
+              <a:t>								collided platform </a:t>
+            </a:r>
+          </a:p>
+          <a:p>
+            <a:endParaRPr lang="en-US" sz="1800" dirty="0"/>
+          </a:p>
+        </p:txBody>
+      </p:sp>
+      <p:sp>
+        <p:nvSpPr>
+          <p:cNvPr id="9" name="TextBox 8">
+            <a:extLst>
+              <a:ext uri="{FF2B5EF4-FFF2-40B4-BE49-F238E27FC236}">
+                <a16:creationId xmlns:a16="http://schemas.microsoft.com/office/drawing/2014/main" id="{E1513AD7-DD4F-4844-A45C-15B893C5402D}"/>
+              </a:ext>
+            </a:extLst>
+          </p:cNvPr>
+          <p:cNvSpPr txBox="1"/>
+          <p:nvPr/>
+        </p:nvSpPr>
+        <p:spPr>
+          <a:xfrm>
+            <a:off x="269379" y="1803769"/>
+            <a:ext cx="184731" cy="415498"/>
+          </a:xfrm>
+          <a:prstGeom prst="rect">
+            <a:avLst/>
+          </a:prstGeom>
+          <a:noFill/>
+        </p:spPr>
+        <p:txBody>
+          <a:bodyPr wrap="none" rtlCol="0">
+            <a:spAutoFit/>
+          </a:bodyPr>
+          <a:lstStyle/>
+          <a:p>
+            <a:endParaRPr lang="en-US" sz="2100" dirty="0"/>
+          </a:p>
+        </p:txBody>
+      </p:sp>
+      <p:sp>
+        <p:nvSpPr>
+          <p:cNvPr id="25" name="TextBox 24">
+            <a:extLst>
+              <a:ext uri="{FF2B5EF4-FFF2-40B4-BE49-F238E27FC236}">
+                <a16:creationId xmlns:a16="http://schemas.microsoft.com/office/drawing/2014/main" id="{86AC38CF-2092-6F43-8B35-4D18887AC663}"/>
+              </a:ext>
+            </a:extLst>
+          </p:cNvPr>
+          <p:cNvSpPr txBox="1"/>
+          <p:nvPr/>
+        </p:nvSpPr>
+        <p:spPr>
+          <a:xfrm>
+            <a:off x="269379" y="511444"/>
+            <a:ext cx="184731" cy="308418"/>
+          </a:xfrm>
+          <a:prstGeom prst="rect">
+            <a:avLst/>
+          </a:prstGeom>
+          <a:noFill/>
+        </p:spPr>
+        <p:txBody>
+          <a:bodyPr wrap="none" rtlCol="0">
+            <a:spAutoFit/>
+          </a:bodyPr>
+          <a:lstStyle/>
+          <a:p>
+            <a:endParaRPr lang="en-US" dirty="0"/>
+          </a:p>
+        </p:txBody>
+      </p:sp>
+      <p:pic>
+        <p:nvPicPr>
+          <p:cNvPr id="3" name="Picture 2" descr="Icon&#10;&#10;Description automatically generated">
+            <a:extLst>
+              <a:ext uri="{FF2B5EF4-FFF2-40B4-BE49-F238E27FC236}">
+                <a16:creationId xmlns:a16="http://schemas.microsoft.com/office/drawing/2014/main" id="{9D854B95-B0A1-0013-8660-47C3570B8FFA}"/>
+              </a:ext>
+            </a:extLst>
+          </p:cNvPr>
+          <p:cNvPicPr>
+            <a:picLocks noChangeAspect="1"/>
+          </p:cNvPicPr>
+          <p:nvPr/>
+        </p:nvPicPr>
+        <p:blipFill>
+          <a:blip r:embed="rId2"/>
+          <a:stretch>
+            <a:fillRect/>
+          </a:stretch>
+        </p:blipFill>
+        <p:spPr>
+          <a:xfrm>
+            <a:off x="837972" y="2449346"/>
+            <a:ext cx="652793" cy="596028"/>
+          </a:xfrm>
+          <a:prstGeom prst="rect">
+            <a:avLst/>
+          </a:prstGeom>
+          <a:ln w="25400">
+            <a:solidFill>
+              <a:schemeClr val="tx1"/>
+            </a:solidFill>
+          </a:ln>
+        </p:spPr>
+      </p:pic>
+      <p:pic>
+        <p:nvPicPr>
+          <p:cNvPr id="7" name="Picture 6" descr="Chart&#10;&#10;Description automatically generated with low confidence">
+            <a:extLst>
+              <a:ext uri="{FF2B5EF4-FFF2-40B4-BE49-F238E27FC236}">
+                <a16:creationId xmlns:a16="http://schemas.microsoft.com/office/drawing/2014/main" id="{1B908CAE-CFB5-3D47-036E-01230F9F5B2F}"/>
+              </a:ext>
+            </a:extLst>
+          </p:cNvPr>
+          <p:cNvPicPr>
+            <a:picLocks noChangeAspect="1"/>
+          </p:cNvPicPr>
+          <p:nvPr/>
+        </p:nvPicPr>
+        <p:blipFill>
+          <a:blip r:embed="rId3"/>
+          <a:stretch>
+            <a:fillRect/>
+          </a:stretch>
+        </p:blipFill>
+        <p:spPr>
+          <a:xfrm>
+            <a:off x="1531100" y="2810862"/>
+            <a:ext cx="596028" cy="596028"/>
+          </a:xfrm>
+          <a:prstGeom prst="rect">
+            <a:avLst/>
+          </a:prstGeom>
+          <a:ln w="25400">
+            <a:solidFill>
+              <a:schemeClr val="tx1"/>
+            </a:solidFill>
+          </a:ln>
+        </p:spPr>
+      </p:pic>
+      <p:pic>
+        <p:nvPicPr>
+          <p:cNvPr id="8" name="Picture 7" descr="Chart&#10;&#10;Description automatically generated with low confidence">
+            <a:extLst>
+              <a:ext uri="{FF2B5EF4-FFF2-40B4-BE49-F238E27FC236}">
+                <a16:creationId xmlns:a16="http://schemas.microsoft.com/office/drawing/2014/main" id="{0E6CDD35-0702-0675-4B8D-525ABAD3969F}"/>
+              </a:ext>
+            </a:extLst>
+          </p:cNvPr>
+          <p:cNvPicPr>
+            <a:picLocks noChangeAspect="1"/>
+          </p:cNvPicPr>
+          <p:nvPr/>
+        </p:nvPicPr>
+        <p:blipFill>
+          <a:blip r:embed="rId3"/>
+          <a:stretch>
+            <a:fillRect/>
+          </a:stretch>
+        </p:blipFill>
+        <p:spPr>
+          <a:xfrm>
+            <a:off x="2166268" y="2169354"/>
+            <a:ext cx="596028" cy="596028"/>
+          </a:xfrm>
+          <a:prstGeom prst="rect">
+            <a:avLst/>
+          </a:prstGeom>
+          <a:ln w="25400">
+            <a:solidFill>
+              <a:schemeClr val="tx1"/>
+            </a:solidFill>
+          </a:ln>
+        </p:spPr>
+      </p:pic>
+      <p:pic>
+        <p:nvPicPr>
+          <p:cNvPr id="10" name="Picture 9" descr="Chart&#10;&#10;Description automatically generated with low confidence">
+            <a:extLst>
+              <a:ext uri="{FF2B5EF4-FFF2-40B4-BE49-F238E27FC236}">
+                <a16:creationId xmlns:a16="http://schemas.microsoft.com/office/drawing/2014/main" id="{45CADF34-EC2E-2BDA-2039-9DE6282074F8}"/>
+              </a:ext>
+            </a:extLst>
+          </p:cNvPr>
+          <p:cNvPicPr>
+            <a:picLocks noChangeAspect="1"/>
+          </p:cNvPicPr>
+          <p:nvPr/>
+        </p:nvPicPr>
+        <p:blipFill>
+          <a:blip r:embed="rId3"/>
+          <a:stretch>
+            <a:fillRect/>
+          </a:stretch>
+        </p:blipFill>
+        <p:spPr>
+          <a:xfrm>
+            <a:off x="1532019" y="2178550"/>
+            <a:ext cx="596028" cy="596028"/>
+          </a:xfrm>
+          <a:prstGeom prst="rect">
+            <a:avLst/>
+          </a:prstGeom>
+          <a:ln w="25400">
+            <a:solidFill>
+              <a:schemeClr val="tx1"/>
+            </a:solidFill>
+          </a:ln>
+        </p:spPr>
+      </p:pic>
+      <p:cxnSp>
+        <p:nvCxnSpPr>
+          <p:cNvPr id="11" name="Straight Arrow Connector 10">
+            <a:extLst>
+              <a:ext uri="{FF2B5EF4-FFF2-40B4-BE49-F238E27FC236}">
+                <a16:creationId xmlns:a16="http://schemas.microsoft.com/office/drawing/2014/main" id="{D3F8285C-4842-EDD4-C98A-48CF642107C1}"/>
+              </a:ext>
+            </a:extLst>
+          </p:cNvPr>
+          <p:cNvCxnSpPr>
+            <a:cxnSpLocks/>
+          </p:cNvCxnSpPr>
+          <p:nvPr/>
+        </p:nvCxnSpPr>
+        <p:spPr>
+          <a:xfrm flipV="1">
+            <a:off x="511084" y="3201557"/>
+            <a:ext cx="674905" cy="1"/>
+          </a:xfrm>
+          <a:prstGeom prst="straightConnector1">
+            <a:avLst/>
+          </a:prstGeom>
+          <a:ln w="38100">
+            <a:tailEnd type="triangle"/>
+          </a:ln>
+        </p:spPr>
+        <p:style>
+          <a:lnRef idx="1">
+            <a:schemeClr val="dk1"/>
+          </a:lnRef>
+          <a:fillRef idx="0">
+            <a:schemeClr val="dk1"/>
+          </a:fillRef>
+          <a:effectRef idx="0">
+            <a:schemeClr val="dk1"/>
+          </a:effectRef>
+          <a:fontRef idx="minor">
+            <a:schemeClr val="tx1"/>
+          </a:fontRef>
+        </p:style>
+      </p:cxnSp>
+    </p:spTree>
+    <p:extLst>
+      <p:ext uri="{BB962C8B-B14F-4D97-AF65-F5344CB8AC3E}">
+        <p14:creationId xmlns:p14="http://schemas.microsoft.com/office/powerpoint/2010/main" val="1041039027"/>
+      </p:ext>
+    </p:extLst>
+  </p:cSld>
+  <p:clrMapOvr>
+    <a:masterClrMapping/>
+  </p:clrMapOvr>
+</p:sld>
+</file>
+
+<file path=ppt/slides/slide14.xml><?xml version="1.0" encoding="utf-8"?>
+<p:sld xmlns:a="http://schemas.openxmlformats.org/drawingml/2006/main" xmlns:r="http://schemas.openxmlformats.org/officeDocument/2006/relationships" xmlns:p="http://schemas.openxmlformats.org/presentationml/2006/main">
+  <p:cSld>
+    <p:spTree>
+      <p:nvGrpSpPr>
+        <p:cNvPr id="1" name=""/>
+        <p:cNvGrpSpPr/>
+        <p:nvPr/>
+      </p:nvGrpSpPr>
+      <p:grpSpPr>
+        <a:xfrm>
+          <a:off x="0" y="0"/>
+          <a:ext cx="0" cy="0"/>
+          <a:chOff x="0" y="0"/>
+          <a:chExt cx="0" cy="0"/>
+        </a:xfrm>
+      </p:grpSpPr>
+      <p:sp>
+        <p:nvSpPr>
+          <p:cNvPr id="2" name="Title 1">
+            <a:extLst>
+              <a:ext uri="{FF2B5EF4-FFF2-40B4-BE49-F238E27FC236}">
+                <a16:creationId xmlns:a16="http://schemas.microsoft.com/office/drawing/2014/main" id="{870AC1F3-79C1-D54D-9F4F-7CDE7D29D43B}"/>
+              </a:ext>
+            </a:extLst>
+          </p:cNvPr>
+          <p:cNvSpPr>
+            <a:spLocks noGrp="1"/>
+          </p:cNvSpPr>
+          <p:nvPr>
+            <p:ph type="title"/>
+          </p:nvPr>
+        </p:nvSpPr>
+        <p:spPr>
+          <a:xfrm>
+            <a:off x="628650" y="304271"/>
+            <a:ext cx="7886700" cy="671774"/>
+          </a:xfrm>
+        </p:spPr>
+        <p:txBody>
+          <a:bodyPr/>
+          <a:lstStyle/>
+          <a:p>
+            <a:r>
+              <a:rPr lang="en-US" dirty="0"/>
+              <a:t>Horizontal Direction</a:t>
+            </a:r>
+          </a:p>
+        </p:txBody>
+      </p:sp>
+      <p:sp>
+        <p:nvSpPr>
+          <p:cNvPr id="4" name="Content Placeholder 3">
+            <a:extLst>
+              <a:ext uri="{FF2B5EF4-FFF2-40B4-BE49-F238E27FC236}">
+                <a16:creationId xmlns:a16="http://schemas.microsoft.com/office/drawing/2014/main" id="{DCAA5EB8-B85C-0147-9DC5-1620B61CF5C9}"/>
+              </a:ext>
+            </a:extLst>
+          </p:cNvPr>
+          <p:cNvSpPr>
+            <a:spLocks noGrp="1"/>
+          </p:cNvSpPr>
+          <p:nvPr>
+            <p:ph idx="1"/>
+          </p:nvPr>
+        </p:nvSpPr>
+        <p:spPr>
+          <a:xfrm>
+            <a:off x="454109" y="976045"/>
+            <a:ext cx="8420511" cy="4434684"/>
+          </a:xfrm>
+        </p:spPr>
+        <p:txBody>
+          <a:bodyPr/>
+          <a:lstStyle/>
+          <a:p>
+            <a:pPr marL="0" indent="0">
+              <a:buNone/>
+            </a:pPr>
+            <a:endParaRPr lang="en-US" dirty="0"/>
+          </a:p>
+          <a:p>
+            <a:endParaRPr lang="en-US" dirty="0"/>
+          </a:p>
+        </p:txBody>
+      </p:sp>
+      <p:sp>
+        <p:nvSpPr>
+          <p:cNvPr id="24" name="TextBox 23">
+            <a:extLst>
+              <a:ext uri="{FF2B5EF4-FFF2-40B4-BE49-F238E27FC236}">
+                <a16:creationId xmlns:a16="http://schemas.microsoft.com/office/drawing/2014/main" id="{034392D3-5466-4141-97EA-1485D78D40AB}"/>
+              </a:ext>
+            </a:extLst>
+          </p:cNvPr>
+          <p:cNvSpPr txBox="1"/>
+          <p:nvPr/>
+        </p:nvSpPr>
+        <p:spPr>
+          <a:xfrm>
+            <a:off x="1348353" y="1131376"/>
+            <a:ext cx="184731" cy="308418"/>
+          </a:xfrm>
+          <a:prstGeom prst="rect">
+            <a:avLst/>
+          </a:prstGeom>
+          <a:noFill/>
+        </p:spPr>
+        <p:txBody>
+          <a:bodyPr wrap="none" rtlCol="0">
+            <a:spAutoFit/>
+          </a:bodyPr>
+          <a:lstStyle/>
+          <a:p>
+            <a:endParaRPr lang="en-US" dirty="0"/>
+          </a:p>
+        </p:txBody>
+      </p:sp>
+      <p:sp>
+        <p:nvSpPr>
+          <p:cNvPr id="6" name="TextBox 5">
+            <a:extLst>
+              <a:ext uri="{FF2B5EF4-FFF2-40B4-BE49-F238E27FC236}">
+                <a16:creationId xmlns:a16="http://schemas.microsoft.com/office/drawing/2014/main" id="{1C692FAF-D519-8052-F9E3-FC962B05DA45}"/>
+              </a:ext>
+            </a:extLst>
+          </p:cNvPr>
+          <p:cNvSpPr txBox="1"/>
+          <p:nvPr/>
+        </p:nvSpPr>
+        <p:spPr>
+          <a:xfrm>
+            <a:off x="4186924" y="872451"/>
+            <a:ext cx="5332796" cy="2308324"/>
+          </a:xfrm>
+          <a:prstGeom prst="rect">
+            <a:avLst/>
+          </a:prstGeom>
+          <a:noFill/>
+        </p:spPr>
+        <p:txBody>
+          <a:bodyPr wrap="square" rtlCol="0">
+            <a:spAutoFit/>
+          </a:bodyPr>
+          <a:lstStyle/>
+          <a:p>
+            <a:r>
+              <a:rPr lang="en-US" sz="1800" dirty="0"/>
+              <a:t>move in horizontal direction</a:t>
+            </a:r>
+          </a:p>
+          <a:p>
+            <a:r>
+              <a:rPr lang="en-US" sz="1800" dirty="0"/>
+              <a:t>compute list of all platforms which collide with player </a:t>
+            </a:r>
+          </a:p>
+          <a:p>
+            <a:r>
+              <a:rPr lang="en-US" sz="1800" dirty="0"/>
+              <a:t>if list not empty:</a:t>
+            </a:r>
+          </a:p>
+          <a:p>
+            <a:r>
+              <a:rPr lang="en-US" sz="1800" dirty="0"/>
+              <a:t>   if player is moving right:</a:t>
+            </a:r>
+          </a:p>
+          <a:p>
+            <a:r>
+              <a:rPr lang="en-US" sz="1800" dirty="0"/>
+              <a:t>      	set right side of player = left side of a </a:t>
+            </a:r>
+          </a:p>
+          <a:p>
+            <a:r>
+              <a:rPr lang="en-US" sz="1800" dirty="0"/>
               <a:t>								collided platform</a:t>
             </a:r>
           </a:p>
@@ -10799,25 +12138,7 @@
             </a:r>
           </a:p>
           <a:p>
-            <a:r>
-              <a:rPr lang="en-US" sz="1800" dirty="0"/>
-              <a:t>           set left side of player = right side of a </a:t>
-            </a:r>
-          </a:p>
-          <a:p>
-            <a:r>
-              <a:rPr lang="en-US" sz="1800" dirty="0"/>
-              <a:t>								collided platform</a:t>
-            </a:r>
-          </a:p>
-          <a:p>
             <a:endParaRPr lang="en-US" sz="1800" dirty="0"/>
-          </a:p>
-          <a:p>
-            <a:r>
-              <a:rPr lang="en-US" sz="1800" dirty="0"/>
-              <a:t>      	</a:t>
-            </a:r>
           </a:p>
         </p:txBody>
       </p:sp>
@@ -10989,6 +12310,863 @@
         </p:blipFill>
         <p:spPr>
           <a:xfrm>
+            <a:off x="3018010" y="2467368"/>
+            <a:ext cx="652793" cy="596028"/>
+          </a:xfrm>
+          <a:prstGeom prst="rect">
+            <a:avLst/>
+          </a:prstGeom>
+          <a:ln w="25400">
+            <a:solidFill>
+              <a:schemeClr val="tx1"/>
+            </a:solidFill>
+          </a:ln>
+        </p:spPr>
+      </p:pic>
+      <p:sp>
+        <p:nvSpPr>
+          <p:cNvPr id="25" name="TextBox 24">
+            <a:extLst>
+              <a:ext uri="{FF2B5EF4-FFF2-40B4-BE49-F238E27FC236}">
+                <a16:creationId xmlns:a16="http://schemas.microsoft.com/office/drawing/2014/main" id="{86AC38CF-2092-6F43-8B35-4D18887AC663}"/>
+              </a:ext>
+            </a:extLst>
+          </p:cNvPr>
+          <p:cNvSpPr txBox="1"/>
+          <p:nvPr/>
+        </p:nvSpPr>
+        <p:spPr>
+          <a:xfrm>
+            <a:off x="269379" y="511444"/>
+            <a:ext cx="184731" cy="308418"/>
+          </a:xfrm>
+          <a:prstGeom prst="rect">
+            <a:avLst/>
+          </a:prstGeom>
+          <a:noFill/>
+        </p:spPr>
+        <p:txBody>
+          <a:bodyPr wrap="none" rtlCol="0">
+            <a:spAutoFit/>
+          </a:bodyPr>
+          <a:lstStyle/>
+          <a:p>
+            <a:endParaRPr lang="en-US" dirty="0"/>
+          </a:p>
+        </p:txBody>
+      </p:sp>
+    </p:spTree>
+    <p:extLst>
+      <p:ext uri="{BB962C8B-B14F-4D97-AF65-F5344CB8AC3E}">
+        <p14:creationId xmlns:p14="http://schemas.microsoft.com/office/powerpoint/2010/main" val="2752258577"/>
+      </p:ext>
+    </p:extLst>
+  </p:cSld>
+  <p:clrMapOvr>
+    <a:masterClrMapping/>
+  </p:clrMapOvr>
+</p:sld>
+</file>
+
+<file path=ppt/slides/slide15.xml><?xml version="1.0" encoding="utf-8"?>
+<p:sld xmlns:a="http://schemas.openxmlformats.org/drawingml/2006/main" xmlns:r="http://schemas.openxmlformats.org/officeDocument/2006/relationships" xmlns:p="http://schemas.openxmlformats.org/presentationml/2006/main">
+  <p:cSld>
+    <p:spTree>
+      <p:nvGrpSpPr>
+        <p:cNvPr id="1" name=""/>
+        <p:cNvGrpSpPr/>
+        <p:nvPr/>
+      </p:nvGrpSpPr>
+      <p:grpSpPr>
+        <a:xfrm>
+          <a:off x="0" y="0"/>
+          <a:ext cx="0" cy="0"/>
+          <a:chOff x="0" y="0"/>
+          <a:chExt cx="0" cy="0"/>
+        </a:xfrm>
+      </p:grpSpPr>
+      <p:sp>
+        <p:nvSpPr>
+          <p:cNvPr id="2" name="Title 1">
+            <a:extLst>
+              <a:ext uri="{FF2B5EF4-FFF2-40B4-BE49-F238E27FC236}">
+                <a16:creationId xmlns:a16="http://schemas.microsoft.com/office/drawing/2014/main" id="{870AC1F3-79C1-D54D-9F4F-7CDE7D29D43B}"/>
+              </a:ext>
+            </a:extLst>
+          </p:cNvPr>
+          <p:cNvSpPr>
+            <a:spLocks noGrp="1"/>
+          </p:cNvSpPr>
+          <p:nvPr>
+            <p:ph type="title"/>
+          </p:nvPr>
+        </p:nvSpPr>
+        <p:spPr>
+          <a:xfrm>
+            <a:off x="628650" y="304271"/>
+            <a:ext cx="7886700" cy="671774"/>
+          </a:xfrm>
+        </p:spPr>
+        <p:txBody>
+          <a:bodyPr/>
+          <a:lstStyle/>
+          <a:p>
+            <a:r>
+              <a:rPr lang="en-US" dirty="0"/>
+              <a:t>Horizontal Direction</a:t>
+            </a:r>
+          </a:p>
+        </p:txBody>
+      </p:sp>
+      <p:sp>
+        <p:nvSpPr>
+          <p:cNvPr id="4" name="Content Placeholder 3">
+            <a:extLst>
+              <a:ext uri="{FF2B5EF4-FFF2-40B4-BE49-F238E27FC236}">
+                <a16:creationId xmlns:a16="http://schemas.microsoft.com/office/drawing/2014/main" id="{DCAA5EB8-B85C-0147-9DC5-1620B61CF5C9}"/>
+              </a:ext>
+            </a:extLst>
+          </p:cNvPr>
+          <p:cNvSpPr>
+            <a:spLocks noGrp="1"/>
+          </p:cNvSpPr>
+          <p:nvPr>
+            <p:ph idx="1"/>
+          </p:nvPr>
+        </p:nvSpPr>
+        <p:spPr>
+          <a:xfrm>
+            <a:off x="454109" y="976045"/>
+            <a:ext cx="8420511" cy="4434684"/>
+          </a:xfrm>
+        </p:spPr>
+        <p:txBody>
+          <a:bodyPr/>
+          <a:lstStyle/>
+          <a:p>
+            <a:pPr marL="0" indent="0">
+              <a:buNone/>
+            </a:pPr>
+            <a:endParaRPr lang="en-US" dirty="0"/>
+          </a:p>
+          <a:p>
+            <a:endParaRPr lang="en-US" dirty="0"/>
+          </a:p>
+        </p:txBody>
+      </p:sp>
+      <p:sp>
+        <p:nvSpPr>
+          <p:cNvPr id="24" name="TextBox 23">
+            <a:extLst>
+              <a:ext uri="{FF2B5EF4-FFF2-40B4-BE49-F238E27FC236}">
+                <a16:creationId xmlns:a16="http://schemas.microsoft.com/office/drawing/2014/main" id="{034392D3-5466-4141-97EA-1485D78D40AB}"/>
+              </a:ext>
+            </a:extLst>
+          </p:cNvPr>
+          <p:cNvSpPr txBox="1"/>
+          <p:nvPr/>
+        </p:nvSpPr>
+        <p:spPr>
+          <a:xfrm>
+            <a:off x="1348353" y="1131376"/>
+            <a:ext cx="184731" cy="308418"/>
+          </a:xfrm>
+          <a:prstGeom prst="rect">
+            <a:avLst/>
+          </a:prstGeom>
+          <a:noFill/>
+        </p:spPr>
+        <p:txBody>
+          <a:bodyPr wrap="none" rtlCol="0">
+            <a:spAutoFit/>
+          </a:bodyPr>
+          <a:lstStyle/>
+          <a:p>
+            <a:endParaRPr lang="en-US" dirty="0"/>
+          </a:p>
+        </p:txBody>
+      </p:sp>
+      <p:sp>
+        <p:nvSpPr>
+          <p:cNvPr id="6" name="TextBox 5">
+            <a:extLst>
+              <a:ext uri="{FF2B5EF4-FFF2-40B4-BE49-F238E27FC236}">
+                <a16:creationId xmlns:a16="http://schemas.microsoft.com/office/drawing/2014/main" id="{1C692FAF-D519-8052-F9E3-FC962B05DA45}"/>
+              </a:ext>
+            </a:extLst>
+          </p:cNvPr>
+          <p:cNvSpPr txBox="1"/>
+          <p:nvPr/>
+        </p:nvSpPr>
+        <p:spPr>
+          <a:xfrm>
+            <a:off x="4186924" y="872451"/>
+            <a:ext cx="5332796" cy="2308324"/>
+          </a:xfrm>
+          <a:prstGeom prst="rect">
+            <a:avLst/>
+          </a:prstGeom>
+          <a:noFill/>
+        </p:spPr>
+        <p:txBody>
+          <a:bodyPr wrap="square" rtlCol="0">
+            <a:spAutoFit/>
+          </a:bodyPr>
+          <a:lstStyle/>
+          <a:p>
+            <a:r>
+              <a:rPr lang="en-US" sz="1800" dirty="0"/>
+              <a:t>move in horizontal direction</a:t>
+            </a:r>
+          </a:p>
+          <a:p>
+            <a:r>
+              <a:rPr lang="en-US" sz="1800" dirty="0"/>
+              <a:t>compute list of all platforms which collide with player </a:t>
+            </a:r>
+          </a:p>
+          <a:p>
+            <a:r>
+              <a:rPr lang="en-US" sz="1800" dirty="0"/>
+              <a:t>if list not empty:</a:t>
+            </a:r>
+          </a:p>
+          <a:p>
+            <a:r>
+              <a:rPr lang="en-US" sz="1800" dirty="0"/>
+              <a:t>   if player is moving right:</a:t>
+            </a:r>
+          </a:p>
+          <a:p>
+            <a:r>
+              <a:rPr lang="en-US" sz="1800" dirty="0"/>
+              <a:t>      	set right side of player = left side of a </a:t>
+            </a:r>
+          </a:p>
+          <a:p>
+            <a:r>
+              <a:rPr lang="en-US" sz="1800" dirty="0"/>
+              <a:t>								collided platform</a:t>
+            </a:r>
+          </a:p>
+          <a:p>
+            <a:r>
+              <a:rPr lang="en-US" sz="1800" dirty="0"/>
+              <a:t>  if player is moving left:</a:t>
+            </a:r>
+          </a:p>
+          <a:p>
+            <a:r>
+              <a:rPr lang="en-US" sz="1800" dirty="0"/>
+              <a:t>      	</a:t>
+            </a:r>
+          </a:p>
+        </p:txBody>
+      </p:sp>
+      <p:pic>
+        <p:nvPicPr>
+          <p:cNvPr id="8" name="Picture 7" descr="Chart&#10;&#10;Description automatically generated with low confidence">
+            <a:extLst>
+              <a:ext uri="{FF2B5EF4-FFF2-40B4-BE49-F238E27FC236}">
+                <a16:creationId xmlns:a16="http://schemas.microsoft.com/office/drawing/2014/main" id="{B122AC4E-667D-0FC6-9D09-B5CE887CBB9A}"/>
+              </a:ext>
+            </a:extLst>
+          </p:cNvPr>
+          <p:cNvPicPr>
+            <a:picLocks noChangeAspect="1"/>
+          </p:cNvPicPr>
+          <p:nvPr/>
+        </p:nvPicPr>
+        <p:blipFill>
+          <a:blip r:embed="rId2"/>
+          <a:stretch>
+            <a:fillRect/>
+          </a:stretch>
+        </p:blipFill>
+        <p:spPr>
+          <a:xfrm>
+            <a:off x="1531100" y="2810862"/>
+            <a:ext cx="596028" cy="596028"/>
+          </a:xfrm>
+          <a:prstGeom prst="rect">
+            <a:avLst/>
+          </a:prstGeom>
+          <a:ln w="25400">
+            <a:solidFill>
+              <a:schemeClr val="tx1"/>
+            </a:solidFill>
+          </a:ln>
+        </p:spPr>
+      </p:pic>
+      <p:pic>
+        <p:nvPicPr>
+          <p:cNvPr id="10" name="Picture 9" descr="Chart&#10;&#10;Description automatically generated with low confidence">
+            <a:extLst>
+              <a:ext uri="{FF2B5EF4-FFF2-40B4-BE49-F238E27FC236}">
+                <a16:creationId xmlns:a16="http://schemas.microsoft.com/office/drawing/2014/main" id="{B0D9EBE2-DD29-72F1-4477-9092A176E442}"/>
+              </a:ext>
+            </a:extLst>
+          </p:cNvPr>
+          <p:cNvPicPr>
+            <a:picLocks noChangeAspect="1"/>
+          </p:cNvPicPr>
+          <p:nvPr/>
+        </p:nvPicPr>
+        <p:blipFill>
+          <a:blip r:embed="rId2"/>
+          <a:stretch>
+            <a:fillRect/>
+          </a:stretch>
+        </p:blipFill>
+        <p:spPr>
+          <a:xfrm>
+            <a:off x="2166268" y="2169354"/>
+            <a:ext cx="596028" cy="596028"/>
+          </a:xfrm>
+          <a:prstGeom prst="rect">
+            <a:avLst/>
+          </a:prstGeom>
+          <a:ln w="25400">
+            <a:solidFill>
+              <a:schemeClr val="tx1"/>
+            </a:solidFill>
+          </a:ln>
+        </p:spPr>
+      </p:pic>
+      <p:pic>
+        <p:nvPicPr>
+          <p:cNvPr id="11" name="Picture 10" descr="Chart&#10;&#10;Description automatically generated with low confidence">
+            <a:extLst>
+              <a:ext uri="{FF2B5EF4-FFF2-40B4-BE49-F238E27FC236}">
+                <a16:creationId xmlns:a16="http://schemas.microsoft.com/office/drawing/2014/main" id="{486996D0-ADB4-5D1A-078A-3224709048CB}"/>
+              </a:ext>
+            </a:extLst>
+          </p:cNvPr>
+          <p:cNvPicPr>
+            <a:picLocks noChangeAspect="1"/>
+          </p:cNvPicPr>
+          <p:nvPr/>
+        </p:nvPicPr>
+        <p:blipFill>
+          <a:blip r:embed="rId2"/>
+          <a:stretch>
+            <a:fillRect/>
+          </a:stretch>
+        </p:blipFill>
+        <p:spPr>
+          <a:xfrm>
+            <a:off x="1532019" y="2178550"/>
+            <a:ext cx="596028" cy="596028"/>
+          </a:xfrm>
+          <a:prstGeom prst="rect">
+            <a:avLst/>
+          </a:prstGeom>
+          <a:ln w="25400">
+            <a:solidFill>
+              <a:schemeClr val="tx1"/>
+            </a:solidFill>
+          </a:ln>
+        </p:spPr>
+      </p:pic>
+      <p:cxnSp>
+        <p:nvCxnSpPr>
+          <p:cNvPr id="12" name="Straight Arrow Connector 11">
+            <a:extLst>
+              <a:ext uri="{FF2B5EF4-FFF2-40B4-BE49-F238E27FC236}">
+                <a16:creationId xmlns:a16="http://schemas.microsoft.com/office/drawing/2014/main" id="{27D76A3C-A725-53DE-33C1-875483D130E4}"/>
+              </a:ext>
+            </a:extLst>
+          </p:cNvPr>
+          <p:cNvCxnSpPr>
+            <a:cxnSpLocks/>
+          </p:cNvCxnSpPr>
+          <p:nvPr/>
+        </p:nvCxnSpPr>
+        <p:spPr>
+          <a:xfrm flipH="1">
+            <a:off x="2973902" y="3400298"/>
+            <a:ext cx="755645" cy="6592"/>
+          </a:xfrm>
+          <a:prstGeom prst="straightConnector1">
+            <a:avLst/>
+          </a:prstGeom>
+          <a:ln w="38100">
+            <a:tailEnd type="triangle"/>
+          </a:ln>
+        </p:spPr>
+        <p:style>
+          <a:lnRef idx="1">
+            <a:schemeClr val="dk1"/>
+          </a:lnRef>
+          <a:fillRef idx="0">
+            <a:schemeClr val="dk1"/>
+          </a:fillRef>
+          <a:effectRef idx="0">
+            <a:schemeClr val="dk1"/>
+          </a:effectRef>
+          <a:fontRef idx="minor">
+            <a:schemeClr val="tx1"/>
+          </a:fontRef>
+        </p:style>
+      </p:cxnSp>
+      <p:pic>
+        <p:nvPicPr>
+          <p:cNvPr id="7" name="Picture 6" descr="Icon&#10;&#10;Description automatically generated">
+            <a:extLst>
+              <a:ext uri="{FF2B5EF4-FFF2-40B4-BE49-F238E27FC236}">
+                <a16:creationId xmlns:a16="http://schemas.microsoft.com/office/drawing/2014/main" id="{35C27AA7-83D3-FD3F-F256-DFAA5700CD13}"/>
+              </a:ext>
+            </a:extLst>
+          </p:cNvPr>
+          <p:cNvPicPr>
+            <a:picLocks noChangeAspect="1"/>
+          </p:cNvPicPr>
+          <p:nvPr/>
+        </p:nvPicPr>
+        <p:blipFill>
+          <a:blip r:embed="rId3"/>
+          <a:stretch>
+            <a:fillRect/>
+          </a:stretch>
+        </p:blipFill>
+        <p:spPr>
+          <a:xfrm>
+            <a:off x="2576223" y="2467368"/>
+            <a:ext cx="652793" cy="596028"/>
+          </a:xfrm>
+          <a:prstGeom prst="rect">
+            <a:avLst/>
+          </a:prstGeom>
+          <a:ln w="25400">
+            <a:solidFill>
+              <a:schemeClr val="tx1"/>
+            </a:solidFill>
+          </a:ln>
+        </p:spPr>
+      </p:pic>
+      <p:sp>
+        <p:nvSpPr>
+          <p:cNvPr id="25" name="TextBox 24">
+            <a:extLst>
+              <a:ext uri="{FF2B5EF4-FFF2-40B4-BE49-F238E27FC236}">
+                <a16:creationId xmlns:a16="http://schemas.microsoft.com/office/drawing/2014/main" id="{86AC38CF-2092-6F43-8B35-4D18887AC663}"/>
+              </a:ext>
+            </a:extLst>
+          </p:cNvPr>
+          <p:cNvSpPr txBox="1"/>
+          <p:nvPr/>
+        </p:nvSpPr>
+        <p:spPr>
+          <a:xfrm>
+            <a:off x="269379" y="511444"/>
+            <a:ext cx="184731" cy="308418"/>
+          </a:xfrm>
+          <a:prstGeom prst="rect">
+            <a:avLst/>
+          </a:prstGeom>
+          <a:noFill/>
+        </p:spPr>
+        <p:txBody>
+          <a:bodyPr wrap="none" rtlCol="0">
+            <a:spAutoFit/>
+          </a:bodyPr>
+          <a:lstStyle/>
+          <a:p>
+            <a:endParaRPr lang="en-US" dirty="0"/>
+          </a:p>
+        </p:txBody>
+      </p:sp>
+    </p:spTree>
+    <p:extLst>
+      <p:ext uri="{BB962C8B-B14F-4D97-AF65-F5344CB8AC3E}">
+        <p14:creationId xmlns:p14="http://schemas.microsoft.com/office/powerpoint/2010/main" val="1583125529"/>
+      </p:ext>
+    </p:extLst>
+  </p:cSld>
+  <p:clrMapOvr>
+    <a:masterClrMapping/>
+  </p:clrMapOvr>
+</p:sld>
+</file>
+
+<file path=ppt/slides/slide16.xml><?xml version="1.0" encoding="utf-8"?>
+<p:sld xmlns:a="http://schemas.openxmlformats.org/drawingml/2006/main" xmlns:r="http://schemas.openxmlformats.org/officeDocument/2006/relationships" xmlns:p="http://schemas.openxmlformats.org/presentationml/2006/main">
+  <p:cSld>
+    <p:spTree>
+      <p:nvGrpSpPr>
+        <p:cNvPr id="1" name=""/>
+        <p:cNvGrpSpPr/>
+        <p:nvPr/>
+      </p:nvGrpSpPr>
+      <p:grpSpPr>
+        <a:xfrm>
+          <a:off x="0" y="0"/>
+          <a:ext cx="0" cy="0"/>
+          <a:chOff x="0" y="0"/>
+          <a:chExt cx="0" cy="0"/>
+        </a:xfrm>
+      </p:grpSpPr>
+      <p:sp>
+        <p:nvSpPr>
+          <p:cNvPr id="2" name="Title 1">
+            <a:extLst>
+              <a:ext uri="{FF2B5EF4-FFF2-40B4-BE49-F238E27FC236}">
+                <a16:creationId xmlns:a16="http://schemas.microsoft.com/office/drawing/2014/main" id="{870AC1F3-79C1-D54D-9F4F-7CDE7D29D43B}"/>
+              </a:ext>
+            </a:extLst>
+          </p:cNvPr>
+          <p:cNvSpPr>
+            <a:spLocks noGrp="1"/>
+          </p:cNvSpPr>
+          <p:nvPr>
+            <p:ph type="title"/>
+          </p:nvPr>
+        </p:nvSpPr>
+        <p:spPr>
+          <a:xfrm>
+            <a:off x="628650" y="304271"/>
+            <a:ext cx="7886700" cy="671774"/>
+          </a:xfrm>
+        </p:spPr>
+        <p:txBody>
+          <a:bodyPr/>
+          <a:lstStyle/>
+          <a:p>
+            <a:r>
+              <a:rPr lang="en-US" dirty="0"/>
+              <a:t>Horizontal Direction</a:t>
+            </a:r>
+          </a:p>
+        </p:txBody>
+      </p:sp>
+      <p:sp>
+        <p:nvSpPr>
+          <p:cNvPr id="4" name="Content Placeholder 3">
+            <a:extLst>
+              <a:ext uri="{FF2B5EF4-FFF2-40B4-BE49-F238E27FC236}">
+                <a16:creationId xmlns:a16="http://schemas.microsoft.com/office/drawing/2014/main" id="{DCAA5EB8-B85C-0147-9DC5-1620B61CF5C9}"/>
+              </a:ext>
+            </a:extLst>
+          </p:cNvPr>
+          <p:cNvSpPr>
+            <a:spLocks noGrp="1"/>
+          </p:cNvSpPr>
+          <p:nvPr>
+            <p:ph idx="1"/>
+          </p:nvPr>
+        </p:nvSpPr>
+        <p:spPr>
+          <a:xfrm>
+            <a:off x="454109" y="976045"/>
+            <a:ext cx="8420511" cy="4434684"/>
+          </a:xfrm>
+        </p:spPr>
+        <p:txBody>
+          <a:bodyPr/>
+          <a:lstStyle/>
+          <a:p>
+            <a:pPr marL="0" indent="0">
+              <a:buNone/>
+            </a:pPr>
+            <a:endParaRPr lang="en-US" dirty="0"/>
+          </a:p>
+          <a:p>
+            <a:endParaRPr lang="en-US" dirty="0"/>
+          </a:p>
+        </p:txBody>
+      </p:sp>
+      <p:sp>
+        <p:nvSpPr>
+          <p:cNvPr id="24" name="TextBox 23">
+            <a:extLst>
+              <a:ext uri="{FF2B5EF4-FFF2-40B4-BE49-F238E27FC236}">
+                <a16:creationId xmlns:a16="http://schemas.microsoft.com/office/drawing/2014/main" id="{034392D3-5466-4141-97EA-1485D78D40AB}"/>
+              </a:ext>
+            </a:extLst>
+          </p:cNvPr>
+          <p:cNvSpPr txBox="1"/>
+          <p:nvPr/>
+        </p:nvSpPr>
+        <p:spPr>
+          <a:xfrm>
+            <a:off x="1348353" y="1131376"/>
+            <a:ext cx="184731" cy="308418"/>
+          </a:xfrm>
+          <a:prstGeom prst="rect">
+            <a:avLst/>
+          </a:prstGeom>
+          <a:noFill/>
+        </p:spPr>
+        <p:txBody>
+          <a:bodyPr wrap="none" rtlCol="0">
+            <a:spAutoFit/>
+          </a:bodyPr>
+          <a:lstStyle/>
+          <a:p>
+            <a:endParaRPr lang="en-US" dirty="0"/>
+          </a:p>
+        </p:txBody>
+      </p:sp>
+      <p:sp>
+        <p:nvSpPr>
+          <p:cNvPr id="6" name="TextBox 5">
+            <a:extLst>
+              <a:ext uri="{FF2B5EF4-FFF2-40B4-BE49-F238E27FC236}">
+                <a16:creationId xmlns:a16="http://schemas.microsoft.com/office/drawing/2014/main" id="{1C692FAF-D519-8052-F9E3-FC962B05DA45}"/>
+              </a:ext>
+            </a:extLst>
+          </p:cNvPr>
+          <p:cNvSpPr txBox="1"/>
+          <p:nvPr/>
+        </p:nvSpPr>
+        <p:spPr>
+          <a:xfrm>
+            <a:off x="4186924" y="872451"/>
+            <a:ext cx="5332796" cy="3139321"/>
+          </a:xfrm>
+          <a:prstGeom prst="rect">
+            <a:avLst/>
+          </a:prstGeom>
+          <a:noFill/>
+        </p:spPr>
+        <p:txBody>
+          <a:bodyPr wrap="square" rtlCol="0">
+            <a:spAutoFit/>
+          </a:bodyPr>
+          <a:lstStyle/>
+          <a:p>
+            <a:r>
+              <a:rPr lang="en-US" sz="1800" dirty="0"/>
+              <a:t>move in horizontal direction</a:t>
+            </a:r>
+          </a:p>
+          <a:p>
+            <a:r>
+              <a:rPr lang="en-US" sz="1800" dirty="0"/>
+              <a:t>compute list of all platforms which collide with player </a:t>
+            </a:r>
+          </a:p>
+          <a:p>
+            <a:r>
+              <a:rPr lang="en-US" sz="1800" dirty="0"/>
+              <a:t>if list not empty:</a:t>
+            </a:r>
+          </a:p>
+          <a:p>
+            <a:r>
+              <a:rPr lang="en-US" sz="1800" dirty="0"/>
+              <a:t>   if player is moving right:</a:t>
+            </a:r>
+          </a:p>
+          <a:p>
+            <a:r>
+              <a:rPr lang="en-US" sz="1800" dirty="0"/>
+              <a:t>      	set right side of player = left side of a </a:t>
+            </a:r>
+          </a:p>
+          <a:p>
+            <a:r>
+              <a:rPr lang="en-US" sz="1800" dirty="0"/>
+              <a:t>								collided platform</a:t>
+            </a:r>
+          </a:p>
+          <a:p>
+            <a:r>
+              <a:rPr lang="en-US" sz="1800" dirty="0"/>
+              <a:t>  if player is moving left:</a:t>
+            </a:r>
+          </a:p>
+          <a:p>
+            <a:r>
+              <a:rPr lang="en-US" sz="1800" dirty="0"/>
+              <a:t>           set left side of player = right side of a </a:t>
+            </a:r>
+          </a:p>
+          <a:p>
+            <a:r>
+              <a:rPr lang="en-US" sz="1800" dirty="0"/>
+              <a:t>								collided platform</a:t>
+            </a:r>
+          </a:p>
+          <a:p>
+            <a:endParaRPr lang="en-US" sz="1800" dirty="0"/>
+          </a:p>
+          <a:p>
+            <a:r>
+              <a:rPr lang="en-US" sz="1800" dirty="0"/>
+              <a:t>      	</a:t>
+            </a:r>
+          </a:p>
+        </p:txBody>
+      </p:sp>
+      <p:pic>
+        <p:nvPicPr>
+          <p:cNvPr id="8" name="Picture 7" descr="Chart&#10;&#10;Description automatically generated with low confidence">
+            <a:extLst>
+              <a:ext uri="{FF2B5EF4-FFF2-40B4-BE49-F238E27FC236}">
+                <a16:creationId xmlns:a16="http://schemas.microsoft.com/office/drawing/2014/main" id="{B122AC4E-667D-0FC6-9D09-B5CE887CBB9A}"/>
+              </a:ext>
+            </a:extLst>
+          </p:cNvPr>
+          <p:cNvPicPr>
+            <a:picLocks noChangeAspect="1"/>
+          </p:cNvPicPr>
+          <p:nvPr/>
+        </p:nvPicPr>
+        <p:blipFill>
+          <a:blip r:embed="rId2"/>
+          <a:stretch>
+            <a:fillRect/>
+          </a:stretch>
+        </p:blipFill>
+        <p:spPr>
+          <a:xfrm>
+            <a:off x="1531100" y="2810862"/>
+            <a:ext cx="596028" cy="596028"/>
+          </a:xfrm>
+          <a:prstGeom prst="rect">
+            <a:avLst/>
+          </a:prstGeom>
+          <a:ln w="25400">
+            <a:solidFill>
+              <a:schemeClr val="tx1"/>
+            </a:solidFill>
+          </a:ln>
+        </p:spPr>
+      </p:pic>
+      <p:pic>
+        <p:nvPicPr>
+          <p:cNvPr id="10" name="Picture 9" descr="Chart&#10;&#10;Description automatically generated with low confidence">
+            <a:extLst>
+              <a:ext uri="{FF2B5EF4-FFF2-40B4-BE49-F238E27FC236}">
+                <a16:creationId xmlns:a16="http://schemas.microsoft.com/office/drawing/2014/main" id="{B0D9EBE2-DD29-72F1-4477-9092A176E442}"/>
+              </a:ext>
+            </a:extLst>
+          </p:cNvPr>
+          <p:cNvPicPr>
+            <a:picLocks noChangeAspect="1"/>
+          </p:cNvPicPr>
+          <p:nvPr/>
+        </p:nvPicPr>
+        <p:blipFill>
+          <a:blip r:embed="rId2"/>
+          <a:stretch>
+            <a:fillRect/>
+          </a:stretch>
+        </p:blipFill>
+        <p:spPr>
+          <a:xfrm>
+            <a:off x="2166268" y="2169354"/>
+            <a:ext cx="596028" cy="596028"/>
+          </a:xfrm>
+          <a:prstGeom prst="rect">
+            <a:avLst/>
+          </a:prstGeom>
+          <a:ln w="25400">
+            <a:solidFill>
+              <a:schemeClr val="tx1"/>
+            </a:solidFill>
+          </a:ln>
+        </p:spPr>
+      </p:pic>
+      <p:pic>
+        <p:nvPicPr>
+          <p:cNvPr id="11" name="Picture 10" descr="Chart&#10;&#10;Description automatically generated with low confidence">
+            <a:extLst>
+              <a:ext uri="{FF2B5EF4-FFF2-40B4-BE49-F238E27FC236}">
+                <a16:creationId xmlns:a16="http://schemas.microsoft.com/office/drawing/2014/main" id="{486996D0-ADB4-5D1A-078A-3224709048CB}"/>
+              </a:ext>
+            </a:extLst>
+          </p:cNvPr>
+          <p:cNvPicPr>
+            <a:picLocks noChangeAspect="1"/>
+          </p:cNvPicPr>
+          <p:nvPr/>
+        </p:nvPicPr>
+        <p:blipFill>
+          <a:blip r:embed="rId2"/>
+          <a:stretch>
+            <a:fillRect/>
+          </a:stretch>
+        </p:blipFill>
+        <p:spPr>
+          <a:xfrm>
+            <a:off x="1532019" y="2178550"/>
+            <a:ext cx="596028" cy="596028"/>
+          </a:xfrm>
+          <a:prstGeom prst="rect">
+            <a:avLst/>
+          </a:prstGeom>
+          <a:ln w="25400">
+            <a:solidFill>
+              <a:schemeClr val="tx1"/>
+            </a:solidFill>
+          </a:ln>
+        </p:spPr>
+      </p:pic>
+      <p:cxnSp>
+        <p:nvCxnSpPr>
+          <p:cNvPr id="12" name="Straight Arrow Connector 11">
+            <a:extLst>
+              <a:ext uri="{FF2B5EF4-FFF2-40B4-BE49-F238E27FC236}">
+                <a16:creationId xmlns:a16="http://schemas.microsoft.com/office/drawing/2014/main" id="{27D76A3C-A725-53DE-33C1-875483D130E4}"/>
+              </a:ext>
+            </a:extLst>
+          </p:cNvPr>
+          <p:cNvCxnSpPr>
+            <a:cxnSpLocks/>
+          </p:cNvCxnSpPr>
+          <p:nvPr/>
+        </p:nvCxnSpPr>
+        <p:spPr>
+          <a:xfrm flipH="1">
+            <a:off x="2973902" y="3400298"/>
+            <a:ext cx="755645" cy="6592"/>
+          </a:xfrm>
+          <a:prstGeom prst="straightConnector1">
+            <a:avLst/>
+          </a:prstGeom>
+          <a:ln w="38100">
+            <a:tailEnd type="triangle"/>
+          </a:ln>
+        </p:spPr>
+        <p:style>
+          <a:lnRef idx="1">
+            <a:schemeClr val="dk1"/>
+          </a:lnRef>
+          <a:fillRef idx="0">
+            <a:schemeClr val="dk1"/>
+          </a:fillRef>
+          <a:effectRef idx="0">
+            <a:schemeClr val="dk1"/>
+          </a:effectRef>
+          <a:fontRef idx="minor">
+            <a:schemeClr val="tx1"/>
+          </a:fontRef>
+        </p:style>
+      </p:cxnSp>
+      <p:pic>
+        <p:nvPicPr>
+          <p:cNvPr id="7" name="Picture 6" descr="Icon&#10;&#10;Description automatically generated">
+            <a:extLst>
+              <a:ext uri="{FF2B5EF4-FFF2-40B4-BE49-F238E27FC236}">
+                <a16:creationId xmlns:a16="http://schemas.microsoft.com/office/drawing/2014/main" id="{35C27AA7-83D3-FD3F-F256-DFAA5700CD13}"/>
+              </a:ext>
+            </a:extLst>
+          </p:cNvPr>
+          <p:cNvPicPr>
+            <a:picLocks noChangeAspect="1"/>
+          </p:cNvPicPr>
+          <p:nvPr/>
+        </p:nvPicPr>
+        <p:blipFill>
+          <a:blip r:embed="rId3"/>
+          <a:stretch>
+            <a:fillRect/>
+          </a:stretch>
+        </p:blipFill>
+        <p:spPr>
+          <a:xfrm>
             <a:off x="2812526" y="2467368"/>
             <a:ext cx="652793" cy="596028"/>
           </a:xfrm>
@@ -11047,7 +13225,7 @@
 </p:sld>
 </file>
 
-<file path=ppt/slides/slide14.xml><?xml version="1.0" encoding="utf-8"?>
+<file path=ppt/slides/slide17.xml><?xml version="1.0" encoding="utf-8"?>
 <p:sld xmlns:a="http://schemas.openxmlformats.org/drawingml/2006/main" xmlns:r="http://schemas.openxmlformats.org/officeDocument/2006/relationships" xmlns:p="http://schemas.openxmlformats.org/presentationml/2006/main">
   <p:cSld>
     <p:spTree>
@@ -13316,6 +15494,1760 @@
       </p:grpSpPr>
       <p:sp>
         <p:nvSpPr>
+          <p:cNvPr id="35841" name="Rectangle 2">
+            <a:extLst>
+              <a:ext uri="{FF2B5EF4-FFF2-40B4-BE49-F238E27FC236}">
+                <a16:creationId xmlns:a16="http://schemas.microsoft.com/office/drawing/2014/main" id="{09D8876C-8F7A-C748-966B-672B36C17545}"/>
+              </a:ext>
+            </a:extLst>
+          </p:cNvPr>
+          <p:cNvSpPr>
+            <a:spLocks noGrp="1" noChangeArrowheads="1"/>
+          </p:cNvSpPr>
+          <p:nvPr>
+            <p:ph type="title"/>
+          </p:nvPr>
+        </p:nvSpPr>
+        <p:spPr>
+          <a:xfrm>
+            <a:off x="152400" y="123825"/>
+            <a:ext cx="7848600" cy="713582"/>
+          </a:xfrm>
+        </p:spPr>
+        <p:txBody>
+          <a:bodyPr/>
+          <a:lstStyle/>
+          <a:p>
+            <a:pPr eaLnBrk="1" hangingPunct="1"/>
+            <a:r>
+              <a:rPr lang="en-US" altLang="en-US" dirty="0" err="1">
+                <a:ea typeface="ＭＳ Ｐゴシック" panose="020B0600070205080204" pitchFamily="34" charset="-128"/>
+              </a:rPr>
+              <a:t>Sprite Functions</a:t>
+            </a:r>
+            <a:endParaRPr lang="en-US" altLang="en-US" dirty="0">
+              <a:ea typeface="ＭＳ Ｐゴシック" panose="020B0600070205080204" pitchFamily="34" charset="-128"/>
+            </a:endParaRPr>
+          </a:p>
+        </p:txBody>
+      </p:sp>
+      <p:pic>
+        <p:nvPicPr>
+          <p:cNvPr id="3" name="Picture 2">
+            <a:extLst>
+              <a:ext uri="{FF2B5EF4-FFF2-40B4-BE49-F238E27FC236}">
+                <a16:creationId xmlns:a16="http://schemas.microsoft.com/office/drawing/2014/main" id="{8348794A-C125-4123-2F4D-9E28B084B0CA}"/>
+              </a:ext>
+            </a:extLst>
+          </p:cNvPr>
+          <p:cNvPicPr>
+            <a:picLocks noChangeAspect="1"/>
+          </p:cNvPicPr>
+          <p:nvPr/>
+        </p:nvPicPr>
+        <p:blipFill>
+          <a:blip r:embed="rId3"/>
+          <a:stretch>
+            <a:fillRect/>
+          </a:stretch>
+        </p:blipFill>
+        <p:spPr>
+          <a:xfrm>
+            <a:off x="522268" y="994115"/>
+            <a:ext cx="6977865" cy="4440460"/>
+          </a:xfrm>
+          <a:prstGeom prst="rect">
+            <a:avLst/>
+          </a:prstGeom>
+        </p:spPr>
+      </p:pic>
+    </p:spTree>
+    <p:extLst>
+      <p:ext uri="{BB962C8B-B14F-4D97-AF65-F5344CB8AC3E}">
+        <p14:creationId xmlns:p14="http://schemas.microsoft.com/office/powerpoint/2010/main" val="3658579940"/>
+      </p:ext>
+    </p:extLst>
+  </p:cSld>
+  <p:clrMapOvr>
+    <a:masterClrMapping/>
+  </p:clrMapOvr>
+  <p:transition/>
+</p:sld>
+</file>
+
+<file path=ppt/slides/slide6.xml><?xml version="1.0" encoding="utf-8"?>
+<p:sld xmlns:a="http://schemas.openxmlformats.org/drawingml/2006/main" xmlns:r="http://schemas.openxmlformats.org/officeDocument/2006/relationships" xmlns:p="http://schemas.openxmlformats.org/presentationml/2006/main">
+  <p:cSld>
+    <p:spTree>
+      <p:nvGrpSpPr>
+        <p:cNvPr id="1" name=""/>
+        <p:cNvGrpSpPr/>
+        <p:nvPr/>
+      </p:nvGrpSpPr>
+      <p:grpSpPr>
+        <a:xfrm>
+          <a:off x="0" y="0"/>
+          <a:ext cx="0" cy="0"/>
+          <a:chOff x="0" y="0"/>
+          <a:chExt cx="0" cy="0"/>
+        </a:xfrm>
+      </p:grpSpPr>
+      <p:sp>
+        <p:nvSpPr>
+          <p:cNvPr id="35841" name="Rectangle 2">
+            <a:extLst>
+              <a:ext uri="{FF2B5EF4-FFF2-40B4-BE49-F238E27FC236}">
+                <a16:creationId xmlns:a16="http://schemas.microsoft.com/office/drawing/2014/main" id="{09D8876C-8F7A-C748-966B-672B36C17545}"/>
+              </a:ext>
+            </a:extLst>
+          </p:cNvPr>
+          <p:cNvSpPr>
+            <a:spLocks noGrp="1" noChangeArrowheads="1"/>
+          </p:cNvSpPr>
+          <p:nvPr>
+            <p:ph type="title"/>
+          </p:nvPr>
+        </p:nvSpPr>
+        <p:spPr>
+          <a:xfrm>
+            <a:off x="152400" y="123825"/>
+            <a:ext cx="7848600" cy="713582"/>
+          </a:xfrm>
+        </p:spPr>
+        <p:txBody>
+          <a:bodyPr/>
+          <a:lstStyle/>
+          <a:p>
+            <a:pPr eaLnBrk="1" hangingPunct="1"/>
+            <a:r>
+              <a:rPr lang="en-US" altLang="en-US" dirty="0" err="1">
+                <a:ea typeface="ＭＳ Ｐゴシック" panose="020B0600070205080204" pitchFamily="34" charset="-128"/>
+              </a:rPr>
+              <a:t>Sprite “get” functions</a:t>
+            </a:r>
+            <a:endParaRPr lang="en-US" altLang="en-US" dirty="0">
+              <a:ea typeface="ＭＳ Ｐゴシック" panose="020B0600070205080204" pitchFamily="34" charset="-128"/>
+            </a:endParaRPr>
+          </a:p>
+        </p:txBody>
+      </p:sp>
+      <p:sp>
+        <p:nvSpPr>
+          <p:cNvPr id="35842" name="Rectangle 3">
+            <a:extLst>
+              <a:ext uri="{FF2B5EF4-FFF2-40B4-BE49-F238E27FC236}">
+                <a16:creationId xmlns:a16="http://schemas.microsoft.com/office/drawing/2014/main" id="{C94BCA01-D831-ED4D-84FD-C30E8117F872}"/>
+              </a:ext>
+            </a:extLst>
+          </p:cNvPr>
+          <p:cNvSpPr>
+            <a:spLocks noGrp="1" noChangeArrowheads="1"/>
+          </p:cNvSpPr>
+          <p:nvPr>
+            <p:ph type="body" idx="1"/>
+          </p:nvPr>
+        </p:nvSpPr>
+        <p:spPr>
+          <a:xfrm>
+            <a:off x="152399" y="923926"/>
+            <a:ext cx="8715375" cy="4505324"/>
+          </a:xfrm>
+        </p:spPr>
+        <p:txBody>
+          <a:bodyPr/>
+          <a:lstStyle/>
+          <a:p>
+            <a:pPr marL="0" indent="0">
+              <a:buNone/>
+            </a:pPr>
+            <a:r>
+              <a:rPr lang="en-US" altLang="en-US" sz="2167" dirty="0">
+                <a:solidFill>
+                  <a:srgbClr val="FF0000"/>
+                </a:solidFill>
+                <a:latin typeface="Gill Sans MT" panose="020B0502020104020203" pitchFamily="34" charset="77"/>
+                <a:ea typeface="ＭＳ Ｐゴシック" panose="020B0600070205080204" pitchFamily="34" charset="-128"/>
+              </a:rPr>
+              <a:t>Use the </a:t>
+            </a:r>
+            <a:r>
+              <a:rPr lang="en-US" altLang="en-US" sz="2167" dirty="0" err="1">
+                <a:solidFill>
+                  <a:srgbClr val="FF0000"/>
+                </a:solidFill>
+                <a:latin typeface="Gill Sans MT" panose="020B0502020104020203" pitchFamily="34" charset="77"/>
+                <a:ea typeface="ＭＳ Ｐゴシック" panose="020B0600070205080204" pitchFamily="34" charset="-128"/>
+              </a:rPr>
+              <a:t>get_left</a:t>
+            </a:r>
+            <a:r>
+              <a:rPr lang="en-US" altLang="en-US" sz="2167" dirty="0">
+                <a:solidFill>
+                  <a:srgbClr val="FF0000"/>
+                </a:solidFill>
+                <a:latin typeface="Gill Sans MT" panose="020B0502020104020203" pitchFamily="34" charset="77"/>
+                <a:ea typeface="ＭＳ Ｐゴシック" panose="020B0600070205080204" pitchFamily="34" charset="-128"/>
+              </a:rPr>
+              <a:t>, </a:t>
+            </a:r>
+            <a:r>
+              <a:rPr lang="en-US" altLang="en-US" sz="2167" dirty="0" err="1">
+                <a:solidFill>
+                  <a:srgbClr val="FF0000"/>
+                </a:solidFill>
+                <a:latin typeface="Gill Sans MT" panose="020B0502020104020203" pitchFamily="34" charset="77"/>
+                <a:ea typeface="ＭＳ Ｐゴシック" panose="020B0600070205080204" pitchFamily="34" charset="-128"/>
+              </a:rPr>
+              <a:t>get_right</a:t>
+            </a:r>
+            <a:r>
+              <a:rPr lang="en-US" altLang="en-US" sz="2167" dirty="0">
+                <a:solidFill>
+                  <a:srgbClr val="FF0000"/>
+                </a:solidFill>
+                <a:latin typeface="Gill Sans MT" panose="020B0502020104020203" pitchFamily="34" charset="77"/>
+                <a:ea typeface="ＭＳ Ｐゴシック" panose="020B0600070205080204" pitchFamily="34" charset="-128"/>
+              </a:rPr>
+              <a:t>, </a:t>
+            </a:r>
+            <a:r>
+              <a:rPr lang="en-US" altLang="en-US" sz="2167" dirty="0" err="1">
+                <a:solidFill>
+                  <a:srgbClr val="FF0000"/>
+                </a:solidFill>
+                <a:latin typeface="Gill Sans MT" panose="020B0502020104020203" pitchFamily="34" charset="77"/>
+                <a:ea typeface="ＭＳ Ｐゴシック" panose="020B0600070205080204" pitchFamily="34" charset="-128"/>
+              </a:rPr>
+              <a:t>get_top</a:t>
+            </a:r>
+            <a:r>
+              <a:rPr lang="en-US" altLang="en-US" sz="2167" dirty="0">
+                <a:solidFill>
+                  <a:srgbClr val="FF0000"/>
+                </a:solidFill>
+                <a:latin typeface="Gill Sans MT" panose="020B0502020104020203" pitchFamily="34" charset="77"/>
+                <a:ea typeface="ＭＳ Ｐゴシック" panose="020B0600070205080204" pitchFamily="34" charset="-128"/>
+              </a:rPr>
+              <a:t> and </a:t>
+            </a:r>
+            <a:r>
+              <a:rPr lang="en-US" altLang="en-US" sz="2167" dirty="0" err="1">
+                <a:solidFill>
+                  <a:srgbClr val="FF0000"/>
+                </a:solidFill>
+                <a:latin typeface="Gill Sans MT" panose="020B0502020104020203" pitchFamily="34" charset="77"/>
+                <a:ea typeface="ＭＳ Ｐゴシック" panose="020B0600070205080204" pitchFamily="34" charset="-128"/>
+              </a:rPr>
+              <a:t>get_bottom</a:t>
+            </a:r>
+            <a:r>
+              <a:rPr lang="en-US" altLang="en-US" sz="2167" dirty="0">
+                <a:solidFill>
+                  <a:srgbClr val="FF0000"/>
+                </a:solidFill>
+                <a:latin typeface="Gill Sans MT" panose="020B0502020104020203" pitchFamily="34" charset="77"/>
+                <a:ea typeface="ＭＳ Ｐゴシック" panose="020B0600070205080204" pitchFamily="34" charset="-128"/>
+              </a:rPr>
+              <a:t> methods to get the respective boundaries of the sprite!</a:t>
+            </a:r>
+          </a:p>
+          <a:p>
+            <a:pPr marL="0" indent="0">
+              <a:buNone/>
+            </a:pPr>
+            <a:endParaRPr lang="en-US" altLang="en-US" sz="2167" b="1" dirty="0">
+              <a:latin typeface="Gill Sans MT" panose="020B0502020104020203" pitchFamily="34" charset="77"/>
+              <a:ea typeface="ＭＳ Ｐゴシック" panose="020B0600070205080204" pitchFamily="34" charset="-128"/>
+            </a:endParaRPr>
+          </a:p>
+          <a:p>
+            <a:pPr marL="0" indent="0">
+              <a:buNone/>
+            </a:pPr>
+            <a:endParaRPr lang="en-US" altLang="en-US" sz="2167" dirty="0">
+              <a:latin typeface="Gill Sans MT" panose="020B0502020104020203" pitchFamily="34" charset="77"/>
+              <a:ea typeface="ＭＳ Ｐゴシック" panose="020B0600070205080204" pitchFamily="34" charset="-128"/>
+            </a:endParaRPr>
+          </a:p>
+          <a:p>
+            <a:pPr marL="0" indent="0">
+              <a:buNone/>
+            </a:pPr>
+            <a:endParaRPr lang="en-US" altLang="en-US" sz="2167" dirty="0">
+              <a:latin typeface="Gill Sans MT" panose="020B0502020104020203" pitchFamily="34" charset="77"/>
+              <a:ea typeface="ＭＳ Ｐゴシック" panose="020B0600070205080204" pitchFamily="34" charset="-128"/>
+            </a:endParaRPr>
+          </a:p>
+          <a:p>
+            <a:pPr marL="0" indent="0">
+              <a:buNone/>
+            </a:pPr>
+            <a:endParaRPr lang="en-US" altLang="en-US" sz="2167" dirty="0">
+              <a:latin typeface="Gill Sans MT" panose="020B0502020104020203" pitchFamily="34" charset="77"/>
+              <a:ea typeface="ＭＳ Ｐゴシック" panose="020B0600070205080204" pitchFamily="34" charset="-128"/>
+            </a:endParaRPr>
+          </a:p>
+          <a:p>
+            <a:pPr marL="0" indent="0">
+              <a:buNone/>
+            </a:pPr>
+            <a:endParaRPr lang="en-US" altLang="en-US" sz="2167" dirty="0">
+              <a:latin typeface="Gill Sans MT" panose="020B0502020104020203" pitchFamily="34" charset="77"/>
+              <a:ea typeface="ＭＳ Ｐゴシック" panose="020B0600070205080204" pitchFamily="34" charset="-128"/>
+            </a:endParaRPr>
+          </a:p>
+          <a:p>
+            <a:pPr marL="0" indent="0">
+              <a:buNone/>
+            </a:pPr>
+            <a:endParaRPr lang="en-US" altLang="en-US" sz="2167" dirty="0">
+              <a:latin typeface="Gill Sans MT" panose="020B0502020104020203" pitchFamily="34" charset="77"/>
+              <a:ea typeface="ＭＳ Ｐゴシック" panose="020B0600070205080204" pitchFamily="34" charset="-128"/>
+            </a:endParaRPr>
+          </a:p>
+        </p:txBody>
+      </p:sp>
+      <p:pic>
+        <p:nvPicPr>
+          <p:cNvPr id="4" name="Picture 3" descr="Chart&#10;&#10;Description automatically generated with low confidence">
+            <a:extLst>
+              <a:ext uri="{FF2B5EF4-FFF2-40B4-BE49-F238E27FC236}">
+                <a16:creationId xmlns:a16="http://schemas.microsoft.com/office/drawing/2014/main" id="{3F466FBC-7AC0-E240-9D98-B9E14B5407F4}"/>
+              </a:ext>
+            </a:extLst>
+          </p:cNvPr>
+          <p:cNvPicPr>
+            <a:picLocks noChangeAspect="1"/>
+          </p:cNvPicPr>
+          <p:nvPr/>
+        </p:nvPicPr>
+        <p:blipFill>
+          <a:blip r:embed="rId3"/>
+          <a:stretch>
+            <a:fillRect/>
+          </a:stretch>
+        </p:blipFill>
+        <p:spPr>
+          <a:xfrm>
+            <a:off x="3491010" y="2875188"/>
+            <a:ext cx="1171380" cy="1171380"/>
+          </a:xfrm>
+          <a:prstGeom prst="rect">
+            <a:avLst/>
+          </a:prstGeom>
+          <a:ln w="25400">
+            <a:solidFill>
+              <a:schemeClr val="tx1"/>
+            </a:solidFill>
+          </a:ln>
+        </p:spPr>
+      </p:pic>
+      <p:sp>
+        <p:nvSpPr>
+          <p:cNvPr id="2" name="TextBox 1">
+            <a:extLst>
+              <a:ext uri="{FF2B5EF4-FFF2-40B4-BE49-F238E27FC236}">
+                <a16:creationId xmlns:a16="http://schemas.microsoft.com/office/drawing/2014/main" id="{CB2F6E96-4CD2-C44A-AB81-75ABF044CDB7}"/>
+              </a:ext>
+            </a:extLst>
+          </p:cNvPr>
+          <p:cNvSpPr txBox="1"/>
+          <p:nvPr/>
+        </p:nvSpPr>
+        <p:spPr>
+          <a:xfrm>
+            <a:off x="5424755" y="2122198"/>
+            <a:ext cx="1164101" cy="400110"/>
+          </a:xfrm>
+          <a:prstGeom prst="rect">
+            <a:avLst/>
+          </a:prstGeom>
+          <a:noFill/>
+        </p:spPr>
+        <p:txBody>
+          <a:bodyPr wrap="none" rtlCol="0">
+            <a:spAutoFit/>
+          </a:bodyPr>
+          <a:lstStyle/>
+          <a:p>
+            <a:r>
+              <a:rPr lang="en-US" sz="2000" dirty="0" err="1">
+                <a:solidFill>
+                  <a:srgbClr val="FF0000"/>
+                </a:solidFill>
+              </a:rPr>
+              <a:t>get_top</a:t>
+            </a:r>
+            <a:r>
+              <a:rPr lang="en-US" sz="2000" dirty="0">
+                <a:solidFill>
+                  <a:srgbClr val="FF0000"/>
+                </a:solidFill>
+              </a:rPr>
+              <a:t>()</a:t>
+            </a:r>
+          </a:p>
+        </p:txBody>
+      </p:sp>
+      <p:cxnSp>
+        <p:nvCxnSpPr>
+          <p:cNvPr id="5" name="Straight Arrow Connector 4">
+            <a:extLst>
+              <a:ext uri="{FF2B5EF4-FFF2-40B4-BE49-F238E27FC236}">
+                <a16:creationId xmlns:a16="http://schemas.microsoft.com/office/drawing/2014/main" id="{62260D48-5B03-B44E-9F0D-B2CFC2945D90}"/>
+              </a:ext>
+            </a:extLst>
+          </p:cNvPr>
+          <p:cNvCxnSpPr>
+            <a:cxnSpLocks/>
+          </p:cNvCxnSpPr>
+          <p:nvPr/>
+        </p:nvCxnSpPr>
+        <p:spPr>
+          <a:xfrm flipH="1">
+            <a:off x="4387065" y="2301414"/>
+            <a:ext cx="934948" cy="441789"/>
+          </a:xfrm>
+          <a:prstGeom prst="straightConnector1">
+            <a:avLst/>
+          </a:prstGeom>
+          <a:ln w="25400">
+            <a:tailEnd type="triangle"/>
+          </a:ln>
+        </p:spPr>
+        <p:style>
+          <a:lnRef idx="1">
+            <a:schemeClr val="accent1"/>
+          </a:lnRef>
+          <a:fillRef idx="0">
+            <a:schemeClr val="accent1"/>
+          </a:fillRef>
+          <a:effectRef idx="0">
+            <a:schemeClr val="accent1"/>
+          </a:effectRef>
+          <a:fontRef idx="minor">
+            <a:schemeClr val="tx1"/>
+          </a:fontRef>
+        </p:style>
+      </p:cxnSp>
+      <p:sp>
+        <p:nvSpPr>
+          <p:cNvPr id="9" name="TextBox 8">
+            <a:extLst>
+              <a:ext uri="{FF2B5EF4-FFF2-40B4-BE49-F238E27FC236}">
+                <a16:creationId xmlns:a16="http://schemas.microsoft.com/office/drawing/2014/main" id="{058FED70-7412-F84A-8609-574E29D8E195}"/>
+              </a:ext>
+            </a:extLst>
+          </p:cNvPr>
+          <p:cNvSpPr txBox="1"/>
+          <p:nvPr/>
+        </p:nvSpPr>
+        <p:spPr>
+          <a:xfrm>
+            <a:off x="5834008" y="3043691"/>
+            <a:ext cx="1289135" cy="400110"/>
+          </a:xfrm>
+          <a:prstGeom prst="rect">
+            <a:avLst/>
+          </a:prstGeom>
+          <a:noFill/>
+        </p:spPr>
+        <p:txBody>
+          <a:bodyPr wrap="none" rtlCol="0">
+            <a:spAutoFit/>
+          </a:bodyPr>
+          <a:lstStyle/>
+          <a:p>
+            <a:r>
+              <a:rPr lang="en-US" sz="2000" dirty="0" err="1">
+                <a:solidFill>
+                  <a:srgbClr val="FF0000"/>
+                </a:solidFill>
+              </a:rPr>
+              <a:t>get_right</a:t>
+            </a:r>
+            <a:r>
+              <a:rPr lang="en-US" sz="2000" dirty="0">
+                <a:solidFill>
+                  <a:srgbClr val="FF0000"/>
+                </a:solidFill>
+              </a:rPr>
+              <a:t>()</a:t>
+            </a:r>
+          </a:p>
+        </p:txBody>
+      </p:sp>
+      <p:cxnSp>
+        <p:nvCxnSpPr>
+          <p:cNvPr id="10" name="Straight Arrow Connector 9">
+            <a:extLst>
+              <a:ext uri="{FF2B5EF4-FFF2-40B4-BE49-F238E27FC236}">
+                <a16:creationId xmlns:a16="http://schemas.microsoft.com/office/drawing/2014/main" id="{46DDA9E1-C022-B94F-A177-DF50BAC24F55}"/>
+              </a:ext>
+            </a:extLst>
+          </p:cNvPr>
+          <p:cNvCxnSpPr>
+            <a:cxnSpLocks/>
+          </p:cNvCxnSpPr>
+          <p:nvPr/>
+        </p:nvCxnSpPr>
+        <p:spPr>
+          <a:xfrm flipH="1">
+            <a:off x="4796318" y="3222907"/>
+            <a:ext cx="934948" cy="441789"/>
+          </a:xfrm>
+          <a:prstGeom prst="straightConnector1">
+            <a:avLst/>
+          </a:prstGeom>
+          <a:ln w="25400">
+            <a:tailEnd type="triangle"/>
+          </a:ln>
+        </p:spPr>
+        <p:style>
+          <a:lnRef idx="1">
+            <a:schemeClr val="accent1"/>
+          </a:lnRef>
+          <a:fillRef idx="0">
+            <a:schemeClr val="accent1"/>
+          </a:fillRef>
+          <a:effectRef idx="0">
+            <a:schemeClr val="accent1"/>
+          </a:effectRef>
+          <a:fontRef idx="minor">
+            <a:schemeClr val="tx1"/>
+          </a:fontRef>
+        </p:style>
+      </p:cxnSp>
+      <p:sp>
+        <p:nvSpPr>
+          <p:cNvPr id="11" name="TextBox 10">
+            <a:extLst>
+              <a:ext uri="{FF2B5EF4-FFF2-40B4-BE49-F238E27FC236}">
+                <a16:creationId xmlns:a16="http://schemas.microsoft.com/office/drawing/2014/main" id="{249C4CBE-DD3F-6440-920B-019D5BE504E1}"/>
+              </a:ext>
+            </a:extLst>
+          </p:cNvPr>
+          <p:cNvSpPr txBox="1"/>
+          <p:nvPr/>
+        </p:nvSpPr>
+        <p:spPr>
+          <a:xfrm>
+            <a:off x="1964348" y="2822797"/>
+            <a:ext cx="1138453" cy="400110"/>
+          </a:xfrm>
+          <a:prstGeom prst="rect">
+            <a:avLst/>
+          </a:prstGeom>
+          <a:noFill/>
+        </p:spPr>
+        <p:txBody>
+          <a:bodyPr wrap="none" rtlCol="0">
+            <a:spAutoFit/>
+          </a:bodyPr>
+          <a:lstStyle/>
+          <a:p>
+            <a:r>
+              <a:rPr lang="en-US" sz="2000" dirty="0" err="1">
+                <a:solidFill>
+                  <a:srgbClr val="FF0000"/>
+                </a:solidFill>
+              </a:rPr>
+              <a:t>get_left</a:t>
+            </a:r>
+            <a:r>
+              <a:rPr lang="en-US" sz="2000" dirty="0">
+                <a:solidFill>
+                  <a:srgbClr val="FF0000"/>
+                </a:solidFill>
+              </a:rPr>
+              <a:t>()</a:t>
+            </a:r>
+          </a:p>
+        </p:txBody>
+      </p:sp>
+      <p:cxnSp>
+        <p:nvCxnSpPr>
+          <p:cNvPr id="12" name="Straight Arrow Connector 11">
+            <a:extLst>
+              <a:ext uri="{FF2B5EF4-FFF2-40B4-BE49-F238E27FC236}">
+                <a16:creationId xmlns:a16="http://schemas.microsoft.com/office/drawing/2014/main" id="{F6B9E24D-C17D-8847-8395-7E6C2A5AAB9B}"/>
+              </a:ext>
+            </a:extLst>
+          </p:cNvPr>
+          <p:cNvCxnSpPr>
+            <a:cxnSpLocks/>
+          </p:cNvCxnSpPr>
+          <p:nvPr/>
+        </p:nvCxnSpPr>
+        <p:spPr>
+          <a:xfrm>
+            <a:off x="2681327" y="3309426"/>
+            <a:ext cx="675755" cy="355270"/>
+          </a:xfrm>
+          <a:prstGeom prst="straightConnector1">
+            <a:avLst/>
+          </a:prstGeom>
+          <a:ln w="25400">
+            <a:tailEnd type="triangle"/>
+          </a:ln>
+        </p:spPr>
+        <p:style>
+          <a:lnRef idx="1">
+            <a:schemeClr val="accent1"/>
+          </a:lnRef>
+          <a:fillRef idx="0">
+            <a:schemeClr val="accent1"/>
+          </a:fillRef>
+          <a:effectRef idx="0">
+            <a:schemeClr val="accent1"/>
+          </a:effectRef>
+          <a:fontRef idx="minor">
+            <a:schemeClr val="tx1"/>
+          </a:fontRef>
+        </p:style>
+      </p:cxnSp>
+      <p:sp>
+        <p:nvSpPr>
+          <p:cNvPr id="14" name="TextBox 13">
+            <a:extLst>
+              <a:ext uri="{FF2B5EF4-FFF2-40B4-BE49-F238E27FC236}">
+                <a16:creationId xmlns:a16="http://schemas.microsoft.com/office/drawing/2014/main" id="{8BD62064-C7B5-EC44-92AD-010306CCA16B}"/>
+              </a:ext>
+            </a:extLst>
+          </p:cNvPr>
+          <p:cNvSpPr txBox="1"/>
+          <p:nvPr/>
+        </p:nvSpPr>
+        <p:spPr>
+          <a:xfrm>
+            <a:off x="1769788" y="3846607"/>
+            <a:ext cx="1587294" cy="400110"/>
+          </a:xfrm>
+          <a:prstGeom prst="rect">
+            <a:avLst/>
+          </a:prstGeom>
+          <a:noFill/>
+        </p:spPr>
+        <p:txBody>
+          <a:bodyPr wrap="none" rtlCol="0">
+            <a:spAutoFit/>
+          </a:bodyPr>
+          <a:lstStyle/>
+          <a:p>
+            <a:r>
+              <a:rPr lang="en-US" sz="2000" dirty="0" err="1">
+                <a:solidFill>
+                  <a:srgbClr val="FF0000"/>
+                </a:solidFill>
+              </a:rPr>
+              <a:t>get_bottom</a:t>
+            </a:r>
+            <a:r>
+              <a:rPr lang="en-US" sz="2000" dirty="0">
+                <a:solidFill>
+                  <a:srgbClr val="FF0000"/>
+                </a:solidFill>
+              </a:rPr>
+              <a:t>()</a:t>
+            </a:r>
+          </a:p>
+        </p:txBody>
+      </p:sp>
+      <p:cxnSp>
+        <p:nvCxnSpPr>
+          <p:cNvPr id="15" name="Straight Arrow Connector 14">
+            <a:extLst>
+              <a:ext uri="{FF2B5EF4-FFF2-40B4-BE49-F238E27FC236}">
+                <a16:creationId xmlns:a16="http://schemas.microsoft.com/office/drawing/2014/main" id="{1546FFA2-F9F4-FA40-972C-CAFFC09B6054}"/>
+              </a:ext>
+            </a:extLst>
+          </p:cNvPr>
+          <p:cNvCxnSpPr>
+            <a:cxnSpLocks/>
+          </p:cNvCxnSpPr>
+          <p:nvPr/>
+        </p:nvCxnSpPr>
+        <p:spPr>
+          <a:xfrm flipV="1">
+            <a:off x="2748291" y="4186080"/>
+            <a:ext cx="1166163" cy="173038"/>
+          </a:xfrm>
+          <a:prstGeom prst="straightConnector1">
+            <a:avLst/>
+          </a:prstGeom>
+          <a:ln w="25400">
+            <a:tailEnd type="triangle"/>
+          </a:ln>
+        </p:spPr>
+        <p:style>
+          <a:lnRef idx="1">
+            <a:schemeClr val="accent1"/>
+          </a:lnRef>
+          <a:fillRef idx="0">
+            <a:schemeClr val="accent1"/>
+          </a:fillRef>
+          <a:effectRef idx="0">
+            <a:schemeClr val="accent1"/>
+          </a:effectRef>
+          <a:fontRef idx="minor">
+            <a:schemeClr val="tx1"/>
+          </a:fontRef>
+        </p:style>
+      </p:cxnSp>
+    </p:spTree>
+    <p:extLst>
+      <p:ext uri="{BB962C8B-B14F-4D97-AF65-F5344CB8AC3E}">
+        <p14:creationId xmlns:p14="http://schemas.microsoft.com/office/powerpoint/2010/main" val="742870876"/>
+      </p:ext>
+    </p:extLst>
+  </p:cSld>
+  <p:clrMapOvr>
+    <a:masterClrMapping/>
+  </p:clrMapOvr>
+  <p:transition/>
+  <p:timing>
+    <p:tnLst>
+      <p:par>
+        <p:cTn id="1" dur="indefinite" restart="never" nodeType="tmRoot">
+          <p:childTnLst>
+            <p:seq concurrent="1" nextAc="seek">
+              <p:cTn id="2" dur="indefinite" nodeType="mainSeq">
+                <p:childTnLst>
+                  <p:par>
+                    <p:cTn id="3" fill="hold">
+                      <p:stCondLst>
+                        <p:cond delay="indefinite"/>
+                      </p:stCondLst>
+                      <p:childTnLst>
+                        <p:par>
+                          <p:cTn id="4" fill="hold">
+                            <p:stCondLst>
+                              <p:cond delay="0"/>
+                            </p:stCondLst>
+                            <p:childTnLst>
+                              <p:par>
+                                <p:cTn id="5" presetID="1" presetClass="entr" presetSubtype="0" fill="hold" nodeType="clickEffect">
+                                  <p:stCondLst>
+                                    <p:cond delay="0"/>
+                                  </p:stCondLst>
+                                  <p:childTnLst>
+                                    <p:set>
+                                      <p:cBhvr>
+                                        <p:cTn id="6" dur="1" fill="hold">
+                                          <p:stCondLst>
+                                            <p:cond delay="0"/>
+                                          </p:stCondLst>
+                                        </p:cTn>
+                                        <p:tgtEl>
+                                          <p:spTgt spid="35842">
+                                            <p:txEl>
+                                              <p:pRg st="0" end="0"/>
+                                            </p:txEl>
+                                          </p:spTgt>
+                                        </p:tgtEl>
+                                        <p:attrNameLst>
+                                          <p:attrName>style.visibility</p:attrName>
+                                        </p:attrNameLst>
+                                      </p:cBhvr>
+                                      <p:to>
+                                        <p:strVal val="visible"/>
+                                      </p:to>
+                                    </p:set>
+                                  </p:childTnLst>
+                                </p:cTn>
+                              </p:par>
+                            </p:childTnLst>
+                          </p:cTn>
+                        </p:par>
+                      </p:childTnLst>
+                    </p:cTn>
+                  </p:par>
+                  <p:par>
+                    <p:cTn id="7" fill="hold">
+                      <p:stCondLst>
+                        <p:cond delay="indefinite"/>
+                      </p:stCondLst>
+                      <p:childTnLst>
+                        <p:par>
+                          <p:cTn id="8" fill="hold">
+                            <p:stCondLst>
+                              <p:cond delay="0"/>
+                            </p:stCondLst>
+                            <p:childTnLst>
+                              <p:par>
+                                <p:cTn id="9" presetID="1" presetClass="entr" presetSubtype="0" fill="hold" nodeType="clickEffect">
+                                  <p:stCondLst>
+                                    <p:cond delay="0"/>
+                                  </p:stCondLst>
+                                  <p:childTnLst>
+                                    <p:set>
+                                      <p:cBhvr>
+                                        <p:cTn id="10" dur="1" fill="hold">
+                                          <p:stCondLst>
+                                            <p:cond delay="0"/>
+                                          </p:stCondLst>
+                                        </p:cTn>
+                                        <p:tgtEl>
+                                          <p:spTgt spid="4"/>
+                                        </p:tgtEl>
+                                        <p:attrNameLst>
+                                          <p:attrName>style.visibility</p:attrName>
+                                        </p:attrNameLst>
+                                      </p:cBhvr>
+                                      <p:to>
+                                        <p:strVal val="visible"/>
+                                      </p:to>
+                                    </p:set>
+                                  </p:childTnLst>
+                                </p:cTn>
+                              </p:par>
+                              <p:par>
+                                <p:cTn id="11" presetID="1" presetClass="entr" presetSubtype="0" fill="hold" nodeType="withEffect">
+                                  <p:stCondLst>
+                                    <p:cond delay="0"/>
+                                  </p:stCondLst>
+                                  <p:childTnLst>
+                                    <p:set>
+                                      <p:cBhvr>
+                                        <p:cTn id="12" dur="1" fill="hold">
+                                          <p:stCondLst>
+                                            <p:cond delay="0"/>
+                                          </p:stCondLst>
+                                        </p:cTn>
+                                        <p:tgtEl>
+                                          <p:spTgt spid="5"/>
+                                        </p:tgtEl>
+                                        <p:attrNameLst>
+                                          <p:attrName>style.visibility</p:attrName>
+                                        </p:attrNameLst>
+                                      </p:cBhvr>
+                                      <p:to>
+                                        <p:strVal val="visible"/>
+                                      </p:to>
+                                    </p:set>
+                                  </p:childTnLst>
+                                </p:cTn>
+                              </p:par>
+                              <p:par>
+                                <p:cTn id="13" presetID="1" presetClass="entr" presetSubtype="0" fill="hold" grpId="0" nodeType="withEffect">
+                                  <p:stCondLst>
+                                    <p:cond delay="0"/>
+                                  </p:stCondLst>
+                                  <p:childTnLst>
+                                    <p:set>
+                                      <p:cBhvr>
+                                        <p:cTn id="14" dur="1" fill="hold">
+                                          <p:stCondLst>
+                                            <p:cond delay="0"/>
+                                          </p:stCondLst>
+                                        </p:cTn>
+                                        <p:tgtEl>
+                                          <p:spTgt spid="2"/>
+                                        </p:tgtEl>
+                                        <p:attrNameLst>
+                                          <p:attrName>style.visibility</p:attrName>
+                                        </p:attrNameLst>
+                                      </p:cBhvr>
+                                      <p:to>
+                                        <p:strVal val="visible"/>
+                                      </p:to>
+                                    </p:set>
+                                  </p:childTnLst>
+                                </p:cTn>
+                              </p:par>
+                              <p:par>
+                                <p:cTn id="15" presetID="1" presetClass="entr" presetSubtype="0" fill="hold" grpId="0" nodeType="withEffect">
+                                  <p:stCondLst>
+                                    <p:cond delay="0"/>
+                                  </p:stCondLst>
+                                  <p:childTnLst>
+                                    <p:set>
+                                      <p:cBhvr>
+                                        <p:cTn id="16" dur="1" fill="hold">
+                                          <p:stCondLst>
+                                            <p:cond delay="0"/>
+                                          </p:stCondLst>
+                                        </p:cTn>
+                                        <p:tgtEl>
+                                          <p:spTgt spid="9"/>
+                                        </p:tgtEl>
+                                        <p:attrNameLst>
+                                          <p:attrName>style.visibility</p:attrName>
+                                        </p:attrNameLst>
+                                      </p:cBhvr>
+                                      <p:to>
+                                        <p:strVal val="visible"/>
+                                      </p:to>
+                                    </p:set>
+                                  </p:childTnLst>
+                                </p:cTn>
+                              </p:par>
+                              <p:par>
+                                <p:cTn id="17" presetID="1" presetClass="entr" presetSubtype="0" fill="hold" nodeType="withEffect">
+                                  <p:stCondLst>
+                                    <p:cond delay="0"/>
+                                  </p:stCondLst>
+                                  <p:childTnLst>
+                                    <p:set>
+                                      <p:cBhvr>
+                                        <p:cTn id="18" dur="1" fill="hold">
+                                          <p:stCondLst>
+                                            <p:cond delay="0"/>
+                                          </p:stCondLst>
+                                        </p:cTn>
+                                        <p:tgtEl>
+                                          <p:spTgt spid="10"/>
+                                        </p:tgtEl>
+                                        <p:attrNameLst>
+                                          <p:attrName>style.visibility</p:attrName>
+                                        </p:attrNameLst>
+                                      </p:cBhvr>
+                                      <p:to>
+                                        <p:strVal val="visible"/>
+                                      </p:to>
+                                    </p:set>
+                                  </p:childTnLst>
+                                </p:cTn>
+                              </p:par>
+                              <p:par>
+                                <p:cTn id="19" presetID="1" presetClass="entr" presetSubtype="0" fill="hold" nodeType="withEffect">
+                                  <p:stCondLst>
+                                    <p:cond delay="0"/>
+                                  </p:stCondLst>
+                                  <p:childTnLst>
+                                    <p:set>
+                                      <p:cBhvr>
+                                        <p:cTn id="20" dur="1" fill="hold">
+                                          <p:stCondLst>
+                                            <p:cond delay="0"/>
+                                          </p:stCondLst>
+                                        </p:cTn>
+                                        <p:tgtEl>
+                                          <p:spTgt spid="12"/>
+                                        </p:tgtEl>
+                                        <p:attrNameLst>
+                                          <p:attrName>style.visibility</p:attrName>
+                                        </p:attrNameLst>
+                                      </p:cBhvr>
+                                      <p:to>
+                                        <p:strVal val="visible"/>
+                                      </p:to>
+                                    </p:set>
+                                  </p:childTnLst>
+                                </p:cTn>
+                              </p:par>
+                              <p:par>
+                                <p:cTn id="21" presetID="1" presetClass="entr" presetSubtype="0" fill="hold" grpId="0" nodeType="withEffect">
+                                  <p:stCondLst>
+                                    <p:cond delay="0"/>
+                                  </p:stCondLst>
+                                  <p:childTnLst>
+                                    <p:set>
+                                      <p:cBhvr>
+                                        <p:cTn id="22" dur="1" fill="hold">
+                                          <p:stCondLst>
+                                            <p:cond delay="0"/>
+                                          </p:stCondLst>
+                                        </p:cTn>
+                                        <p:tgtEl>
+                                          <p:spTgt spid="11"/>
+                                        </p:tgtEl>
+                                        <p:attrNameLst>
+                                          <p:attrName>style.visibility</p:attrName>
+                                        </p:attrNameLst>
+                                      </p:cBhvr>
+                                      <p:to>
+                                        <p:strVal val="visible"/>
+                                      </p:to>
+                                    </p:set>
+                                  </p:childTnLst>
+                                </p:cTn>
+                              </p:par>
+                              <p:par>
+                                <p:cTn id="23" presetID="1" presetClass="entr" presetSubtype="0" fill="hold" grpId="0" nodeType="withEffect">
+                                  <p:stCondLst>
+                                    <p:cond delay="0"/>
+                                  </p:stCondLst>
+                                  <p:childTnLst>
+                                    <p:set>
+                                      <p:cBhvr>
+                                        <p:cTn id="24" dur="1" fill="hold">
+                                          <p:stCondLst>
+                                            <p:cond delay="0"/>
+                                          </p:stCondLst>
+                                        </p:cTn>
+                                        <p:tgtEl>
+                                          <p:spTgt spid="14"/>
+                                        </p:tgtEl>
+                                        <p:attrNameLst>
+                                          <p:attrName>style.visibility</p:attrName>
+                                        </p:attrNameLst>
+                                      </p:cBhvr>
+                                      <p:to>
+                                        <p:strVal val="visible"/>
+                                      </p:to>
+                                    </p:set>
+                                  </p:childTnLst>
+                                </p:cTn>
+                              </p:par>
+                              <p:par>
+                                <p:cTn id="25" presetID="1" presetClass="entr" presetSubtype="0" fill="hold" nodeType="withEffect">
+                                  <p:stCondLst>
+                                    <p:cond delay="0"/>
+                                  </p:stCondLst>
+                                  <p:childTnLst>
+                                    <p:set>
+                                      <p:cBhvr>
+                                        <p:cTn id="26" dur="1" fill="hold">
+                                          <p:stCondLst>
+                                            <p:cond delay="0"/>
+                                          </p:stCondLst>
+                                        </p:cTn>
+                                        <p:tgtEl>
+                                          <p:spTgt spid="15"/>
+                                        </p:tgtEl>
+                                        <p:attrNameLst>
+                                          <p:attrName>style.visibility</p:attrName>
+                                        </p:attrNameLst>
+                                      </p:cBhvr>
+                                      <p:to>
+                                        <p:strVal val="visible"/>
+                                      </p:to>
+                                    </p:set>
+                                  </p:childTnLst>
+                                </p:cTn>
+                              </p:par>
+                            </p:childTnLst>
+                          </p:cTn>
+                        </p:par>
+                      </p:childTnLst>
+                    </p:cTn>
+                  </p:par>
+                </p:childTnLst>
+              </p:cTn>
+              <p:prevCondLst>
+                <p:cond evt="onPrev" delay="0">
+                  <p:tgtEl>
+                    <p:sldTgt/>
+                  </p:tgtEl>
+                </p:cond>
+              </p:prevCondLst>
+              <p:nextCondLst>
+                <p:cond evt="onNext" delay="0">
+                  <p:tgtEl>
+                    <p:sldTgt/>
+                  </p:tgtEl>
+                </p:cond>
+              </p:nextCondLst>
+            </p:seq>
+          </p:childTnLst>
+        </p:cTn>
+      </p:par>
+    </p:tnLst>
+    <p:bldLst>
+      <p:bldP spid="2" grpId="0"/>
+      <p:bldP spid="9" grpId="0"/>
+      <p:bldP spid="11" grpId="0"/>
+      <p:bldP spid="14" grpId="0"/>
+    </p:bldLst>
+  </p:timing>
+</p:sld>
+</file>
+
+<file path=ppt/slides/slide7.xml><?xml version="1.0" encoding="utf-8"?>
+<p:sld xmlns:a="http://schemas.openxmlformats.org/drawingml/2006/main" xmlns:r="http://schemas.openxmlformats.org/officeDocument/2006/relationships" xmlns:p="http://schemas.openxmlformats.org/presentationml/2006/main">
+  <p:cSld>
+    <p:spTree>
+      <p:nvGrpSpPr>
+        <p:cNvPr id="1" name=""/>
+        <p:cNvGrpSpPr/>
+        <p:nvPr/>
+      </p:nvGrpSpPr>
+      <p:grpSpPr>
+        <a:xfrm>
+          <a:off x="0" y="0"/>
+          <a:ext cx="0" cy="0"/>
+          <a:chOff x="0" y="0"/>
+          <a:chExt cx="0" cy="0"/>
+        </a:xfrm>
+      </p:grpSpPr>
+      <p:sp>
+        <p:nvSpPr>
+          <p:cNvPr id="35841" name="Rectangle 2">
+            <a:extLst>
+              <a:ext uri="{FF2B5EF4-FFF2-40B4-BE49-F238E27FC236}">
+                <a16:creationId xmlns:a16="http://schemas.microsoft.com/office/drawing/2014/main" id="{09D8876C-8F7A-C748-966B-672B36C17545}"/>
+              </a:ext>
+            </a:extLst>
+          </p:cNvPr>
+          <p:cNvSpPr>
+            <a:spLocks noGrp="1" noChangeArrowheads="1"/>
+          </p:cNvSpPr>
+          <p:nvPr>
+            <p:ph type="title"/>
+          </p:nvPr>
+        </p:nvSpPr>
+        <p:spPr>
+          <a:xfrm>
+            <a:off x="152400" y="123825"/>
+            <a:ext cx="7848600" cy="713582"/>
+          </a:xfrm>
+        </p:spPr>
+        <p:txBody>
+          <a:bodyPr/>
+          <a:lstStyle/>
+          <a:p>
+            <a:pPr eaLnBrk="1" hangingPunct="1"/>
+            <a:r>
+              <a:rPr lang="en-US" altLang="en-US" dirty="0" err="1">
+                <a:ea typeface="ＭＳ Ｐゴシック" panose="020B0600070205080204" pitchFamily="34" charset="-128"/>
+              </a:rPr>
+              <a:t>Sprite “set” functions</a:t>
+            </a:r>
+            <a:endParaRPr lang="en-US" altLang="en-US" dirty="0">
+              <a:ea typeface="ＭＳ Ｐゴシック" panose="020B0600070205080204" pitchFamily="34" charset="-128"/>
+            </a:endParaRPr>
+          </a:p>
+        </p:txBody>
+      </p:sp>
+      <p:sp>
+        <p:nvSpPr>
+          <p:cNvPr id="35842" name="Rectangle 3">
+            <a:extLst>
+              <a:ext uri="{FF2B5EF4-FFF2-40B4-BE49-F238E27FC236}">
+                <a16:creationId xmlns:a16="http://schemas.microsoft.com/office/drawing/2014/main" id="{C94BCA01-D831-ED4D-84FD-C30E8117F872}"/>
+              </a:ext>
+            </a:extLst>
+          </p:cNvPr>
+          <p:cNvSpPr>
+            <a:spLocks noGrp="1" noChangeArrowheads="1"/>
+          </p:cNvSpPr>
+          <p:nvPr>
+            <p:ph type="body" idx="1"/>
+          </p:nvPr>
+        </p:nvSpPr>
+        <p:spPr>
+          <a:xfrm>
+            <a:off x="152399" y="923926"/>
+            <a:ext cx="8715375" cy="4505324"/>
+          </a:xfrm>
+        </p:spPr>
+        <p:txBody>
+          <a:bodyPr/>
+          <a:lstStyle/>
+          <a:p>
+            <a:pPr marL="0" indent="0">
+              <a:buNone/>
+            </a:pPr>
+            <a:endParaRPr lang="en-US" altLang="en-US" sz="2167" dirty="0">
+              <a:latin typeface="Gill Sans MT" panose="020B0502020104020203" pitchFamily="34" charset="77"/>
+              <a:ea typeface="ＭＳ Ｐゴシック" panose="020B0600070205080204" pitchFamily="34" charset="-128"/>
+            </a:endParaRPr>
+          </a:p>
+          <a:p>
+            <a:pPr marL="0" indent="0">
+              <a:buNone/>
+            </a:pPr>
+            <a:endParaRPr lang="en-US" altLang="en-US" sz="2167" dirty="0">
+              <a:latin typeface="Gill Sans MT" panose="020B0502020104020203" pitchFamily="34" charset="77"/>
+              <a:ea typeface="ＭＳ Ｐゴシック" panose="020B0600070205080204" pitchFamily="34" charset="-128"/>
+            </a:endParaRPr>
+          </a:p>
+          <a:p>
+            <a:pPr marL="0" indent="0">
+              <a:buNone/>
+            </a:pPr>
+            <a:endParaRPr lang="en-US" altLang="en-US" sz="2167" dirty="0">
+              <a:latin typeface="Gill Sans MT" panose="020B0502020104020203" pitchFamily="34" charset="77"/>
+              <a:ea typeface="ＭＳ Ｐゴシック" panose="020B0600070205080204" pitchFamily="34" charset="-128"/>
+            </a:endParaRPr>
+          </a:p>
+          <a:p>
+            <a:pPr marL="0" indent="0">
+              <a:buNone/>
+            </a:pPr>
+            <a:endParaRPr lang="en-US" altLang="en-US" sz="2167" dirty="0">
+              <a:latin typeface="Gill Sans MT" panose="020B0502020104020203" pitchFamily="34" charset="77"/>
+              <a:ea typeface="ＭＳ Ｐゴシック" panose="020B0600070205080204" pitchFamily="34" charset="-128"/>
+            </a:endParaRPr>
+          </a:p>
+          <a:p>
+            <a:pPr marL="0" indent="0">
+              <a:buNone/>
+            </a:pPr>
+            <a:endParaRPr lang="en-US" altLang="en-US" sz="2167" dirty="0">
+              <a:latin typeface="Gill Sans MT" panose="020B0502020104020203" pitchFamily="34" charset="77"/>
+              <a:ea typeface="ＭＳ Ｐゴシック" panose="020B0600070205080204" pitchFamily="34" charset="-128"/>
+            </a:endParaRPr>
+          </a:p>
+        </p:txBody>
+      </p:sp>
+      <p:pic>
+        <p:nvPicPr>
+          <p:cNvPr id="4" name="Picture 3" descr="Chart&#10;&#10;Description automatically generated with low confidence">
+            <a:extLst>
+              <a:ext uri="{FF2B5EF4-FFF2-40B4-BE49-F238E27FC236}">
+                <a16:creationId xmlns:a16="http://schemas.microsoft.com/office/drawing/2014/main" id="{3F466FBC-7AC0-E240-9D98-B9E14B5407F4}"/>
+              </a:ext>
+            </a:extLst>
+          </p:cNvPr>
+          <p:cNvPicPr>
+            <a:picLocks noChangeAspect="1"/>
+          </p:cNvPicPr>
+          <p:nvPr/>
+        </p:nvPicPr>
+        <p:blipFill>
+          <a:blip r:embed="rId3"/>
+          <a:stretch>
+            <a:fillRect/>
+          </a:stretch>
+        </p:blipFill>
+        <p:spPr>
+          <a:xfrm>
+            <a:off x="1450645" y="2875188"/>
+            <a:ext cx="1171380" cy="1171380"/>
+          </a:xfrm>
+          <a:prstGeom prst="rect">
+            <a:avLst/>
+          </a:prstGeom>
+          <a:ln w="25400">
+            <a:solidFill>
+              <a:schemeClr val="tx1"/>
+            </a:solidFill>
+          </a:ln>
+        </p:spPr>
+      </p:pic>
+      <p:pic>
+        <p:nvPicPr>
+          <p:cNvPr id="3" name="Picture 2" descr="Icon&#10;&#10;Description automatically generated">
+            <a:extLst>
+              <a:ext uri="{FF2B5EF4-FFF2-40B4-BE49-F238E27FC236}">
+                <a16:creationId xmlns:a16="http://schemas.microsoft.com/office/drawing/2014/main" id="{56E99B4F-B30F-B637-14DC-07F2F42CD295}"/>
+              </a:ext>
+            </a:extLst>
+          </p:cNvPr>
+          <p:cNvPicPr>
+            <a:picLocks noChangeAspect="1"/>
+          </p:cNvPicPr>
+          <p:nvPr/>
+        </p:nvPicPr>
+        <p:blipFill>
+          <a:blip r:embed="rId4"/>
+          <a:stretch>
+            <a:fillRect/>
+          </a:stretch>
+        </p:blipFill>
+        <p:spPr>
+          <a:xfrm>
+            <a:off x="630916" y="2427332"/>
+            <a:ext cx="1278335" cy="1167174"/>
+          </a:xfrm>
+          <a:prstGeom prst="rect">
+            <a:avLst/>
+          </a:prstGeom>
+          <a:ln w="25400">
+            <a:solidFill>
+              <a:schemeClr val="tx1"/>
+            </a:solidFill>
+          </a:ln>
+        </p:spPr>
+      </p:pic>
+      <p:pic>
+        <p:nvPicPr>
+          <p:cNvPr id="6" name="Picture 5" descr="Chart&#10;&#10;Description automatically generated with low confidence">
+            <a:extLst>
+              <a:ext uri="{FF2B5EF4-FFF2-40B4-BE49-F238E27FC236}">
+                <a16:creationId xmlns:a16="http://schemas.microsoft.com/office/drawing/2014/main" id="{A0528957-C982-07F6-1D3B-9795D6C1E06D}"/>
+              </a:ext>
+            </a:extLst>
+          </p:cNvPr>
+          <p:cNvPicPr>
+            <a:picLocks noChangeAspect="1"/>
+          </p:cNvPicPr>
+          <p:nvPr/>
+        </p:nvPicPr>
+        <p:blipFill>
+          <a:blip r:embed="rId3"/>
+          <a:stretch>
+            <a:fillRect/>
+          </a:stretch>
+        </p:blipFill>
+        <p:spPr>
+          <a:xfrm>
+            <a:off x="7415310" y="2875188"/>
+            <a:ext cx="1171380" cy="1171380"/>
+          </a:xfrm>
+          <a:prstGeom prst="rect">
+            <a:avLst/>
+          </a:prstGeom>
+          <a:ln w="25400">
+            <a:solidFill>
+              <a:schemeClr val="tx1"/>
+            </a:solidFill>
+          </a:ln>
+        </p:spPr>
+      </p:pic>
+      <p:pic>
+        <p:nvPicPr>
+          <p:cNvPr id="7" name="Picture 6" descr="Icon&#10;&#10;Description automatically generated">
+            <a:extLst>
+              <a:ext uri="{FF2B5EF4-FFF2-40B4-BE49-F238E27FC236}">
+                <a16:creationId xmlns:a16="http://schemas.microsoft.com/office/drawing/2014/main" id="{C11AC560-00C4-CC6D-67BC-3DA165B1E18C}"/>
+              </a:ext>
+            </a:extLst>
+          </p:cNvPr>
+          <p:cNvPicPr>
+            <a:picLocks noChangeAspect="1"/>
+          </p:cNvPicPr>
+          <p:nvPr/>
+        </p:nvPicPr>
+        <p:blipFill>
+          <a:blip r:embed="rId4"/>
+          <a:stretch>
+            <a:fillRect/>
+          </a:stretch>
+        </p:blipFill>
+        <p:spPr>
+          <a:xfrm>
+            <a:off x="6122972" y="2427332"/>
+            <a:ext cx="1278335" cy="1167174"/>
+          </a:xfrm>
+          <a:prstGeom prst="rect">
+            <a:avLst/>
+          </a:prstGeom>
+          <a:ln w="25400">
+            <a:solidFill>
+              <a:schemeClr val="tx1"/>
+            </a:solidFill>
+          </a:ln>
+        </p:spPr>
+      </p:pic>
+      <p:sp>
+        <p:nvSpPr>
+          <p:cNvPr id="8" name="TextBox 7">
+            <a:extLst>
+              <a:ext uri="{FF2B5EF4-FFF2-40B4-BE49-F238E27FC236}">
+                <a16:creationId xmlns:a16="http://schemas.microsoft.com/office/drawing/2014/main" id="{F8BFA3AF-EB75-EDD9-4E1F-F57B353D650A}"/>
+              </a:ext>
+            </a:extLst>
+          </p:cNvPr>
+          <p:cNvSpPr txBox="1"/>
+          <p:nvPr/>
+        </p:nvSpPr>
+        <p:spPr>
+          <a:xfrm>
+            <a:off x="2656682" y="4591019"/>
+            <a:ext cx="4156907" cy="430887"/>
+          </a:xfrm>
+          <a:prstGeom prst="rect">
+            <a:avLst/>
+          </a:prstGeom>
+          <a:noFill/>
+        </p:spPr>
+        <p:txBody>
+          <a:bodyPr wrap="none" rtlCol="0">
+            <a:spAutoFit/>
+          </a:bodyPr>
+          <a:lstStyle/>
+          <a:p>
+            <a:r>
+              <a:rPr lang="en-US" sz="2200"/>
+              <a:t>sprite1.set_right(sprite2.get_left())</a:t>
+            </a:r>
+          </a:p>
+        </p:txBody>
+      </p:sp>
+      <p:sp>
+        <p:nvSpPr>
+          <p:cNvPr id="2" name="TextBox 1">
+            <a:extLst>
+              <a:ext uri="{FF2B5EF4-FFF2-40B4-BE49-F238E27FC236}">
+                <a16:creationId xmlns:a16="http://schemas.microsoft.com/office/drawing/2014/main" id="{F3DBFD5E-916F-C06C-F705-CF674F00B838}"/>
+              </a:ext>
+            </a:extLst>
+          </p:cNvPr>
+          <p:cNvSpPr txBox="1"/>
+          <p:nvPr/>
+        </p:nvSpPr>
+        <p:spPr>
+          <a:xfrm>
+            <a:off x="630916" y="1445256"/>
+            <a:ext cx="906017" cy="400110"/>
+          </a:xfrm>
+          <a:prstGeom prst="rect">
+            <a:avLst/>
+          </a:prstGeom>
+          <a:noFill/>
+        </p:spPr>
+        <p:txBody>
+          <a:bodyPr wrap="none" rtlCol="0">
+            <a:spAutoFit/>
+          </a:bodyPr>
+          <a:lstStyle/>
+          <a:p>
+            <a:r>
+              <a:rPr lang="en-US" sz="2000" dirty="0" err="1">
+                <a:solidFill>
+                  <a:srgbClr val="FF0000"/>
+                </a:solidFill>
+              </a:rPr>
+              <a:t>sprite1</a:t>
+            </a:r>
+            <a:endParaRPr lang="en-US" sz="2000" dirty="0">
+              <a:solidFill>
+                <a:srgbClr val="FF0000"/>
+              </a:solidFill>
+            </a:endParaRPr>
+          </a:p>
+        </p:txBody>
+      </p:sp>
+      <p:cxnSp>
+        <p:nvCxnSpPr>
+          <p:cNvPr id="5" name="Straight Arrow Connector 4">
+            <a:extLst>
+              <a:ext uri="{FF2B5EF4-FFF2-40B4-BE49-F238E27FC236}">
+                <a16:creationId xmlns:a16="http://schemas.microsoft.com/office/drawing/2014/main" id="{5831761A-1C32-043C-F041-828667CB4C70}"/>
+              </a:ext>
+            </a:extLst>
+          </p:cNvPr>
+          <p:cNvCxnSpPr>
+            <a:cxnSpLocks/>
+          </p:cNvCxnSpPr>
+          <p:nvPr/>
+        </p:nvCxnSpPr>
+        <p:spPr>
+          <a:xfrm>
+            <a:off x="1006867" y="1910255"/>
+            <a:ext cx="0" cy="387299"/>
+          </a:xfrm>
+          <a:prstGeom prst="straightConnector1">
+            <a:avLst/>
+          </a:prstGeom>
+          <a:ln w="25400">
+            <a:tailEnd type="triangle"/>
+          </a:ln>
+        </p:spPr>
+        <p:style>
+          <a:lnRef idx="1">
+            <a:schemeClr val="accent1"/>
+          </a:lnRef>
+          <a:fillRef idx="0">
+            <a:schemeClr val="accent1"/>
+          </a:fillRef>
+          <a:effectRef idx="0">
+            <a:schemeClr val="accent1"/>
+          </a:effectRef>
+          <a:fontRef idx="minor">
+            <a:schemeClr val="tx1"/>
+          </a:fontRef>
+        </p:style>
+      </p:cxnSp>
+      <p:sp>
+        <p:nvSpPr>
+          <p:cNvPr id="11" name="TextBox 10">
+            <a:extLst>
+              <a:ext uri="{FF2B5EF4-FFF2-40B4-BE49-F238E27FC236}">
+                <a16:creationId xmlns:a16="http://schemas.microsoft.com/office/drawing/2014/main" id="{0FB54A05-72ED-58AD-5D98-623E9063FB29}"/>
+              </a:ext>
+            </a:extLst>
+          </p:cNvPr>
+          <p:cNvSpPr txBox="1"/>
+          <p:nvPr/>
+        </p:nvSpPr>
+        <p:spPr>
+          <a:xfrm>
+            <a:off x="2203673" y="1542413"/>
+            <a:ext cx="906017" cy="400110"/>
+          </a:xfrm>
+          <a:prstGeom prst="rect">
+            <a:avLst/>
+          </a:prstGeom>
+          <a:noFill/>
+        </p:spPr>
+        <p:txBody>
+          <a:bodyPr wrap="none" rtlCol="0">
+            <a:spAutoFit/>
+          </a:bodyPr>
+          <a:lstStyle/>
+          <a:p>
+            <a:r>
+              <a:rPr lang="en-US" sz="2000" dirty="0" err="1">
+                <a:solidFill>
+                  <a:srgbClr val="FF0000"/>
+                </a:solidFill>
+              </a:rPr>
+              <a:t>sprite2</a:t>
+            </a:r>
+            <a:endParaRPr lang="en-US" sz="2000" dirty="0">
+              <a:solidFill>
+                <a:srgbClr val="FF0000"/>
+              </a:solidFill>
+            </a:endParaRPr>
+          </a:p>
+        </p:txBody>
+      </p:sp>
+      <p:cxnSp>
+        <p:nvCxnSpPr>
+          <p:cNvPr id="12" name="Straight Arrow Connector 11">
+            <a:extLst>
+              <a:ext uri="{FF2B5EF4-FFF2-40B4-BE49-F238E27FC236}">
+                <a16:creationId xmlns:a16="http://schemas.microsoft.com/office/drawing/2014/main" id="{0F273AFC-10F9-CED5-B57A-45F0E1BA9152}"/>
+              </a:ext>
+            </a:extLst>
+          </p:cNvPr>
+          <p:cNvCxnSpPr>
+            <a:cxnSpLocks/>
+          </p:cNvCxnSpPr>
+          <p:nvPr/>
+        </p:nvCxnSpPr>
+        <p:spPr>
+          <a:xfrm flipH="1">
+            <a:off x="2291137" y="2007412"/>
+            <a:ext cx="288487" cy="704966"/>
+          </a:xfrm>
+          <a:prstGeom prst="straightConnector1">
+            <a:avLst/>
+          </a:prstGeom>
+          <a:ln w="25400">
+            <a:tailEnd type="triangle"/>
+          </a:ln>
+        </p:spPr>
+        <p:style>
+          <a:lnRef idx="1">
+            <a:schemeClr val="accent1"/>
+          </a:lnRef>
+          <a:fillRef idx="0">
+            <a:schemeClr val="accent1"/>
+          </a:fillRef>
+          <a:effectRef idx="0">
+            <a:schemeClr val="accent1"/>
+          </a:effectRef>
+          <a:fontRef idx="minor">
+            <a:schemeClr val="tx1"/>
+          </a:fontRef>
+        </p:style>
+      </p:cxnSp>
+    </p:spTree>
+    <p:extLst>
+      <p:ext uri="{BB962C8B-B14F-4D97-AF65-F5344CB8AC3E}">
+        <p14:creationId xmlns:p14="http://schemas.microsoft.com/office/powerpoint/2010/main" val="999248342"/>
+      </p:ext>
+    </p:extLst>
+  </p:cSld>
+  <p:clrMapOvr>
+    <a:masterClrMapping/>
+  </p:clrMapOvr>
+  <p:transition/>
+  <p:timing>
+    <p:tnLst>
+      <p:par>
+        <p:cTn id="1" dur="indefinite" restart="never" nodeType="tmRoot">
+          <p:childTnLst>
+            <p:seq concurrent="1" nextAc="seek">
+              <p:cTn id="2" dur="indefinite" nodeType="mainSeq">
+                <p:childTnLst>
+                  <p:par>
+                    <p:cTn id="3" fill="hold">
+                      <p:stCondLst>
+                        <p:cond delay="indefinite"/>
+                      </p:stCondLst>
+                      <p:childTnLst>
+                        <p:par>
+                          <p:cTn id="4" fill="hold">
+                            <p:stCondLst>
+                              <p:cond delay="0"/>
+                            </p:stCondLst>
+                            <p:childTnLst>
+                              <p:par>
+                                <p:cTn id="5" presetID="1" presetClass="entr" presetSubtype="0" fill="hold" grpId="0" nodeType="clickEffect">
+                                  <p:stCondLst>
+                                    <p:cond delay="0"/>
+                                  </p:stCondLst>
+                                  <p:childTnLst>
+                                    <p:set>
+                                      <p:cBhvr>
+                                        <p:cTn id="6" dur="1" fill="hold">
+                                          <p:stCondLst>
+                                            <p:cond delay="0"/>
+                                          </p:stCondLst>
+                                        </p:cTn>
+                                        <p:tgtEl>
+                                          <p:spTgt spid="8"/>
+                                        </p:tgtEl>
+                                        <p:attrNameLst>
+                                          <p:attrName>style.visibility</p:attrName>
+                                        </p:attrNameLst>
+                                      </p:cBhvr>
+                                      <p:to>
+                                        <p:strVal val="visible"/>
+                                      </p:to>
+                                    </p:set>
+                                  </p:childTnLst>
+                                </p:cTn>
+                              </p:par>
+                              <p:par>
+                                <p:cTn id="7" presetID="1" presetClass="entr" presetSubtype="0" fill="hold" grpId="0" nodeType="withEffect">
+                                  <p:stCondLst>
+                                    <p:cond delay="0"/>
+                                  </p:stCondLst>
+                                  <p:childTnLst>
+                                    <p:set>
+                                      <p:cBhvr>
+                                        <p:cTn id="8" dur="1" fill="hold">
+                                          <p:stCondLst>
+                                            <p:cond delay="0"/>
+                                          </p:stCondLst>
+                                        </p:cTn>
+                                        <p:tgtEl>
+                                          <p:spTgt spid="2"/>
+                                        </p:tgtEl>
+                                        <p:attrNameLst>
+                                          <p:attrName>style.visibility</p:attrName>
+                                        </p:attrNameLst>
+                                      </p:cBhvr>
+                                      <p:to>
+                                        <p:strVal val="visible"/>
+                                      </p:to>
+                                    </p:set>
+                                  </p:childTnLst>
+                                </p:cTn>
+                              </p:par>
+                              <p:par>
+                                <p:cTn id="9" presetID="1" presetClass="entr" presetSubtype="0" fill="hold" nodeType="withEffect">
+                                  <p:stCondLst>
+                                    <p:cond delay="0"/>
+                                  </p:stCondLst>
+                                  <p:childTnLst>
+                                    <p:set>
+                                      <p:cBhvr>
+                                        <p:cTn id="10" dur="1" fill="hold">
+                                          <p:stCondLst>
+                                            <p:cond delay="0"/>
+                                          </p:stCondLst>
+                                        </p:cTn>
+                                        <p:tgtEl>
+                                          <p:spTgt spid="5"/>
+                                        </p:tgtEl>
+                                        <p:attrNameLst>
+                                          <p:attrName>style.visibility</p:attrName>
+                                        </p:attrNameLst>
+                                      </p:cBhvr>
+                                      <p:to>
+                                        <p:strVal val="visible"/>
+                                      </p:to>
+                                    </p:set>
+                                  </p:childTnLst>
+                                </p:cTn>
+                              </p:par>
+                              <p:par>
+                                <p:cTn id="11" presetID="1" presetClass="entr" presetSubtype="0" fill="hold" grpId="0" nodeType="withEffect">
+                                  <p:stCondLst>
+                                    <p:cond delay="0"/>
+                                  </p:stCondLst>
+                                  <p:childTnLst>
+                                    <p:set>
+                                      <p:cBhvr>
+                                        <p:cTn id="12" dur="1" fill="hold">
+                                          <p:stCondLst>
+                                            <p:cond delay="0"/>
+                                          </p:stCondLst>
+                                        </p:cTn>
+                                        <p:tgtEl>
+                                          <p:spTgt spid="11"/>
+                                        </p:tgtEl>
+                                        <p:attrNameLst>
+                                          <p:attrName>style.visibility</p:attrName>
+                                        </p:attrNameLst>
+                                      </p:cBhvr>
+                                      <p:to>
+                                        <p:strVal val="visible"/>
+                                      </p:to>
+                                    </p:set>
+                                  </p:childTnLst>
+                                </p:cTn>
+                              </p:par>
+                              <p:par>
+                                <p:cTn id="13" presetID="1" presetClass="entr" presetSubtype="0" fill="hold" nodeType="withEffect">
+                                  <p:stCondLst>
+                                    <p:cond delay="0"/>
+                                  </p:stCondLst>
+                                  <p:childTnLst>
+                                    <p:set>
+                                      <p:cBhvr>
+                                        <p:cTn id="14" dur="1" fill="hold">
+                                          <p:stCondLst>
+                                            <p:cond delay="0"/>
+                                          </p:stCondLst>
+                                        </p:cTn>
+                                        <p:tgtEl>
+                                          <p:spTgt spid="12"/>
+                                        </p:tgtEl>
+                                        <p:attrNameLst>
+                                          <p:attrName>style.visibility</p:attrName>
+                                        </p:attrNameLst>
+                                      </p:cBhvr>
+                                      <p:to>
+                                        <p:strVal val="visible"/>
+                                      </p:to>
+                                    </p:set>
+                                  </p:childTnLst>
+                                </p:cTn>
+                              </p:par>
+                            </p:childTnLst>
+                          </p:cTn>
+                        </p:par>
+                      </p:childTnLst>
+                    </p:cTn>
+                  </p:par>
+                </p:childTnLst>
+              </p:cTn>
+              <p:prevCondLst>
+                <p:cond evt="onPrev" delay="0">
+                  <p:tgtEl>
+                    <p:sldTgt/>
+                  </p:tgtEl>
+                </p:cond>
+              </p:prevCondLst>
+              <p:nextCondLst>
+                <p:cond evt="onNext" delay="0">
+                  <p:tgtEl>
+                    <p:sldTgt/>
+                  </p:tgtEl>
+                </p:cond>
+              </p:nextCondLst>
+            </p:seq>
+          </p:childTnLst>
+        </p:cTn>
+      </p:par>
+    </p:tnLst>
+    <p:bldLst>
+      <p:bldP spid="8" grpId="0"/>
+      <p:bldP spid="2" grpId="0"/>
+      <p:bldP spid="11" grpId="0"/>
+    </p:bldLst>
+  </p:timing>
+</p:sld>
+</file>
+
+<file path=ppt/slides/slide8.xml><?xml version="1.0" encoding="utf-8"?>
+<p:sld xmlns:a="http://schemas.openxmlformats.org/drawingml/2006/main" xmlns:r="http://schemas.openxmlformats.org/officeDocument/2006/relationships" xmlns:p="http://schemas.openxmlformats.org/presentationml/2006/main">
+  <p:cSld>
+    <p:spTree>
+      <p:nvGrpSpPr>
+        <p:cNvPr id="1" name=""/>
+        <p:cNvGrpSpPr/>
+        <p:nvPr/>
+      </p:nvGrpSpPr>
+      <p:grpSpPr>
+        <a:xfrm>
+          <a:off x="0" y="0"/>
+          <a:ext cx="0" cy="0"/>
+          <a:chOff x="0" y="0"/>
+          <a:chExt cx="0" cy="0"/>
+        </a:xfrm>
+      </p:grpSpPr>
+      <p:sp>
+        <p:nvSpPr>
           <p:cNvPr id="2" name="Title 1">
             <a:extLst>
               <a:ext uri="{FF2B5EF4-FFF2-40B4-BE49-F238E27FC236}">
@@ -14381,1880 +18313,6 @@
 </p:sld>
 </file>
 
-<file path=ppt/slides/slide6.xml><?xml version="1.0" encoding="utf-8"?>
-<p:sld xmlns:a="http://schemas.openxmlformats.org/drawingml/2006/main" xmlns:r="http://schemas.openxmlformats.org/officeDocument/2006/relationships" xmlns:p="http://schemas.openxmlformats.org/presentationml/2006/main">
-  <p:cSld>
-    <p:spTree>
-      <p:nvGrpSpPr>
-        <p:cNvPr id="1" name=""/>
-        <p:cNvGrpSpPr/>
-        <p:nvPr/>
-      </p:nvGrpSpPr>
-      <p:grpSpPr>
-        <a:xfrm>
-          <a:off x="0" y="0"/>
-          <a:ext cx="0" cy="0"/>
-          <a:chOff x="0" y="0"/>
-          <a:chExt cx="0" cy="0"/>
-        </a:xfrm>
-      </p:grpSpPr>
-      <p:sp>
-        <p:nvSpPr>
-          <p:cNvPr id="2" name="Title 1">
-            <a:extLst>
-              <a:ext uri="{FF2B5EF4-FFF2-40B4-BE49-F238E27FC236}">
-                <a16:creationId xmlns:a16="http://schemas.microsoft.com/office/drawing/2014/main" id="{870AC1F3-79C1-D54D-9F4F-7CDE7D29D43B}"/>
-              </a:ext>
-            </a:extLst>
-          </p:cNvPr>
-          <p:cNvSpPr>
-            <a:spLocks noGrp="1"/>
-          </p:cNvSpPr>
-          <p:nvPr>
-            <p:ph type="title"/>
-          </p:nvPr>
-        </p:nvSpPr>
-        <p:spPr>
-          <a:xfrm>
-            <a:off x="628650" y="304271"/>
-            <a:ext cx="7886700" cy="671774"/>
-          </a:xfrm>
-        </p:spPr>
-        <p:txBody>
-          <a:bodyPr/>
-          <a:lstStyle/>
-          <a:p>
-            <a:r>
-              <a:rPr lang="en-US" dirty="0"/>
-              <a:t>Resolving Top-Down Collisions</a:t>
-            </a:r>
-          </a:p>
-        </p:txBody>
-      </p:sp>
-      <p:sp>
-        <p:nvSpPr>
-          <p:cNvPr id="9" name="TextBox 8">
-            <a:extLst>
-              <a:ext uri="{FF2B5EF4-FFF2-40B4-BE49-F238E27FC236}">
-                <a16:creationId xmlns:a16="http://schemas.microsoft.com/office/drawing/2014/main" id="{E1513AD7-DD4F-4844-A45C-15B893C5402D}"/>
-              </a:ext>
-            </a:extLst>
-          </p:cNvPr>
-          <p:cNvSpPr txBox="1"/>
-          <p:nvPr/>
-        </p:nvSpPr>
-        <p:spPr>
-          <a:xfrm>
-            <a:off x="269379" y="1803769"/>
-            <a:ext cx="184731" cy="415498"/>
-          </a:xfrm>
-          <a:prstGeom prst="rect">
-            <a:avLst/>
-          </a:prstGeom>
-          <a:noFill/>
-        </p:spPr>
-        <p:txBody>
-          <a:bodyPr wrap="none" rtlCol="0">
-            <a:spAutoFit/>
-          </a:bodyPr>
-          <a:lstStyle/>
-          <a:p>
-            <a:endParaRPr lang="en-US" sz="2100" dirty="0"/>
-          </a:p>
-        </p:txBody>
-      </p:sp>
-      <p:sp>
-        <p:nvSpPr>
-          <p:cNvPr id="4" name="Content Placeholder 3">
-            <a:extLst>
-              <a:ext uri="{FF2B5EF4-FFF2-40B4-BE49-F238E27FC236}">
-                <a16:creationId xmlns:a16="http://schemas.microsoft.com/office/drawing/2014/main" id="{DCAA5EB8-B85C-0147-9DC5-1620B61CF5C9}"/>
-              </a:ext>
-            </a:extLst>
-          </p:cNvPr>
-          <p:cNvSpPr>
-            <a:spLocks noGrp="1"/>
-          </p:cNvSpPr>
-          <p:nvPr>
-            <p:ph idx="1"/>
-          </p:nvPr>
-        </p:nvSpPr>
-        <p:spPr>
-          <a:xfrm>
-            <a:off x="454109" y="976045"/>
-            <a:ext cx="8420511" cy="4434684"/>
-          </a:xfrm>
-        </p:spPr>
-        <p:txBody>
-          <a:bodyPr/>
-          <a:lstStyle/>
-          <a:p>
-            <a:pPr marL="0" indent="0">
-              <a:buNone/>
-            </a:pPr>
-            <a:endParaRPr lang="en-US" dirty="0"/>
-          </a:p>
-          <a:p>
-            <a:endParaRPr lang="en-US" dirty="0"/>
-          </a:p>
-        </p:txBody>
-      </p:sp>
-      <p:sp>
-        <p:nvSpPr>
-          <p:cNvPr id="3" name="TextBox 2">
-            <a:extLst>
-              <a:ext uri="{FF2B5EF4-FFF2-40B4-BE49-F238E27FC236}">
-                <a16:creationId xmlns:a16="http://schemas.microsoft.com/office/drawing/2014/main" id="{7C585519-C7CE-D848-8783-C057C1CB97B2}"/>
-              </a:ext>
-            </a:extLst>
-          </p:cNvPr>
-          <p:cNvSpPr txBox="1"/>
-          <p:nvPr/>
-        </p:nvSpPr>
-        <p:spPr>
-          <a:xfrm>
-            <a:off x="4819536" y="976046"/>
-            <a:ext cx="3534049" cy="2862322"/>
-          </a:xfrm>
-          <a:prstGeom prst="rect">
-            <a:avLst/>
-          </a:prstGeom>
-          <a:noFill/>
-        </p:spPr>
-        <p:txBody>
-          <a:bodyPr wrap="square" rtlCol="0">
-            <a:spAutoFit/>
-          </a:bodyPr>
-          <a:lstStyle/>
-          <a:p>
-            <a:r>
-              <a:rPr lang="en-US" sz="2000" dirty="0"/>
-              <a:t>Instead of moving in both the x and y directions and then try to resolve collisions, it is easier to </a:t>
-            </a:r>
-          </a:p>
-          <a:p>
-            <a:endParaRPr lang="en-US" sz="2000" dirty="0"/>
-          </a:p>
-          <a:p>
-            <a:r>
-              <a:rPr lang="en-US" sz="2000" dirty="0"/>
-              <a:t>1) move in x direction, check for and resolve collision </a:t>
-            </a:r>
-          </a:p>
-          <a:p>
-            <a:r>
-              <a:rPr lang="en-US" sz="2000" dirty="0"/>
-              <a:t>2) then move in </a:t>
-            </a:r>
-            <a:r>
-              <a:rPr lang="en-US" sz="2000"/>
-              <a:t>the y </a:t>
-            </a:r>
-            <a:r>
-              <a:rPr lang="en-US" sz="2000" dirty="0"/>
-              <a:t>direction and then check for and resolve collision again.</a:t>
-            </a:r>
-          </a:p>
-        </p:txBody>
-      </p:sp>
-      <p:sp>
-        <p:nvSpPr>
-          <p:cNvPr id="24" name="TextBox 23">
-            <a:extLst>
-              <a:ext uri="{FF2B5EF4-FFF2-40B4-BE49-F238E27FC236}">
-                <a16:creationId xmlns:a16="http://schemas.microsoft.com/office/drawing/2014/main" id="{034392D3-5466-4141-97EA-1485D78D40AB}"/>
-              </a:ext>
-            </a:extLst>
-          </p:cNvPr>
-          <p:cNvSpPr txBox="1"/>
-          <p:nvPr/>
-        </p:nvSpPr>
-        <p:spPr>
-          <a:xfrm>
-            <a:off x="1348353" y="1131376"/>
-            <a:ext cx="184731" cy="308418"/>
-          </a:xfrm>
-          <a:prstGeom prst="rect">
-            <a:avLst/>
-          </a:prstGeom>
-          <a:noFill/>
-        </p:spPr>
-        <p:txBody>
-          <a:bodyPr wrap="none" rtlCol="0">
-            <a:spAutoFit/>
-          </a:bodyPr>
-          <a:lstStyle/>
-          <a:p>
-            <a:endParaRPr lang="en-US" dirty="0"/>
-          </a:p>
-        </p:txBody>
-      </p:sp>
-      <p:sp>
-        <p:nvSpPr>
-          <p:cNvPr id="25" name="TextBox 24">
-            <a:extLst>
-              <a:ext uri="{FF2B5EF4-FFF2-40B4-BE49-F238E27FC236}">
-                <a16:creationId xmlns:a16="http://schemas.microsoft.com/office/drawing/2014/main" id="{86AC38CF-2092-6F43-8B35-4D18887AC663}"/>
-              </a:ext>
-            </a:extLst>
-          </p:cNvPr>
-          <p:cNvSpPr txBox="1"/>
-          <p:nvPr/>
-        </p:nvSpPr>
-        <p:spPr>
-          <a:xfrm>
-            <a:off x="269379" y="511444"/>
-            <a:ext cx="184731" cy="308418"/>
-          </a:xfrm>
-          <a:prstGeom prst="rect">
-            <a:avLst/>
-          </a:prstGeom>
-          <a:noFill/>
-        </p:spPr>
-        <p:txBody>
-          <a:bodyPr wrap="none" rtlCol="0">
-            <a:spAutoFit/>
-          </a:bodyPr>
-          <a:lstStyle/>
-          <a:p>
-            <a:endParaRPr lang="en-US" dirty="0"/>
-          </a:p>
-        </p:txBody>
-      </p:sp>
-      <p:sp>
-        <p:nvSpPr>
-          <p:cNvPr id="26" name="TextBox 25">
-            <a:extLst>
-              <a:ext uri="{FF2B5EF4-FFF2-40B4-BE49-F238E27FC236}">
-                <a16:creationId xmlns:a16="http://schemas.microsoft.com/office/drawing/2014/main" id="{E98C8C1F-BB33-6D4A-B708-CDCD73D16D95}"/>
-              </a:ext>
-            </a:extLst>
-          </p:cNvPr>
-          <p:cNvSpPr txBox="1"/>
-          <p:nvPr/>
-        </p:nvSpPr>
-        <p:spPr>
-          <a:xfrm>
-            <a:off x="454108" y="1160212"/>
-            <a:ext cx="3534049" cy="707886"/>
-          </a:xfrm>
-          <a:prstGeom prst="rect">
-            <a:avLst/>
-          </a:prstGeom>
-          <a:noFill/>
-        </p:spPr>
-        <p:txBody>
-          <a:bodyPr wrap="square" rtlCol="0">
-            <a:spAutoFit/>
-          </a:bodyPr>
-          <a:lstStyle/>
-          <a:p>
-            <a:r>
-              <a:rPr lang="en-US" sz="2000" dirty="0" err="1">
-                <a:solidFill>
-                  <a:srgbClr val="FF0000"/>
-                </a:solidFill>
-              </a:rPr>
-              <a:t>center_x</a:t>
-            </a:r>
-            <a:r>
-              <a:rPr lang="en-US" sz="2000" dirty="0">
-                <a:solidFill>
-                  <a:srgbClr val="FF0000"/>
-                </a:solidFill>
-              </a:rPr>
-              <a:t> += </a:t>
-            </a:r>
-            <a:r>
-              <a:rPr lang="en-US" sz="2000" dirty="0" err="1">
-                <a:solidFill>
-                  <a:srgbClr val="FF0000"/>
-                </a:solidFill>
-              </a:rPr>
-              <a:t>change_x</a:t>
-            </a:r>
-          </a:p>
-          <a:p>
-            <a:r>
-              <a:rPr lang="en-US" sz="2000" dirty="0" err="1">
-                <a:solidFill>
-                  <a:srgbClr val="FF0000"/>
-                </a:solidFill>
-              </a:rPr>
-              <a:t>center_y</a:t>
-            </a:r>
-            <a:r>
-              <a:rPr lang="en-US" sz="2000" dirty="0">
-                <a:solidFill>
-                  <a:srgbClr val="FF0000"/>
-                </a:solidFill>
-              </a:rPr>
-              <a:t> += </a:t>
-            </a:r>
-            <a:r>
-              <a:rPr lang="en-US" sz="2000" dirty="0" err="1">
-                <a:solidFill>
-                  <a:srgbClr val="FF0000"/>
-                </a:solidFill>
-              </a:rPr>
-              <a:t>change_y</a:t>
-            </a:r>
-            <a:endParaRPr lang="en-US" sz="2000" dirty="0">
-              <a:solidFill>
-                <a:srgbClr val="FF0000"/>
-              </a:solidFill>
-            </a:endParaRPr>
-          </a:p>
-        </p:txBody>
-      </p:sp>
-      <p:pic>
-        <p:nvPicPr>
-          <p:cNvPr id="17" name="Picture 16" descr="Icon&#10;&#10;Description automatically generated">
-            <a:extLst>
-              <a:ext uri="{FF2B5EF4-FFF2-40B4-BE49-F238E27FC236}">
-                <a16:creationId xmlns:a16="http://schemas.microsoft.com/office/drawing/2014/main" id="{1A644215-2140-7283-D202-AFEDC3D893D5}"/>
-              </a:ext>
-            </a:extLst>
-          </p:cNvPr>
-          <p:cNvPicPr>
-            <a:picLocks noChangeAspect="1"/>
-          </p:cNvPicPr>
-          <p:nvPr/>
-        </p:nvPicPr>
-        <p:blipFill>
-          <a:blip r:embed="rId2"/>
-          <a:stretch>
-            <a:fillRect/>
-          </a:stretch>
-        </p:blipFill>
-        <p:spPr>
-          <a:xfrm>
-            <a:off x="2241225" y="2449346"/>
-            <a:ext cx="652793" cy="596028"/>
-          </a:xfrm>
-          <a:prstGeom prst="rect">
-            <a:avLst/>
-          </a:prstGeom>
-          <a:ln w="25400">
-            <a:solidFill>
-              <a:schemeClr val="tx1"/>
-            </a:solidFill>
-          </a:ln>
-        </p:spPr>
-      </p:pic>
-      <p:pic>
-        <p:nvPicPr>
-          <p:cNvPr id="27" name="Picture 26" descr="Chart&#10;&#10;Description automatically generated with low confidence">
-            <a:extLst>
-              <a:ext uri="{FF2B5EF4-FFF2-40B4-BE49-F238E27FC236}">
-                <a16:creationId xmlns:a16="http://schemas.microsoft.com/office/drawing/2014/main" id="{2C2DAB2E-2055-713B-9A38-64EB01A9C0BD}"/>
-              </a:ext>
-            </a:extLst>
-          </p:cNvPr>
-          <p:cNvPicPr>
-            <a:picLocks noChangeAspect="1"/>
-          </p:cNvPicPr>
-          <p:nvPr/>
-        </p:nvPicPr>
-        <p:blipFill>
-          <a:blip r:embed="rId3"/>
-          <a:stretch>
-            <a:fillRect/>
-          </a:stretch>
-        </p:blipFill>
-        <p:spPr>
-          <a:xfrm>
-            <a:off x="1173821" y="4042919"/>
-            <a:ext cx="596028" cy="596028"/>
-          </a:xfrm>
-          <a:prstGeom prst="rect">
-            <a:avLst/>
-          </a:prstGeom>
-          <a:ln w="25400">
-            <a:solidFill>
-              <a:schemeClr val="tx1"/>
-            </a:solidFill>
-          </a:ln>
-        </p:spPr>
-      </p:pic>
-      <p:pic>
-        <p:nvPicPr>
-          <p:cNvPr id="28" name="Picture 27" descr="Chart&#10;&#10;Description automatically generated with low confidence">
-            <a:extLst>
-              <a:ext uri="{FF2B5EF4-FFF2-40B4-BE49-F238E27FC236}">
-                <a16:creationId xmlns:a16="http://schemas.microsoft.com/office/drawing/2014/main" id="{0E2B01E6-B1DB-0C0D-C30A-A865D1C0ED5B}"/>
-              </a:ext>
-            </a:extLst>
-          </p:cNvPr>
-          <p:cNvPicPr>
-            <a:picLocks noChangeAspect="1"/>
-          </p:cNvPicPr>
-          <p:nvPr/>
-        </p:nvPicPr>
-        <p:blipFill>
-          <a:blip r:embed="rId3"/>
-          <a:stretch>
-            <a:fillRect/>
-          </a:stretch>
-        </p:blipFill>
-        <p:spPr>
-          <a:xfrm>
-            <a:off x="544379" y="4051133"/>
-            <a:ext cx="596028" cy="596028"/>
-          </a:xfrm>
-          <a:prstGeom prst="rect">
-            <a:avLst/>
-          </a:prstGeom>
-          <a:ln w="25400">
-            <a:solidFill>
-              <a:schemeClr val="tx1"/>
-            </a:solidFill>
-          </a:ln>
-        </p:spPr>
-      </p:pic>
-      <p:pic>
-        <p:nvPicPr>
-          <p:cNvPr id="30" name="Picture 29" descr="Chart&#10;&#10;Description automatically generated with low confidence">
-            <a:extLst>
-              <a:ext uri="{FF2B5EF4-FFF2-40B4-BE49-F238E27FC236}">
-                <a16:creationId xmlns:a16="http://schemas.microsoft.com/office/drawing/2014/main" id="{C3734589-3FB5-49B0-3878-8F507719DE29}"/>
-              </a:ext>
-            </a:extLst>
-          </p:cNvPr>
-          <p:cNvPicPr>
-            <a:picLocks noChangeAspect="1"/>
-          </p:cNvPicPr>
-          <p:nvPr/>
-        </p:nvPicPr>
-        <p:blipFill>
-          <a:blip r:embed="rId3"/>
-          <a:stretch>
-            <a:fillRect/>
-          </a:stretch>
-        </p:blipFill>
-        <p:spPr>
-          <a:xfrm>
-            <a:off x="1781764" y="4676382"/>
-            <a:ext cx="596028" cy="596028"/>
-          </a:xfrm>
-          <a:prstGeom prst="rect">
-            <a:avLst/>
-          </a:prstGeom>
-          <a:ln w="25400">
-            <a:solidFill>
-              <a:schemeClr val="tx1"/>
-            </a:solidFill>
-          </a:ln>
-        </p:spPr>
-      </p:pic>
-      <p:pic>
-        <p:nvPicPr>
-          <p:cNvPr id="31" name="Picture 30" descr="Chart&#10;&#10;Description automatically generated with low confidence">
-            <a:extLst>
-              <a:ext uri="{FF2B5EF4-FFF2-40B4-BE49-F238E27FC236}">
-                <a16:creationId xmlns:a16="http://schemas.microsoft.com/office/drawing/2014/main" id="{9A8E5010-CB20-493C-9682-0983565F5EF3}"/>
-              </a:ext>
-            </a:extLst>
-          </p:cNvPr>
-          <p:cNvPicPr>
-            <a:picLocks noChangeAspect="1"/>
-          </p:cNvPicPr>
-          <p:nvPr/>
-        </p:nvPicPr>
-        <p:blipFill>
-          <a:blip r:embed="rId3"/>
-          <a:stretch>
-            <a:fillRect/>
-          </a:stretch>
-        </p:blipFill>
-        <p:spPr>
-          <a:xfrm>
-            <a:off x="1781764" y="4049556"/>
-            <a:ext cx="596028" cy="596028"/>
-          </a:xfrm>
-          <a:prstGeom prst="rect">
-            <a:avLst/>
-          </a:prstGeom>
-          <a:ln w="25400">
-            <a:solidFill>
-              <a:schemeClr val="tx1"/>
-            </a:solidFill>
-          </a:ln>
-        </p:spPr>
-      </p:pic>
-      <p:pic>
-        <p:nvPicPr>
-          <p:cNvPr id="32" name="Picture 31" descr="Chart&#10;&#10;Description automatically generated with low confidence">
-            <a:extLst>
-              <a:ext uri="{FF2B5EF4-FFF2-40B4-BE49-F238E27FC236}">
-                <a16:creationId xmlns:a16="http://schemas.microsoft.com/office/drawing/2014/main" id="{3FCC39C9-2B02-E596-34C9-32B00E97A44E}"/>
-              </a:ext>
-            </a:extLst>
-          </p:cNvPr>
-          <p:cNvPicPr>
-            <a:picLocks noChangeAspect="1"/>
-          </p:cNvPicPr>
-          <p:nvPr/>
-        </p:nvPicPr>
-        <p:blipFill>
-          <a:blip r:embed="rId3"/>
-          <a:stretch>
-            <a:fillRect/>
-          </a:stretch>
-        </p:blipFill>
-        <p:spPr>
-          <a:xfrm>
-            <a:off x="3220415" y="2810862"/>
-            <a:ext cx="596028" cy="596028"/>
-          </a:xfrm>
-          <a:prstGeom prst="rect">
-            <a:avLst/>
-          </a:prstGeom>
-          <a:ln w="25400">
-            <a:solidFill>
-              <a:schemeClr val="tx1"/>
-            </a:solidFill>
-          </a:ln>
-        </p:spPr>
-      </p:pic>
-      <p:pic>
-        <p:nvPicPr>
-          <p:cNvPr id="33" name="Picture 32" descr="Chart&#10;&#10;Description automatically generated with low confidence">
-            <a:extLst>
-              <a:ext uri="{FF2B5EF4-FFF2-40B4-BE49-F238E27FC236}">
-                <a16:creationId xmlns:a16="http://schemas.microsoft.com/office/drawing/2014/main" id="{9F13699F-1567-5A6A-C4A1-01A556269AFA}"/>
-              </a:ext>
-            </a:extLst>
-          </p:cNvPr>
-          <p:cNvPicPr>
-            <a:picLocks noChangeAspect="1"/>
-          </p:cNvPicPr>
-          <p:nvPr/>
-        </p:nvPicPr>
-        <p:blipFill>
-          <a:blip r:embed="rId3"/>
-          <a:stretch>
-            <a:fillRect/>
-          </a:stretch>
-        </p:blipFill>
-        <p:spPr>
-          <a:xfrm>
-            <a:off x="1781764" y="3453528"/>
-            <a:ext cx="596028" cy="596028"/>
-          </a:xfrm>
-          <a:prstGeom prst="rect">
-            <a:avLst/>
-          </a:prstGeom>
-          <a:ln w="25400">
-            <a:solidFill>
-              <a:schemeClr val="tx1"/>
-            </a:solidFill>
-          </a:ln>
-        </p:spPr>
-      </p:pic>
-      <p:pic>
-        <p:nvPicPr>
-          <p:cNvPr id="34" name="Picture 33" descr="Chart&#10;&#10;Description automatically generated with low confidence">
-            <a:extLst>
-              <a:ext uri="{FF2B5EF4-FFF2-40B4-BE49-F238E27FC236}">
-                <a16:creationId xmlns:a16="http://schemas.microsoft.com/office/drawing/2014/main" id="{1E98B97C-748F-69CE-E6E2-D51A24328A2A}"/>
-              </a:ext>
-            </a:extLst>
-          </p:cNvPr>
-          <p:cNvPicPr>
-            <a:picLocks noChangeAspect="1"/>
-          </p:cNvPicPr>
-          <p:nvPr/>
-        </p:nvPicPr>
-        <p:blipFill>
-          <a:blip r:embed="rId3"/>
-          <a:stretch>
-            <a:fillRect/>
-          </a:stretch>
-        </p:blipFill>
-        <p:spPr>
-          <a:xfrm>
-            <a:off x="3855583" y="2169354"/>
-            <a:ext cx="596028" cy="596028"/>
-          </a:xfrm>
-          <a:prstGeom prst="rect">
-            <a:avLst/>
-          </a:prstGeom>
-          <a:ln w="25400">
-            <a:solidFill>
-              <a:schemeClr val="tx1"/>
-            </a:solidFill>
-          </a:ln>
-        </p:spPr>
-      </p:pic>
-      <p:pic>
-        <p:nvPicPr>
-          <p:cNvPr id="35" name="Picture 34" descr="Chart&#10;&#10;Description automatically generated with low confidence">
-            <a:extLst>
-              <a:ext uri="{FF2B5EF4-FFF2-40B4-BE49-F238E27FC236}">
-                <a16:creationId xmlns:a16="http://schemas.microsoft.com/office/drawing/2014/main" id="{7224E4B4-27E4-5B94-0A69-458F1E192386}"/>
-              </a:ext>
-            </a:extLst>
-          </p:cNvPr>
-          <p:cNvPicPr>
-            <a:picLocks noChangeAspect="1"/>
-          </p:cNvPicPr>
-          <p:nvPr/>
-        </p:nvPicPr>
-        <p:blipFill>
-          <a:blip r:embed="rId3"/>
-          <a:stretch>
-            <a:fillRect/>
-          </a:stretch>
-        </p:blipFill>
-        <p:spPr>
-          <a:xfrm>
-            <a:off x="3221334" y="2178550"/>
-            <a:ext cx="596028" cy="596028"/>
-          </a:xfrm>
-          <a:prstGeom prst="rect">
-            <a:avLst/>
-          </a:prstGeom>
-          <a:ln w="25400">
-            <a:solidFill>
-              <a:schemeClr val="tx1"/>
-            </a:solidFill>
-          </a:ln>
-        </p:spPr>
-      </p:pic>
-      <p:pic>
-        <p:nvPicPr>
-          <p:cNvPr id="36" name="Picture 35" descr="Chart&#10;&#10;Description automatically generated with low confidence">
-            <a:extLst>
-              <a:ext uri="{FF2B5EF4-FFF2-40B4-BE49-F238E27FC236}">
-                <a16:creationId xmlns:a16="http://schemas.microsoft.com/office/drawing/2014/main" id="{3A734EE6-CDE4-70CA-E08E-D734B255C1F1}"/>
-              </a:ext>
-            </a:extLst>
-          </p:cNvPr>
-          <p:cNvPicPr>
-            <a:picLocks noChangeAspect="1"/>
-          </p:cNvPicPr>
-          <p:nvPr/>
-        </p:nvPicPr>
-        <p:blipFill>
-          <a:blip r:embed="rId3"/>
-          <a:stretch>
-            <a:fillRect/>
-          </a:stretch>
-        </p:blipFill>
-        <p:spPr>
-          <a:xfrm>
-            <a:off x="3823286" y="4665977"/>
-            <a:ext cx="596028" cy="596028"/>
-          </a:xfrm>
-          <a:prstGeom prst="rect">
-            <a:avLst/>
-          </a:prstGeom>
-          <a:ln w="25400">
-            <a:solidFill>
-              <a:schemeClr val="tx1"/>
-            </a:solidFill>
-          </a:ln>
-        </p:spPr>
-      </p:pic>
-      <p:pic>
-        <p:nvPicPr>
-          <p:cNvPr id="37" name="Picture 36" descr="Chart&#10;&#10;Description automatically generated with low confidence">
-            <a:extLst>
-              <a:ext uri="{FF2B5EF4-FFF2-40B4-BE49-F238E27FC236}">
-                <a16:creationId xmlns:a16="http://schemas.microsoft.com/office/drawing/2014/main" id="{7EC94172-3D86-3A9B-AE01-4B8E2ACDD38B}"/>
-              </a:ext>
-            </a:extLst>
-          </p:cNvPr>
-          <p:cNvPicPr>
-            <a:picLocks noChangeAspect="1"/>
-          </p:cNvPicPr>
-          <p:nvPr/>
-        </p:nvPicPr>
-        <p:blipFill>
-          <a:blip r:embed="rId3"/>
-          <a:stretch>
-            <a:fillRect/>
-          </a:stretch>
-        </p:blipFill>
-        <p:spPr>
-          <a:xfrm>
-            <a:off x="5086779" y="4665977"/>
-            <a:ext cx="596028" cy="596028"/>
-          </a:xfrm>
-          <a:prstGeom prst="rect">
-            <a:avLst/>
-          </a:prstGeom>
-          <a:ln w="25400">
-            <a:solidFill>
-              <a:schemeClr val="tx1"/>
-            </a:solidFill>
-          </a:ln>
-        </p:spPr>
-      </p:pic>
-      <p:pic>
-        <p:nvPicPr>
-          <p:cNvPr id="38" name="Picture 37" descr="Chart&#10;&#10;Description automatically generated with low confidence">
-            <a:extLst>
-              <a:ext uri="{FF2B5EF4-FFF2-40B4-BE49-F238E27FC236}">
-                <a16:creationId xmlns:a16="http://schemas.microsoft.com/office/drawing/2014/main" id="{747C366B-EAAF-252C-9E6E-76E06BA8FF08}"/>
-              </a:ext>
-            </a:extLst>
-          </p:cNvPr>
-          <p:cNvPicPr>
-            <a:picLocks noChangeAspect="1"/>
-          </p:cNvPicPr>
-          <p:nvPr/>
-        </p:nvPicPr>
-        <p:blipFill>
-          <a:blip r:embed="rId3"/>
-          <a:stretch>
-            <a:fillRect/>
-          </a:stretch>
-        </p:blipFill>
-        <p:spPr>
-          <a:xfrm>
-            <a:off x="4452530" y="4675173"/>
-            <a:ext cx="596028" cy="596028"/>
-          </a:xfrm>
-          <a:prstGeom prst="rect">
-            <a:avLst/>
-          </a:prstGeom>
-          <a:ln w="25400">
-            <a:solidFill>
-              <a:schemeClr val="tx1"/>
-            </a:solidFill>
-          </a:ln>
-        </p:spPr>
-      </p:pic>
-    </p:spTree>
-    <p:extLst>
-      <p:ext uri="{BB962C8B-B14F-4D97-AF65-F5344CB8AC3E}">
-        <p14:creationId xmlns:p14="http://schemas.microsoft.com/office/powerpoint/2010/main" val="4157304260"/>
-      </p:ext>
-    </p:extLst>
-  </p:cSld>
-  <p:clrMapOvr>
-    <a:masterClrMapping/>
-  </p:clrMapOvr>
-</p:sld>
-</file>
-
-<file path=ppt/slides/slide7.xml><?xml version="1.0" encoding="utf-8"?>
-<p:sld xmlns:a="http://schemas.openxmlformats.org/drawingml/2006/main" xmlns:r="http://schemas.openxmlformats.org/officeDocument/2006/relationships" xmlns:p="http://schemas.openxmlformats.org/presentationml/2006/main">
-  <p:cSld>
-    <p:spTree>
-      <p:nvGrpSpPr>
-        <p:cNvPr id="1" name=""/>
-        <p:cNvGrpSpPr/>
-        <p:nvPr/>
-      </p:nvGrpSpPr>
-      <p:grpSpPr>
-        <a:xfrm>
-          <a:off x="0" y="0"/>
-          <a:ext cx="0" cy="0"/>
-          <a:chOff x="0" y="0"/>
-          <a:chExt cx="0" cy="0"/>
-        </a:xfrm>
-      </p:grpSpPr>
-      <p:sp>
-        <p:nvSpPr>
-          <p:cNvPr id="2" name="Title 1">
-            <a:extLst>
-              <a:ext uri="{FF2B5EF4-FFF2-40B4-BE49-F238E27FC236}">
-                <a16:creationId xmlns:a16="http://schemas.microsoft.com/office/drawing/2014/main" id="{870AC1F3-79C1-D54D-9F4F-7CDE7D29D43B}"/>
-              </a:ext>
-            </a:extLst>
-          </p:cNvPr>
-          <p:cNvSpPr>
-            <a:spLocks noGrp="1"/>
-          </p:cNvSpPr>
-          <p:nvPr>
-            <p:ph type="title"/>
-          </p:nvPr>
-        </p:nvSpPr>
-        <p:spPr>
-          <a:xfrm>
-            <a:off x="628650" y="304271"/>
-            <a:ext cx="7886700" cy="671774"/>
-          </a:xfrm>
-        </p:spPr>
-        <p:txBody>
-          <a:bodyPr/>
-          <a:lstStyle/>
-          <a:p>
-            <a:r>
-              <a:rPr lang="en-US" dirty="0"/>
-              <a:t>Resolving Top-Down Collisions</a:t>
-            </a:r>
-          </a:p>
-        </p:txBody>
-      </p:sp>
-      <p:sp>
-        <p:nvSpPr>
-          <p:cNvPr id="9" name="TextBox 8">
-            <a:extLst>
-              <a:ext uri="{FF2B5EF4-FFF2-40B4-BE49-F238E27FC236}">
-                <a16:creationId xmlns:a16="http://schemas.microsoft.com/office/drawing/2014/main" id="{E1513AD7-DD4F-4844-A45C-15B893C5402D}"/>
-              </a:ext>
-            </a:extLst>
-          </p:cNvPr>
-          <p:cNvSpPr txBox="1"/>
-          <p:nvPr/>
-        </p:nvSpPr>
-        <p:spPr>
-          <a:xfrm>
-            <a:off x="269379" y="1803769"/>
-            <a:ext cx="184731" cy="415498"/>
-          </a:xfrm>
-          <a:prstGeom prst="rect">
-            <a:avLst/>
-          </a:prstGeom>
-          <a:noFill/>
-        </p:spPr>
-        <p:txBody>
-          <a:bodyPr wrap="none" rtlCol="0">
-            <a:spAutoFit/>
-          </a:bodyPr>
-          <a:lstStyle/>
-          <a:p>
-            <a:endParaRPr lang="en-US" sz="2100" dirty="0"/>
-          </a:p>
-        </p:txBody>
-      </p:sp>
-      <p:sp>
-        <p:nvSpPr>
-          <p:cNvPr id="4" name="Content Placeholder 3">
-            <a:extLst>
-              <a:ext uri="{FF2B5EF4-FFF2-40B4-BE49-F238E27FC236}">
-                <a16:creationId xmlns:a16="http://schemas.microsoft.com/office/drawing/2014/main" id="{DCAA5EB8-B85C-0147-9DC5-1620B61CF5C9}"/>
-              </a:ext>
-            </a:extLst>
-          </p:cNvPr>
-          <p:cNvSpPr>
-            <a:spLocks noGrp="1"/>
-          </p:cNvSpPr>
-          <p:nvPr>
-            <p:ph idx="1"/>
-          </p:nvPr>
-        </p:nvSpPr>
-        <p:spPr>
-          <a:xfrm>
-            <a:off x="454109" y="976045"/>
-            <a:ext cx="8420511" cy="4434684"/>
-          </a:xfrm>
-        </p:spPr>
-        <p:txBody>
-          <a:bodyPr/>
-          <a:lstStyle/>
-          <a:p>
-            <a:pPr marL="0" indent="0">
-              <a:buNone/>
-            </a:pPr>
-            <a:endParaRPr lang="en-US" dirty="0"/>
-          </a:p>
-          <a:p>
-            <a:endParaRPr lang="en-US" dirty="0"/>
-          </a:p>
-        </p:txBody>
-      </p:sp>
-      <p:sp>
-        <p:nvSpPr>
-          <p:cNvPr id="3" name="TextBox 2">
-            <a:extLst>
-              <a:ext uri="{FF2B5EF4-FFF2-40B4-BE49-F238E27FC236}">
-                <a16:creationId xmlns:a16="http://schemas.microsoft.com/office/drawing/2014/main" id="{7C585519-C7CE-D848-8783-C057C1CB97B2}"/>
-              </a:ext>
-            </a:extLst>
-          </p:cNvPr>
-          <p:cNvSpPr txBox="1"/>
-          <p:nvPr/>
-        </p:nvSpPr>
-        <p:spPr>
-          <a:xfrm>
-            <a:off x="4819536" y="976046"/>
-            <a:ext cx="3534049" cy="2554545"/>
-          </a:xfrm>
-          <a:prstGeom prst="rect">
-            <a:avLst/>
-          </a:prstGeom>
-          <a:noFill/>
-        </p:spPr>
-        <p:txBody>
-          <a:bodyPr wrap="square" rtlCol="0">
-            <a:spAutoFit/>
-          </a:bodyPr>
-          <a:lstStyle/>
-          <a:p>
-            <a:r>
-              <a:rPr lang="en-US" sz="2000" dirty="0"/>
-              <a:t># move in horizontal direction</a:t>
-            </a:r>
-          </a:p>
-          <a:p>
-            <a:r>
-              <a:rPr lang="en-US" sz="2000" dirty="0" err="1"/>
-              <a:t>center_x</a:t>
-            </a:r>
-            <a:r>
-              <a:rPr lang="en-US" sz="2000" dirty="0"/>
-              <a:t> += </a:t>
-            </a:r>
-            <a:r>
-              <a:rPr lang="en-US" sz="2000" dirty="0" err="1"/>
-              <a:t>change_x</a:t>
-            </a:r>
-            <a:endParaRPr lang="en-US" sz="2000" dirty="0"/>
-          </a:p>
-          <a:p>
-            <a:r>
-              <a:rPr lang="en-US" sz="2000" dirty="0"/>
-              <a:t># resolve collisions</a:t>
-            </a:r>
-          </a:p>
-          <a:p>
-            <a:endParaRPr lang="en-US" sz="2000" dirty="0"/>
-          </a:p>
-          <a:p>
-            <a:r>
-              <a:rPr lang="en-US" sz="2000" dirty="0"/>
-              <a:t># move in vertical direction</a:t>
-            </a:r>
-          </a:p>
-          <a:p>
-            <a:r>
-              <a:rPr lang="en-US" sz="2000" dirty="0" err="1"/>
-              <a:t>center_y</a:t>
-            </a:r>
-            <a:r>
-              <a:rPr lang="en-US" sz="2000" dirty="0"/>
-              <a:t> += </a:t>
-            </a:r>
-            <a:r>
-              <a:rPr lang="en-US" sz="2000" dirty="0" err="1"/>
-              <a:t>change_y</a:t>
-            </a:r>
-            <a:endParaRPr lang="en-US" sz="2000" dirty="0"/>
-          </a:p>
-          <a:p>
-            <a:r>
-              <a:rPr lang="en-US" sz="2000" dirty="0"/>
-              <a:t># resolve collisions</a:t>
-            </a:r>
-          </a:p>
-          <a:p>
-            <a:endParaRPr lang="en-US" sz="2000" dirty="0"/>
-          </a:p>
-        </p:txBody>
-      </p:sp>
-      <p:sp>
-        <p:nvSpPr>
-          <p:cNvPr id="24" name="TextBox 23">
-            <a:extLst>
-              <a:ext uri="{FF2B5EF4-FFF2-40B4-BE49-F238E27FC236}">
-                <a16:creationId xmlns:a16="http://schemas.microsoft.com/office/drawing/2014/main" id="{034392D3-5466-4141-97EA-1485D78D40AB}"/>
-              </a:ext>
-            </a:extLst>
-          </p:cNvPr>
-          <p:cNvSpPr txBox="1"/>
-          <p:nvPr/>
-        </p:nvSpPr>
-        <p:spPr>
-          <a:xfrm>
-            <a:off x="1348353" y="1131376"/>
-            <a:ext cx="184731" cy="308418"/>
-          </a:xfrm>
-          <a:prstGeom prst="rect">
-            <a:avLst/>
-          </a:prstGeom>
-          <a:noFill/>
-        </p:spPr>
-        <p:txBody>
-          <a:bodyPr wrap="none" rtlCol="0">
-            <a:spAutoFit/>
-          </a:bodyPr>
-          <a:lstStyle/>
-          <a:p>
-            <a:endParaRPr lang="en-US" dirty="0"/>
-          </a:p>
-        </p:txBody>
-      </p:sp>
-      <p:sp>
-        <p:nvSpPr>
-          <p:cNvPr id="25" name="TextBox 24">
-            <a:extLst>
-              <a:ext uri="{FF2B5EF4-FFF2-40B4-BE49-F238E27FC236}">
-                <a16:creationId xmlns:a16="http://schemas.microsoft.com/office/drawing/2014/main" id="{86AC38CF-2092-6F43-8B35-4D18887AC663}"/>
-              </a:ext>
-            </a:extLst>
-          </p:cNvPr>
-          <p:cNvSpPr txBox="1"/>
-          <p:nvPr/>
-        </p:nvSpPr>
-        <p:spPr>
-          <a:xfrm>
-            <a:off x="269379" y="511444"/>
-            <a:ext cx="184731" cy="308418"/>
-          </a:xfrm>
-          <a:prstGeom prst="rect">
-            <a:avLst/>
-          </a:prstGeom>
-          <a:noFill/>
-        </p:spPr>
-        <p:txBody>
-          <a:bodyPr wrap="none" rtlCol="0">
-            <a:spAutoFit/>
-          </a:bodyPr>
-          <a:lstStyle/>
-          <a:p>
-            <a:endParaRPr lang="en-US" dirty="0"/>
-          </a:p>
-        </p:txBody>
-      </p:sp>
-      <p:pic>
-        <p:nvPicPr>
-          <p:cNvPr id="17" name="Picture 16" descr="Icon&#10;&#10;Description automatically generated">
-            <a:extLst>
-              <a:ext uri="{FF2B5EF4-FFF2-40B4-BE49-F238E27FC236}">
-                <a16:creationId xmlns:a16="http://schemas.microsoft.com/office/drawing/2014/main" id="{1A644215-2140-7283-D202-AFEDC3D893D5}"/>
-              </a:ext>
-            </a:extLst>
-          </p:cNvPr>
-          <p:cNvPicPr>
-            <a:picLocks noChangeAspect="1"/>
-          </p:cNvPicPr>
-          <p:nvPr/>
-        </p:nvPicPr>
-        <p:blipFill>
-          <a:blip r:embed="rId2"/>
-          <a:stretch>
-            <a:fillRect/>
-          </a:stretch>
-        </p:blipFill>
-        <p:spPr>
-          <a:xfrm>
-            <a:off x="2217322" y="2449346"/>
-            <a:ext cx="652793" cy="596028"/>
-          </a:xfrm>
-          <a:prstGeom prst="rect">
-            <a:avLst/>
-          </a:prstGeom>
-          <a:ln w="25400">
-            <a:solidFill>
-              <a:schemeClr val="tx1"/>
-            </a:solidFill>
-          </a:ln>
-        </p:spPr>
-      </p:pic>
-      <p:pic>
-        <p:nvPicPr>
-          <p:cNvPr id="27" name="Picture 26" descr="Chart&#10;&#10;Description automatically generated with low confidence">
-            <a:extLst>
-              <a:ext uri="{FF2B5EF4-FFF2-40B4-BE49-F238E27FC236}">
-                <a16:creationId xmlns:a16="http://schemas.microsoft.com/office/drawing/2014/main" id="{2C2DAB2E-2055-713B-9A38-64EB01A9C0BD}"/>
-              </a:ext>
-            </a:extLst>
-          </p:cNvPr>
-          <p:cNvPicPr>
-            <a:picLocks noChangeAspect="1"/>
-          </p:cNvPicPr>
-          <p:nvPr/>
-        </p:nvPicPr>
-        <p:blipFill>
-          <a:blip r:embed="rId3"/>
-          <a:stretch>
-            <a:fillRect/>
-          </a:stretch>
-        </p:blipFill>
-        <p:spPr>
-          <a:xfrm>
-            <a:off x="1173821" y="4042919"/>
-            <a:ext cx="596028" cy="596028"/>
-          </a:xfrm>
-          <a:prstGeom prst="rect">
-            <a:avLst/>
-          </a:prstGeom>
-          <a:ln w="25400">
-            <a:solidFill>
-              <a:schemeClr val="tx1"/>
-            </a:solidFill>
-          </a:ln>
-        </p:spPr>
-      </p:pic>
-      <p:pic>
-        <p:nvPicPr>
-          <p:cNvPr id="28" name="Picture 27" descr="Chart&#10;&#10;Description automatically generated with low confidence">
-            <a:extLst>
-              <a:ext uri="{FF2B5EF4-FFF2-40B4-BE49-F238E27FC236}">
-                <a16:creationId xmlns:a16="http://schemas.microsoft.com/office/drawing/2014/main" id="{0E2B01E6-B1DB-0C0D-C30A-A865D1C0ED5B}"/>
-              </a:ext>
-            </a:extLst>
-          </p:cNvPr>
-          <p:cNvPicPr>
-            <a:picLocks noChangeAspect="1"/>
-          </p:cNvPicPr>
-          <p:nvPr/>
-        </p:nvPicPr>
-        <p:blipFill>
-          <a:blip r:embed="rId3"/>
-          <a:stretch>
-            <a:fillRect/>
-          </a:stretch>
-        </p:blipFill>
-        <p:spPr>
-          <a:xfrm>
-            <a:off x="544379" y="4051133"/>
-            <a:ext cx="596028" cy="596028"/>
-          </a:xfrm>
-          <a:prstGeom prst="rect">
-            <a:avLst/>
-          </a:prstGeom>
-          <a:ln w="25400">
-            <a:solidFill>
-              <a:schemeClr val="tx1"/>
-            </a:solidFill>
-          </a:ln>
-        </p:spPr>
-      </p:pic>
-      <p:pic>
-        <p:nvPicPr>
-          <p:cNvPr id="30" name="Picture 29" descr="Chart&#10;&#10;Description automatically generated with low confidence">
-            <a:extLst>
-              <a:ext uri="{FF2B5EF4-FFF2-40B4-BE49-F238E27FC236}">
-                <a16:creationId xmlns:a16="http://schemas.microsoft.com/office/drawing/2014/main" id="{C3734589-3FB5-49B0-3878-8F507719DE29}"/>
-              </a:ext>
-            </a:extLst>
-          </p:cNvPr>
-          <p:cNvPicPr>
-            <a:picLocks noChangeAspect="1"/>
-          </p:cNvPicPr>
-          <p:nvPr/>
-        </p:nvPicPr>
-        <p:blipFill>
-          <a:blip r:embed="rId3"/>
-          <a:stretch>
-            <a:fillRect/>
-          </a:stretch>
-        </p:blipFill>
-        <p:spPr>
-          <a:xfrm>
-            <a:off x="1781764" y="4676382"/>
-            <a:ext cx="596028" cy="596028"/>
-          </a:xfrm>
-          <a:prstGeom prst="rect">
-            <a:avLst/>
-          </a:prstGeom>
-          <a:ln w="25400">
-            <a:solidFill>
-              <a:schemeClr val="tx1"/>
-            </a:solidFill>
-          </a:ln>
-        </p:spPr>
-      </p:pic>
-      <p:pic>
-        <p:nvPicPr>
-          <p:cNvPr id="31" name="Picture 30" descr="Chart&#10;&#10;Description automatically generated with low confidence">
-            <a:extLst>
-              <a:ext uri="{FF2B5EF4-FFF2-40B4-BE49-F238E27FC236}">
-                <a16:creationId xmlns:a16="http://schemas.microsoft.com/office/drawing/2014/main" id="{9A8E5010-CB20-493C-9682-0983565F5EF3}"/>
-              </a:ext>
-            </a:extLst>
-          </p:cNvPr>
-          <p:cNvPicPr>
-            <a:picLocks noChangeAspect="1"/>
-          </p:cNvPicPr>
-          <p:nvPr/>
-        </p:nvPicPr>
-        <p:blipFill>
-          <a:blip r:embed="rId3"/>
-          <a:stretch>
-            <a:fillRect/>
-          </a:stretch>
-        </p:blipFill>
-        <p:spPr>
-          <a:xfrm>
-            <a:off x="1781764" y="4049556"/>
-            <a:ext cx="596028" cy="596028"/>
-          </a:xfrm>
-          <a:prstGeom prst="rect">
-            <a:avLst/>
-          </a:prstGeom>
-          <a:ln w="25400">
-            <a:solidFill>
-              <a:schemeClr val="tx1"/>
-            </a:solidFill>
-          </a:ln>
-        </p:spPr>
-      </p:pic>
-      <p:pic>
-        <p:nvPicPr>
-          <p:cNvPr id="32" name="Picture 31" descr="Chart&#10;&#10;Description automatically generated with low confidence">
-            <a:extLst>
-              <a:ext uri="{FF2B5EF4-FFF2-40B4-BE49-F238E27FC236}">
-                <a16:creationId xmlns:a16="http://schemas.microsoft.com/office/drawing/2014/main" id="{3FCC39C9-2B02-E596-34C9-32B00E97A44E}"/>
-              </a:ext>
-            </a:extLst>
-          </p:cNvPr>
-          <p:cNvPicPr>
-            <a:picLocks noChangeAspect="1"/>
-          </p:cNvPicPr>
-          <p:nvPr/>
-        </p:nvPicPr>
-        <p:blipFill>
-          <a:blip r:embed="rId3"/>
-          <a:stretch>
-            <a:fillRect/>
-          </a:stretch>
-        </p:blipFill>
-        <p:spPr>
-          <a:xfrm>
-            <a:off x="3220415" y="2810862"/>
-            <a:ext cx="596028" cy="596028"/>
-          </a:xfrm>
-          <a:prstGeom prst="rect">
-            <a:avLst/>
-          </a:prstGeom>
-          <a:ln w="25400">
-            <a:solidFill>
-              <a:schemeClr val="tx1"/>
-            </a:solidFill>
-          </a:ln>
-        </p:spPr>
-      </p:pic>
-      <p:pic>
-        <p:nvPicPr>
-          <p:cNvPr id="33" name="Picture 32" descr="Chart&#10;&#10;Description automatically generated with low confidence">
-            <a:extLst>
-              <a:ext uri="{FF2B5EF4-FFF2-40B4-BE49-F238E27FC236}">
-                <a16:creationId xmlns:a16="http://schemas.microsoft.com/office/drawing/2014/main" id="{9F13699F-1567-5A6A-C4A1-01A556269AFA}"/>
-              </a:ext>
-            </a:extLst>
-          </p:cNvPr>
-          <p:cNvPicPr>
-            <a:picLocks noChangeAspect="1"/>
-          </p:cNvPicPr>
-          <p:nvPr/>
-        </p:nvPicPr>
-        <p:blipFill>
-          <a:blip r:embed="rId3"/>
-          <a:stretch>
-            <a:fillRect/>
-          </a:stretch>
-        </p:blipFill>
-        <p:spPr>
-          <a:xfrm>
-            <a:off x="1781764" y="3453528"/>
-            <a:ext cx="596028" cy="596028"/>
-          </a:xfrm>
-          <a:prstGeom prst="rect">
-            <a:avLst/>
-          </a:prstGeom>
-          <a:ln w="25400">
-            <a:solidFill>
-              <a:schemeClr val="tx1"/>
-            </a:solidFill>
-          </a:ln>
-        </p:spPr>
-      </p:pic>
-      <p:pic>
-        <p:nvPicPr>
-          <p:cNvPr id="34" name="Picture 33" descr="Chart&#10;&#10;Description automatically generated with low confidence">
-            <a:extLst>
-              <a:ext uri="{FF2B5EF4-FFF2-40B4-BE49-F238E27FC236}">
-                <a16:creationId xmlns:a16="http://schemas.microsoft.com/office/drawing/2014/main" id="{1E98B97C-748F-69CE-E6E2-D51A24328A2A}"/>
-              </a:ext>
-            </a:extLst>
-          </p:cNvPr>
-          <p:cNvPicPr>
-            <a:picLocks noChangeAspect="1"/>
-          </p:cNvPicPr>
-          <p:nvPr/>
-        </p:nvPicPr>
-        <p:blipFill>
-          <a:blip r:embed="rId3"/>
-          <a:stretch>
-            <a:fillRect/>
-          </a:stretch>
-        </p:blipFill>
-        <p:spPr>
-          <a:xfrm>
-            <a:off x="3855583" y="2169354"/>
-            <a:ext cx="596028" cy="596028"/>
-          </a:xfrm>
-          <a:prstGeom prst="rect">
-            <a:avLst/>
-          </a:prstGeom>
-          <a:ln w="25400">
-            <a:solidFill>
-              <a:schemeClr val="tx1"/>
-            </a:solidFill>
-          </a:ln>
-        </p:spPr>
-      </p:pic>
-      <p:pic>
-        <p:nvPicPr>
-          <p:cNvPr id="35" name="Picture 34" descr="Chart&#10;&#10;Description automatically generated with low confidence">
-            <a:extLst>
-              <a:ext uri="{FF2B5EF4-FFF2-40B4-BE49-F238E27FC236}">
-                <a16:creationId xmlns:a16="http://schemas.microsoft.com/office/drawing/2014/main" id="{7224E4B4-27E4-5B94-0A69-458F1E192386}"/>
-              </a:ext>
-            </a:extLst>
-          </p:cNvPr>
-          <p:cNvPicPr>
-            <a:picLocks noChangeAspect="1"/>
-          </p:cNvPicPr>
-          <p:nvPr/>
-        </p:nvPicPr>
-        <p:blipFill>
-          <a:blip r:embed="rId3"/>
-          <a:stretch>
-            <a:fillRect/>
-          </a:stretch>
-        </p:blipFill>
-        <p:spPr>
-          <a:xfrm>
-            <a:off x="3221334" y="2178550"/>
-            <a:ext cx="596028" cy="596028"/>
-          </a:xfrm>
-          <a:prstGeom prst="rect">
-            <a:avLst/>
-          </a:prstGeom>
-          <a:ln w="25400">
-            <a:solidFill>
-              <a:schemeClr val="tx1"/>
-            </a:solidFill>
-          </a:ln>
-        </p:spPr>
-      </p:pic>
-      <p:pic>
-        <p:nvPicPr>
-          <p:cNvPr id="36" name="Picture 35" descr="Chart&#10;&#10;Description automatically generated with low confidence">
-            <a:extLst>
-              <a:ext uri="{FF2B5EF4-FFF2-40B4-BE49-F238E27FC236}">
-                <a16:creationId xmlns:a16="http://schemas.microsoft.com/office/drawing/2014/main" id="{3A734EE6-CDE4-70CA-E08E-D734B255C1F1}"/>
-              </a:ext>
-            </a:extLst>
-          </p:cNvPr>
-          <p:cNvPicPr>
-            <a:picLocks noChangeAspect="1"/>
-          </p:cNvPicPr>
-          <p:nvPr/>
-        </p:nvPicPr>
-        <p:blipFill>
-          <a:blip r:embed="rId3"/>
-          <a:stretch>
-            <a:fillRect/>
-          </a:stretch>
-        </p:blipFill>
-        <p:spPr>
-          <a:xfrm>
-            <a:off x="3823286" y="4665977"/>
-            <a:ext cx="596028" cy="596028"/>
-          </a:xfrm>
-          <a:prstGeom prst="rect">
-            <a:avLst/>
-          </a:prstGeom>
-          <a:ln w="25400">
-            <a:solidFill>
-              <a:schemeClr val="tx1"/>
-            </a:solidFill>
-          </a:ln>
-        </p:spPr>
-      </p:pic>
-      <p:pic>
-        <p:nvPicPr>
-          <p:cNvPr id="37" name="Picture 36" descr="Chart&#10;&#10;Description automatically generated with low confidence">
-            <a:extLst>
-              <a:ext uri="{FF2B5EF4-FFF2-40B4-BE49-F238E27FC236}">
-                <a16:creationId xmlns:a16="http://schemas.microsoft.com/office/drawing/2014/main" id="{7EC94172-3D86-3A9B-AE01-4B8E2ACDD38B}"/>
-              </a:ext>
-            </a:extLst>
-          </p:cNvPr>
-          <p:cNvPicPr>
-            <a:picLocks noChangeAspect="1"/>
-          </p:cNvPicPr>
-          <p:nvPr/>
-        </p:nvPicPr>
-        <p:blipFill>
-          <a:blip r:embed="rId3"/>
-          <a:stretch>
-            <a:fillRect/>
-          </a:stretch>
-        </p:blipFill>
-        <p:spPr>
-          <a:xfrm>
-            <a:off x="5086779" y="4665977"/>
-            <a:ext cx="596028" cy="596028"/>
-          </a:xfrm>
-          <a:prstGeom prst="rect">
-            <a:avLst/>
-          </a:prstGeom>
-          <a:ln w="25400">
-            <a:solidFill>
-              <a:schemeClr val="tx1"/>
-            </a:solidFill>
-          </a:ln>
-        </p:spPr>
-      </p:pic>
-      <p:pic>
-        <p:nvPicPr>
-          <p:cNvPr id="38" name="Picture 37" descr="Chart&#10;&#10;Description automatically generated with low confidence">
-            <a:extLst>
-              <a:ext uri="{FF2B5EF4-FFF2-40B4-BE49-F238E27FC236}">
-                <a16:creationId xmlns:a16="http://schemas.microsoft.com/office/drawing/2014/main" id="{747C366B-EAAF-252C-9E6E-76E06BA8FF08}"/>
-              </a:ext>
-            </a:extLst>
-          </p:cNvPr>
-          <p:cNvPicPr>
-            <a:picLocks noChangeAspect="1"/>
-          </p:cNvPicPr>
-          <p:nvPr/>
-        </p:nvPicPr>
-        <p:blipFill>
-          <a:blip r:embed="rId3"/>
-          <a:stretch>
-            <a:fillRect/>
-          </a:stretch>
-        </p:blipFill>
-        <p:spPr>
-          <a:xfrm>
-            <a:off x="4452530" y="4675173"/>
-            <a:ext cx="596028" cy="596028"/>
-          </a:xfrm>
-          <a:prstGeom prst="rect">
-            <a:avLst/>
-          </a:prstGeom>
-          <a:ln w="25400">
-            <a:solidFill>
-              <a:schemeClr val="tx1"/>
-            </a:solidFill>
-          </a:ln>
-        </p:spPr>
-      </p:pic>
-    </p:spTree>
-    <p:extLst>
-      <p:ext uri="{BB962C8B-B14F-4D97-AF65-F5344CB8AC3E}">
-        <p14:creationId xmlns:p14="http://schemas.microsoft.com/office/powerpoint/2010/main" val="817354367"/>
-      </p:ext>
-    </p:extLst>
-  </p:cSld>
-  <p:clrMapOvr>
-    <a:masterClrMapping/>
-  </p:clrMapOvr>
-</p:sld>
-</file>
-
-<file path=ppt/slides/slide8.xml><?xml version="1.0" encoding="utf-8"?>
-<p:sld xmlns:a="http://schemas.openxmlformats.org/drawingml/2006/main" xmlns:r="http://schemas.openxmlformats.org/officeDocument/2006/relationships" xmlns:p="http://schemas.openxmlformats.org/presentationml/2006/main">
-  <p:cSld>
-    <p:spTree>
-      <p:nvGrpSpPr>
-        <p:cNvPr id="1" name=""/>
-        <p:cNvGrpSpPr/>
-        <p:nvPr/>
-      </p:nvGrpSpPr>
-      <p:grpSpPr>
-        <a:xfrm>
-          <a:off x="0" y="0"/>
-          <a:ext cx="0" cy="0"/>
-          <a:chOff x="0" y="0"/>
-          <a:chExt cx="0" cy="0"/>
-        </a:xfrm>
-      </p:grpSpPr>
-      <p:sp>
-        <p:nvSpPr>
-          <p:cNvPr id="2" name="Title 1">
-            <a:extLst>
-              <a:ext uri="{FF2B5EF4-FFF2-40B4-BE49-F238E27FC236}">
-                <a16:creationId xmlns:a16="http://schemas.microsoft.com/office/drawing/2014/main" id="{870AC1F3-79C1-D54D-9F4F-7CDE7D29D43B}"/>
-              </a:ext>
-            </a:extLst>
-          </p:cNvPr>
-          <p:cNvSpPr>
-            <a:spLocks noGrp="1"/>
-          </p:cNvSpPr>
-          <p:nvPr>
-            <p:ph type="title"/>
-          </p:nvPr>
-        </p:nvSpPr>
-        <p:spPr>
-          <a:xfrm>
-            <a:off x="628650" y="304271"/>
-            <a:ext cx="7886700" cy="671774"/>
-          </a:xfrm>
-        </p:spPr>
-        <p:txBody>
-          <a:bodyPr/>
-          <a:lstStyle/>
-          <a:p>
-            <a:r>
-              <a:rPr lang="en-US" dirty="0"/>
-              <a:t>Horizontal Direction</a:t>
-            </a:r>
-          </a:p>
-        </p:txBody>
-      </p:sp>
-      <p:sp>
-        <p:nvSpPr>
-          <p:cNvPr id="9" name="TextBox 8">
-            <a:extLst>
-              <a:ext uri="{FF2B5EF4-FFF2-40B4-BE49-F238E27FC236}">
-                <a16:creationId xmlns:a16="http://schemas.microsoft.com/office/drawing/2014/main" id="{E1513AD7-DD4F-4844-A45C-15B893C5402D}"/>
-              </a:ext>
-            </a:extLst>
-          </p:cNvPr>
-          <p:cNvSpPr txBox="1"/>
-          <p:nvPr/>
-        </p:nvSpPr>
-        <p:spPr>
-          <a:xfrm>
-            <a:off x="-1419936" y="1803769"/>
-            <a:ext cx="184731" cy="415498"/>
-          </a:xfrm>
-          <a:prstGeom prst="rect">
-            <a:avLst/>
-          </a:prstGeom>
-          <a:noFill/>
-        </p:spPr>
-        <p:txBody>
-          <a:bodyPr wrap="none" rtlCol="0">
-            <a:spAutoFit/>
-          </a:bodyPr>
-          <a:lstStyle/>
-          <a:p>
-            <a:endParaRPr lang="en-US" sz="2100" dirty="0"/>
-          </a:p>
-        </p:txBody>
-      </p:sp>
-      <p:sp>
-        <p:nvSpPr>
-          <p:cNvPr id="4" name="Content Placeholder 3">
-            <a:extLst>
-              <a:ext uri="{FF2B5EF4-FFF2-40B4-BE49-F238E27FC236}">
-                <a16:creationId xmlns:a16="http://schemas.microsoft.com/office/drawing/2014/main" id="{DCAA5EB8-B85C-0147-9DC5-1620B61CF5C9}"/>
-              </a:ext>
-            </a:extLst>
-          </p:cNvPr>
-          <p:cNvSpPr>
-            <a:spLocks noGrp="1"/>
-          </p:cNvSpPr>
-          <p:nvPr>
-            <p:ph idx="1"/>
-          </p:nvPr>
-        </p:nvSpPr>
-        <p:spPr>
-          <a:xfrm>
-            <a:off x="454109" y="976045"/>
-            <a:ext cx="8420511" cy="4434684"/>
-          </a:xfrm>
-        </p:spPr>
-        <p:txBody>
-          <a:bodyPr/>
-          <a:lstStyle/>
-          <a:p>
-            <a:pPr marL="0" indent="0">
-              <a:buNone/>
-            </a:pPr>
-            <a:endParaRPr lang="en-US" dirty="0"/>
-          </a:p>
-          <a:p>
-            <a:endParaRPr lang="en-US" dirty="0"/>
-          </a:p>
-        </p:txBody>
-      </p:sp>
-      <p:sp>
-        <p:nvSpPr>
-          <p:cNvPr id="24" name="TextBox 23">
-            <a:extLst>
-              <a:ext uri="{FF2B5EF4-FFF2-40B4-BE49-F238E27FC236}">
-                <a16:creationId xmlns:a16="http://schemas.microsoft.com/office/drawing/2014/main" id="{034392D3-5466-4141-97EA-1485D78D40AB}"/>
-              </a:ext>
-            </a:extLst>
-          </p:cNvPr>
-          <p:cNvSpPr txBox="1"/>
-          <p:nvPr/>
-        </p:nvSpPr>
-        <p:spPr>
-          <a:xfrm>
-            <a:off x="1348353" y="1131376"/>
-            <a:ext cx="184731" cy="308418"/>
-          </a:xfrm>
-          <a:prstGeom prst="rect">
-            <a:avLst/>
-          </a:prstGeom>
-          <a:noFill/>
-        </p:spPr>
-        <p:txBody>
-          <a:bodyPr wrap="none" rtlCol="0">
-            <a:spAutoFit/>
-          </a:bodyPr>
-          <a:lstStyle/>
-          <a:p>
-            <a:endParaRPr lang="en-US" dirty="0"/>
-          </a:p>
-        </p:txBody>
-      </p:sp>
-      <p:sp>
-        <p:nvSpPr>
-          <p:cNvPr id="25" name="TextBox 24">
-            <a:extLst>
-              <a:ext uri="{FF2B5EF4-FFF2-40B4-BE49-F238E27FC236}">
-                <a16:creationId xmlns:a16="http://schemas.microsoft.com/office/drawing/2014/main" id="{86AC38CF-2092-6F43-8B35-4D18887AC663}"/>
-              </a:ext>
-            </a:extLst>
-          </p:cNvPr>
-          <p:cNvSpPr txBox="1"/>
-          <p:nvPr/>
-        </p:nvSpPr>
-        <p:spPr>
-          <a:xfrm>
-            <a:off x="269379" y="511444"/>
-            <a:ext cx="184731" cy="308418"/>
-          </a:xfrm>
-          <a:prstGeom prst="rect">
-            <a:avLst/>
-          </a:prstGeom>
-          <a:noFill/>
-        </p:spPr>
-        <p:txBody>
-          <a:bodyPr wrap="none" rtlCol="0">
-            <a:spAutoFit/>
-          </a:bodyPr>
-          <a:lstStyle/>
-          <a:p>
-            <a:endParaRPr lang="en-US" dirty="0"/>
-          </a:p>
-        </p:txBody>
-      </p:sp>
-      <p:pic>
-        <p:nvPicPr>
-          <p:cNvPr id="17" name="Picture 16" descr="Icon&#10;&#10;Description automatically generated">
-            <a:extLst>
-              <a:ext uri="{FF2B5EF4-FFF2-40B4-BE49-F238E27FC236}">
-                <a16:creationId xmlns:a16="http://schemas.microsoft.com/office/drawing/2014/main" id="{1A644215-2140-7283-D202-AFEDC3D893D5}"/>
-              </a:ext>
-            </a:extLst>
-          </p:cNvPr>
-          <p:cNvPicPr>
-            <a:picLocks noChangeAspect="1"/>
-          </p:cNvPicPr>
-          <p:nvPr/>
-        </p:nvPicPr>
-        <p:blipFill>
-          <a:blip r:embed="rId2"/>
-          <a:stretch>
-            <a:fillRect/>
-          </a:stretch>
-        </p:blipFill>
-        <p:spPr>
-          <a:xfrm>
-            <a:off x="528007" y="2449346"/>
-            <a:ext cx="652793" cy="596028"/>
-          </a:xfrm>
-          <a:prstGeom prst="rect">
-            <a:avLst/>
-          </a:prstGeom>
-          <a:ln w="25400">
-            <a:solidFill>
-              <a:schemeClr val="tx1"/>
-            </a:solidFill>
-          </a:ln>
-        </p:spPr>
-      </p:pic>
-      <p:pic>
-        <p:nvPicPr>
-          <p:cNvPr id="32" name="Picture 31" descr="Chart&#10;&#10;Description automatically generated with low confidence">
-            <a:extLst>
-              <a:ext uri="{FF2B5EF4-FFF2-40B4-BE49-F238E27FC236}">
-                <a16:creationId xmlns:a16="http://schemas.microsoft.com/office/drawing/2014/main" id="{3FCC39C9-2B02-E596-34C9-32B00E97A44E}"/>
-              </a:ext>
-            </a:extLst>
-          </p:cNvPr>
-          <p:cNvPicPr>
-            <a:picLocks noChangeAspect="1"/>
-          </p:cNvPicPr>
-          <p:nvPr/>
-        </p:nvPicPr>
-        <p:blipFill>
-          <a:blip r:embed="rId3"/>
-          <a:stretch>
-            <a:fillRect/>
-          </a:stretch>
-        </p:blipFill>
-        <p:spPr>
-          <a:xfrm>
-            <a:off x="1531100" y="2810862"/>
-            <a:ext cx="596028" cy="596028"/>
-          </a:xfrm>
-          <a:prstGeom prst="rect">
-            <a:avLst/>
-          </a:prstGeom>
-          <a:ln w="25400">
-            <a:solidFill>
-              <a:schemeClr val="tx1"/>
-            </a:solidFill>
-          </a:ln>
-        </p:spPr>
-      </p:pic>
-      <p:pic>
-        <p:nvPicPr>
-          <p:cNvPr id="34" name="Picture 33" descr="Chart&#10;&#10;Description automatically generated with low confidence">
-            <a:extLst>
-              <a:ext uri="{FF2B5EF4-FFF2-40B4-BE49-F238E27FC236}">
-                <a16:creationId xmlns:a16="http://schemas.microsoft.com/office/drawing/2014/main" id="{1E98B97C-748F-69CE-E6E2-D51A24328A2A}"/>
-              </a:ext>
-            </a:extLst>
-          </p:cNvPr>
-          <p:cNvPicPr>
-            <a:picLocks noChangeAspect="1"/>
-          </p:cNvPicPr>
-          <p:nvPr/>
-        </p:nvPicPr>
-        <p:blipFill>
-          <a:blip r:embed="rId3"/>
-          <a:stretch>
-            <a:fillRect/>
-          </a:stretch>
-        </p:blipFill>
-        <p:spPr>
-          <a:xfrm>
-            <a:off x="2166268" y="2169354"/>
-            <a:ext cx="596028" cy="596028"/>
-          </a:xfrm>
-          <a:prstGeom prst="rect">
-            <a:avLst/>
-          </a:prstGeom>
-          <a:ln w="25400">
-            <a:solidFill>
-              <a:schemeClr val="tx1"/>
-            </a:solidFill>
-          </a:ln>
-        </p:spPr>
-      </p:pic>
-      <p:pic>
-        <p:nvPicPr>
-          <p:cNvPr id="35" name="Picture 34" descr="Chart&#10;&#10;Description automatically generated with low confidence">
-            <a:extLst>
-              <a:ext uri="{FF2B5EF4-FFF2-40B4-BE49-F238E27FC236}">
-                <a16:creationId xmlns:a16="http://schemas.microsoft.com/office/drawing/2014/main" id="{7224E4B4-27E4-5B94-0A69-458F1E192386}"/>
-              </a:ext>
-            </a:extLst>
-          </p:cNvPr>
-          <p:cNvPicPr>
-            <a:picLocks noChangeAspect="1"/>
-          </p:cNvPicPr>
-          <p:nvPr/>
-        </p:nvPicPr>
-        <p:blipFill>
-          <a:blip r:embed="rId3"/>
-          <a:stretch>
-            <a:fillRect/>
-          </a:stretch>
-        </p:blipFill>
-        <p:spPr>
-          <a:xfrm>
-            <a:off x="1532019" y="2178550"/>
-            <a:ext cx="596028" cy="596028"/>
-          </a:xfrm>
-          <a:prstGeom prst="rect">
-            <a:avLst/>
-          </a:prstGeom>
-          <a:ln w="25400">
-            <a:solidFill>
-              <a:schemeClr val="tx1"/>
-            </a:solidFill>
-          </a:ln>
-        </p:spPr>
-      </p:pic>
-      <p:cxnSp>
-        <p:nvCxnSpPr>
-          <p:cNvPr id="5" name="Straight Arrow Connector 4">
-            <a:extLst>
-              <a:ext uri="{FF2B5EF4-FFF2-40B4-BE49-F238E27FC236}">
-                <a16:creationId xmlns:a16="http://schemas.microsoft.com/office/drawing/2014/main" id="{9A063FFF-43E1-CBBA-EA08-7D7E897684B8}"/>
-              </a:ext>
-            </a:extLst>
-          </p:cNvPr>
-          <p:cNvCxnSpPr>
-            <a:cxnSpLocks/>
-          </p:cNvCxnSpPr>
-          <p:nvPr/>
-        </p:nvCxnSpPr>
-        <p:spPr>
-          <a:xfrm flipV="1">
-            <a:off x="511084" y="3201557"/>
-            <a:ext cx="674905" cy="1"/>
-          </a:xfrm>
-          <a:prstGeom prst="straightConnector1">
-            <a:avLst/>
-          </a:prstGeom>
-          <a:ln w="38100">
-            <a:tailEnd type="triangle"/>
-          </a:ln>
-        </p:spPr>
-        <p:style>
-          <a:lnRef idx="1">
-            <a:schemeClr val="dk1"/>
-          </a:lnRef>
-          <a:fillRef idx="0">
-            <a:schemeClr val="dk1"/>
-          </a:fillRef>
-          <a:effectRef idx="0">
-            <a:schemeClr val="dk1"/>
-          </a:effectRef>
-          <a:fontRef idx="minor">
-            <a:schemeClr val="tx1"/>
-          </a:fontRef>
-        </p:style>
-      </p:cxnSp>
-      <p:sp>
-        <p:nvSpPr>
-          <p:cNvPr id="6" name="TextBox 5">
-            <a:extLst>
-              <a:ext uri="{FF2B5EF4-FFF2-40B4-BE49-F238E27FC236}">
-                <a16:creationId xmlns:a16="http://schemas.microsoft.com/office/drawing/2014/main" id="{1C692FAF-D519-8052-F9E3-FC962B05DA45}"/>
-              </a:ext>
-            </a:extLst>
-          </p:cNvPr>
-          <p:cNvSpPr txBox="1"/>
-          <p:nvPr/>
-        </p:nvSpPr>
-        <p:spPr>
-          <a:xfrm>
-            <a:off x="4186924" y="872451"/>
-            <a:ext cx="5332796" cy="369332"/>
-          </a:xfrm>
-          <a:prstGeom prst="rect">
-            <a:avLst/>
-          </a:prstGeom>
-          <a:noFill/>
-        </p:spPr>
-        <p:txBody>
-          <a:bodyPr wrap="square" rtlCol="0">
-            <a:spAutoFit/>
-          </a:bodyPr>
-          <a:lstStyle/>
-          <a:p>
-            <a:r>
-              <a:rPr lang="en-US" sz="1800" dirty="0"/>
-              <a:t>move in horizontal direction</a:t>
-            </a:r>
-          </a:p>
-        </p:txBody>
-      </p:sp>
-    </p:spTree>
-    <p:extLst>
-      <p:ext uri="{BB962C8B-B14F-4D97-AF65-F5344CB8AC3E}">
-        <p14:creationId xmlns:p14="http://schemas.microsoft.com/office/powerpoint/2010/main" val="2057791507"/>
-      </p:ext>
-    </p:extLst>
-  </p:cSld>
-  <p:clrMapOvr>
-    <a:masterClrMapping/>
-  </p:clrMapOvr>
-</p:sld>
-</file>
-
 <file path=ppt/slides/slide9.xml><?xml version="1.0" encoding="utf-8"?>
 <p:sld xmlns:a="http://schemas.openxmlformats.org/drawingml/2006/main" xmlns:r="http://schemas.openxmlformats.org/officeDocument/2006/relationships" xmlns:p="http://schemas.openxmlformats.org/presentationml/2006/main">
   <p:cSld>
@@ -16300,8 +18358,40 @@
           <a:p>
             <a:r>
               <a:rPr lang="en-US" dirty="0"/>
-              <a:t>Horizontal Direction</a:t>
-            </a:r>
+              <a:t>Resolving Top-Down Collisions</a:t>
+            </a:r>
+          </a:p>
+        </p:txBody>
+      </p:sp>
+      <p:sp>
+        <p:nvSpPr>
+          <p:cNvPr id="9" name="TextBox 8">
+            <a:extLst>
+              <a:ext uri="{FF2B5EF4-FFF2-40B4-BE49-F238E27FC236}">
+                <a16:creationId xmlns:a16="http://schemas.microsoft.com/office/drawing/2014/main" id="{E1513AD7-DD4F-4844-A45C-15B893C5402D}"/>
+              </a:ext>
+            </a:extLst>
+          </p:cNvPr>
+          <p:cNvSpPr txBox="1"/>
+          <p:nvPr/>
+        </p:nvSpPr>
+        <p:spPr>
+          <a:xfrm>
+            <a:off x="269379" y="1803769"/>
+            <a:ext cx="184731" cy="415498"/>
+          </a:xfrm>
+          <a:prstGeom prst="rect">
+            <a:avLst/>
+          </a:prstGeom>
+          <a:noFill/>
+        </p:spPr>
+        <p:txBody>
+          <a:bodyPr wrap="none" rtlCol="0">
+            <a:spAutoFit/>
+          </a:bodyPr>
+          <a:lstStyle/>
+          <a:p>
+            <a:endParaRPr lang="en-US" sz="2100" dirty="0"/>
           </a:p>
         </p:txBody>
       </p:sp>
@@ -16343,6 +18433,64 @@
       </p:sp>
       <p:sp>
         <p:nvSpPr>
+          <p:cNvPr id="3" name="TextBox 2">
+            <a:extLst>
+              <a:ext uri="{FF2B5EF4-FFF2-40B4-BE49-F238E27FC236}">
+                <a16:creationId xmlns:a16="http://schemas.microsoft.com/office/drawing/2014/main" id="{7C585519-C7CE-D848-8783-C057C1CB97B2}"/>
+              </a:ext>
+            </a:extLst>
+          </p:cNvPr>
+          <p:cNvSpPr txBox="1"/>
+          <p:nvPr/>
+        </p:nvSpPr>
+        <p:spPr>
+          <a:xfrm>
+            <a:off x="4819536" y="976046"/>
+            <a:ext cx="3534049" cy="2862322"/>
+          </a:xfrm>
+          <a:prstGeom prst="rect">
+            <a:avLst/>
+          </a:prstGeom>
+          <a:noFill/>
+        </p:spPr>
+        <p:txBody>
+          <a:bodyPr wrap="square" rtlCol="0">
+            <a:spAutoFit/>
+          </a:bodyPr>
+          <a:lstStyle/>
+          <a:p>
+            <a:r>
+              <a:rPr lang="en-US" sz="2000" dirty="0"/>
+              <a:t>Instead of moving in both the x and y directions and then try to resolve collisions, it is easier to </a:t>
+            </a:r>
+          </a:p>
+          <a:p>
+            <a:endParaRPr lang="en-US" sz="2000" dirty="0"/>
+          </a:p>
+          <a:p>
+            <a:r>
+              <a:rPr lang="en-US" sz="2000" dirty="0"/>
+              <a:t>1) move in x direction, check for and resolve collision </a:t>
+            </a:r>
+          </a:p>
+          <a:p>
+            <a:r>
+              <a:rPr lang="en-US" sz="2000" dirty="0"/>
+              <a:t>2) then move in </a:t>
+            </a:r>
+            <a:r>
+              <a:rPr lang="en-US" sz="2000"/>
+              <a:t>the y </a:t>
+            </a:r>
+            <a:r>
+              <a:rPr lang="en-US" sz="2000" dirty="0"/>
+              <a:t>direction and then check for and resolve collision again.</a:t>
+            </a:r>
+          </a:p>
+        </p:txBody>
+      </p:sp>
+      <p:sp>
+        <p:nvSpPr>
           <p:cNvPr id="24" name="TextBox 23">
             <a:extLst>
               <a:ext uri="{FF2B5EF4-FFF2-40B4-BE49-F238E27FC236}">
@@ -16375,10 +18523,10 @@
       </p:sp>
       <p:sp>
         <p:nvSpPr>
-          <p:cNvPr id="6" name="TextBox 5">
+          <p:cNvPr id="25" name="TextBox 24">
             <a:extLst>
               <a:ext uri="{FF2B5EF4-FFF2-40B4-BE49-F238E27FC236}">
-                <a16:creationId xmlns:a16="http://schemas.microsoft.com/office/drawing/2014/main" id="{1C692FAF-D519-8052-F9E3-FC962B05DA45}"/>
+                <a16:creationId xmlns:a16="http://schemas.microsoft.com/office/drawing/2014/main" id="{86AC38CF-2092-6F43-8B35-4D18887AC663}"/>
               </a:ext>
             </a:extLst>
           </p:cNvPr>
@@ -16387,8 +18535,8 @@
         </p:nvSpPr>
         <p:spPr>
           <a:xfrm>
-            <a:off x="4186924" y="872451"/>
-            <a:ext cx="5332796" cy="1200329"/>
+            <a:off x="269379" y="511444"/>
+            <a:ext cx="184731" cy="308418"/>
           </a:xfrm>
           <a:prstGeom prst="rect">
             <a:avLst/>
@@ -16396,42 +18544,21 @@
           <a:noFill/>
         </p:spPr>
         <p:txBody>
-          <a:bodyPr wrap="square" rtlCol="0">
+          <a:bodyPr wrap="none" rtlCol="0">
             <a:spAutoFit/>
           </a:bodyPr>
           <a:lstStyle/>
           <a:p>
-            <a:r>
-              <a:rPr lang="en-US" sz="1800" dirty="0"/>
-              <a:t>move in horizontal direction</a:t>
-            </a:r>
-          </a:p>
-          <a:p>
-            <a:r>
-              <a:rPr lang="en-US" sz="1800" dirty="0"/>
-              <a:t>compute list of all platforms which collide with player </a:t>
-            </a:r>
-          </a:p>
-          <a:p>
-            <a:r>
-              <a:rPr lang="en-US" sz="1800" dirty="0"/>
-              <a:t>if list not empty:</a:t>
-            </a:r>
-          </a:p>
-          <a:p>
-            <a:r>
-              <a:rPr lang="en-US" sz="1800" dirty="0"/>
-              <a:t>   if player is moving right:</a:t>
-            </a:r>
+            <a:endParaRPr lang="en-US" dirty="0"/>
           </a:p>
         </p:txBody>
       </p:sp>
       <p:sp>
         <p:nvSpPr>
-          <p:cNvPr id="9" name="TextBox 8">
+          <p:cNvPr id="26" name="TextBox 25">
             <a:extLst>
               <a:ext uri="{FF2B5EF4-FFF2-40B4-BE49-F238E27FC236}">
-                <a16:creationId xmlns:a16="http://schemas.microsoft.com/office/drawing/2014/main" id="{E1513AD7-DD4F-4844-A45C-15B893C5402D}"/>
+                <a16:creationId xmlns:a16="http://schemas.microsoft.com/office/drawing/2014/main" id="{E98C8C1F-BB33-6D4A-B708-CDCD73D16D95}"/>
               </a:ext>
             </a:extLst>
           </p:cNvPr>
@@ -16440,8 +18567,8 @@
         </p:nvSpPr>
         <p:spPr>
           <a:xfrm>
-            <a:off x="269379" y="1803769"/>
-            <a:ext cx="184731" cy="415498"/>
+            <a:off x="454108" y="1160212"/>
+            <a:ext cx="3534049" cy="707886"/>
           </a:xfrm>
           <a:prstGeom prst="rect">
             <a:avLst/>
@@ -16449,21 +18576,75 @@
           <a:noFill/>
         </p:spPr>
         <p:txBody>
-          <a:bodyPr wrap="none" rtlCol="0">
+          <a:bodyPr wrap="square" rtlCol="0">
             <a:spAutoFit/>
           </a:bodyPr>
           <a:lstStyle/>
           <a:p>
-            <a:endParaRPr lang="en-US" sz="2100" dirty="0"/>
+            <a:r>
+              <a:rPr lang="en-US" sz="2000" dirty="0" err="1">
+                <a:solidFill>
+                  <a:srgbClr val="FF0000"/>
+                </a:solidFill>
+              </a:rPr>
+              <a:t>center_x</a:t>
+            </a:r>
+            <a:r>
+              <a:rPr lang="en-US" sz="2000" dirty="0">
+                <a:solidFill>
+                  <a:srgbClr val="FF0000"/>
+                </a:solidFill>
+              </a:rPr>
+              <a:t> += </a:t>
+            </a:r>
+            <a:r>
+              <a:rPr lang="en-US" sz="2000" dirty="0" err="1">
+                <a:solidFill>
+                  <a:srgbClr val="FF0000"/>
+                </a:solidFill>
+              </a:rPr>
+              <a:t>change_x</a:t>
+            </a:r>
+          </a:p>
+          <a:p>
+            <a:r>
+              <a:rPr lang="en-US" sz="2000" dirty="0" err="1">
+                <a:solidFill>
+                  <a:srgbClr val="FF0000"/>
+                </a:solidFill>
+              </a:rPr>
+              <a:t>center_y</a:t>
+            </a:r>
+            <a:r>
+              <a:rPr lang="en-US" sz="2000" dirty="0">
+                <a:solidFill>
+                  <a:srgbClr val="FF0000"/>
+                </a:solidFill>
+              </a:rPr>
+              <a:t> += </a:t>
+            </a:r>
+            <a:r>
+              <a:rPr lang="en-US" sz="2000" dirty="0" err="1">
+                <a:solidFill>
+                  <a:srgbClr val="FF0000"/>
+                </a:solidFill>
+              </a:rPr>
+              <a:t>change_y</a:t>
+            </a:r>
+            <a:endParaRPr lang="en-US" sz="2000" dirty="0">
+              <a:solidFill>
+                <a:srgbClr val="FF0000"/>
+              </a:solidFill>
+            </a:endParaRPr>
           </a:p>
         </p:txBody>
       </p:sp>
       <p:pic>
         <p:nvPicPr>
-          <p:cNvPr id="7" name="Picture 6" descr="Chart&#10;&#10;Description automatically generated with low confidence">
+          <p:cNvPr id="17" name="Picture 16" descr="Icon&#10;&#10;Description automatically generated">
             <a:extLst>
               <a:ext uri="{FF2B5EF4-FFF2-40B4-BE49-F238E27FC236}">
-                <a16:creationId xmlns:a16="http://schemas.microsoft.com/office/drawing/2014/main" id="{A0D23272-9B45-A86D-DB9A-7D6E46E42387}"/>
+                <a16:creationId xmlns:a16="http://schemas.microsoft.com/office/drawing/2014/main" id="{1A644215-2140-7283-D202-AFEDC3D893D5}"/>
               </a:ext>
             </a:extLst>
           </p:cNvPr>
@@ -16480,8 +18661,8 @@
         </p:blipFill>
         <p:spPr>
           <a:xfrm>
-            <a:off x="1531100" y="2810862"/>
-            <a:ext cx="596028" cy="596028"/>
+            <a:off x="2241225" y="2449346"/>
+            <a:ext cx="652793" cy="596028"/>
           </a:xfrm>
           <a:prstGeom prst="rect">
             <a:avLst/>
@@ -16495,121 +18676,10 @@
       </p:pic>
       <p:pic>
         <p:nvPicPr>
-          <p:cNvPr id="8" name="Picture 7" descr="Chart&#10;&#10;Description automatically generated with low confidence">
+          <p:cNvPr id="27" name="Picture 26" descr="Chart&#10;&#10;Description automatically generated with low confidence">
             <a:extLst>
               <a:ext uri="{FF2B5EF4-FFF2-40B4-BE49-F238E27FC236}">
-                <a16:creationId xmlns:a16="http://schemas.microsoft.com/office/drawing/2014/main" id="{47BFC2F5-DA4E-0C8F-01D5-A90ACF69A5FB}"/>
-              </a:ext>
-            </a:extLst>
-          </p:cNvPr>
-          <p:cNvPicPr>
-            <a:picLocks noChangeAspect="1"/>
-          </p:cNvPicPr>
-          <p:nvPr/>
-        </p:nvPicPr>
-        <p:blipFill>
-          <a:blip r:embed="rId2"/>
-          <a:stretch>
-            <a:fillRect/>
-          </a:stretch>
-        </p:blipFill>
-        <p:spPr>
-          <a:xfrm>
-            <a:off x="2166268" y="2169354"/>
-            <a:ext cx="596028" cy="596028"/>
-          </a:xfrm>
-          <a:prstGeom prst="rect">
-            <a:avLst/>
-          </a:prstGeom>
-          <a:ln w="25400">
-            <a:solidFill>
-              <a:schemeClr val="tx1"/>
-            </a:solidFill>
-          </a:ln>
-        </p:spPr>
-      </p:pic>
-      <p:pic>
-        <p:nvPicPr>
-          <p:cNvPr id="10" name="Picture 9" descr="Chart&#10;&#10;Description automatically generated with low confidence">
-            <a:extLst>
-              <a:ext uri="{FF2B5EF4-FFF2-40B4-BE49-F238E27FC236}">
-                <a16:creationId xmlns:a16="http://schemas.microsoft.com/office/drawing/2014/main" id="{2BD75169-2647-055A-A5B5-311D5FAB4EF5}"/>
-              </a:ext>
-            </a:extLst>
-          </p:cNvPr>
-          <p:cNvPicPr>
-            <a:picLocks noChangeAspect="1"/>
-          </p:cNvPicPr>
-          <p:nvPr/>
-        </p:nvPicPr>
-        <p:blipFill>
-          <a:blip r:embed="rId2"/>
-          <a:stretch>
-            <a:fillRect/>
-          </a:stretch>
-        </p:blipFill>
-        <p:spPr>
-          <a:xfrm>
-            <a:off x="1532019" y="2178550"/>
-            <a:ext cx="596028" cy="596028"/>
-          </a:xfrm>
-          <a:prstGeom prst="rect">
-            <a:avLst/>
-          </a:prstGeom>
-          <a:ln w="25400">
-            <a:solidFill>
-              <a:schemeClr val="tx1"/>
-            </a:solidFill>
-          </a:ln>
-        </p:spPr>
-      </p:pic>
-      <p:cxnSp>
-        <p:nvCxnSpPr>
-          <p:cNvPr id="11" name="Straight Arrow Connector 10">
-            <a:extLst>
-              <a:ext uri="{FF2B5EF4-FFF2-40B4-BE49-F238E27FC236}">
-                <a16:creationId xmlns:a16="http://schemas.microsoft.com/office/drawing/2014/main" id="{D9A448CF-3932-02F2-C4E0-8AD14CDF85C2}"/>
-              </a:ext>
-            </a:extLst>
-          </p:cNvPr>
-          <p:cNvCxnSpPr>
-            <a:cxnSpLocks/>
-          </p:cNvCxnSpPr>
-          <p:nvPr/>
-        </p:nvCxnSpPr>
-        <p:spPr>
-          <a:xfrm flipV="1">
-            <a:off x="511084" y="3201557"/>
-            <a:ext cx="674905" cy="1"/>
-          </a:xfrm>
-          <a:prstGeom prst="straightConnector1">
-            <a:avLst/>
-          </a:prstGeom>
-          <a:ln w="38100">
-            <a:tailEnd type="triangle"/>
-          </a:ln>
-        </p:spPr>
-        <p:style>
-          <a:lnRef idx="1">
-            <a:schemeClr val="dk1"/>
-          </a:lnRef>
-          <a:fillRef idx="0">
-            <a:schemeClr val="dk1"/>
-          </a:fillRef>
-          <a:effectRef idx="0">
-            <a:schemeClr val="dk1"/>
-          </a:effectRef>
-          <a:fontRef idx="minor">
-            <a:schemeClr val="tx1"/>
-          </a:fontRef>
-        </p:style>
-      </p:cxnSp>
-      <p:pic>
-        <p:nvPicPr>
-          <p:cNvPr id="3" name="Picture 2" descr="Icon&#10;&#10;Description automatically generated">
-            <a:extLst>
-              <a:ext uri="{FF2B5EF4-FFF2-40B4-BE49-F238E27FC236}">
-                <a16:creationId xmlns:a16="http://schemas.microsoft.com/office/drawing/2014/main" id="{2A5CC9F2-5BFB-BD96-AF66-C02B15EF7CBA}"/>
+                <a16:creationId xmlns:a16="http://schemas.microsoft.com/office/drawing/2014/main" id="{2C2DAB2E-2055-713B-9A38-64EB01A9C0BD}"/>
               </a:ext>
             </a:extLst>
           </p:cNvPr>
@@ -16626,8 +18696,8 @@
         </p:blipFill>
         <p:spPr>
           <a:xfrm>
-            <a:off x="1194434" y="2449346"/>
-            <a:ext cx="652793" cy="596028"/>
+            <a:off x="1173821" y="4042919"/>
+            <a:ext cx="596028" cy="596028"/>
           </a:xfrm>
           <a:prstGeom prst="rect">
             <a:avLst/>
@@ -16639,42 +18709,360 @@
           </a:ln>
         </p:spPr>
       </p:pic>
-      <p:sp>
-        <p:nvSpPr>
-          <p:cNvPr id="25" name="TextBox 24">
+      <p:pic>
+        <p:nvPicPr>
+          <p:cNvPr id="28" name="Picture 27" descr="Chart&#10;&#10;Description automatically generated with low confidence">
             <a:extLst>
               <a:ext uri="{FF2B5EF4-FFF2-40B4-BE49-F238E27FC236}">
-                <a16:creationId xmlns:a16="http://schemas.microsoft.com/office/drawing/2014/main" id="{86AC38CF-2092-6F43-8B35-4D18887AC663}"/>
+                <a16:creationId xmlns:a16="http://schemas.microsoft.com/office/drawing/2014/main" id="{0E2B01E6-B1DB-0C0D-C30A-A865D1C0ED5B}"/>
               </a:ext>
             </a:extLst>
           </p:cNvPr>
-          <p:cNvSpPr txBox="1"/>
+          <p:cNvPicPr>
+            <a:picLocks noChangeAspect="1"/>
+          </p:cNvPicPr>
           <p:nvPr/>
-        </p:nvSpPr>
+        </p:nvPicPr>
+        <p:blipFill>
+          <a:blip r:embed="rId3"/>
+          <a:stretch>
+            <a:fillRect/>
+          </a:stretch>
+        </p:blipFill>
         <p:spPr>
           <a:xfrm>
-            <a:off x="269379" y="511444"/>
-            <a:ext cx="184731" cy="308418"/>
+            <a:off x="544379" y="4051133"/>
+            <a:ext cx="596028" cy="596028"/>
           </a:xfrm>
           <a:prstGeom prst="rect">
             <a:avLst/>
           </a:prstGeom>
-          <a:noFill/>
-        </p:spPr>
-        <p:txBody>
-          <a:bodyPr wrap="none" rtlCol="0">
-            <a:spAutoFit/>
-          </a:bodyPr>
-          <a:lstStyle/>
-          <a:p>
-            <a:endParaRPr lang="en-US" dirty="0"/>
-          </a:p>
-        </p:txBody>
-      </p:sp>
+          <a:ln w="25400">
+            <a:solidFill>
+              <a:schemeClr val="tx1"/>
+            </a:solidFill>
+          </a:ln>
+        </p:spPr>
+      </p:pic>
+      <p:pic>
+        <p:nvPicPr>
+          <p:cNvPr id="30" name="Picture 29" descr="Chart&#10;&#10;Description automatically generated with low confidence">
+            <a:extLst>
+              <a:ext uri="{FF2B5EF4-FFF2-40B4-BE49-F238E27FC236}">
+                <a16:creationId xmlns:a16="http://schemas.microsoft.com/office/drawing/2014/main" id="{C3734589-3FB5-49B0-3878-8F507719DE29}"/>
+              </a:ext>
+            </a:extLst>
+          </p:cNvPr>
+          <p:cNvPicPr>
+            <a:picLocks noChangeAspect="1"/>
+          </p:cNvPicPr>
+          <p:nvPr/>
+        </p:nvPicPr>
+        <p:blipFill>
+          <a:blip r:embed="rId3"/>
+          <a:stretch>
+            <a:fillRect/>
+          </a:stretch>
+        </p:blipFill>
+        <p:spPr>
+          <a:xfrm>
+            <a:off x="1781764" y="4676382"/>
+            <a:ext cx="596028" cy="596028"/>
+          </a:xfrm>
+          <a:prstGeom prst="rect">
+            <a:avLst/>
+          </a:prstGeom>
+          <a:ln w="25400">
+            <a:solidFill>
+              <a:schemeClr val="tx1"/>
+            </a:solidFill>
+          </a:ln>
+        </p:spPr>
+      </p:pic>
+      <p:pic>
+        <p:nvPicPr>
+          <p:cNvPr id="31" name="Picture 30" descr="Chart&#10;&#10;Description automatically generated with low confidence">
+            <a:extLst>
+              <a:ext uri="{FF2B5EF4-FFF2-40B4-BE49-F238E27FC236}">
+                <a16:creationId xmlns:a16="http://schemas.microsoft.com/office/drawing/2014/main" id="{9A8E5010-CB20-493C-9682-0983565F5EF3}"/>
+              </a:ext>
+            </a:extLst>
+          </p:cNvPr>
+          <p:cNvPicPr>
+            <a:picLocks noChangeAspect="1"/>
+          </p:cNvPicPr>
+          <p:nvPr/>
+        </p:nvPicPr>
+        <p:blipFill>
+          <a:blip r:embed="rId3"/>
+          <a:stretch>
+            <a:fillRect/>
+          </a:stretch>
+        </p:blipFill>
+        <p:spPr>
+          <a:xfrm>
+            <a:off x="1781764" y="4049556"/>
+            <a:ext cx="596028" cy="596028"/>
+          </a:xfrm>
+          <a:prstGeom prst="rect">
+            <a:avLst/>
+          </a:prstGeom>
+          <a:ln w="25400">
+            <a:solidFill>
+              <a:schemeClr val="tx1"/>
+            </a:solidFill>
+          </a:ln>
+        </p:spPr>
+      </p:pic>
+      <p:pic>
+        <p:nvPicPr>
+          <p:cNvPr id="32" name="Picture 31" descr="Chart&#10;&#10;Description automatically generated with low confidence">
+            <a:extLst>
+              <a:ext uri="{FF2B5EF4-FFF2-40B4-BE49-F238E27FC236}">
+                <a16:creationId xmlns:a16="http://schemas.microsoft.com/office/drawing/2014/main" id="{3FCC39C9-2B02-E596-34C9-32B00E97A44E}"/>
+              </a:ext>
+            </a:extLst>
+          </p:cNvPr>
+          <p:cNvPicPr>
+            <a:picLocks noChangeAspect="1"/>
+          </p:cNvPicPr>
+          <p:nvPr/>
+        </p:nvPicPr>
+        <p:blipFill>
+          <a:blip r:embed="rId3"/>
+          <a:stretch>
+            <a:fillRect/>
+          </a:stretch>
+        </p:blipFill>
+        <p:spPr>
+          <a:xfrm>
+            <a:off x="3220415" y="2810862"/>
+            <a:ext cx="596028" cy="596028"/>
+          </a:xfrm>
+          <a:prstGeom prst="rect">
+            <a:avLst/>
+          </a:prstGeom>
+          <a:ln w="25400">
+            <a:solidFill>
+              <a:schemeClr val="tx1"/>
+            </a:solidFill>
+          </a:ln>
+        </p:spPr>
+      </p:pic>
+      <p:pic>
+        <p:nvPicPr>
+          <p:cNvPr id="33" name="Picture 32" descr="Chart&#10;&#10;Description automatically generated with low confidence">
+            <a:extLst>
+              <a:ext uri="{FF2B5EF4-FFF2-40B4-BE49-F238E27FC236}">
+                <a16:creationId xmlns:a16="http://schemas.microsoft.com/office/drawing/2014/main" id="{9F13699F-1567-5A6A-C4A1-01A556269AFA}"/>
+              </a:ext>
+            </a:extLst>
+          </p:cNvPr>
+          <p:cNvPicPr>
+            <a:picLocks noChangeAspect="1"/>
+          </p:cNvPicPr>
+          <p:nvPr/>
+        </p:nvPicPr>
+        <p:blipFill>
+          <a:blip r:embed="rId3"/>
+          <a:stretch>
+            <a:fillRect/>
+          </a:stretch>
+        </p:blipFill>
+        <p:spPr>
+          <a:xfrm>
+            <a:off x="1781764" y="3453528"/>
+            <a:ext cx="596028" cy="596028"/>
+          </a:xfrm>
+          <a:prstGeom prst="rect">
+            <a:avLst/>
+          </a:prstGeom>
+          <a:ln w="25400">
+            <a:solidFill>
+              <a:schemeClr val="tx1"/>
+            </a:solidFill>
+          </a:ln>
+        </p:spPr>
+      </p:pic>
+      <p:pic>
+        <p:nvPicPr>
+          <p:cNvPr id="34" name="Picture 33" descr="Chart&#10;&#10;Description automatically generated with low confidence">
+            <a:extLst>
+              <a:ext uri="{FF2B5EF4-FFF2-40B4-BE49-F238E27FC236}">
+                <a16:creationId xmlns:a16="http://schemas.microsoft.com/office/drawing/2014/main" id="{1E98B97C-748F-69CE-E6E2-D51A24328A2A}"/>
+              </a:ext>
+            </a:extLst>
+          </p:cNvPr>
+          <p:cNvPicPr>
+            <a:picLocks noChangeAspect="1"/>
+          </p:cNvPicPr>
+          <p:nvPr/>
+        </p:nvPicPr>
+        <p:blipFill>
+          <a:blip r:embed="rId3"/>
+          <a:stretch>
+            <a:fillRect/>
+          </a:stretch>
+        </p:blipFill>
+        <p:spPr>
+          <a:xfrm>
+            <a:off x="3855583" y="2169354"/>
+            <a:ext cx="596028" cy="596028"/>
+          </a:xfrm>
+          <a:prstGeom prst="rect">
+            <a:avLst/>
+          </a:prstGeom>
+          <a:ln w="25400">
+            <a:solidFill>
+              <a:schemeClr val="tx1"/>
+            </a:solidFill>
+          </a:ln>
+        </p:spPr>
+      </p:pic>
+      <p:pic>
+        <p:nvPicPr>
+          <p:cNvPr id="35" name="Picture 34" descr="Chart&#10;&#10;Description automatically generated with low confidence">
+            <a:extLst>
+              <a:ext uri="{FF2B5EF4-FFF2-40B4-BE49-F238E27FC236}">
+                <a16:creationId xmlns:a16="http://schemas.microsoft.com/office/drawing/2014/main" id="{7224E4B4-27E4-5B94-0A69-458F1E192386}"/>
+              </a:ext>
+            </a:extLst>
+          </p:cNvPr>
+          <p:cNvPicPr>
+            <a:picLocks noChangeAspect="1"/>
+          </p:cNvPicPr>
+          <p:nvPr/>
+        </p:nvPicPr>
+        <p:blipFill>
+          <a:blip r:embed="rId3"/>
+          <a:stretch>
+            <a:fillRect/>
+          </a:stretch>
+        </p:blipFill>
+        <p:spPr>
+          <a:xfrm>
+            <a:off x="3221334" y="2178550"/>
+            <a:ext cx="596028" cy="596028"/>
+          </a:xfrm>
+          <a:prstGeom prst="rect">
+            <a:avLst/>
+          </a:prstGeom>
+          <a:ln w="25400">
+            <a:solidFill>
+              <a:schemeClr val="tx1"/>
+            </a:solidFill>
+          </a:ln>
+        </p:spPr>
+      </p:pic>
+      <p:pic>
+        <p:nvPicPr>
+          <p:cNvPr id="36" name="Picture 35" descr="Chart&#10;&#10;Description automatically generated with low confidence">
+            <a:extLst>
+              <a:ext uri="{FF2B5EF4-FFF2-40B4-BE49-F238E27FC236}">
+                <a16:creationId xmlns:a16="http://schemas.microsoft.com/office/drawing/2014/main" id="{3A734EE6-CDE4-70CA-E08E-D734B255C1F1}"/>
+              </a:ext>
+            </a:extLst>
+          </p:cNvPr>
+          <p:cNvPicPr>
+            <a:picLocks noChangeAspect="1"/>
+          </p:cNvPicPr>
+          <p:nvPr/>
+        </p:nvPicPr>
+        <p:blipFill>
+          <a:blip r:embed="rId3"/>
+          <a:stretch>
+            <a:fillRect/>
+          </a:stretch>
+        </p:blipFill>
+        <p:spPr>
+          <a:xfrm>
+            <a:off x="3823286" y="4665977"/>
+            <a:ext cx="596028" cy="596028"/>
+          </a:xfrm>
+          <a:prstGeom prst="rect">
+            <a:avLst/>
+          </a:prstGeom>
+          <a:ln w="25400">
+            <a:solidFill>
+              <a:schemeClr val="tx1"/>
+            </a:solidFill>
+          </a:ln>
+        </p:spPr>
+      </p:pic>
+      <p:pic>
+        <p:nvPicPr>
+          <p:cNvPr id="37" name="Picture 36" descr="Chart&#10;&#10;Description automatically generated with low confidence">
+            <a:extLst>
+              <a:ext uri="{FF2B5EF4-FFF2-40B4-BE49-F238E27FC236}">
+                <a16:creationId xmlns:a16="http://schemas.microsoft.com/office/drawing/2014/main" id="{7EC94172-3D86-3A9B-AE01-4B8E2ACDD38B}"/>
+              </a:ext>
+            </a:extLst>
+          </p:cNvPr>
+          <p:cNvPicPr>
+            <a:picLocks noChangeAspect="1"/>
+          </p:cNvPicPr>
+          <p:nvPr/>
+        </p:nvPicPr>
+        <p:blipFill>
+          <a:blip r:embed="rId3"/>
+          <a:stretch>
+            <a:fillRect/>
+          </a:stretch>
+        </p:blipFill>
+        <p:spPr>
+          <a:xfrm>
+            <a:off x="5086779" y="4665977"/>
+            <a:ext cx="596028" cy="596028"/>
+          </a:xfrm>
+          <a:prstGeom prst="rect">
+            <a:avLst/>
+          </a:prstGeom>
+          <a:ln w="25400">
+            <a:solidFill>
+              <a:schemeClr val="tx1"/>
+            </a:solidFill>
+          </a:ln>
+        </p:spPr>
+      </p:pic>
+      <p:pic>
+        <p:nvPicPr>
+          <p:cNvPr id="38" name="Picture 37" descr="Chart&#10;&#10;Description automatically generated with low confidence">
+            <a:extLst>
+              <a:ext uri="{FF2B5EF4-FFF2-40B4-BE49-F238E27FC236}">
+                <a16:creationId xmlns:a16="http://schemas.microsoft.com/office/drawing/2014/main" id="{747C366B-EAAF-252C-9E6E-76E06BA8FF08}"/>
+              </a:ext>
+            </a:extLst>
+          </p:cNvPr>
+          <p:cNvPicPr>
+            <a:picLocks noChangeAspect="1"/>
+          </p:cNvPicPr>
+          <p:nvPr/>
+        </p:nvPicPr>
+        <p:blipFill>
+          <a:blip r:embed="rId3"/>
+          <a:stretch>
+            <a:fillRect/>
+          </a:stretch>
+        </p:blipFill>
+        <p:spPr>
+          <a:xfrm>
+            <a:off x="4452530" y="4675173"/>
+            <a:ext cx="596028" cy="596028"/>
+          </a:xfrm>
+          <a:prstGeom prst="rect">
+            <a:avLst/>
+          </a:prstGeom>
+          <a:ln w="25400">
+            <a:solidFill>
+              <a:schemeClr val="tx1"/>
+            </a:solidFill>
+          </a:ln>
+        </p:spPr>
+      </p:pic>
     </p:spTree>
     <p:extLst>
       <p:ext uri="{BB962C8B-B14F-4D97-AF65-F5344CB8AC3E}">
-        <p14:creationId xmlns:p14="http://schemas.microsoft.com/office/powerpoint/2010/main" val="674449138"/>
+        <p14:creationId xmlns:p14="http://schemas.microsoft.com/office/powerpoint/2010/main" val="4157304260"/>
       </p:ext>
     </p:extLst>
   </p:cSld>
